--- a/CeTI/b0_intro/B0_1_CeTI_TP.pptx
+++ b/CeTI/b0_intro/B0_1_CeTI_TP.pptx
@@ -12296,10 +12296,10 @@
       </p:sp>
       <p:sp>
         <p:nvSpPr>
-          <p:cNvPr id="6" name="CustomShape 3">
-            <a:extLst>
-              <a:ext uri="{FF2B5EF4-FFF2-40B4-BE49-F238E27FC236}">
-                <a16:creationId xmlns:a16="http://schemas.microsoft.com/office/drawing/2014/main" id="{5D708399-807B-5432-94CB-AECBD6EA9803}"/>
+          <p:cNvPr id="7" name="CustomShape 3">
+            <a:extLst>
+              <a:ext uri="{FF2B5EF4-FFF2-40B4-BE49-F238E27FC236}">
+                <a16:creationId xmlns:a16="http://schemas.microsoft.com/office/drawing/2014/main" id="{FAA12336-33C4-8BF9-6F56-F22DC523B434}"/>
               </a:ext>
             </a:extLst>
           </p:cNvPr>
@@ -12309,7 +12309,7 @@
         <p:spPr>
           <a:xfrm>
             <a:off x="6388201" y="3152988"/>
-            <a:ext cx="3348569" cy="461665"/>
+            <a:ext cx="4122483" cy="461665"/>
           </a:xfrm>
           <a:prstGeom prst="rect">
             <a:avLst/>
@@ -12368,10 +12368,10 @@
       </p:sp>
       <p:sp>
         <p:nvSpPr>
-          <p:cNvPr id="16" name="CustomShape 3">
-            <a:extLst>
-              <a:ext uri="{FF2B5EF4-FFF2-40B4-BE49-F238E27FC236}">
-                <a16:creationId xmlns:a16="http://schemas.microsoft.com/office/drawing/2014/main" id="{1614AF41-AF20-58CE-3DEF-1FE095E74CE8}"/>
+          <p:cNvPr id="8" name="CustomShape 3">
+            <a:extLst>
+              <a:ext uri="{FF2B5EF4-FFF2-40B4-BE49-F238E27FC236}">
+                <a16:creationId xmlns:a16="http://schemas.microsoft.com/office/drawing/2014/main" id="{CC746637-A5C0-E84F-582D-ABD37AFAAEBB}"/>
               </a:ext>
             </a:extLst>
           </p:cNvPr>
@@ -12380,8 +12380,8 @@
         </p:nvSpPr>
         <p:spPr>
           <a:xfrm>
-            <a:off x="7069579" y="3800179"/>
-            <a:ext cx="3348569" cy="492443"/>
+            <a:off x="7637136" y="4055814"/>
+            <a:ext cx="2880851" cy="461665"/>
           </a:xfrm>
           <a:prstGeom prst="rect">
             <a:avLst/>
@@ -12420,7 +12420,7 @@
               </a:tabLst>
             </a:pPr>
             <a:r>
-              <a:rPr lang="fr-FR" sz="2000" b="1" strike="noStrike" spc="-1" dirty="0">
+              <a:rPr lang="fr-FR" b="1" strike="noStrike" spc="-1" dirty="0">
                 <a:solidFill>
                   <a:schemeClr val="bg1"/>
                 </a:solidFill>
@@ -12429,7 +12429,7 @@
               </a:rPr>
               <a:t>(1) Numérique</a:t>
             </a:r>
-            <a:endParaRPr lang="fr-FR" sz="2000" b="0" strike="noStrike" spc="-1" dirty="0">
+            <a:endParaRPr lang="fr-FR" b="0" strike="noStrike" spc="-1" dirty="0">
               <a:solidFill>
                 <a:schemeClr val="bg1"/>
               </a:solidFill>
@@ -12440,10 +12440,10 @@
       </p:sp>
       <p:sp>
         <p:nvSpPr>
-          <p:cNvPr id="17" name="CustomShape 3">
-            <a:extLst>
-              <a:ext uri="{FF2B5EF4-FFF2-40B4-BE49-F238E27FC236}">
-                <a16:creationId xmlns:a16="http://schemas.microsoft.com/office/drawing/2014/main" id="{9C09A4C8-48BC-5594-43BF-68F44822B298}"/>
+          <p:cNvPr id="9" name="CustomShape 3">
+            <a:extLst>
+              <a:ext uri="{FF2B5EF4-FFF2-40B4-BE49-F238E27FC236}">
+                <a16:creationId xmlns:a16="http://schemas.microsoft.com/office/drawing/2014/main" id="{CF0AB962-9DE7-E1D9-4490-202562E9E914}"/>
               </a:ext>
             </a:extLst>
           </p:cNvPr>
@@ -12452,8 +12452,8 @@
         </p:nvSpPr>
         <p:spPr>
           <a:xfrm>
-            <a:off x="7059414" y="4447370"/>
-            <a:ext cx="3348569" cy="492443"/>
+            <a:off x="6398273" y="4958644"/>
+            <a:ext cx="4112410" cy="461665"/>
           </a:xfrm>
           <a:prstGeom prst="rect">
             <a:avLst/>
@@ -12492,7 +12492,7 @@
               </a:tabLst>
             </a:pPr>
             <a:r>
-              <a:rPr lang="fr-FR" sz="2000" b="1" strike="noStrike" spc="-1" dirty="0">
+              <a:rPr lang="fr-FR" b="1" strike="noStrike" spc="-1" dirty="0">
                 <a:solidFill>
                   <a:schemeClr val="bg1"/>
                 </a:solidFill>
@@ -12502,7 +12502,7 @@
               <a:t>(2) </a:t>
             </a:r>
             <a:r>
-              <a:rPr lang="fr-FR" sz="2000" b="1" strike="noStrike" spc="-1" dirty="0" err="1">
+              <a:rPr lang="fr-FR" b="1" strike="noStrike" spc="-1" dirty="0" err="1">
                 <a:solidFill>
                   <a:schemeClr val="bg1"/>
                 </a:solidFill>
@@ -12511,12 +12511,383 @@
               </a:rPr>
               <a:t>Photodétection</a:t>
             </a:r>
-            <a:endParaRPr lang="fr-FR" sz="2000" b="0" strike="noStrike" spc="-1" dirty="0">
+            <a:endParaRPr lang="fr-FR" b="0" strike="noStrike" spc="-1" dirty="0">
               <a:solidFill>
                 <a:schemeClr val="bg1"/>
               </a:solidFill>
               <a:latin typeface="Arial"/>
             </a:endParaRPr>
+          </a:p>
+        </p:txBody>
+      </p:sp>
+      <p:sp>
+        <p:nvSpPr>
+          <p:cNvPr id="10" name="CustomShape 3">
+            <a:extLst>
+              <a:ext uri="{FF2B5EF4-FFF2-40B4-BE49-F238E27FC236}">
+                <a16:creationId xmlns:a16="http://schemas.microsoft.com/office/drawing/2014/main" id="{A61C3286-2A0C-70A6-2DDF-F1F775C29179}"/>
+              </a:ext>
+            </a:extLst>
+          </p:cNvPr>
+          <p:cNvSpPr/>
+          <p:nvPr/>
+        </p:nvSpPr>
+        <p:spPr>
+          <a:xfrm>
+            <a:off x="6405577" y="4055812"/>
+            <a:ext cx="1058133" cy="461665"/>
+          </a:xfrm>
+          <a:prstGeom prst="rect">
+            <a:avLst/>
+          </a:prstGeom>
+          <a:solidFill>
+            <a:srgbClr val="7030A0">
+              <a:alpha val="41000"/>
+            </a:srgbClr>
+          </a:solidFill>
+          <a:ln w="0">
+            <a:noFill/>
+          </a:ln>
+        </p:spPr>
+        <p:style>
+          <a:lnRef idx="0">
+            <a:scrgbClr r="0" g="0" b="0"/>
+          </a:lnRef>
+          <a:fillRef idx="0">
+            <a:scrgbClr r="0" g="0" b="0"/>
+          </a:fillRef>
+          <a:effectRef idx="0">
+            <a:scrgbClr r="0" g="0" b="0"/>
+          </a:effectRef>
+          <a:fontRef idx="minor"/>
+        </p:style>
+        <p:txBody>
+          <a:bodyPr wrap="square" tIns="91440" bIns="91440">
+            <a:spAutoFit/>
+          </a:bodyPr>
+          <a:lstStyle/>
+          <a:p>
+            <a:pPr algn="ctr">
+              <a:lnSpc>
+                <a:spcPct val="100000"/>
+              </a:lnSpc>
+              <a:tabLst>
+                <a:tab pos="0" algn="l"/>
+              </a:tabLst>
+            </a:pPr>
+            <a:r>
+              <a:rPr lang="fr-FR" b="1" strike="noStrike" spc="-1" dirty="0">
+                <a:solidFill>
+                  <a:schemeClr val="bg1"/>
+                </a:solidFill>
+                <a:latin typeface="Trebuchet MS"/>
+                <a:ea typeface="Trebuchet MS"/>
+              </a:rPr>
+              <a:t>EVAL</a:t>
+            </a:r>
+            <a:endParaRPr lang="fr-FR" b="0" strike="noStrike" spc="-1" dirty="0">
+              <a:solidFill>
+                <a:schemeClr val="bg1"/>
+              </a:solidFill>
+              <a:latin typeface="Arial"/>
+            </a:endParaRPr>
+          </a:p>
+        </p:txBody>
+      </p:sp>
+      <p:sp>
+        <p:nvSpPr>
+          <p:cNvPr id="11" name="CustomShape 3">
+            <a:extLst>
+              <a:ext uri="{FF2B5EF4-FFF2-40B4-BE49-F238E27FC236}">
+                <a16:creationId xmlns:a16="http://schemas.microsoft.com/office/drawing/2014/main" id="{2FDE2B16-2548-C1E6-0E9B-7820D7684A21}"/>
+              </a:ext>
+            </a:extLst>
+          </p:cNvPr>
+          <p:cNvSpPr/>
+          <p:nvPr/>
+        </p:nvSpPr>
+        <p:spPr>
+          <a:xfrm>
+            <a:off x="10722472" y="3152987"/>
+            <a:ext cx="353961" cy="461665"/>
+          </a:xfrm>
+          <a:prstGeom prst="rect">
+            <a:avLst/>
+          </a:prstGeom>
+          <a:solidFill>
+            <a:schemeClr val="accent6"/>
+          </a:solidFill>
+          <a:ln w="0">
+            <a:noFill/>
+          </a:ln>
+        </p:spPr>
+        <p:style>
+          <a:lnRef idx="0">
+            <a:scrgbClr r="0" g="0" b="0"/>
+          </a:lnRef>
+          <a:fillRef idx="0">
+            <a:scrgbClr r="0" g="0" b="0"/>
+          </a:fillRef>
+          <a:effectRef idx="0">
+            <a:scrgbClr r="0" g="0" b="0"/>
+          </a:effectRef>
+          <a:fontRef idx="minor"/>
+        </p:style>
+        <p:txBody>
+          <a:bodyPr wrap="square" tIns="91440" bIns="91440">
+            <a:spAutoFit/>
+          </a:bodyPr>
+          <a:lstStyle/>
+          <a:p>
+            <a:pPr algn="ctr">
+              <a:lnSpc>
+                <a:spcPct val="100000"/>
+              </a:lnSpc>
+              <a:tabLst>
+                <a:tab pos="0" algn="l"/>
+              </a:tabLst>
+            </a:pPr>
+            <a:r>
+              <a:rPr lang="fr-FR" b="1" strike="noStrike" spc="-1" dirty="0">
+                <a:solidFill>
+                  <a:schemeClr val="bg1"/>
+                </a:solidFill>
+                <a:latin typeface="Trebuchet MS"/>
+                <a:ea typeface="Trebuchet MS"/>
+              </a:rPr>
+              <a:t>2</a:t>
+            </a:r>
+            <a:endParaRPr lang="fr-FR" b="0" strike="noStrike" spc="-1" dirty="0">
+              <a:solidFill>
+                <a:schemeClr val="bg1"/>
+              </a:solidFill>
+              <a:latin typeface="Arial"/>
+            </a:endParaRPr>
+          </a:p>
+        </p:txBody>
+      </p:sp>
+      <p:sp>
+        <p:nvSpPr>
+          <p:cNvPr id="12" name="CustomShape 3">
+            <a:extLst>
+              <a:ext uri="{FF2B5EF4-FFF2-40B4-BE49-F238E27FC236}">
+                <a16:creationId xmlns:a16="http://schemas.microsoft.com/office/drawing/2014/main" id="{3863AC09-D5AC-7D53-2A15-D0E5EC7B1BC1}"/>
+              </a:ext>
+            </a:extLst>
+          </p:cNvPr>
+          <p:cNvSpPr/>
+          <p:nvPr/>
+        </p:nvSpPr>
+        <p:spPr>
+          <a:xfrm>
+            <a:off x="10729775" y="4055813"/>
+            <a:ext cx="353962" cy="461665"/>
+          </a:xfrm>
+          <a:prstGeom prst="rect">
+            <a:avLst/>
+          </a:prstGeom>
+          <a:solidFill>
+            <a:srgbClr val="00B0F0"/>
+          </a:solidFill>
+          <a:ln w="0">
+            <a:noFill/>
+          </a:ln>
+        </p:spPr>
+        <p:style>
+          <a:lnRef idx="0">
+            <a:scrgbClr r="0" g="0" b="0"/>
+          </a:lnRef>
+          <a:fillRef idx="0">
+            <a:scrgbClr r="0" g="0" b="0"/>
+          </a:fillRef>
+          <a:effectRef idx="0">
+            <a:scrgbClr r="0" g="0" b="0"/>
+          </a:effectRef>
+          <a:fontRef idx="minor"/>
+        </p:style>
+        <p:txBody>
+          <a:bodyPr wrap="square" tIns="91440" bIns="91440">
+            <a:spAutoFit/>
+          </a:bodyPr>
+          <a:lstStyle/>
+          <a:p>
+            <a:pPr algn="ctr">
+              <a:lnSpc>
+                <a:spcPct val="100000"/>
+              </a:lnSpc>
+              <a:tabLst>
+                <a:tab pos="0" algn="l"/>
+              </a:tabLst>
+            </a:pPr>
+            <a:r>
+              <a:rPr lang="fr-FR" b="1" spc="-1" dirty="0">
+                <a:solidFill>
+                  <a:schemeClr val="bg1"/>
+                </a:solidFill>
+                <a:latin typeface="Trebuchet MS"/>
+              </a:rPr>
+              <a:t>2</a:t>
+            </a:r>
+            <a:endParaRPr lang="fr-FR" b="0" strike="noStrike" spc="-1" dirty="0">
+              <a:solidFill>
+                <a:schemeClr val="bg1"/>
+              </a:solidFill>
+              <a:latin typeface="Arial"/>
+            </a:endParaRPr>
+          </a:p>
+        </p:txBody>
+      </p:sp>
+      <p:sp>
+        <p:nvSpPr>
+          <p:cNvPr id="13" name="CustomShape 3">
+            <a:extLst>
+              <a:ext uri="{FF2B5EF4-FFF2-40B4-BE49-F238E27FC236}">
+                <a16:creationId xmlns:a16="http://schemas.microsoft.com/office/drawing/2014/main" id="{D7F9B555-1C2E-D962-B9D0-B8A2FA3DD1A3}"/>
+              </a:ext>
+            </a:extLst>
+          </p:cNvPr>
+          <p:cNvSpPr/>
+          <p:nvPr/>
+        </p:nvSpPr>
+        <p:spPr>
+          <a:xfrm>
+            <a:off x="10729775" y="4947063"/>
+            <a:ext cx="353962" cy="461665"/>
+          </a:xfrm>
+          <a:prstGeom prst="rect">
+            <a:avLst/>
+          </a:prstGeom>
+          <a:solidFill>
+            <a:schemeClr val="accent1"/>
+          </a:solidFill>
+          <a:ln w="0">
+            <a:noFill/>
+          </a:ln>
+        </p:spPr>
+        <p:style>
+          <a:lnRef idx="0">
+            <a:scrgbClr r="0" g="0" b="0"/>
+          </a:lnRef>
+          <a:fillRef idx="0">
+            <a:scrgbClr r="0" g="0" b="0"/>
+          </a:fillRef>
+          <a:effectRef idx="0">
+            <a:scrgbClr r="0" g="0" b="0"/>
+          </a:effectRef>
+          <a:fontRef idx="minor"/>
+        </p:style>
+        <p:txBody>
+          <a:bodyPr wrap="square" tIns="91440" bIns="91440">
+            <a:spAutoFit/>
+          </a:bodyPr>
+          <a:lstStyle/>
+          <a:p>
+            <a:pPr algn="ctr">
+              <a:lnSpc>
+                <a:spcPct val="100000"/>
+              </a:lnSpc>
+              <a:tabLst>
+                <a:tab pos="0" algn="l"/>
+              </a:tabLst>
+            </a:pPr>
+            <a:r>
+              <a:rPr lang="fr-FR" b="1" strike="noStrike" spc="-1" dirty="0">
+                <a:solidFill>
+                  <a:schemeClr val="bg1"/>
+                </a:solidFill>
+                <a:latin typeface="Trebuchet MS"/>
+                <a:ea typeface="Trebuchet MS"/>
+              </a:rPr>
+              <a:t>2</a:t>
+            </a:r>
+          </a:p>
+        </p:txBody>
+      </p:sp>
+      <p:sp>
+        <p:nvSpPr>
+          <p:cNvPr id="14" name="ZoneTexte 13">
+            <a:extLst>
+              <a:ext uri="{FF2B5EF4-FFF2-40B4-BE49-F238E27FC236}">
+                <a16:creationId xmlns:a16="http://schemas.microsoft.com/office/drawing/2014/main" id="{612FD6F0-4BC0-183E-81D5-6FB02D3E1172}"/>
+              </a:ext>
+            </a:extLst>
+          </p:cNvPr>
+          <p:cNvSpPr txBox="1"/>
+          <p:nvPr/>
+        </p:nvSpPr>
+        <p:spPr>
+          <a:xfrm>
+            <a:off x="9114503" y="4583531"/>
+            <a:ext cx="1969234" cy="307777"/>
+          </a:xfrm>
+          <a:prstGeom prst="rect">
+            <a:avLst/>
+          </a:prstGeom>
+          <a:solidFill>
+            <a:srgbClr val="0070C0">
+              <a:alpha val="41000"/>
+            </a:srgbClr>
+          </a:solidFill>
+        </p:spPr>
+        <p:txBody>
+          <a:bodyPr wrap="square" rtlCol="0">
+            <a:spAutoFit/>
+          </a:bodyPr>
+          <a:lstStyle/>
+          <a:p>
+            <a:pPr algn="ctr"/>
+            <a:r>
+              <a:rPr lang="fr-FR" sz="1400" dirty="0">
+                <a:solidFill>
+                  <a:schemeClr val="bg1"/>
+                </a:solidFill>
+              </a:rPr>
+              <a:t>Synthèse Thème 1</a:t>
+            </a:r>
+          </a:p>
+        </p:txBody>
+      </p:sp>
+      <p:sp>
+        <p:nvSpPr>
+          <p:cNvPr id="15" name="ZoneTexte 14">
+            <a:extLst>
+              <a:ext uri="{FF2B5EF4-FFF2-40B4-BE49-F238E27FC236}">
+                <a16:creationId xmlns:a16="http://schemas.microsoft.com/office/drawing/2014/main" id="{0F18C07D-9D15-7265-F478-18A6FC2479CE}"/>
+              </a:ext>
+            </a:extLst>
+          </p:cNvPr>
+          <p:cNvSpPr txBox="1"/>
+          <p:nvPr/>
+        </p:nvSpPr>
+        <p:spPr>
+          <a:xfrm>
+            <a:off x="9114503" y="5476064"/>
+            <a:ext cx="1969234" cy="307777"/>
+          </a:xfrm>
+          <a:prstGeom prst="rect">
+            <a:avLst/>
+          </a:prstGeom>
+          <a:solidFill>
+            <a:srgbClr val="0070C0">
+              <a:alpha val="41000"/>
+            </a:srgbClr>
+          </a:solidFill>
+        </p:spPr>
+        <p:txBody>
+          <a:bodyPr wrap="square" rtlCol="0">
+            <a:spAutoFit/>
+          </a:bodyPr>
+          <a:lstStyle/>
+          <a:p>
+            <a:pPr algn="ctr"/>
+            <a:r>
+              <a:rPr lang="fr-FR" sz="1400" dirty="0">
+                <a:solidFill>
+                  <a:schemeClr val="bg1"/>
+                </a:solidFill>
+              </a:rPr>
+              <a:t>Synthèse Thème 2</a:t>
+            </a:r>
           </a:p>
         </p:txBody>
       </p:sp>

--- a/CeTI/b0_intro/B0_1_CeTI_TP.pptx
+++ b/CeTI/b0_intro/B0_1_CeTI_TP.pptx
@@ -5,23 +5,25 @@
     <p:sldMasterId id="2147483711" r:id="rId1"/>
   </p:sldMasterIdLst>
   <p:notesMasterIdLst>
-    <p:notesMasterId r:id="rId16"/>
+    <p:notesMasterId r:id="rId18"/>
   </p:notesMasterIdLst>
   <p:sldIdLst>
     <p:sldId id="267" r:id="rId2"/>
-    <p:sldId id="277" r:id="rId3"/>
-    <p:sldId id="293" r:id="rId4"/>
-    <p:sldId id="282" r:id="rId5"/>
-    <p:sldId id="284" r:id="rId6"/>
-    <p:sldId id="288" r:id="rId7"/>
-    <p:sldId id="287" r:id="rId8"/>
-    <p:sldId id="286" r:id="rId9"/>
-    <p:sldId id="285" r:id="rId10"/>
-    <p:sldId id="290" r:id="rId11"/>
-    <p:sldId id="289" r:id="rId12"/>
-    <p:sldId id="291" r:id="rId13"/>
-    <p:sldId id="292" r:id="rId14"/>
-    <p:sldId id="258" r:id="rId15"/>
+    <p:sldId id="273" r:id="rId3"/>
+    <p:sldId id="297" r:id="rId4"/>
+    <p:sldId id="277" r:id="rId5"/>
+    <p:sldId id="293" r:id="rId6"/>
+    <p:sldId id="282" r:id="rId7"/>
+    <p:sldId id="284" r:id="rId8"/>
+    <p:sldId id="288" r:id="rId9"/>
+    <p:sldId id="287" r:id="rId10"/>
+    <p:sldId id="286" r:id="rId11"/>
+    <p:sldId id="285" r:id="rId12"/>
+    <p:sldId id="290" r:id="rId13"/>
+    <p:sldId id="289" r:id="rId14"/>
+    <p:sldId id="291" r:id="rId15"/>
+    <p:sldId id="292" r:id="rId16"/>
+    <p:sldId id="258" r:id="rId17"/>
   </p:sldIdLst>
   <p:sldSz cx="12192000" cy="6858000"/>
   <p:notesSz cx="6858000" cy="9144000"/>
@@ -221,7 +223,7 @@
           <a:p>
             <a:fld id="{729C724E-499D-43AC-8699-CF969D2466FC}" type="datetimeFigureOut">
               <a:rPr lang="fr-FR" smtClean="0"/>
-              <a:t>08/09/2023</a:t>
+              <a:t>11/09/2023</a:t>
             </a:fld>
             <a:endParaRPr lang="fr-FR"/>
           </a:p>
@@ -488,6 +490,90 @@
 </p:notesMaster>
 </file>
 
+<file path=ppt/notesSlides/notesSlide1.xml><?xml version="1.0" encoding="utf-8"?>
+<p:notes xmlns:a="http://schemas.openxmlformats.org/drawingml/2006/main" xmlns:r="http://schemas.openxmlformats.org/officeDocument/2006/relationships" xmlns:p="http://schemas.openxmlformats.org/presentationml/2006/main">
+  <p:cSld>
+    <p:spTree>
+      <p:nvGrpSpPr>
+        <p:cNvPr id="1" name=""/>
+        <p:cNvGrpSpPr/>
+        <p:nvPr/>
+      </p:nvGrpSpPr>
+      <p:grpSpPr>
+        <a:xfrm>
+          <a:off x="0" y="0"/>
+          <a:ext cx="0" cy="0"/>
+          <a:chOff x="0" y="0"/>
+          <a:chExt cx="0" cy="0"/>
+        </a:xfrm>
+      </p:grpSpPr>
+      <p:sp>
+        <p:nvSpPr>
+          <p:cNvPr id="2" name="Espace réservé de l'image des diapositives 1"/>
+          <p:cNvSpPr>
+            <a:spLocks noGrp="1" noRot="1" noChangeAspect="1"/>
+          </p:cNvSpPr>
+          <p:nvPr>
+            <p:ph type="sldImg"/>
+          </p:nvPr>
+        </p:nvSpPr>
+        <p:spPr/>
+      </p:sp>
+      <p:sp>
+        <p:nvSpPr>
+          <p:cNvPr id="3" name="Espace réservé des commentaires 2"/>
+          <p:cNvSpPr>
+            <a:spLocks noGrp="1"/>
+          </p:cNvSpPr>
+          <p:nvPr>
+            <p:ph type="body" idx="1"/>
+          </p:nvPr>
+        </p:nvSpPr>
+        <p:spPr/>
+        <p:txBody>
+          <a:bodyPr/>
+          <a:lstStyle/>
+          <a:p>
+            <a:endParaRPr lang="fr-FR" dirty="0"/>
+          </a:p>
+        </p:txBody>
+      </p:sp>
+      <p:sp>
+        <p:nvSpPr>
+          <p:cNvPr id="4" name="Espace réservé du numéro de diapositive 3"/>
+          <p:cNvSpPr>
+            <a:spLocks noGrp="1"/>
+          </p:cNvSpPr>
+          <p:nvPr>
+            <p:ph type="sldNum" sz="quarter" idx="10"/>
+          </p:nvPr>
+        </p:nvSpPr>
+        <p:spPr/>
+        <p:txBody>
+          <a:bodyPr/>
+          <a:lstStyle/>
+          <a:p>
+            <a:fld id="{6BDC53D4-8BF5-4FDD-81EC-7AC957B0D210}" type="slidenum">
+              <a:rPr lang="fr-FR" smtClean="0"/>
+              <a:t>2</a:t>
+            </a:fld>
+            <a:endParaRPr lang="fr-FR"/>
+          </a:p>
+        </p:txBody>
+      </p:sp>
+    </p:spTree>
+    <p:extLst>
+      <p:ext uri="{BB962C8B-B14F-4D97-AF65-F5344CB8AC3E}">
+        <p14:creationId xmlns:p14="http://schemas.microsoft.com/office/powerpoint/2010/main" val="403974923"/>
+      </p:ext>
+    </p:extLst>
+  </p:cSld>
+  <p:clrMapOvr>
+    <a:masterClrMapping/>
+  </p:clrMapOvr>
+</p:notes>
+</file>
+
 <file path=ppt/slideLayouts/slideLayout1.xml><?xml version="1.0" encoding="utf-8"?>
 <p:sldLayout xmlns:a="http://schemas.openxmlformats.org/drawingml/2006/main" xmlns:r="http://schemas.openxmlformats.org/officeDocument/2006/relationships" xmlns:p="http://schemas.openxmlformats.org/presentationml/2006/main" type="title" preserve="1">
   <p:cSld name="Title Slide">
@@ -644,7 +730,7 @@
           <a:p>
             <a:fld id="{02AC24A9-CCB6-4F8D-B8DB-C2F3692CFA5A}" type="datetimeFigureOut">
               <a:rPr lang="en-US" smtClean="0"/>
-              <a:t>9/8/2023</a:t>
+              <a:t>9/11/2023</a:t>
             </a:fld>
             <a:endParaRPr lang="en-US" dirty="0"/>
           </a:p>
@@ -1014,7 +1100,7 @@
           <a:p>
             <a:fld id="{02AC24A9-CCB6-4F8D-B8DB-C2F3692CFA5A}" type="datetimeFigureOut">
               <a:rPr lang="en-US" smtClean="0"/>
-              <a:t>9/8/2023</a:t>
+              <a:t>9/11/2023</a:t>
             </a:fld>
             <a:endParaRPr lang="en-US"/>
           </a:p>
@@ -1223,7 +1309,7 @@
           <a:p>
             <a:fld id="{02AC24A9-CCB6-4F8D-B8DB-C2F3692CFA5A}" type="datetimeFigureOut">
               <a:rPr lang="en-US" smtClean="0"/>
-              <a:t>9/8/2023</a:t>
+              <a:t>9/11/2023</a:t>
             </a:fld>
             <a:endParaRPr lang="en-US"/>
           </a:p>
@@ -1693,7 +1779,7 @@
           <a:p>
             <a:fld id="{02AC24A9-CCB6-4F8D-B8DB-C2F3692CFA5A}" type="datetimeFigureOut">
               <a:rPr lang="en-US" smtClean="0"/>
-              <a:t>9/8/2023</a:t>
+              <a:t>9/11/2023</a:t>
             </a:fld>
             <a:endParaRPr lang="en-US"/>
           </a:p>
@@ -2147,7 +2233,7 @@
           <a:p>
             <a:fld id="{02AC24A9-CCB6-4F8D-B8DB-C2F3692CFA5A}" type="datetimeFigureOut">
               <a:rPr lang="en-US" smtClean="0"/>
-              <a:t>9/8/2023</a:t>
+              <a:t>9/11/2023</a:t>
             </a:fld>
             <a:endParaRPr lang="en-US"/>
           </a:p>
@@ -2679,7 +2765,7 @@
           <a:p>
             <a:fld id="{02AC24A9-CCB6-4F8D-B8DB-C2F3692CFA5A}" type="datetimeFigureOut">
               <a:rPr lang="en-US" smtClean="0"/>
-              <a:t>9/8/2023</a:t>
+              <a:t>9/11/2023</a:t>
             </a:fld>
             <a:endParaRPr lang="en-US"/>
           </a:p>
@@ -3378,7 +3464,7 @@
           <a:p>
             <a:fld id="{02AC24A9-CCB6-4F8D-B8DB-C2F3692CFA5A}" type="datetimeFigureOut">
               <a:rPr lang="en-US" smtClean="0"/>
-              <a:t>9/8/2023</a:t>
+              <a:t>9/11/2023</a:t>
             </a:fld>
             <a:endParaRPr lang="en-US"/>
           </a:p>
@@ -3707,7 +3793,7 @@
           <a:p>
             <a:fld id="{02AC24A9-CCB6-4F8D-B8DB-C2F3692CFA5A}" type="datetimeFigureOut">
               <a:rPr lang="en-US" smtClean="0"/>
-              <a:t>9/8/2023</a:t>
+              <a:t>9/11/2023</a:t>
             </a:fld>
             <a:endParaRPr lang="en-US"/>
           </a:p>
@@ -3820,7 +3906,7 @@
           <a:p>
             <a:fld id="{02AC24A9-CCB6-4F8D-B8DB-C2F3692CFA5A}" type="datetimeFigureOut">
               <a:rPr lang="en-US" smtClean="0"/>
-              <a:t>9/8/2023</a:t>
+              <a:t>9/11/2023</a:t>
             </a:fld>
             <a:endParaRPr lang="en-US"/>
           </a:p>
@@ -4315,7 +4401,7 @@
           <a:p>
             <a:fld id="{02AC24A9-CCB6-4F8D-B8DB-C2F3692CFA5A}" type="datetimeFigureOut">
               <a:rPr lang="en-US" smtClean="0"/>
-              <a:t>9/8/2023</a:t>
+              <a:t>9/11/2023</a:t>
             </a:fld>
             <a:endParaRPr lang="en-US" dirty="0"/>
           </a:p>
@@ -4792,7 +4878,7 @@
           <a:p>
             <a:fld id="{02AC24A9-CCB6-4F8D-B8DB-C2F3692CFA5A}" type="datetimeFigureOut">
               <a:rPr lang="en-US" smtClean="0"/>
-              <a:t>9/8/2023</a:t>
+              <a:t>9/11/2023</a:t>
             </a:fld>
             <a:endParaRPr lang="en-US"/>
           </a:p>
@@ -5035,7 +5121,7 @@
           <a:p>
             <a:fld id="{02AC24A9-CCB6-4F8D-B8DB-C2F3692CFA5A}" type="datetimeFigureOut">
               <a:rPr lang="en-US" smtClean="0"/>
-              <a:t>9/8/2023</a:t>
+              <a:t>9/11/2023</a:t>
             </a:fld>
             <a:endParaRPr lang="en-US"/>
           </a:p>
@@ -5662,7 +5748,7 @@
               <a:rPr lang="fr-FR" sz="4800" dirty="0">
                 <a:latin typeface="Bahnschrift SemiBold" panose="020B0502040204020203" pitchFamily="34" charset="0"/>
               </a:rPr>
-              <a:t>Electronique</a:t>
+              <a:t>Traitement de l’Information</a:t>
             </a:r>
           </a:p>
         </p:txBody>
@@ -5696,16 +5782,10 @@
           <a:lstStyle/>
           <a:p>
             <a:r>
-              <a:rPr lang="fr-FR" sz="2000" dirty="0" err="1">
-                <a:latin typeface="Bahnschrift Light" panose="020B0502040204020203" pitchFamily="34" charset="0"/>
-              </a:rPr>
-              <a:t>CeTI</a:t>
-            </a:r>
-            <a:r>
               <a:rPr lang="fr-FR" sz="2000" dirty="0">
                 <a:latin typeface="Bahnschrift Light" panose="020B0502040204020203" pitchFamily="34" charset="0"/>
               </a:rPr>
-              <a:t> / Semestre 5 / </a:t>
+              <a:t>Julien VILLEMEJANE</a:t>
             </a:r>
             <a:br>
               <a:rPr lang="fr-FR" sz="2000" dirty="0">
@@ -5716,7 +5796,7 @@
               <a:rPr lang="fr-FR" sz="2000" dirty="0">
                 <a:latin typeface="Bahnschrift Light" panose="020B0502040204020203" pitchFamily="34" charset="0"/>
               </a:rPr>
-              <a:t>Institut d’Optique / B0_0</a:t>
+              <a:t>UE / Semestre 5</a:t>
             </a:r>
           </a:p>
         </p:txBody>
@@ -5999,7 +6079,7 @@
             </a:r>
             <a:r>
               <a:rPr lang="fr-FR" dirty="0"/>
-              <a:t> / TP / Evaluations</a:t>
+              <a:t> / TP / Ressources</a:t>
             </a:r>
           </a:p>
         </p:txBody>
@@ -6042,10 +6122,10 @@
       </p:pic>
       <p:sp>
         <p:nvSpPr>
-          <p:cNvPr id="3" name="CustomShape 3">
-            <a:extLst>
-              <a:ext uri="{FF2B5EF4-FFF2-40B4-BE49-F238E27FC236}">
-                <a16:creationId xmlns:a16="http://schemas.microsoft.com/office/drawing/2014/main" id="{3A2757AF-7204-5C84-F3F3-C24EF7A3A399}"/>
+          <p:cNvPr id="18" name="CustomShape 3">
+            <a:extLst>
+              <a:ext uri="{FF2B5EF4-FFF2-40B4-BE49-F238E27FC236}">
+                <a16:creationId xmlns:a16="http://schemas.microsoft.com/office/drawing/2014/main" id="{67756887-8D7D-16CA-99A7-DCA51C63AE43}"/>
               </a:ext>
             </a:extLst>
           </p:cNvPr>
@@ -6054,14 +6134,17 @@
         </p:nvSpPr>
         <p:spPr>
           <a:xfrm>
-            <a:off x="1115567" y="2440602"/>
+            <a:off x="6390968" y="2440602"/>
             <a:ext cx="4685465" cy="492443"/>
           </a:xfrm>
           <a:prstGeom prst="rect">
             <a:avLst/>
           </a:prstGeom>
           <a:solidFill>
-            <a:srgbClr val="00B0F0"/>
+            <a:schemeClr val="tx1">
+              <a:lumMod val="65000"/>
+              <a:lumOff val="35000"/>
+            </a:schemeClr>
           </a:solidFill>
           <a:ln w="0">
             <a:noFill/>
@@ -6101,7 +6184,7 @@
                 <a:latin typeface="Trebuchet MS"/>
                 <a:ea typeface="Trebuchet MS"/>
               </a:rPr>
-              <a:t>Evaluations</a:t>
+              <a:t>3 blocs de 2 séances de TP</a:t>
             </a:r>
             <a:endParaRPr lang="fr-FR" sz="2000" b="0" strike="noStrike" spc="-1" dirty="0">
               <a:solidFill>
@@ -6114,154 +6197,10 @@
       </p:sp>
       <p:sp>
         <p:nvSpPr>
-          <p:cNvPr id="4" name="Espace réservé du contenu 2">
-            <a:extLst>
-              <a:ext uri="{FF2B5EF4-FFF2-40B4-BE49-F238E27FC236}">
-                <a16:creationId xmlns:a16="http://schemas.microsoft.com/office/drawing/2014/main" id="{7DB7DACE-1CDC-F9B9-9553-754869EC293A}"/>
-              </a:ext>
-            </a:extLst>
-          </p:cNvPr>
-          <p:cNvSpPr>
-            <a:spLocks noGrp="1"/>
-          </p:cNvSpPr>
-          <p:nvPr>
-            <p:ph sz="half" idx="1"/>
-          </p:nvPr>
-        </p:nvSpPr>
-        <p:spPr>
-          <a:xfrm>
-            <a:off x="1108263" y="3050362"/>
-            <a:ext cx="4685466" cy="3694176"/>
-          </a:xfrm>
-        </p:spPr>
-        <p:txBody>
-          <a:bodyPr>
-            <a:normAutofit/>
-          </a:bodyPr>
-          <a:lstStyle/>
-          <a:p>
-            <a:r>
-              <a:rPr lang="fr-FR" sz="2000" b="1" dirty="0"/>
-              <a:t>Synthèses </a:t>
-            </a:r>
-            <a:r>
-              <a:rPr lang="fr-FR" sz="2000" dirty="0"/>
-              <a:t>(50 %)</a:t>
-            </a:r>
-          </a:p>
-          <a:p>
-            <a:pPr lvl="1"/>
-            <a:r>
-              <a:rPr lang="fr-FR" sz="1800" dirty="0"/>
-              <a:t>Thème 1 : évaluée mais non notée</a:t>
-            </a:r>
-          </a:p>
-          <a:p>
-            <a:pPr lvl="1"/>
-            <a:r>
-              <a:rPr lang="fr-FR" sz="1800" dirty="0"/>
-              <a:t>Thème 2 : évaluée et notée (50%)</a:t>
-            </a:r>
-          </a:p>
-          <a:p>
-            <a:r>
-              <a:rPr lang="fr-FR" sz="2000" b="1" dirty="0"/>
-              <a:t>Examen pratique </a:t>
-            </a:r>
-            <a:r>
-              <a:rPr lang="fr-FR" sz="2000" dirty="0"/>
-              <a:t>(50 %)</a:t>
-            </a:r>
-          </a:p>
-          <a:p>
-            <a:pPr lvl="1"/>
-            <a:r>
-              <a:rPr lang="fr-FR" sz="1800" dirty="0"/>
-              <a:t>Durée : </a:t>
-            </a:r>
-            <a:r>
-              <a:rPr lang="fr-FR" sz="1800" b="1" dirty="0"/>
-              <a:t>1h</a:t>
-            </a:r>
-          </a:p>
-          <a:p>
-            <a:pPr lvl="1"/>
-            <a:r>
-              <a:rPr lang="fr-FR" sz="1800" dirty="0"/>
-              <a:t>Tous les </a:t>
-            </a:r>
-            <a:r>
-              <a:rPr lang="fr-FR" sz="1800" b="1" dirty="0"/>
-              <a:t>documents numériques </a:t>
-            </a:r>
-            <a:r>
-              <a:rPr lang="fr-FR" sz="1800" dirty="0"/>
-              <a:t>autorisés</a:t>
-            </a:r>
-          </a:p>
-          <a:p>
-            <a:endParaRPr lang="fr-FR" sz="1800" dirty="0"/>
-          </a:p>
-        </p:txBody>
-      </p:sp>
-      <p:sp>
-        <p:nvSpPr>
-          <p:cNvPr id="8" name="ZoneTexte 7">
-            <a:extLst>
-              <a:ext uri="{FF2B5EF4-FFF2-40B4-BE49-F238E27FC236}">
-                <a16:creationId xmlns:a16="http://schemas.microsoft.com/office/drawing/2014/main" id="{0F3A1F2E-F441-C31C-7EC1-D6A75227ACF3}"/>
-              </a:ext>
-            </a:extLst>
-          </p:cNvPr>
-          <p:cNvSpPr txBox="1"/>
-          <p:nvPr/>
-        </p:nvSpPr>
-        <p:spPr>
-          <a:xfrm>
-            <a:off x="6928088" y="3422090"/>
-            <a:ext cx="3611221" cy="369332"/>
-          </a:xfrm>
-          <a:prstGeom prst="rect">
-            <a:avLst/>
-          </a:prstGeom>
-          <a:noFill/>
-        </p:spPr>
-        <p:txBody>
-          <a:bodyPr wrap="square">
-            <a:spAutoFit/>
-          </a:bodyPr>
-          <a:lstStyle/>
-          <a:p>
-            <a:r>
-              <a:rPr lang="fr-FR" dirty="0">
-                <a:highlight>
-                  <a:srgbClr val="00FFFF"/>
-                </a:highlight>
-              </a:rPr>
-              <a:t>ASPECT </a:t>
-            </a:r>
-            <a:r>
-              <a:rPr lang="fr-FR" b="1" dirty="0">
-                <a:highlight>
-                  <a:srgbClr val="00FFFF"/>
-                </a:highlight>
-              </a:rPr>
-              <a:t>INSTRUMENTATION</a:t>
-            </a:r>
-            <a:endParaRPr lang="fr-FR" dirty="0">
-              <a:highlight>
-                <a:srgbClr val="00FFFF"/>
-              </a:highlight>
-            </a:endParaRPr>
-          </a:p>
-        </p:txBody>
-      </p:sp>
-      <p:sp>
-        <p:nvSpPr>
-          <p:cNvPr id="9" name="CustomShape 3">
-            <a:extLst>
-              <a:ext uri="{FF2B5EF4-FFF2-40B4-BE49-F238E27FC236}">
-                <a16:creationId xmlns:a16="http://schemas.microsoft.com/office/drawing/2014/main" id="{4BDDD5A9-51DE-277E-D8B4-6E62D0688F1C}"/>
+          <p:cNvPr id="3" name="CustomShape 3">
+            <a:extLst>
+              <a:ext uri="{FF2B5EF4-FFF2-40B4-BE49-F238E27FC236}">
+                <a16:creationId xmlns:a16="http://schemas.microsoft.com/office/drawing/2014/main" id="{F665BF59-136D-0754-7EE3-F83C4DBD1D54}"/>
               </a:ext>
             </a:extLst>
           </p:cNvPr>
@@ -6270,7 +6209,7 @@
         </p:nvSpPr>
         <p:spPr>
           <a:xfrm>
-            <a:off x="6401130" y="2440601"/>
+            <a:off x="1115567" y="2440602"/>
             <a:ext cx="4685465" cy="492443"/>
           </a:xfrm>
           <a:prstGeom prst="rect">
@@ -6317,17 +6256,7 @@
                 <a:latin typeface="Trebuchet MS"/>
                 <a:ea typeface="Trebuchet MS"/>
               </a:rPr>
-              <a:t>Evaluatio</a:t>
-            </a:r>
-            <a:r>
-              <a:rPr lang="fr-FR" sz="2000" b="1" spc="-1" dirty="0">
-                <a:solidFill>
-                  <a:schemeClr val="bg1"/>
-                </a:solidFill>
-                <a:latin typeface="Trebuchet MS"/>
-                <a:ea typeface="Trebuchet MS"/>
-              </a:rPr>
-              <a:t>n pratique</a:t>
+              <a:t>Ressources</a:t>
             </a:r>
             <a:endParaRPr lang="fr-FR" sz="2000" b="0" strike="noStrike" spc="-1" dirty="0">
               <a:solidFill>
@@ -6340,235 +6269,104 @@
       </p:sp>
       <p:sp>
         <p:nvSpPr>
-          <p:cNvPr id="6" name="ZoneTexte 5">
-            <a:extLst>
-              <a:ext uri="{FF2B5EF4-FFF2-40B4-BE49-F238E27FC236}">
-                <a16:creationId xmlns:a16="http://schemas.microsoft.com/office/drawing/2014/main" id="{5F5CBFC5-B974-1AD1-A1C9-845C2F711D5E}"/>
-              </a:ext>
-            </a:extLst>
-          </p:cNvPr>
-          <p:cNvSpPr txBox="1"/>
-          <p:nvPr/>
-        </p:nvSpPr>
-        <p:spPr>
-          <a:xfrm>
-            <a:off x="6928088" y="4353972"/>
-            <a:ext cx="4355608" cy="369332"/>
-          </a:xfrm>
-          <a:prstGeom prst="rect">
-            <a:avLst/>
-          </a:prstGeom>
-          <a:noFill/>
-        </p:spPr>
-        <p:txBody>
-          <a:bodyPr wrap="square">
-            <a:spAutoFit/>
+          <p:cNvPr id="4" name="Espace réservé du contenu 2">
+            <a:extLst>
+              <a:ext uri="{FF2B5EF4-FFF2-40B4-BE49-F238E27FC236}">
+                <a16:creationId xmlns:a16="http://schemas.microsoft.com/office/drawing/2014/main" id="{EDF779BE-63E6-9F6B-6ECB-3FED2571DCDE}"/>
+              </a:ext>
+            </a:extLst>
+          </p:cNvPr>
+          <p:cNvSpPr>
+            <a:spLocks noGrp="1"/>
+          </p:cNvSpPr>
+          <p:nvPr>
+            <p:ph sz="half" idx="1"/>
+          </p:nvPr>
+        </p:nvSpPr>
+        <p:spPr>
+          <a:xfrm>
+            <a:off x="1108263" y="3050362"/>
+            <a:ext cx="4685466" cy="3694176"/>
+          </a:xfrm>
+        </p:spPr>
+        <p:txBody>
+          <a:bodyPr>
+            <a:normAutofit/>
           </a:bodyPr>
           <a:lstStyle/>
           <a:p>
             <a:r>
-              <a:rPr lang="fr-FR" dirty="0">
-                <a:highlight>
-                  <a:srgbClr val="00FFFF"/>
-                </a:highlight>
-              </a:rPr>
-              <a:t>ASPECT </a:t>
-            </a:r>
-            <a:r>
-              <a:rPr lang="fr-FR" b="1" dirty="0">
-                <a:highlight>
-                  <a:srgbClr val="00FFFF"/>
-                </a:highlight>
-              </a:rPr>
-              <a:t>INGENIEUR.E PHYSICIEN.NE</a:t>
-            </a:r>
-            <a:endParaRPr lang="fr-FR" dirty="0">
-              <a:highlight>
-                <a:srgbClr val="00FFFF"/>
-              </a:highlight>
-            </a:endParaRPr>
-          </a:p>
-        </p:txBody>
-      </p:sp>
-      <p:sp>
-        <p:nvSpPr>
-          <p:cNvPr id="10" name="ZoneTexte 9">
-            <a:extLst>
-              <a:ext uri="{FF2B5EF4-FFF2-40B4-BE49-F238E27FC236}">
-                <a16:creationId xmlns:a16="http://schemas.microsoft.com/office/drawing/2014/main" id="{00B3FB53-8556-BE15-925F-813B2A0DA05A}"/>
-              </a:ext>
-            </a:extLst>
-          </p:cNvPr>
-          <p:cNvSpPr txBox="1"/>
-          <p:nvPr/>
-        </p:nvSpPr>
-        <p:spPr>
-          <a:xfrm>
-            <a:off x="6928088" y="3886615"/>
-            <a:ext cx="6096000" cy="369332"/>
-          </a:xfrm>
-          <a:prstGeom prst="rect">
-            <a:avLst/>
-          </a:prstGeom>
-          <a:noFill/>
-        </p:spPr>
-        <p:txBody>
-          <a:bodyPr wrap="square">
-            <a:spAutoFit/>
-          </a:bodyPr>
-          <a:lstStyle/>
-          <a:p>
-            <a:r>
-              <a:rPr lang="fr-FR" dirty="0">
-                <a:highlight>
-                  <a:srgbClr val="00FFFF"/>
-                </a:highlight>
-              </a:rPr>
-              <a:t>ASPECT </a:t>
-            </a:r>
-            <a:r>
-              <a:rPr lang="fr-FR" b="1" dirty="0">
-                <a:effectLst/>
-                <a:highlight>
-                  <a:srgbClr val="00FFFF"/>
-                </a:highlight>
-              </a:rPr>
-              <a:t>PROTOCOLE</a:t>
-            </a:r>
-            <a:endParaRPr lang="fr-FR" dirty="0">
-              <a:highlight>
-                <a:srgbClr val="00FFFF"/>
-              </a:highlight>
-            </a:endParaRPr>
-          </a:p>
-        </p:txBody>
-      </p:sp>
-      <p:sp>
-        <p:nvSpPr>
-          <p:cNvPr id="12" name="ZoneTexte 11">
-            <a:extLst>
-              <a:ext uri="{FF2B5EF4-FFF2-40B4-BE49-F238E27FC236}">
-                <a16:creationId xmlns:a16="http://schemas.microsoft.com/office/drawing/2014/main" id="{BB342786-8F97-9FA2-84B9-9198AB29863A}"/>
-              </a:ext>
-            </a:extLst>
-          </p:cNvPr>
-          <p:cNvSpPr txBox="1"/>
-          <p:nvPr/>
-        </p:nvSpPr>
-        <p:spPr>
-          <a:xfrm>
-            <a:off x="6510218" y="2975383"/>
-            <a:ext cx="6513870" cy="369332"/>
-          </a:xfrm>
-          <a:prstGeom prst="rect">
-            <a:avLst/>
-          </a:prstGeom>
-          <a:noFill/>
-        </p:spPr>
-        <p:txBody>
-          <a:bodyPr wrap="square">
-            <a:spAutoFit/>
-          </a:bodyPr>
-          <a:lstStyle/>
-          <a:p>
-            <a:r>
-              <a:rPr lang="fr-FR" sz="1800" b="1" dirty="0"/>
-              <a:t>Selon 3 catégories de critères :</a:t>
-            </a:r>
-            <a:endParaRPr lang="fr-FR" dirty="0"/>
-          </a:p>
-        </p:txBody>
-      </p:sp>
-      <p:sp>
-        <p:nvSpPr>
-          <p:cNvPr id="13" name="ZoneTexte 12">
-            <a:extLst>
-              <a:ext uri="{FF2B5EF4-FFF2-40B4-BE49-F238E27FC236}">
-                <a16:creationId xmlns:a16="http://schemas.microsoft.com/office/drawing/2014/main" id="{A8D62458-BE05-F551-57A3-CB5FA9C437E5}"/>
-              </a:ext>
-            </a:extLst>
-          </p:cNvPr>
-          <p:cNvSpPr txBox="1"/>
-          <p:nvPr/>
-        </p:nvSpPr>
-        <p:spPr>
-          <a:xfrm>
-            <a:off x="6510218" y="5054905"/>
-            <a:ext cx="6513870" cy="369332"/>
-          </a:xfrm>
-          <a:prstGeom prst="rect">
-            <a:avLst/>
-          </a:prstGeom>
-          <a:noFill/>
-        </p:spPr>
-        <p:txBody>
-          <a:bodyPr wrap="square">
-            <a:spAutoFit/>
-          </a:bodyPr>
-          <a:lstStyle/>
-          <a:p>
-            <a:r>
-              <a:rPr lang="fr-FR" sz="1800" b="1" dirty="0"/>
-              <a:t>2 savoir-faire évalués :</a:t>
-            </a:r>
-          </a:p>
-        </p:txBody>
-      </p:sp>
-      <p:sp>
-        <p:nvSpPr>
-          <p:cNvPr id="14" name="ZoneTexte 13">
-            <a:extLst>
-              <a:ext uri="{FF2B5EF4-FFF2-40B4-BE49-F238E27FC236}">
-                <a16:creationId xmlns:a16="http://schemas.microsoft.com/office/drawing/2014/main" id="{E2C0D2DC-CADC-12A0-FC98-284019FE533A}"/>
-              </a:ext>
-            </a:extLst>
-          </p:cNvPr>
-          <p:cNvSpPr txBox="1"/>
-          <p:nvPr/>
-        </p:nvSpPr>
-        <p:spPr>
-          <a:xfrm>
-            <a:off x="6928088" y="5492765"/>
-            <a:ext cx="4355608" cy="646331"/>
-          </a:xfrm>
-          <a:prstGeom prst="rect">
-            <a:avLst/>
-          </a:prstGeom>
-          <a:noFill/>
-        </p:spPr>
-        <p:txBody>
-          <a:bodyPr wrap="square">
-            <a:spAutoFit/>
-          </a:bodyPr>
-          <a:lstStyle/>
-          <a:p>
-            <a:pPr marL="285750" indent="-285750">
-              <a:buFont typeface="Arial" panose="020B0604020202020204" pitchFamily="34" charset="0"/>
-              <a:buChar char="•"/>
-            </a:pPr>
-            <a:r>
-              <a:rPr lang="fr-FR" dirty="0"/>
-              <a:t>(A) Caractérisation d’un dipôle</a:t>
-            </a:r>
-          </a:p>
-          <a:p>
-            <a:pPr marL="285750" indent="-285750">
-              <a:buFont typeface="Arial" panose="020B0604020202020204" pitchFamily="34" charset="0"/>
-              <a:buChar char="•"/>
-            </a:pPr>
-            <a:r>
-              <a:rPr lang="fr-FR" dirty="0"/>
-              <a:t>(B) Etude fréquentielle d’un système</a:t>
-            </a:r>
-          </a:p>
-        </p:txBody>
-      </p:sp>
-      <p:sp>
-        <p:nvSpPr>
-          <p:cNvPr id="15" name="CustomShape 3">
-            <a:extLst>
-              <a:ext uri="{FF2B5EF4-FFF2-40B4-BE49-F238E27FC236}">
-                <a16:creationId xmlns:a16="http://schemas.microsoft.com/office/drawing/2014/main" id="{24FF2786-2434-B9DD-A267-C35F4EFF0352}"/>
+              <a:rPr lang="fr-FR" sz="2000" b="1" dirty="0"/>
+              <a:t>Site du </a:t>
+            </a:r>
+            <a:r>
+              <a:rPr lang="fr-FR" sz="2000" b="1" dirty="0" err="1"/>
+              <a:t>LEnsE</a:t>
+            </a:r>
+            <a:endParaRPr lang="fr-FR" sz="2000" b="1" dirty="0"/>
+          </a:p>
+          <a:p>
+            <a:pPr lvl="1"/>
+            <a:r>
+              <a:rPr lang="fr-FR" sz="1800" dirty="0"/>
+              <a:t>Sujets : lense.institutoptique.fr/</a:t>
+            </a:r>
+            <a:r>
+              <a:rPr lang="fr-FR" sz="1800" dirty="0" err="1"/>
+              <a:t>ceti</a:t>
+            </a:r>
+            <a:r>
+              <a:rPr lang="fr-FR" sz="1800" dirty="0"/>
+              <a:t>/</a:t>
+            </a:r>
+            <a:endParaRPr lang="fr-FR" sz="2000" b="1" dirty="0"/>
+          </a:p>
+          <a:p>
+            <a:r>
+              <a:rPr lang="fr-FR" sz="2000" b="1" dirty="0"/>
+              <a:t>Ressources des constructeurs</a:t>
+            </a:r>
+          </a:p>
+          <a:p>
+            <a:r>
+              <a:rPr lang="fr-FR" sz="2000" b="1" dirty="0"/>
+              <a:t>Sites de composants</a:t>
+            </a:r>
+          </a:p>
+          <a:p>
+            <a:pPr lvl="1"/>
+            <a:r>
+              <a:rPr lang="fr-FR" sz="1400" dirty="0" err="1"/>
+              <a:t>Radiospares</a:t>
+            </a:r>
+            <a:r>
+              <a:rPr lang="fr-FR" sz="1400" dirty="0"/>
+              <a:t>  RS</a:t>
+            </a:r>
+          </a:p>
+          <a:p>
+            <a:pPr lvl="1"/>
+            <a:r>
+              <a:rPr lang="fr-FR" sz="1400" dirty="0"/>
+              <a:t>Conrad</a:t>
+            </a:r>
+          </a:p>
+          <a:p>
+            <a:pPr lvl="1"/>
+            <a:r>
+              <a:rPr lang="fr-FR" sz="1400" dirty="0" err="1"/>
+              <a:t>Farnell</a:t>
+            </a:r>
+            <a:endParaRPr lang="fr-FR" sz="1400" dirty="0"/>
+          </a:p>
+        </p:txBody>
+      </p:sp>
+      <p:sp>
+        <p:nvSpPr>
+          <p:cNvPr id="7" name="CustomShape 3">
+            <a:extLst>
+              <a:ext uri="{FF2B5EF4-FFF2-40B4-BE49-F238E27FC236}">
+                <a16:creationId xmlns:a16="http://schemas.microsoft.com/office/drawing/2014/main" id="{FAA12336-33C4-8BF9-6F56-F22DC523B434}"/>
               </a:ext>
             </a:extLst>
           </p:cNvPr>
@@ -6577,8 +6375,8 @@
         </p:nvSpPr>
         <p:spPr>
           <a:xfrm>
-            <a:off x="3458299" y="5631264"/>
-            <a:ext cx="2466686" cy="369332"/>
+            <a:off x="6388201" y="3152988"/>
+            <a:ext cx="4122483" cy="461665"/>
           </a:xfrm>
           <a:prstGeom prst="rect">
             <a:avLst/>
@@ -6617,7 +6415,7 @@
               </a:tabLst>
             </a:pPr>
             <a:r>
-              <a:rPr lang="fr-FR" sz="1200" b="1" strike="noStrike" spc="-1" dirty="0">
+              <a:rPr lang="fr-FR" b="1" strike="noStrike" spc="-1" dirty="0">
                 <a:solidFill>
                   <a:schemeClr val="bg1"/>
                 </a:solidFill>
@@ -6626,7 +6424,7 @@
               </a:rPr>
               <a:t>(0) Mise en forme / Filtrage</a:t>
             </a:r>
-            <a:endParaRPr lang="fr-FR" sz="1200" b="0" strike="noStrike" spc="-1" dirty="0">
+            <a:endParaRPr lang="fr-FR" b="0" strike="noStrike" spc="-1" dirty="0">
               <a:solidFill>
                 <a:schemeClr val="bg1"/>
               </a:solidFill>
@@ -6635,10 +6433,535 @@
           </a:p>
         </p:txBody>
       </p:sp>
+      <p:sp>
+        <p:nvSpPr>
+          <p:cNvPr id="8" name="CustomShape 3">
+            <a:extLst>
+              <a:ext uri="{FF2B5EF4-FFF2-40B4-BE49-F238E27FC236}">
+                <a16:creationId xmlns:a16="http://schemas.microsoft.com/office/drawing/2014/main" id="{CC746637-A5C0-E84F-582D-ABD37AFAAEBB}"/>
+              </a:ext>
+            </a:extLst>
+          </p:cNvPr>
+          <p:cNvSpPr/>
+          <p:nvPr/>
+        </p:nvSpPr>
+        <p:spPr>
+          <a:xfrm>
+            <a:off x="7637136" y="4055814"/>
+            <a:ext cx="2880851" cy="461665"/>
+          </a:xfrm>
+          <a:prstGeom prst="rect">
+            <a:avLst/>
+          </a:prstGeom>
+          <a:solidFill>
+            <a:srgbClr val="00B0F0"/>
+          </a:solidFill>
+          <a:ln w="0">
+            <a:noFill/>
+          </a:ln>
+        </p:spPr>
+        <p:style>
+          <a:lnRef idx="0">
+            <a:scrgbClr r="0" g="0" b="0"/>
+          </a:lnRef>
+          <a:fillRef idx="0">
+            <a:scrgbClr r="0" g="0" b="0"/>
+          </a:fillRef>
+          <a:effectRef idx="0">
+            <a:scrgbClr r="0" g="0" b="0"/>
+          </a:effectRef>
+          <a:fontRef idx="minor"/>
+        </p:style>
+        <p:txBody>
+          <a:bodyPr wrap="square" tIns="91440" bIns="91440">
+            <a:spAutoFit/>
+          </a:bodyPr>
+          <a:lstStyle/>
+          <a:p>
+            <a:pPr algn="ctr">
+              <a:lnSpc>
+                <a:spcPct val="100000"/>
+              </a:lnSpc>
+              <a:tabLst>
+                <a:tab pos="0" algn="l"/>
+              </a:tabLst>
+            </a:pPr>
+            <a:r>
+              <a:rPr lang="fr-FR" b="1" strike="noStrike" spc="-1" dirty="0">
+                <a:solidFill>
+                  <a:schemeClr val="bg1"/>
+                </a:solidFill>
+                <a:latin typeface="Trebuchet MS"/>
+                <a:ea typeface="Trebuchet MS"/>
+              </a:rPr>
+              <a:t>(1) Numérique</a:t>
+            </a:r>
+            <a:endParaRPr lang="fr-FR" b="0" strike="noStrike" spc="-1" dirty="0">
+              <a:solidFill>
+                <a:schemeClr val="bg1"/>
+              </a:solidFill>
+              <a:latin typeface="Arial"/>
+            </a:endParaRPr>
+          </a:p>
+        </p:txBody>
+      </p:sp>
+      <p:sp>
+        <p:nvSpPr>
+          <p:cNvPr id="9" name="CustomShape 3">
+            <a:extLst>
+              <a:ext uri="{FF2B5EF4-FFF2-40B4-BE49-F238E27FC236}">
+                <a16:creationId xmlns:a16="http://schemas.microsoft.com/office/drawing/2014/main" id="{CF0AB962-9DE7-E1D9-4490-202562E9E914}"/>
+              </a:ext>
+            </a:extLst>
+          </p:cNvPr>
+          <p:cNvSpPr/>
+          <p:nvPr/>
+        </p:nvSpPr>
+        <p:spPr>
+          <a:xfrm>
+            <a:off x="6398273" y="4958644"/>
+            <a:ext cx="4112410" cy="461665"/>
+          </a:xfrm>
+          <a:prstGeom prst="rect">
+            <a:avLst/>
+          </a:prstGeom>
+          <a:solidFill>
+            <a:schemeClr val="accent1"/>
+          </a:solidFill>
+          <a:ln w="0">
+            <a:noFill/>
+          </a:ln>
+        </p:spPr>
+        <p:style>
+          <a:lnRef idx="0">
+            <a:scrgbClr r="0" g="0" b="0"/>
+          </a:lnRef>
+          <a:fillRef idx="0">
+            <a:scrgbClr r="0" g="0" b="0"/>
+          </a:fillRef>
+          <a:effectRef idx="0">
+            <a:scrgbClr r="0" g="0" b="0"/>
+          </a:effectRef>
+          <a:fontRef idx="minor"/>
+        </p:style>
+        <p:txBody>
+          <a:bodyPr wrap="square" tIns="91440" bIns="91440">
+            <a:spAutoFit/>
+          </a:bodyPr>
+          <a:lstStyle/>
+          <a:p>
+            <a:pPr algn="ctr">
+              <a:lnSpc>
+                <a:spcPct val="100000"/>
+              </a:lnSpc>
+              <a:tabLst>
+                <a:tab pos="0" algn="l"/>
+              </a:tabLst>
+            </a:pPr>
+            <a:r>
+              <a:rPr lang="fr-FR" b="1" strike="noStrike" spc="-1" dirty="0">
+                <a:solidFill>
+                  <a:schemeClr val="bg1"/>
+                </a:solidFill>
+                <a:latin typeface="Trebuchet MS"/>
+                <a:ea typeface="Trebuchet MS"/>
+              </a:rPr>
+              <a:t>(2) </a:t>
+            </a:r>
+            <a:r>
+              <a:rPr lang="fr-FR" b="1" strike="noStrike" spc="-1" dirty="0" err="1">
+                <a:solidFill>
+                  <a:schemeClr val="bg1"/>
+                </a:solidFill>
+                <a:latin typeface="Trebuchet MS"/>
+                <a:ea typeface="Trebuchet MS"/>
+              </a:rPr>
+              <a:t>Photodétection</a:t>
+            </a:r>
+            <a:endParaRPr lang="fr-FR" b="0" strike="noStrike" spc="-1" dirty="0">
+              <a:solidFill>
+                <a:schemeClr val="bg1"/>
+              </a:solidFill>
+              <a:latin typeface="Arial"/>
+            </a:endParaRPr>
+          </a:p>
+        </p:txBody>
+      </p:sp>
+      <p:sp>
+        <p:nvSpPr>
+          <p:cNvPr id="10" name="CustomShape 3">
+            <a:extLst>
+              <a:ext uri="{FF2B5EF4-FFF2-40B4-BE49-F238E27FC236}">
+                <a16:creationId xmlns:a16="http://schemas.microsoft.com/office/drawing/2014/main" id="{A61C3286-2A0C-70A6-2DDF-F1F775C29179}"/>
+              </a:ext>
+            </a:extLst>
+          </p:cNvPr>
+          <p:cNvSpPr/>
+          <p:nvPr/>
+        </p:nvSpPr>
+        <p:spPr>
+          <a:xfrm>
+            <a:off x="6405577" y="4055812"/>
+            <a:ext cx="1058133" cy="461665"/>
+          </a:xfrm>
+          <a:prstGeom prst="rect">
+            <a:avLst/>
+          </a:prstGeom>
+          <a:solidFill>
+            <a:srgbClr val="7030A0">
+              <a:alpha val="41000"/>
+            </a:srgbClr>
+          </a:solidFill>
+          <a:ln w="0">
+            <a:noFill/>
+          </a:ln>
+        </p:spPr>
+        <p:style>
+          <a:lnRef idx="0">
+            <a:scrgbClr r="0" g="0" b="0"/>
+          </a:lnRef>
+          <a:fillRef idx="0">
+            <a:scrgbClr r="0" g="0" b="0"/>
+          </a:fillRef>
+          <a:effectRef idx="0">
+            <a:scrgbClr r="0" g="0" b="0"/>
+          </a:effectRef>
+          <a:fontRef idx="minor"/>
+        </p:style>
+        <p:txBody>
+          <a:bodyPr wrap="square" tIns="91440" bIns="91440">
+            <a:spAutoFit/>
+          </a:bodyPr>
+          <a:lstStyle/>
+          <a:p>
+            <a:pPr algn="ctr">
+              <a:lnSpc>
+                <a:spcPct val="100000"/>
+              </a:lnSpc>
+              <a:tabLst>
+                <a:tab pos="0" algn="l"/>
+              </a:tabLst>
+            </a:pPr>
+            <a:r>
+              <a:rPr lang="fr-FR" b="1" strike="noStrike" spc="-1" dirty="0">
+                <a:solidFill>
+                  <a:schemeClr val="bg1"/>
+                </a:solidFill>
+                <a:latin typeface="Trebuchet MS"/>
+                <a:ea typeface="Trebuchet MS"/>
+              </a:rPr>
+              <a:t>EVAL</a:t>
+            </a:r>
+            <a:endParaRPr lang="fr-FR" b="0" strike="noStrike" spc="-1" dirty="0">
+              <a:solidFill>
+                <a:schemeClr val="bg1"/>
+              </a:solidFill>
+              <a:latin typeface="Arial"/>
+            </a:endParaRPr>
+          </a:p>
+        </p:txBody>
+      </p:sp>
+      <p:sp>
+        <p:nvSpPr>
+          <p:cNvPr id="11" name="CustomShape 3">
+            <a:extLst>
+              <a:ext uri="{FF2B5EF4-FFF2-40B4-BE49-F238E27FC236}">
+                <a16:creationId xmlns:a16="http://schemas.microsoft.com/office/drawing/2014/main" id="{2FDE2B16-2548-C1E6-0E9B-7820D7684A21}"/>
+              </a:ext>
+            </a:extLst>
+          </p:cNvPr>
+          <p:cNvSpPr/>
+          <p:nvPr/>
+        </p:nvSpPr>
+        <p:spPr>
+          <a:xfrm>
+            <a:off x="10722472" y="3152987"/>
+            <a:ext cx="353961" cy="461665"/>
+          </a:xfrm>
+          <a:prstGeom prst="rect">
+            <a:avLst/>
+          </a:prstGeom>
+          <a:solidFill>
+            <a:schemeClr val="accent6"/>
+          </a:solidFill>
+          <a:ln w="0">
+            <a:noFill/>
+          </a:ln>
+        </p:spPr>
+        <p:style>
+          <a:lnRef idx="0">
+            <a:scrgbClr r="0" g="0" b="0"/>
+          </a:lnRef>
+          <a:fillRef idx="0">
+            <a:scrgbClr r="0" g="0" b="0"/>
+          </a:fillRef>
+          <a:effectRef idx="0">
+            <a:scrgbClr r="0" g="0" b="0"/>
+          </a:effectRef>
+          <a:fontRef idx="minor"/>
+        </p:style>
+        <p:txBody>
+          <a:bodyPr wrap="square" tIns="91440" bIns="91440">
+            <a:spAutoFit/>
+          </a:bodyPr>
+          <a:lstStyle/>
+          <a:p>
+            <a:pPr algn="ctr">
+              <a:lnSpc>
+                <a:spcPct val="100000"/>
+              </a:lnSpc>
+              <a:tabLst>
+                <a:tab pos="0" algn="l"/>
+              </a:tabLst>
+            </a:pPr>
+            <a:r>
+              <a:rPr lang="fr-FR" b="1" strike="noStrike" spc="-1" dirty="0">
+                <a:solidFill>
+                  <a:schemeClr val="bg1"/>
+                </a:solidFill>
+                <a:latin typeface="Trebuchet MS"/>
+                <a:ea typeface="Trebuchet MS"/>
+              </a:rPr>
+              <a:t>2</a:t>
+            </a:r>
+            <a:endParaRPr lang="fr-FR" b="0" strike="noStrike" spc="-1" dirty="0">
+              <a:solidFill>
+                <a:schemeClr val="bg1"/>
+              </a:solidFill>
+              <a:latin typeface="Arial"/>
+            </a:endParaRPr>
+          </a:p>
+        </p:txBody>
+      </p:sp>
+      <p:sp>
+        <p:nvSpPr>
+          <p:cNvPr id="12" name="CustomShape 3">
+            <a:extLst>
+              <a:ext uri="{FF2B5EF4-FFF2-40B4-BE49-F238E27FC236}">
+                <a16:creationId xmlns:a16="http://schemas.microsoft.com/office/drawing/2014/main" id="{3863AC09-D5AC-7D53-2A15-D0E5EC7B1BC1}"/>
+              </a:ext>
+            </a:extLst>
+          </p:cNvPr>
+          <p:cNvSpPr/>
+          <p:nvPr/>
+        </p:nvSpPr>
+        <p:spPr>
+          <a:xfrm>
+            <a:off x="10729775" y="4055813"/>
+            <a:ext cx="353962" cy="461665"/>
+          </a:xfrm>
+          <a:prstGeom prst="rect">
+            <a:avLst/>
+          </a:prstGeom>
+          <a:solidFill>
+            <a:srgbClr val="00B0F0"/>
+          </a:solidFill>
+          <a:ln w="0">
+            <a:noFill/>
+          </a:ln>
+        </p:spPr>
+        <p:style>
+          <a:lnRef idx="0">
+            <a:scrgbClr r="0" g="0" b="0"/>
+          </a:lnRef>
+          <a:fillRef idx="0">
+            <a:scrgbClr r="0" g="0" b="0"/>
+          </a:fillRef>
+          <a:effectRef idx="0">
+            <a:scrgbClr r="0" g="0" b="0"/>
+          </a:effectRef>
+          <a:fontRef idx="minor"/>
+        </p:style>
+        <p:txBody>
+          <a:bodyPr wrap="square" tIns="91440" bIns="91440">
+            <a:spAutoFit/>
+          </a:bodyPr>
+          <a:lstStyle/>
+          <a:p>
+            <a:pPr algn="ctr">
+              <a:lnSpc>
+                <a:spcPct val="100000"/>
+              </a:lnSpc>
+              <a:tabLst>
+                <a:tab pos="0" algn="l"/>
+              </a:tabLst>
+            </a:pPr>
+            <a:r>
+              <a:rPr lang="fr-FR" b="1" spc="-1" dirty="0">
+                <a:solidFill>
+                  <a:schemeClr val="bg1"/>
+                </a:solidFill>
+                <a:latin typeface="Trebuchet MS"/>
+              </a:rPr>
+              <a:t>2</a:t>
+            </a:r>
+            <a:endParaRPr lang="fr-FR" b="0" strike="noStrike" spc="-1" dirty="0">
+              <a:solidFill>
+                <a:schemeClr val="bg1"/>
+              </a:solidFill>
+              <a:latin typeface="Arial"/>
+            </a:endParaRPr>
+          </a:p>
+        </p:txBody>
+      </p:sp>
+      <p:sp>
+        <p:nvSpPr>
+          <p:cNvPr id="13" name="CustomShape 3">
+            <a:extLst>
+              <a:ext uri="{FF2B5EF4-FFF2-40B4-BE49-F238E27FC236}">
+                <a16:creationId xmlns:a16="http://schemas.microsoft.com/office/drawing/2014/main" id="{D7F9B555-1C2E-D962-B9D0-B8A2FA3DD1A3}"/>
+              </a:ext>
+            </a:extLst>
+          </p:cNvPr>
+          <p:cNvSpPr/>
+          <p:nvPr/>
+        </p:nvSpPr>
+        <p:spPr>
+          <a:xfrm>
+            <a:off x="10729775" y="4947063"/>
+            <a:ext cx="353962" cy="461665"/>
+          </a:xfrm>
+          <a:prstGeom prst="rect">
+            <a:avLst/>
+          </a:prstGeom>
+          <a:solidFill>
+            <a:schemeClr val="accent1"/>
+          </a:solidFill>
+          <a:ln w="0">
+            <a:noFill/>
+          </a:ln>
+        </p:spPr>
+        <p:style>
+          <a:lnRef idx="0">
+            <a:scrgbClr r="0" g="0" b="0"/>
+          </a:lnRef>
+          <a:fillRef idx="0">
+            <a:scrgbClr r="0" g="0" b="0"/>
+          </a:fillRef>
+          <a:effectRef idx="0">
+            <a:scrgbClr r="0" g="0" b="0"/>
+          </a:effectRef>
+          <a:fontRef idx="minor"/>
+        </p:style>
+        <p:txBody>
+          <a:bodyPr wrap="square" tIns="91440" bIns="91440">
+            <a:spAutoFit/>
+          </a:bodyPr>
+          <a:lstStyle/>
+          <a:p>
+            <a:pPr algn="ctr">
+              <a:lnSpc>
+                <a:spcPct val="100000"/>
+              </a:lnSpc>
+              <a:tabLst>
+                <a:tab pos="0" algn="l"/>
+              </a:tabLst>
+            </a:pPr>
+            <a:r>
+              <a:rPr lang="fr-FR" b="1" strike="noStrike" spc="-1" dirty="0">
+                <a:solidFill>
+                  <a:schemeClr val="bg1"/>
+                </a:solidFill>
+                <a:latin typeface="Trebuchet MS"/>
+                <a:ea typeface="Trebuchet MS"/>
+              </a:rPr>
+              <a:t>2</a:t>
+            </a:r>
+          </a:p>
+        </p:txBody>
+      </p:sp>
+      <p:sp>
+        <p:nvSpPr>
+          <p:cNvPr id="14" name="ZoneTexte 13">
+            <a:extLst>
+              <a:ext uri="{FF2B5EF4-FFF2-40B4-BE49-F238E27FC236}">
+                <a16:creationId xmlns:a16="http://schemas.microsoft.com/office/drawing/2014/main" id="{612FD6F0-4BC0-183E-81D5-6FB02D3E1172}"/>
+              </a:ext>
+            </a:extLst>
+          </p:cNvPr>
+          <p:cNvSpPr txBox="1"/>
+          <p:nvPr/>
+        </p:nvSpPr>
+        <p:spPr>
+          <a:xfrm>
+            <a:off x="9114503" y="4583531"/>
+            <a:ext cx="1969234" cy="307777"/>
+          </a:xfrm>
+          <a:prstGeom prst="rect">
+            <a:avLst/>
+          </a:prstGeom>
+          <a:solidFill>
+            <a:srgbClr val="0070C0">
+              <a:alpha val="41000"/>
+            </a:srgbClr>
+          </a:solidFill>
+        </p:spPr>
+        <p:txBody>
+          <a:bodyPr wrap="square" rtlCol="0">
+            <a:spAutoFit/>
+          </a:bodyPr>
+          <a:lstStyle/>
+          <a:p>
+            <a:pPr algn="ctr"/>
+            <a:r>
+              <a:rPr lang="fr-FR" sz="1400" dirty="0">
+                <a:solidFill>
+                  <a:schemeClr val="bg1"/>
+                </a:solidFill>
+              </a:rPr>
+              <a:t>Synthèse Thème 1</a:t>
+            </a:r>
+          </a:p>
+        </p:txBody>
+      </p:sp>
+      <p:sp>
+        <p:nvSpPr>
+          <p:cNvPr id="15" name="ZoneTexte 14">
+            <a:extLst>
+              <a:ext uri="{FF2B5EF4-FFF2-40B4-BE49-F238E27FC236}">
+                <a16:creationId xmlns:a16="http://schemas.microsoft.com/office/drawing/2014/main" id="{0F18C07D-9D15-7265-F478-18A6FC2479CE}"/>
+              </a:ext>
+            </a:extLst>
+          </p:cNvPr>
+          <p:cNvSpPr txBox="1"/>
+          <p:nvPr/>
+        </p:nvSpPr>
+        <p:spPr>
+          <a:xfrm>
+            <a:off x="9114503" y="5476064"/>
+            <a:ext cx="1969234" cy="307777"/>
+          </a:xfrm>
+          <a:prstGeom prst="rect">
+            <a:avLst/>
+          </a:prstGeom>
+          <a:solidFill>
+            <a:srgbClr val="0070C0">
+              <a:alpha val="41000"/>
+            </a:srgbClr>
+          </a:solidFill>
+        </p:spPr>
+        <p:txBody>
+          <a:bodyPr wrap="square" rtlCol="0">
+            <a:spAutoFit/>
+          </a:bodyPr>
+          <a:lstStyle/>
+          <a:p>
+            <a:pPr algn="ctr"/>
+            <a:r>
+              <a:rPr lang="fr-FR" sz="1400" dirty="0">
+                <a:solidFill>
+                  <a:schemeClr val="bg1"/>
+                </a:solidFill>
+              </a:rPr>
+              <a:t>Synthèse Thème 2</a:t>
+            </a:r>
+          </a:p>
+        </p:txBody>
+      </p:sp>
     </p:spTree>
     <p:extLst>
       <p:ext uri="{BB962C8B-B14F-4D97-AF65-F5344CB8AC3E}">
-        <p14:creationId xmlns:p14="http://schemas.microsoft.com/office/powerpoint/2010/main" val="1999171665"/>
+        <p14:creationId xmlns:p14="http://schemas.microsoft.com/office/powerpoint/2010/main" val="2095487722"/>
       </p:ext>
     </p:extLst>
   </p:cSld>
@@ -6667,78 +6990,10 @@
       </p:grpSpPr>
       <p:sp>
         <p:nvSpPr>
-          <p:cNvPr id="2" name="Titre 1">
-            <a:extLst>
-              <a:ext uri="{FF2B5EF4-FFF2-40B4-BE49-F238E27FC236}">
-                <a16:creationId xmlns:a16="http://schemas.microsoft.com/office/drawing/2014/main" id="{90162AE8-C1B0-5C56-8313-DEE494F38273}"/>
-              </a:ext>
-            </a:extLst>
-          </p:cNvPr>
-          <p:cNvSpPr>
-            <a:spLocks noGrp="1"/>
-          </p:cNvSpPr>
-          <p:nvPr>
-            <p:ph type="title"/>
-          </p:nvPr>
-        </p:nvSpPr>
-        <p:spPr/>
-        <p:txBody>
-          <a:bodyPr/>
-          <a:lstStyle/>
-          <a:p>
-            <a:r>
-              <a:rPr lang="fr-FR" dirty="0" err="1"/>
-              <a:t>CéTI</a:t>
-            </a:r>
-            <a:r>
-              <a:rPr lang="fr-FR" dirty="0"/>
-              <a:t> / TP / Evaluations</a:t>
-            </a:r>
-          </a:p>
-        </p:txBody>
-      </p:sp>
-      <p:pic>
-        <p:nvPicPr>
-          <p:cNvPr id="5" name="Image 4" descr="Une image contenant texte&#10;&#10;Description générée automatiquement">
-            <a:extLst>
-              <a:ext uri="{FF2B5EF4-FFF2-40B4-BE49-F238E27FC236}">
-                <a16:creationId xmlns:a16="http://schemas.microsoft.com/office/drawing/2014/main" id="{204ADC40-1D61-539F-22ED-6B21D67FBDE6}"/>
-              </a:ext>
-            </a:extLst>
-          </p:cNvPr>
-          <p:cNvPicPr>
-            <a:picLocks noChangeAspect="1"/>
-          </p:cNvPicPr>
-          <p:nvPr/>
-        </p:nvPicPr>
-        <p:blipFill>
-          <a:blip r:embed="rId2" cstate="print">
-            <a:extLst>
-              <a:ext uri="{28A0092B-C50C-407E-A947-70E740481C1C}">
-                <a14:useLocalDpi xmlns:a14="http://schemas.microsoft.com/office/drawing/2010/main" val="0"/>
-              </a:ext>
-            </a:extLst>
-          </a:blip>
-          <a:stretch>
-            <a:fillRect/>
-          </a:stretch>
-        </p:blipFill>
-        <p:spPr>
-          <a:xfrm>
-            <a:off x="202922" y="5934456"/>
-            <a:ext cx="1825291" cy="749808"/>
-          </a:xfrm>
-          <a:prstGeom prst="rect">
-            <a:avLst/>
-          </a:prstGeom>
-        </p:spPr>
-      </p:pic>
-      <p:sp>
-        <p:nvSpPr>
-          <p:cNvPr id="3" name="CustomShape 3">
-            <a:extLst>
-              <a:ext uri="{FF2B5EF4-FFF2-40B4-BE49-F238E27FC236}">
-                <a16:creationId xmlns:a16="http://schemas.microsoft.com/office/drawing/2014/main" id="{3A2757AF-7204-5C84-F3F3-C24EF7A3A399}"/>
+          <p:cNvPr id="8" name="CustomShape 3">
+            <a:extLst>
+              <a:ext uri="{FF2B5EF4-FFF2-40B4-BE49-F238E27FC236}">
+                <a16:creationId xmlns:a16="http://schemas.microsoft.com/office/drawing/2014/main" id="{55DDE97B-923A-BC23-890F-95DFE68EEB05}"/>
               </a:ext>
             </a:extLst>
           </p:cNvPr>
@@ -6747,8 +7002,8 @@
         </p:nvSpPr>
         <p:spPr>
           <a:xfrm>
-            <a:off x="1115567" y="2440602"/>
-            <a:ext cx="4685465" cy="492443"/>
+            <a:off x="3785605" y="5749790"/>
+            <a:ext cx="1887607" cy="369332"/>
           </a:xfrm>
           <a:prstGeom prst="rect">
             <a:avLst/>
@@ -6787,16 +7042,16 @@
               </a:tabLst>
             </a:pPr>
             <a:r>
-              <a:rPr lang="fr-FR" sz="2000" b="1" strike="noStrike" spc="-1" dirty="0">
+              <a:rPr lang="fr-FR" sz="1200" b="1" strike="noStrike" spc="-1" dirty="0">
                 <a:solidFill>
                   <a:schemeClr val="bg1"/>
                 </a:solidFill>
                 <a:latin typeface="Trebuchet MS"/>
                 <a:ea typeface="Trebuchet MS"/>
               </a:rPr>
-              <a:t>Evaluations</a:t>
-            </a:r>
-            <a:endParaRPr lang="fr-FR" sz="2000" b="0" strike="noStrike" spc="-1" dirty="0">
+              <a:t>(1) Numérique</a:t>
+            </a:r>
+            <a:endParaRPr lang="fr-FR" sz="1200" b="0" strike="noStrike" spc="-1" dirty="0">
               <a:solidFill>
                 <a:schemeClr val="bg1"/>
               </a:solidFill>
@@ -6807,10 +7062,10 @@
       </p:sp>
       <p:sp>
         <p:nvSpPr>
-          <p:cNvPr id="4" name="Espace réservé du contenu 2">
-            <a:extLst>
-              <a:ext uri="{FF2B5EF4-FFF2-40B4-BE49-F238E27FC236}">
-                <a16:creationId xmlns:a16="http://schemas.microsoft.com/office/drawing/2014/main" id="{7DB7DACE-1CDC-F9B9-9553-754869EC293A}"/>
+          <p:cNvPr id="2" name="Titre 1">
+            <a:extLst>
+              <a:ext uri="{FF2B5EF4-FFF2-40B4-BE49-F238E27FC236}">
+                <a16:creationId xmlns:a16="http://schemas.microsoft.com/office/drawing/2014/main" id="{90162AE8-C1B0-5C56-8313-DEE494F38273}"/>
               </a:ext>
             </a:extLst>
           </p:cNvPr>
@@ -6818,255 +7073,67 @@
             <a:spLocks noGrp="1"/>
           </p:cNvSpPr>
           <p:nvPr>
-            <p:ph sz="half" idx="1"/>
+            <p:ph type="title"/>
           </p:nvPr>
         </p:nvSpPr>
-        <p:spPr>
-          <a:xfrm>
-            <a:off x="1108263" y="3050362"/>
-            <a:ext cx="4685466" cy="3694176"/>
-          </a:xfrm>
-        </p:spPr>
-        <p:txBody>
-          <a:bodyPr>
-            <a:normAutofit/>
-          </a:bodyPr>
-          <a:lstStyle/>
-          <a:p>
-            <a:r>
-              <a:rPr lang="fr-FR" sz="2000" b="1" dirty="0"/>
-              <a:t>Synthèses </a:t>
-            </a:r>
-            <a:r>
-              <a:rPr lang="fr-FR" sz="2000" dirty="0"/>
-              <a:t>(50 %)</a:t>
-            </a:r>
-          </a:p>
-          <a:p>
-            <a:pPr lvl="1"/>
-            <a:r>
-              <a:rPr lang="fr-FR" sz="1800" dirty="0"/>
-              <a:t>Thème 1 : évaluée mais non notée</a:t>
-            </a:r>
-          </a:p>
-          <a:p>
-            <a:pPr lvl="1"/>
-            <a:r>
-              <a:rPr lang="fr-FR" sz="1800" dirty="0"/>
-              <a:t>Thème 2 : évaluée et notée (50%)</a:t>
-            </a:r>
-          </a:p>
-          <a:p>
-            <a:r>
-              <a:rPr lang="fr-FR" sz="2000" b="1" dirty="0"/>
-              <a:t>Examen pratique </a:t>
-            </a:r>
-            <a:r>
-              <a:rPr lang="fr-FR" sz="2000" dirty="0"/>
-              <a:t>(50 %)</a:t>
-            </a:r>
-          </a:p>
-          <a:p>
-            <a:pPr lvl="1"/>
-            <a:r>
-              <a:rPr lang="fr-FR" sz="1800" dirty="0"/>
-              <a:t>Durée : </a:t>
-            </a:r>
-            <a:r>
-              <a:rPr lang="fr-FR" sz="1800" b="1" dirty="0"/>
-              <a:t>1h</a:t>
-            </a:r>
-          </a:p>
-          <a:p>
-            <a:pPr lvl="1"/>
-            <a:r>
-              <a:rPr lang="fr-FR" sz="1800" dirty="0"/>
-              <a:t>Tous les </a:t>
-            </a:r>
-            <a:r>
-              <a:rPr lang="fr-FR" sz="1800" b="1" dirty="0"/>
-              <a:t>documents numériques </a:t>
-            </a:r>
-            <a:r>
-              <a:rPr lang="fr-FR" sz="1800" dirty="0"/>
-              <a:t>autorisés</a:t>
-            </a:r>
-          </a:p>
-          <a:p>
-            <a:endParaRPr lang="fr-FR" sz="1800" dirty="0"/>
-          </a:p>
-        </p:txBody>
-      </p:sp>
-      <p:sp>
-        <p:nvSpPr>
-          <p:cNvPr id="8" name="ZoneTexte 7">
-            <a:extLst>
-              <a:ext uri="{FF2B5EF4-FFF2-40B4-BE49-F238E27FC236}">
-                <a16:creationId xmlns:a16="http://schemas.microsoft.com/office/drawing/2014/main" id="{14CCE582-9B9D-0764-83CC-13654B460E43}"/>
-              </a:ext>
-            </a:extLst>
-          </p:cNvPr>
-          <p:cNvSpPr txBox="1"/>
+        <p:spPr/>
+        <p:txBody>
+          <a:bodyPr/>
+          <a:lstStyle/>
+          <a:p>
+            <a:r>
+              <a:rPr lang="fr-FR" dirty="0" err="1"/>
+              <a:t>CéTI</a:t>
+            </a:r>
+            <a:r>
+              <a:rPr lang="fr-FR" dirty="0"/>
+              <a:t> / TP / Evaluations</a:t>
+            </a:r>
+          </a:p>
+        </p:txBody>
+      </p:sp>
+      <p:pic>
+        <p:nvPicPr>
+          <p:cNvPr id="5" name="Image 4" descr="Une image contenant texte&#10;&#10;Description générée automatiquement">
+            <a:extLst>
+              <a:ext uri="{FF2B5EF4-FFF2-40B4-BE49-F238E27FC236}">
+                <a16:creationId xmlns:a16="http://schemas.microsoft.com/office/drawing/2014/main" id="{204ADC40-1D61-539F-22ED-6B21D67FBDE6}"/>
+              </a:ext>
+            </a:extLst>
+          </p:cNvPr>
+          <p:cNvPicPr>
+            <a:picLocks noChangeAspect="1"/>
+          </p:cNvPicPr>
           <p:nvPr/>
-        </p:nvSpPr>
-        <p:spPr>
-          <a:xfrm>
-            <a:off x="6554552" y="2996656"/>
-            <a:ext cx="4529185" cy="3785652"/>
+        </p:nvPicPr>
+        <p:blipFill>
+          <a:blip r:embed="rId2" cstate="print">
+            <a:extLst>
+              <a:ext uri="{28A0092B-C50C-407E-A947-70E740481C1C}">
+                <a14:useLocalDpi xmlns:a14="http://schemas.microsoft.com/office/drawing/2010/main" val="0"/>
+              </a:ext>
+            </a:extLst>
+          </a:blip>
+          <a:stretch>
+            <a:fillRect/>
+          </a:stretch>
+        </p:blipFill>
+        <p:spPr>
+          <a:xfrm>
+            <a:off x="202922" y="5934456"/>
+            <a:ext cx="1825291" cy="749808"/>
           </a:xfrm>
           <a:prstGeom prst="rect">
             <a:avLst/>
           </a:prstGeom>
-          <a:noFill/>
-        </p:spPr>
-        <p:txBody>
-          <a:bodyPr wrap="square">
-            <a:spAutoFit/>
-          </a:bodyPr>
-          <a:lstStyle/>
-          <a:p>
-            <a:r>
-              <a:rPr lang="fr-FR" sz="1600" dirty="0">
-                <a:highlight>
-                  <a:srgbClr val="00FFFF"/>
-                </a:highlight>
-              </a:rPr>
-              <a:t>ASPECT </a:t>
-            </a:r>
-            <a:r>
-              <a:rPr lang="fr-FR" sz="1600" b="1" dirty="0">
-                <a:highlight>
-                  <a:srgbClr val="00FFFF"/>
-                </a:highlight>
-              </a:rPr>
-              <a:t>INSTRUMENTATION</a:t>
-            </a:r>
-          </a:p>
-          <a:p>
-            <a:pPr marL="285750" indent="-285750">
-              <a:buFont typeface="Arial" panose="020B0604020202020204" pitchFamily="34" charset="0"/>
-              <a:buChar char="•"/>
-            </a:pPr>
-            <a:r>
-              <a:rPr lang="fr-FR" sz="1600" b="1" dirty="0"/>
-              <a:t>Utiliser des instruments de mesure pertinents</a:t>
-            </a:r>
-            <a:r>
-              <a:rPr lang="fr-FR" sz="1600" dirty="0"/>
-              <a:t> et les </a:t>
-            </a:r>
-            <a:r>
-              <a:rPr lang="fr-FR" sz="1600" b="1" dirty="0"/>
-              <a:t>câbler</a:t>
-            </a:r>
-            <a:r>
-              <a:rPr lang="fr-FR" sz="1600" dirty="0"/>
-              <a:t> correctement</a:t>
-            </a:r>
-          </a:p>
-          <a:p>
-            <a:pPr marL="285750" indent="-285750">
-              <a:buFont typeface="Arial" panose="020B0604020202020204" pitchFamily="34" charset="0"/>
-              <a:buChar char="•"/>
-            </a:pPr>
-            <a:r>
-              <a:rPr lang="fr-FR" sz="1600" b="1" dirty="0"/>
-              <a:t>Paramétrer correctement les appareils de mesure</a:t>
-            </a:r>
-            <a:r>
-              <a:rPr lang="fr-FR" sz="1600" dirty="0"/>
-              <a:t> en prenant en considération les </a:t>
-            </a:r>
-            <a:r>
-              <a:rPr lang="fr-FR" sz="1600" b="1" dirty="0"/>
-              <a:t>limites des composants</a:t>
-            </a:r>
-            <a:r>
-              <a:rPr lang="fr-FR" sz="1600" dirty="0"/>
-              <a:t> à analyser</a:t>
-            </a:r>
-          </a:p>
-          <a:p>
-            <a:endParaRPr lang="fr-FR" sz="1600" dirty="0"/>
-          </a:p>
-          <a:p>
-            <a:r>
-              <a:rPr lang="fr-FR" sz="1600" dirty="0">
-                <a:highlight>
-                  <a:srgbClr val="00FFFF"/>
-                </a:highlight>
-              </a:rPr>
-              <a:t>ASPECT </a:t>
-            </a:r>
-            <a:r>
-              <a:rPr lang="fr-FR" sz="1600" b="1" dirty="0">
-                <a:highlight>
-                  <a:srgbClr val="00FFFF"/>
-                </a:highlight>
-              </a:rPr>
-              <a:t>INGENIEUR.E PHYSICIEN.NE</a:t>
-            </a:r>
-            <a:endParaRPr lang="fr-FR" sz="1600" dirty="0">
-              <a:highlight>
-                <a:srgbClr val="00FFFF"/>
-              </a:highlight>
-            </a:endParaRPr>
-          </a:p>
-          <a:p>
-            <a:pPr marL="285750" indent="-285750">
-              <a:buFont typeface="Arial" panose="020B0604020202020204" pitchFamily="34" charset="0"/>
-              <a:buChar char="•"/>
-            </a:pPr>
-            <a:r>
-              <a:rPr lang="fr-FR" sz="1600" b="1" dirty="0"/>
-              <a:t>Produire des résultats pertinents</a:t>
-            </a:r>
-            <a:r>
-              <a:rPr lang="fr-FR" sz="1600" dirty="0"/>
-              <a:t> à partir des données expérimentales</a:t>
-            </a:r>
-          </a:p>
-          <a:p>
-            <a:pPr marL="285750" indent="-285750">
-              <a:buFont typeface="Arial" panose="020B0604020202020204" pitchFamily="34" charset="0"/>
-              <a:buChar char="•"/>
-            </a:pPr>
-            <a:r>
-              <a:rPr lang="fr-FR" sz="1600" b="1" dirty="0"/>
-              <a:t>Générer un ensemble de signaux de test</a:t>
-            </a:r>
-            <a:r>
-              <a:rPr lang="fr-FR" sz="1600" dirty="0"/>
-              <a:t> pour valider le bon fonctionnement</a:t>
-            </a:r>
-          </a:p>
-          <a:p>
-            <a:pPr marL="285750" indent="-285750">
-              <a:buFont typeface="Arial" panose="020B0604020202020204" pitchFamily="34" charset="0"/>
-              <a:buChar char="•"/>
-            </a:pPr>
-            <a:r>
-              <a:rPr lang="fr-FR" sz="1600" b="1" dirty="0"/>
-              <a:t>Analyser les résultats d’une modélisation physique simple</a:t>
-            </a:r>
-            <a:r>
-              <a:rPr lang="fr-FR" sz="1600" dirty="0"/>
-              <a:t> et </a:t>
-            </a:r>
-            <a:r>
-              <a:rPr lang="fr-FR" sz="1600" b="1" dirty="0"/>
-              <a:t>valider le modèle utilisé</a:t>
-            </a:r>
-            <a:endParaRPr lang="fr-FR" sz="1600" dirty="0"/>
-          </a:p>
-        </p:txBody>
-      </p:sp>
-      <p:sp>
-        <p:nvSpPr>
-          <p:cNvPr id="12" name="CustomShape 3">
-            <a:extLst>
-              <a:ext uri="{FF2B5EF4-FFF2-40B4-BE49-F238E27FC236}">
-                <a16:creationId xmlns:a16="http://schemas.microsoft.com/office/drawing/2014/main" id="{BF074FB9-F19E-C0E7-05D8-FE2086332654}"/>
+        </p:spPr>
+      </p:pic>
+      <p:sp>
+        <p:nvSpPr>
+          <p:cNvPr id="21" name="CustomShape 3">
+            <a:extLst>
+              <a:ext uri="{FF2B5EF4-FFF2-40B4-BE49-F238E27FC236}">
+                <a16:creationId xmlns:a16="http://schemas.microsoft.com/office/drawing/2014/main" id="{C4F009B7-348E-6E4E-D3E6-A48A8134EA26}"/>
               </a:ext>
             </a:extLst>
           </p:cNvPr>
@@ -7075,14 +7142,14 @@
         </p:nvSpPr>
         <p:spPr>
           <a:xfrm>
-            <a:off x="6401130" y="2440601"/>
-            <a:ext cx="4685465" cy="492443"/>
+            <a:off x="3785605" y="6210644"/>
+            <a:ext cx="1887607" cy="369332"/>
           </a:xfrm>
           <a:prstGeom prst="rect">
             <a:avLst/>
           </a:prstGeom>
           <a:solidFill>
-            <a:srgbClr val="00B0F0"/>
+            <a:schemeClr val="accent1"/>
           </a:solidFill>
           <a:ln w="0">
             <a:noFill/>
@@ -7115,16 +7182,26 @@
               </a:tabLst>
             </a:pPr>
             <a:r>
-              <a:rPr lang="fr-FR" sz="2000" b="1" strike="noStrike" spc="-1" dirty="0">
+              <a:rPr lang="fr-FR" sz="1200" b="1" strike="noStrike" spc="-1" dirty="0">
                 <a:solidFill>
                   <a:schemeClr val="bg1"/>
                 </a:solidFill>
                 <a:latin typeface="Trebuchet MS"/>
                 <a:ea typeface="Trebuchet MS"/>
               </a:rPr>
-              <a:t>(A) Caractérisation d’un dipôle</a:t>
-            </a:r>
-            <a:endParaRPr lang="fr-FR" sz="2000" b="0" strike="noStrike" spc="-1" dirty="0">
+              <a:t>(2) </a:t>
+            </a:r>
+            <a:r>
+              <a:rPr lang="fr-FR" sz="1200" b="1" strike="noStrike" spc="-1" dirty="0" err="1">
+                <a:solidFill>
+                  <a:schemeClr val="bg1"/>
+                </a:solidFill>
+                <a:latin typeface="Trebuchet MS"/>
+                <a:ea typeface="Trebuchet MS"/>
+              </a:rPr>
+              <a:t>Photodétection</a:t>
+            </a:r>
+            <a:endParaRPr lang="fr-FR" sz="1200" b="0" strike="noStrike" spc="-1" dirty="0">
               <a:solidFill>
                 <a:schemeClr val="bg1"/>
               </a:solidFill>
@@ -7135,10 +7212,10 @@
       </p:sp>
       <p:sp>
         <p:nvSpPr>
-          <p:cNvPr id="11" name="CustomShape 3">
-            <a:extLst>
-              <a:ext uri="{FF2B5EF4-FFF2-40B4-BE49-F238E27FC236}">
-                <a16:creationId xmlns:a16="http://schemas.microsoft.com/office/drawing/2014/main" id="{0280F09E-AE25-3277-6827-3356680CBD03}"/>
+          <p:cNvPr id="3" name="CustomShape 3">
+            <a:extLst>
+              <a:ext uri="{FF2B5EF4-FFF2-40B4-BE49-F238E27FC236}">
+                <a16:creationId xmlns:a16="http://schemas.microsoft.com/office/drawing/2014/main" id="{3A2757AF-7204-5C84-F3F3-C24EF7A3A399}"/>
               </a:ext>
             </a:extLst>
           </p:cNvPr>
@@ -7147,14 +7224,14 @@
         </p:nvSpPr>
         <p:spPr>
           <a:xfrm>
-            <a:off x="3458299" y="5631264"/>
-            <a:ext cx="2466686" cy="369332"/>
+            <a:off x="1115567" y="2440602"/>
+            <a:ext cx="4685465" cy="492443"/>
           </a:xfrm>
           <a:prstGeom prst="rect">
             <a:avLst/>
           </a:prstGeom>
           <a:solidFill>
-            <a:schemeClr val="accent6"/>
+            <a:srgbClr val="00B0F0"/>
           </a:solidFill>
           <a:ln w="0">
             <a:noFill/>
@@ -7187,16 +7264,16 @@
               </a:tabLst>
             </a:pPr>
             <a:r>
-              <a:rPr lang="fr-FR" sz="1200" b="1" strike="noStrike" spc="-1" dirty="0">
+              <a:rPr lang="fr-FR" sz="2000" b="1" strike="noStrike" spc="-1" dirty="0">
                 <a:solidFill>
                   <a:schemeClr val="bg1"/>
                 </a:solidFill>
                 <a:latin typeface="Trebuchet MS"/>
                 <a:ea typeface="Trebuchet MS"/>
               </a:rPr>
-              <a:t>(0) Mise en forme / Filtrage</a:t>
-            </a:r>
-            <a:endParaRPr lang="fr-FR" sz="1200" b="0" strike="noStrike" spc="-1" dirty="0">
+              <a:t>Evaluations</a:t>
+            </a:r>
+            <a:endParaRPr lang="fr-FR" sz="2000" b="0" strike="noStrike" spc="-1" dirty="0">
               <a:solidFill>
                 <a:schemeClr val="bg1"/>
               </a:solidFill>
@@ -7205,10 +7282,180 @@
           </a:p>
         </p:txBody>
       </p:sp>
+      <p:sp>
+        <p:nvSpPr>
+          <p:cNvPr id="4" name="Espace réservé du contenu 2">
+            <a:extLst>
+              <a:ext uri="{FF2B5EF4-FFF2-40B4-BE49-F238E27FC236}">
+                <a16:creationId xmlns:a16="http://schemas.microsoft.com/office/drawing/2014/main" id="{7DB7DACE-1CDC-F9B9-9553-754869EC293A}"/>
+              </a:ext>
+            </a:extLst>
+          </p:cNvPr>
+          <p:cNvSpPr>
+            <a:spLocks noGrp="1"/>
+          </p:cNvSpPr>
+          <p:nvPr>
+            <p:ph sz="half" idx="1"/>
+          </p:nvPr>
+        </p:nvSpPr>
+        <p:spPr>
+          <a:xfrm>
+            <a:off x="1108263" y="3050362"/>
+            <a:ext cx="4685466" cy="3694176"/>
+          </a:xfrm>
+        </p:spPr>
+        <p:txBody>
+          <a:bodyPr>
+            <a:normAutofit/>
+          </a:bodyPr>
+          <a:lstStyle/>
+          <a:p>
+            <a:r>
+              <a:rPr lang="fr-FR" sz="2000" b="1" dirty="0"/>
+              <a:t>Synthèses </a:t>
+            </a:r>
+            <a:r>
+              <a:rPr lang="fr-FR" sz="2000" dirty="0"/>
+              <a:t>(50 %)</a:t>
+            </a:r>
+          </a:p>
+          <a:p>
+            <a:pPr lvl="1"/>
+            <a:r>
+              <a:rPr lang="fr-FR" sz="1800" dirty="0"/>
+              <a:t>Thème 1 : évaluée mais non notée</a:t>
+            </a:r>
+          </a:p>
+          <a:p>
+            <a:pPr lvl="1"/>
+            <a:r>
+              <a:rPr lang="fr-FR" sz="1800" dirty="0"/>
+              <a:t>Thème 2 : évaluée et notée (50%)</a:t>
+            </a:r>
+          </a:p>
+          <a:p>
+            <a:endParaRPr lang="fr-FR" sz="1800" dirty="0"/>
+          </a:p>
+        </p:txBody>
+      </p:sp>
+      <p:sp>
+        <p:nvSpPr>
+          <p:cNvPr id="9" name="CustomShape 3">
+            <a:extLst>
+              <a:ext uri="{FF2B5EF4-FFF2-40B4-BE49-F238E27FC236}">
+                <a16:creationId xmlns:a16="http://schemas.microsoft.com/office/drawing/2014/main" id="{4BDDD5A9-51DE-277E-D8B4-6E62D0688F1C}"/>
+              </a:ext>
+            </a:extLst>
+          </p:cNvPr>
+          <p:cNvSpPr/>
+          <p:nvPr/>
+        </p:nvSpPr>
+        <p:spPr>
+          <a:xfrm>
+            <a:off x="6401130" y="2440601"/>
+            <a:ext cx="4685465" cy="492443"/>
+          </a:xfrm>
+          <a:prstGeom prst="rect">
+            <a:avLst/>
+          </a:prstGeom>
+          <a:solidFill>
+            <a:srgbClr val="00B0F0"/>
+          </a:solidFill>
+          <a:ln w="0">
+            <a:noFill/>
+          </a:ln>
+        </p:spPr>
+        <p:style>
+          <a:lnRef idx="0">
+            <a:scrgbClr r="0" g="0" b="0"/>
+          </a:lnRef>
+          <a:fillRef idx="0">
+            <a:scrgbClr r="0" g="0" b="0"/>
+          </a:fillRef>
+          <a:effectRef idx="0">
+            <a:scrgbClr r="0" g="0" b="0"/>
+          </a:effectRef>
+          <a:fontRef idx="minor"/>
+        </p:style>
+        <p:txBody>
+          <a:bodyPr wrap="square" tIns="91440" bIns="91440">
+            <a:spAutoFit/>
+          </a:bodyPr>
+          <a:lstStyle/>
+          <a:p>
+            <a:pPr algn="ctr">
+              <a:lnSpc>
+                <a:spcPct val="100000"/>
+              </a:lnSpc>
+              <a:tabLst>
+                <a:tab pos="0" algn="l"/>
+              </a:tabLst>
+            </a:pPr>
+            <a:r>
+              <a:rPr lang="fr-FR" sz="2000" b="1" strike="noStrike" spc="-1" dirty="0">
+                <a:solidFill>
+                  <a:schemeClr val="bg1"/>
+                </a:solidFill>
+                <a:latin typeface="Trebuchet MS"/>
+                <a:ea typeface="Trebuchet MS"/>
+              </a:rPr>
+              <a:t>Synthèse et carte conceptuelle</a:t>
+            </a:r>
+            <a:endParaRPr lang="fr-FR" sz="2000" b="0" strike="noStrike" spc="-1" dirty="0">
+              <a:solidFill>
+                <a:schemeClr val="bg1"/>
+              </a:solidFill>
+              <a:latin typeface="Arial"/>
+            </a:endParaRPr>
+          </a:p>
+        </p:txBody>
+      </p:sp>
+      <p:sp>
+        <p:nvSpPr>
+          <p:cNvPr id="7" name="ZoneTexte 6">
+            <a:extLst>
+              <a:ext uri="{FF2B5EF4-FFF2-40B4-BE49-F238E27FC236}">
+                <a16:creationId xmlns:a16="http://schemas.microsoft.com/office/drawing/2014/main" id="{E2EFA9F7-0DD9-6F34-21B7-9DFF0D1C0131}"/>
+              </a:ext>
+            </a:extLst>
+          </p:cNvPr>
+          <p:cNvSpPr txBox="1"/>
+          <p:nvPr/>
+        </p:nvSpPr>
+        <p:spPr>
+          <a:xfrm>
+            <a:off x="6519042" y="3324792"/>
+            <a:ext cx="4564695" cy="1200329"/>
+          </a:xfrm>
+          <a:prstGeom prst="rect">
+            <a:avLst/>
+          </a:prstGeom>
+          <a:noFill/>
+        </p:spPr>
+        <p:txBody>
+          <a:bodyPr wrap="square">
+            <a:spAutoFit/>
+          </a:bodyPr>
+          <a:lstStyle/>
+          <a:p>
+            <a:pPr algn="just" fontAlgn="base"/>
+            <a:r>
+              <a:rPr lang="fr-FR" b="0" i="0" dirty="0">
+                <a:solidFill>
+                  <a:srgbClr val="666666"/>
+                </a:solidFill>
+                <a:effectLst/>
+                <a:latin typeface="Lato" panose="020F0502020204030203" pitchFamily="34" charset="0"/>
+              </a:rPr>
+              <a:t>	En tant qu’expert-conseil en électronique, indiquez-lui la marche à suivre pour réaliser ce prototype dans le cadre d’une application embarquée. </a:t>
+            </a:r>
+          </a:p>
+        </p:txBody>
+      </p:sp>
     </p:spTree>
     <p:extLst>
       <p:ext uri="{BB962C8B-B14F-4D97-AF65-F5344CB8AC3E}">
-        <p14:creationId xmlns:p14="http://schemas.microsoft.com/office/powerpoint/2010/main" val="4192165477"/>
+        <p14:creationId xmlns:p14="http://schemas.microsoft.com/office/powerpoint/2010/main" val="3094483282"/>
       </p:ext>
     </p:extLst>
   </p:cSld>
@@ -7305,216 +7552,10 @@
       </p:pic>
       <p:sp>
         <p:nvSpPr>
-          <p:cNvPr id="8" name="ZoneTexte 7">
-            <a:extLst>
-              <a:ext uri="{FF2B5EF4-FFF2-40B4-BE49-F238E27FC236}">
-                <a16:creationId xmlns:a16="http://schemas.microsoft.com/office/drawing/2014/main" id="{14CCE582-9B9D-0764-83CC-13654B460E43}"/>
-              </a:ext>
-            </a:extLst>
-          </p:cNvPr>
-          <p:cNvSpPr txBox="1"/>
-          <p:nvPr/>
-        </p:nvSpPr>
-        <p:spPr>
-          <a:xfrm>
-            <a:off x="6554552" y="2416554"/>
-            <a:ext cx="4529185" cy="4278094"/>
-          </a:xfrm>
-          <a:prstGeom prst="rect">
-            <a:avLst/>
-          </a:prstGeom>
-          <a:noFill/>
-        </p:spPr>
-        <p:txBody>
-          <a:bodyPr wrap="square">
-            <a:spAutoFit/>
-          </a:bodyPr>
-          <a:lstStyle/>
-          <a:p>
-            <a:r>
-              <a:rPr lang="fr-FR" sz="1600" dirty="0">
-                <a:highlight>
-                  <a:srgbClr val="00FFFF"/>
-                </a:highlight>
-              </a:rPr>
-              <a:t>ASPECT </a:t>
-            </a:r>
-            <a:r>
-              <a:rPr lang="fr-FR" sz="1600" b="1" dirty="0">
-                <a:highlight>
-                  <a:srgbClr val="00FFFF"/>
-                </a:highlight>
-              </a:rPr>
-              <a:t>PROTOCOLE</a:t>
-            </a:r>
-          </a:p>
-          <a:p>
-            <a:endParaRPr lang="fr-FR" sz="1600" b="1" dirty="0">
-              <a:highlight>
-                <a:srgbClr val="00FFFF"/>
-              </a:highlight>
-            </a:endParaRPr>
-          </a:p>
-          <a:p>
-            <a:pPr marL="285750" indent="-285750">
-              <a:buFont typeface="Arial" panose="020B0604020202020204" pitchFamily="34" charset="0"/>
-              <a:buChar char="•"/>
-            </a:pPr>
-            <a:r>
-              <a:rPr lang="fr-FR" sz="1600" dirty="0"/>
-              <a:t>Identifier le </a:t>
-            </a:r>
-            <a:r>
-              <a:rPr lang="fr-FR" sz="1600" b="1" dirty="0"/>
-              <a:t>comportement global </a:t>
-            </a:r>
-            <a:r>
-              <a:rPr lang="fr-FR" sz="1600" dirty="0"/>
-              <a:t>du système </a:t>
-            </a:r>
-            <a:r>
-              <a:rPr lang="fr-FR" sz="1400" dirty="0"/>
-              <a:t>(passe-bas, passe-haut, passe-bande)</a:t>
-            </a:r>
-            <a:endParaRPr lang="fr-FR" sz="1600" dirty="0"/>
-          </a:p>
-          <a:p>
-            <a:pPr marL="285750" indent="-285750">
-              <a:buFont typeface="Arial" panose="020B0604020202020204" pitchFamily="34" charset="0"/>
-              <a:buChar char="•"/>
-            </a:pPr>
-            <a:r>
-              <a:rPr lang="fr-FR" sz="1600" dirty="0"/>
-              <a:t>Mesurer la </a:t>
-            </a:r>
-            <a:r>
-              <a:rPr lang="fr-FR" sz="1600" b="1" dirty="0"/>
-              <a:t>bande-passante</a:t>
-            </a:r>
-            <a:r>
-              <a:rPr lang="fr-FR" sz="1600" dirty="0"/>
-              <a:t> du système</a:t>
-            </a:r>
-          </a:p>
-          <a:p>
-            <a:pPr marL="285750" indent="-285750">
-              <a:buFont typeface="Arial" panose="020B0604020202020204" pitchFamily="34" charset="0"/>
-              <a:buChar char="•"/>
-            </a:pPr>
-            <a:r>
-              <a:rPr lang="fr-FR" sz="1600" dirty="0"/>
-              <a:t>Mesurer le </a:t>
-            </a:r>
-            <a:r>
-              <a:rPr lang="fr-FR" sz="1600" b="1" dirty="0"/>
-              <a:t>gain</a:t>
-            </a:r>
-            <a:r>
-              <a:rPr lang="fr-FR" sz="1600" dirty="0"/>
-              <a:t> du système</a:t>
-            </a:r>
-          </a:p>
-          <a:p>
-            <a:pPr marL="285750" indent="-285750">
-              <a:buFont typeface="Arial" panose="020B0604020202020204" pitchFamily="34" charset="0"/>
-              <a:buChar char="•"/>
-            </a:pPr>
-            <a:r>
-              <a:rPr lang="fr-FR" sz="1600" dirty="0"/>
-              <a:t>Déterminer l’</a:t>
-            </a:r>
-            <a:r>
-              <a:rPr lang="fr-FR" sz="1600" b="1" dirty="0"/>
-              <a:t>ordre du système</a:t>
-            </a:r>
-          </a:p>
-          <a:p>
-            <a:pPr>
-              <a:buFont typeface="Arial" panose="020B0604020202020204" pitchFamily="34" charset="0"/>
-              <a:buChar char="•"/>
-            </a:pPr>
-            <a:endParaRPr lang="fr-FR" sz="1600" dirty="0"/>
-          </a:p>
-          <a:p>
-            <a:r>
-              <a:rPr lang="fr-FR" sz="1600" dirty="0">
-                <a:highlight>
-                  <a:srgbClr val="00FFFF"/>
-                </a:highlight>
-              </a:rPr>
-              <a:t>ASPECT </a:t>
-            </a:r>
-            <a:r>
-              <a:rPr lang="fr-FR" sz="1600" b="1" dirty="0">
-                <a:highlight>
-                  <a:srgbClr val="00FFFF"/>
-                </a:highlight>
-              </a:rPr>
-              <a:t>INGENIEUR.E PHYSICIEN.NE</a:t>
-            </a:r>
-          </a:p>
-          <a:p>
-            <a:endParaRPr lang="fr-FR" sz="1600" dirty="0">
-              <a:highlight>
-                <a:srgbClr val="00FFFF"/>
-              </a:highlight>
-            </a:endParaRPr>
-          </a:p>
-          <a:p>
-            <a:pPr marL="285750" indent="-285750">
-              <a:buFont typeface="Arial" panose="020B0604020202020204" pitchFamily="34" charset="0"/>
-              <a:buChar char="•"/>
-            </a:pPr>
-            <a:r>
-              <a:rPr lang="fr-FR" sz="1600" b="1" dirty="0"/>
-              <a:t>Produire des résultats pertinents</a:t>
-            </a:r>
-            <a:r>
-              <a:rPr lang="fr-FR" sz="1600" dirty="0"/>
-              <a:t> à partir des données expérimentales</a:t>
-            </a:r>
-          </a:p>
-          <a:p>
-            <a:pPr marL="285750" indent="-285750">
-              <a:buFont typeface="Arial" panose="020B0604020202020204" pitchFamily="34" charset="0"/>
-              <a:buChar char="•"/>
-            </a:pPr>
-            <a:r>
-              <a:rPr lang="fr-FR" sz="1600" b="1" dirty="0"/>
-              <a:t>Générer un ensemble de signaux de test</a:t>
-            </a:r>
-            <a:r>
-              <a:rPr lang="fr-FR" sz="1600" dirty="0"/>
-              <a:t> pour valider le bon fonctionnement</a:t>
-            </a:r>
-          </a:p>
-          <a:p>
-            <a:pPr marL="285750" indent="-285750">
-              <a:buFont typeface="Arial" panose="020B0604020202020204" pitchFamily="34" charset="0"/>
-              <a:buChar char="•"/>
-            </a:pPr>
-            <a:r>
-              <a:rPr lang="fr-FR" sz="1600" b="1" dirty="0"/>
-              <a:t>Analyser les résultats d’une modélisation physique simple</a:t>
-            </a:r>
-            <a:r>
-              <a:rPr lang="fr-FR" sz="1600" dirty="0"/>
-              <a:t> et </a:t>
-            </a:r>
-            <a:r>
-              <a:rPr lang="fr-FR" sz="1600" b="1" dirty="0"/>
-              <a:t>valider le modèle utilisé</a:t>
-            </a:r>
-            <a:endParaRPr lang="fr-FR" sz="1600" dirty="0"/>
-          </a:p>
-        </p:txBody>
-      </p:sp>
-      <p:sp>
-        <p:nvSpPr>
-          <p:cNvPr id="11" name="CustomShape 3">
-            <a:extLst>
-              <a:ext uri="{FF2B5EF4-FFF2-40B4-BE49-F238E27FC236}">
-                <a16:creationId xmlns:a16="http://schemas.microsoft.com/office/drawing/2014/main" id="{80A9CDA6-B258-C949-657E-13F3BD54C580}"/>
+          <p:cNvPr id="3" name="CustomShape 3">
+            <a:extLst>
+              <a:ext uri="{FF2B5EF4-FFF2-40B4-BE49-F238E27FC236}">
+                <a16:creationId xmlns:a16="http://schemas.microsoft.com/office/drawing/2014/main" id="{3A2757AF-7204-5C84-F3F3-C24EF7A3A399}"/>
               </a:ext>
             </a:extLst>
           </p:cNvPr>
@@ -7570,7 +7611,7 @@
                 <a:latin typeface="Trebuchet MS"/>
                 <a:ea typeface="Trebuchet MS"/>
               </a:rPr>
-              <a:t>(B) Etude fréquentielle d’un système </a:t>
+              <a:t>Evaluations</a:t>
             </a:r>
             <a:endParaRPr lang="fr-FR" sz="2000" b="0" strike="noStrike" spc="-1" dirty="0">
               <a:solidFill>
@@ -7583,10 +7624,102 @@
       </p:sp>
       <p:sp>
         <p:nvSpPr>
-          <p:cNvPr id="13" name="ZoneTexte 12">
-            <a:extLst>
-              <a:ext uri="{FF2B5EF4-FFF2-40B4-BE49-F238E27FC236}">
-                <a16:creationId xmlns:a16="http://schemas.microsoft.com/office/drawing/2014/main" id="{E92A1B81-3646-4206-FAD0-F1E1E3655173}"/>
+          <p:cNvPr id="4" name="Espace réservé du contenu 2">
+            <a:extLst>
+              <a:ext uri="{FF2B5EF4-FFF2-40B4-BE49-F238E27FC236}">
+                <a16:creationId xmlns:a16="http://schemas.microsoft.com/office/drawing/2014/main" id="{7DB7DACE-1CDC-F9B9-9553-754869EC293A}"/>
+              </a:ext>
+            </a:extLst>
+          </p:cNvPr>
+          <p:cNvSpPr>
+            <a:spLocks noGrp="1"/>
+          </p:cNvSpPr>
+          <p:nvPr>
+            <p:ph sz="half" idx="1"/>
+          </p:nvPr>
+        </p:nvSpPr>
+        <p:spPr>
+          <a:xfrm>
+            <a:off x="1108263" y="3050362"/>
+            <a:ext cx="4685466" cy="3694176"/>
+          </a:xfrm>
+        </p:spPr>
+        <p:txBody>
+          <a:bodyPr>
+            <a:normAutofit/>
+          </a:bodyPr>
+          <a:lstStyle/>
+          <a:p>
+            <a:r>
+              <a:rPr lang="fr-FR" sz="2000" b="1" dirty="0"/>
+              <a:t>Synthèses </a:t>
+            </a:r>
+            <a:r>
+              <a:rPr lang="fr-FR" sz="2000" dirty="0"/>
+              <a:t>(50 %)</a:t>
+            </a:r>
+          </a:p>
+          <a:p>
+            <a:pPr lvl="1"/>
+            <a:r>
+              <a:rPr lang="fr-FR" sz="1800" dirty="0"/>
+              <a:t>Thème 1 : évaluée mais non notée</a:t>
+            </a:r>
+          </a:p>
+          <a:p>
+            <a:pPr lvl="1"/>
+            <a:r>
+              <a:rPr lang="fr-FR" sz="1800" dirty="0"/>
+              <a:t>Thème 2 : évaluée et notée (50%)</a:t>
+            </a:r>
+          </a:p>
+          <a:p>
+            <a:r>
+              <a:rPr lang="fr-FR" sz="2000" b="1" dirty="0"/>
+              <a:t>Examen pratique </a:t>
+            </a:r>
+            <a:r>
+              <a:rPr lang="fr-FR" sz="2000" dirty="0"/>
+              <a:t>(50 %)</a:t>
+            </a:r>
+          </a:p>
+          <a:p>
+            <a:pPr lvl="1"/>
+            <a:r>
+              <a:rPr lang="fr-FR" sz="1800" dirty="0"/>
+              <a:t>Durée : </a:t>
+            </a:r>
+            <a:r>
+              <a:rPr lang="fr-FR" sz="1800" b="1" dirty="0"/>
+              <a:t>1h</a:t>
+            </a:r>
+          </a:p>
+          <a:p>
+            <a:pPr lvl="1"/>
+            <a:r>
+              <a:rPr lang="fr-FR" sz="1800" dirty="0"/>
+              <a:t>Tous les </a:t>
+            </a:r>
+            <a:r>
+              <a:rPr lang="fr-FR" sz="1800" b="1" dirty="0"/>
+              <a:t>documents numériques </a:t>
+            </a:r>
+            <a:r>
+              <a:rPr lang="fr-FR" sz="1800" dirty="0"/>
+              <a:t>autorisés</a:t>
+            </a:r>
+          </a:p>
+          <a:p>
+            <a:endParaRPr lang="fr-FR" sz="1800" dirty="0"/>
+          </a:p>
+        </p:txBody>
+      </p:sp>
+      <p:sp>
+        <p:nvSpPr>
+          <p:cNvPr id="8" name="ZoneTexte 7">
+            <a:extLst>
+              <a:ext uri="{FF2B5EF4-FFF2-40B4-BE49-F238E27FC236}">
+                <a16:creationId xmlns:a16="http://schemas.microsoft.com/office/drawing/2014/main" id="{0F3A1F2E-F441-C31C-7EC1-D6A75227ACF3}"/>
               </a:ext>
             </a:extLst>
           </p:cNvPr>
@@ -7595,8 +7728,8 @@
         </p:nvSpPr>
         <p:spPr>
           <a:xfrm>
-            <a:off x="1115567" y="3168720"/>
-            <a:ext cx="4529185" cy="2308324"/>
+            <a:off x="6928088" y="3422090"/>
+            <a:ext cx="3611221" cy="369332"/>
           </a:xfrm>
           <a:prstGeom prst="rect">
             <a:avLst/>
@@ -7610,7 +7743,7 @@
           <a:lstStyle/>
           <a:p>
             <a:r>
-              <a:rPr lang="fr-FR" sz="1600" dirty="0">
+              <a:rPr lang="fr-FR" dirty="0">
                 <a:highlight>
                   <a:srgbClr val="00FFFF"/>
                 </a:highlight>
@@ -7618,37 +7751,314 @@
               <a:t>ASPECT </a:t>
             </a:r>
             <a:r>
-              <a:rPr lang="fr-FR" sz="1600" b="1" dirty="0">
+              <a:rPr lang="fr-FR" b="1" dirty="0">
                 <a:highlight>
                   <a:srgbClr val="00FFFF"/>
                 </a:highlight>
               </a:rPr>
               <a:t>INSTRUMENTATION</a:t>
             </a:r>
-          </a:p>
-          <a:p>
-            <a:endParaRPr lang="fr-FR" sz="1600" dirty="0"/>
-          </a:p>
+            <a:endParaRPr lang="fr-FR" dirty="0">
+              <a:highlight>
+                <a:srgbClr val="00FFFF"/>
+              </a:highlight>
+            </a:endParaRPr>
+          </a:p>
+        </p:txBody>
+      </p:sp>
+      <p:sp>
+        <p:nvSpPr>
+          <p:cNvPr id="9" name="CustomShape 3">
+            <a:extLst>
+              <a:ext uri="{FF2B5EF4-FFF2-40B4-BE49-F238E27FC236}">
+                <a16:creationId xmlns:a16="http://schemas.microsoft.com/office/drawing/2014/main" id="{4BDDD5A9-51DE-277E-D8B4-6E62D0688F1C}"/>
+              </a:ext>
+            </a:extLst>
+          </p:cNvPr>
+          <p:cNvSpPr/>
+          <p:nvPr/>
+        </p:nvSpPr>
+        <p:spPr>
+          <a:xfrm>
+            <a:off x="6401130" y="2440601"/>
+            <a:ext cx="4685465" cy="492443"/>
+          </a:xfrm>
+          <a:prstGeom prst="rect">
+            <a:avLst/>
+          </a:prstGeom>
+          <a:solidFill>
+            <a:srgbClr val="00B0F0"/>
+          </a:solidFill>
+          <a:ln w="0">
+            <a:noFill/>
+          </a:ln>
+        </p:spPr>
+        <p:style>
+          <a:lnRef idx="0">
+            <a:scrgbClr r="0" g="0" b="0"/>
+          </a:lnRef>
+          <a:fillRef idx="0">
+            <a:scrgbClr r="0" g="0" b="0"/>
+          </a:fillRef>
+          <a:effectRef idx="0">
+            <a:scrgbClr r="0" g="0" b="0"/>
+          </a:effectRef>
+          <a:fontRef idx="minor"/>
+        </p:style>
+        <p:txBody>
+          <a:bodyPr wrap="square" tIns="91440" bIns="91440">
+            <a:spAutoFit/>
+          </a:bodyPr>
+          <a:lstStyle/>
+          <a:p>
+            <a:pPr algn="ctr">
+              <a:lnSpc>
+                <a:spcPct val="100000"/>
+              </a:lnSpc>
+              <a:tabLst>
+                <a:tab pos="0" algn="l"/>
+              </a:tabLst>
+            </a:pPr>
+            <a:r>
+              <a:rPr lang="fr-FR" sz="2000" b="1" strike="noStrike" spc="-1" dirty="0">
+                <a:solidFill>
+                  <a:schemeClr val="bg1"/>
+                </a:solidFill>
+                <a:latin typeface="Trebuchet MS"/>
+                <a:ea typeface="Trebuchet MS"/>
+              </a:rPr>
+              <a:t>Evaluatio</a:t>
+            </a:r>
+            <a:r>
+              <a:rPr lang="fr-FR" sz="2000" b="1" spc="-1" dirty="0">
+                <a:solidFill>
+                  <a:schemeClr val="bg1"/>
+                </a:solidFill>
+                <a:latin typeface="Trebuchet MS"/>
+                <a:ea typeface="Trebuchet MS"/>
+              </a:rPr>
+              <a:t>n pratique</a:t>
+            </a:r>
+            <a:endParaRPr lang="fr-FR" sz="2000" b="0" strike="noStrike" spc="-1" dirty="0">
+              <a:solidFill>
+                <a:schemeClr val="bg1"/>
+              </a:solidFill>
+              <a:latin typeface="Arial"/>
+            </a:endParaRPr>
+          </a:p>
+        </p:txBody>
+      </p:sp>
+      <p:sp>
+        <p:nvSpPr>
+          <p:cNvPr id="6" name="ZoneTexte 5">
+            <a:extLst>
+              <a:ext uri="{FF2B5EF4-FFF2-40B4-BE49-F238E27FC236}">
+                <a16:creationId xmlns:a16="http://schemas.microsoft.com/office/drawing/2014/main" id="{5F5CBFC5-B974-1AD1-A1C9-845C2F711D5E}"/>
+              </a:ext>
+            </a:extLst>
+          </p:cNvPr>
+          <p:cNvSpPr txBox="1"/>
+          <p:nvPr/>
+        </p:nvSpPr>
+        <p:spPr>
+          <a:xfrm>
+            <a:off x="6928088" y="4353972"/>
+            <a:ext cx="4355608" cy="369332"/>
+          </a:xfrm>
+          <a:prstGeom prst="rect">
+            <a:avLst/>
+          </a:prstGeom>
+          <a:noFill/>
+        </p:spPr>
+        <p:txBody>
+          <a:bodyPr wrap="square">
+            <a:spAutoFit/>
+          </a:bodyPr>
+          <a:lstStyle/>
+          <a:p>
+            <a:r>
+              <a:rPr lang="fr-FR" dirty="0">
+                <a:highlight>
+                  <a:srgbClr val="00FFFF"/>
+                </a:highlight>
+              </a:rPr>
+              <a:t>ASPECT </a:t>
+            </a:r>
+            <a:r>
+              <a:rPr lang="fr-FR" b="1" dirty="0">
+                <a:highlight>
+                  <a:srgbClr val="00FFFF"/>
+                </a:highlight>
+              </a:rPr>
+              <a:t>INGENIEUR.E PHYSICIEN.NE</a:t>
+            </a:r>
+            <a:endParaRPr lang="fr-FR" dirty="0">
+              <a:highlight>
+                <a:srgbClr val="00FFFF"/>
+              </a:highlight>
+            </a:endParaRPr>
+          </a:p>
+        </p:txBody>
+      </p:sp>
+      <p:sp>
+        <p:nvSpPr>
+          <p:cNvPr id="10" name="ZoneTexte 9">
+            <a:extLst>
+              <a:ext uri="{FF2B5EF4-FFF2-40B4-BE49-F238E27FC236}">
+                <a16:creationId xmlns:a16="http://schemas.microsoft.com/office/drawing/2014/main" id="{00B3FB53-8556-BE15-925F-813B2A0DA05A}"/>
+              </a:ext>
+            </a:extLst>
+          </p:cNvPr>
+          <p:cNvSpPr txBox="1"/>
+          <p:nvPr/>
+        </p:nvSpPr>
+        <p:spPr>
+          <a:xfrm>
+            <a:off x="6928088" y="3886615"/>
+            <a:ext cx="6096000" cy="369332"/>
+          </a:xfrm>
+          <a:prstGeom prst="rect">
+            <a:avLst/>
+          </a:prstGeom>
+          <a:noFill/>
+        </p:spPr>
+        <p:txBody>
+          <a:bodyPr wrap="square">
+            <a:spAutoFit/>
+          </a:bodyPr>
+          <a:lstStyle/>
+          <a:p>
+            <a:r>
+              <a:rPr lang="fr-FR" dirty="0">
+                <a:highlight>
+                  <a:srgbClr val="00FFFF"/>
+                </a:highlight>
+              </a:rPr>
+              <a:t>ASPECT </a:t>
+            </a:r>
+            <a:r>
+              <a:rPr lang="fr-FR" b="1" dirty="0">
+                <a:effectLst/>
+                <a:highlight>
+                  <a:srgbClr val="00FFFF"/>
+                </a:highlight>
+              </a:rPr>
+              <a:t>PROTOCOLE</a:t>
+            </a:r>
+            <a:endParaRPr lang="fr-FR" dirty="0">
+              <a:highlight>
+                <a:srgbClr val="00FFFF"/>
+              </a:highlight>
+            </a:endParaRPr>
+          </a:p>
+        </p:txBody>
+      </p:sp>
+      <p:sp>
+        <p:nvSpPr>
+          <p:cNvPr id="12" name="ZoneTexte 11">
+            <a:extLst>
+              <a:ext uri="{FF2B5EF4-FFF2-40B4-BE49-F238E27FC236}">
+                <a16:creationId xmlns:a16="http://schemas.microsoft.com/office/drawing/2014/main" id="{BB342786-8F97-9FA2-84B9-9198AB29863A}"/>
+              </a:ext>
+            </a:extLst>
+          </p:cNvPr>
+          <p:cNvSpPr txBox="1"/>
+          <p:nvPr/>
+        </p:nvSpPr>
+        <p:spPr>
+          <a:xfrm>
+            <a:off x="6510218" y="2975383"/>
+            <a:ext cx="6513870" cy="369332"/>
+          </a:xfrm>
+          <a:prstGeom prst="rect">
+            <a:avLst/>
+          </a:prstGeom>
+          <a:noFill/>
+        </p:spPr>
+        <p:txBody>
+          <a:bodyPr wrap="square">
+            <a:spAutoFit/>
+          </a:bodyPr>
+          <a:lstStyle/>
+          <a:p>
+            <a:r>
+              <a:rPr lang="fr-FR" sz="1800" b="1" dirty="0"/>
+              <a:t>Selon 3 catégories de critères :</a:t>
+            </a:r>
+            <a:endParaRPr lang="fr-FR" dirty="0"/>
+          </a:p>
+        </p:txBody>
+      </p:sp>
+      <p:sp>
+        <p:nvSpPr>
+          <p:cNvPr id="13" name="ZoneTexte 12">
+            <a:extLst>
+              <a:ext uri="{FF2B5EF4-FFF2-40B4-BE49-F238E27FC236}">
+                <a16:creationId xmlns:a16="http://schemas.microsoft.com/office/drawing/2014/main" id="{A8D62458-BE05-F551-57A3-CB5FA9C437E5}"/>
+              </a:ext>
+            </a:extLst>
+          </p:cNvPr>
+          <p:cNvSpPr txBox="1"/>
+          <p:nvPr/>
+        </p:nvSpPr>
+        <p:spPr>
+          <a:xfrm>
+            <a:off x="6510218" y="5054905"/>
+            <a:ext cx="6513870" cy="369332"/>
+          </a:xfrm>
+          <a:prstGeom prst="rect">
+            <a:avLst/>
+          </a:prstGeom>
+          <a:noFill/>
+        </p:spPr>
+        <p:txBody>
+          <a:bodyPr wrap="square">
+            <a:spAutoFit/>
+          </a:bodyPr>
+          <a:lstStyle/>
+          <a:p>
+            <a:r>
+              <a:rPr lang="fr-FR" sz="1800" b="1" dirty="0"/>
+              <a:t>2 savoir-faire évalués :</a:t>
+            </a:r>
+          </a:p>
+        </p:txBody>
+      </p:sp>
+      <p:sp>
+        <p:nvSpPr>
+          <p:cNvPr id="14" name="ZoneTexte 13">
+            <a:extLst>
+              <a:ext uri="{FF2B5EF4-FFF2-40B4-BE49-F238E27FC236}">
+                <a16:creationId xmlns:a16="http://schemas.microsoft.com/office/drawing/2014/main" id="{E2C0D2DC-CADC-12A0-FC98-284019FE533A}"/>
+              </a:ext>
+            </a:extLst>
+          </p:cNvPr>
+          <p:cNvSpPr txBox="1"/>
+          <p:nvPr/>
+        </p:nvSpPr>
+        <p:spPr>
+          <a:xfrm>
+            <a:off x="6928088" y="5492765"/>
+            <a:ext cx="4355608" cy="646331"/>
+          </a:xfrm>
+          <a:prstGeom prst="rect">
+            <a:avLst/>
+          </a:prstGeom>
+          <a:noFill/>
+        </p:spPr>
+        <p:txBody>
+          <a:bodyPr wrap="square">
+            <a:spAutoFit/>
+          </a:bodyPr>
+          <a:lstStyle/>
           <a:p>
             <a:pPr marL="285750" indent="-285750">
               <a:buFont typeface="Arial" panose="020B0604020202020204" pitchFamily="34" charset="0"/>
               <a:buChar char="•"/>
             </a:pPr>
             <a:r>
-              <a:rPr lang="fr-FR" sz="1600" b="1" dirty="0"/>
-              <a:t>Utiliser des instruments de mesure pertinents</a:t>
-            </a:r>
-            <a:r>
-              <a:rPr lang="fr-FR" sz="1600" dirty="0"/>
-              <a:t> et les </a:t>
-            </a:r>
-            <a:r>
-              <a:rPr lang="fr-FR" sz="1600" b="1" dirty="0"/>
-              <a:t>câbler</a:t>
-            </a:r>
-            <a:r>
-              <a:rPr lang="fr-FR" sz="1600" dirty="0"/>
-              <a:t> correctement</a:t>
+              <a:rPr lang="fr-FR" dirty="0"/>
+              <a:t>(A) Caractérisation d’un dipôle</a:t>
             </a:r>
           </a:p>
           <a:p>
@@ -7657,38 +8067,88 @@
               <a:buChar char="•"/>
             </a:pPr>
             <a:r>
-              <a:rPr lang="fr-FR" sz="1600" b="1" dirty="0"/>
-              <a:t>Paramétrer correctement les appareils de mesure</a:t>
-            </a:r>
-            <a:r>
-              <a:rPr lang="fr-FR" sz="1600" dirty="0"/>
-              <a:t> en prenant en considération les </a:t>
-            </a:r>
-            <a:r>
-              <a:rPr lang="fr-FR" sz="1600" b="1" dirty="0"/>
-              <a:t>limites des composants</a:t>
-            </a:r>
-            <a:r>
-              <a:rPr lang="fr-FR" sz="1600" dirty="0"/>
-              <a:t> à analyser</a:t>
-            </a:r>
-          </a:p>
-          <a:p>
-            <a:pPr marL="285750" indent="-285750">
-              <a:buFont typeface="Arial" panose="020B0604020202020204" pitchFamily="34" charset="0"/>
-              <a:buChar char="•"/>
+              <a:rPr lang="fr-FR" dirty="0"/>
+              <a:t>(B) Etude fréquentielle d’un système</a:t>
+            </a:r>
+          </a:p>
+        </p:txBody>
+      </p:sp>
+      <p:sp>
+        <p:nvSpPr>
+          <p:cNvPr id="15" name="CustomShape 3">
+            <a:extLst>
+              <a:ext uri="{FF2B5EF4-FFF2-40B4-BE49-F238E27FC236}">
+                <a16:creationId xmlns:a16="http://schemas.microsoft.com/office/drawing/2014/main" id="{24FF2786-2434-B9DD-A267-C35F4EFF0352}"/>
+              </a:ext>
+            </a:extLst>
+          </p:cNvPr>
+          <p:cNvSpPr/>
+          <p:nvPr/>
+        </p:nvSpPr>
+        <p:spPr>
+          <a:xfrm>
+            <a:off x="3458299" y="5631264"/>
+            <a:ext cx="2466686" cy="369332"/>
+          </a:xfrm>
+          <a:prstGeom prst="rect">
+            <a:avLst/>
+          </a:prstGeom>
+          <a:solidFill>
+            <a:schemeClr val="accent6"/>
+          </a:solidFill>
+          <a:ln w="0">
+            <a:noFill/>
+          </a:ln>
+        </p:spPr>
+        <p:style>
+          <a:lnRef idx="0">
+            <a:scrgbClr r="0" g="0" b="0"/>
+          </a:lnRef>
+          <a:fillRef idx="0">
+            <a:scrgbClr r="0" g="0" b="0"/>
+          </a:fillRef>
+          <a:effectRef idx="0">
+            <a:scrgbClr r="0" g="0" b="0"/>
+          </a:effectRef>
+          <a:fontRef idx="minor"/>
+        </p:style>
+        <p:txBody>
+          <a:bodyPr wrap="square" tIns="91440" bIns="91440">
+            <a:spAutoFit/>
+          </a:bodyPr>
+          <a:lstStyle/>
+          <a:p>
+            <a:pPr algn="ctr">
+              <a:lnSpc>
+                <a:spcPct val="100000"/>
+              </a:lnSpc>
+              <a:tabLst>
+                <a:tab pos="0" algn="l"/>
+              </a:tabLst>
             </a:pPr>
             <a:r>
-              <a:rPr lang="fr-FR" sz="1600" dirty="0"/>
-              <a:t>Valider le fonctionnement linéaire du système</a:t>
-            </a:r>
+              <a:rPr lang="fr-FR" sz="1200" b="1" strike="noStrike" spc="-1" dirty="0">
+                <a:solidFill>
+                  <a:schemeClr val="bg1"/>
+                </a:solidFill>
+                <a:latin typeface="Trebuchet MS"/>
+                <a:ea typeface="Trebuchet MS"/>
+              </a:rPr>
+              <a:t>(0) Mise en forme / Filtrage</a:t>
+            </a:r>
+            <a:endParaRPr lang="fr-FR" sz="1200" b="0" strike="noStrike" spc="-1" dirty="0">
+              <a:solidFill>
+                <a:schemeClr val="bg1"/>
+              </a:solidFill>
+              <a:latin typeface="Arial"/>
+            </a:endParaRPr>
           </a:p>
         </p:txBody>
       </p:sp>
     </p:spTree>
     <p:extLst>
       <p:ext uri="{BB962C8B-B14F-4D97-AF65-F5344CB8AC3E}">
-        <p14:creationId xmlns:p14="http://schemas.microsoft.com/office/powerpoint/2010/main" val="6443434"/>
+        <p14:creationId xmlns:p14="http://schemas.microsoft.com/office/powerpoint/2010/main" val="1999171665"/>
       </p:ext>
     </p:extLst>
   </p:cSld>
@@ -7907,6 +8367,1056 @@
             </a:r>
           </a:p>
           <a:p>
+            <a:r>
+              <a:rPr lang="fr-FR" sz="2000" b="1" dirty="0"/>
+              <a:t>Examen pratique </a:t>
+            </a:r>
+            <a:r>
+              <a:rPr lang="fr-FR" sz="2000" dirty="0"/>
+              <a:t>(50 %)</a:t>
+            </a:r>
+          </a:p>
+          <a:p>
+            <a:pPr lvl="1"/>
+            <a:r>
+              <a:rPr lang="fr-FR" sz="1800" dirty="0"/>
+              <a:t>Durée : </a:t>
+            </a:r>
+            <a:r>
+              <a:rPr lang="fr-FR" sz="1800" b="1" dirty="0"/>
+              <a:t>1h</a:t>
+            </a:r>
+          </a:p>
+          <a:p>
+            <a:pPr lvl="1"/>
+            <a:r>
+              <a:rPr lang="fr-FR" sz="1800" dirty="0"/>
+              <a:t>Tous les </a:t>
+            </a:r>
+            <a:r>
+              <a:rPr lang="fr-FR" sz="1800" b="1" dirty="0"/>
+              <a:t>documents numériques </a:t>
+            </a:r>
+            <a:r>
+              <a:rPr lang="fr-FR" sz="1800" dirty="0"/>
+              <a:t>autorisés</a:t>
+            </a:r>
+          </a:p>
+          <a:p>
+            <a:endParaRPr lang="fr-FR" sz="1800" dirty="0"/>
+          </a:p>
+        </p:txBody>
+      </p:sp>
+      <p:sp>
+        <p:nvSpPr>
+          <p:cNvPr id="8" name="ZoneTexte 7">
+            <a:extLst>
+              <a:ext uri="{FF2B5EF4-FFF2-40B4-BE49-F238E27FC236}">
+                <a16:creationId xmlns:a16="http://schemas.microsoft.com/office/drawing/2014/main" id="{14CCE582-9B9D-0764-83CC-13654B460E43}"/>
+              </a:ext>
+            </a:extLst>
+          </p:cNvPr>
+          <p:cNvSpPr txBox="1"/>
+          <p:nvPr/>
+        </p:nvSpPr>
+        <p:spPr>
+          <a:xfrm>
+            <a:off x="6554552" y="2996656"/>
+            <a:ext cx="4529185" cy="3785652"/>
+          </a:xfrm>
+          <a:prstGeom prst="rect">
+            <a:avLst/>
+          </a:prstGeom>
+          <a:noFill/>
+        </p:spPr>
+        <p:txBody>
+          <a:bodyPr wrap="square">
+            <a:spAutoFit/>
+          </a:bodyPr>
+          <a:lstStyle/>
+          <a:p>
+            <a:r>
+              <a:rPr lang="fr-FR" sz="1600" dirty="0">
+                <a:highlight>
+                  <a:srgbClr val="00FFFF"/>
+                </a:highlight>
+              </a:rPr>
+              <a:t>ASPECT </a:t>
+            </a:r>
+            <a:r>
+              <a:rPr lang="fr-FR" sz="1600" b="1" dirty="0">
+                <a:highlight>
+                  <a:srgbClr val="00FFFF"/>
+                </a:highlight>
+              </a:rPr>
+              <a:t>INSTRUMENTATION</a:t>
+            </a:r>
+          </a:p>
+          <a:p>
+            <a:pPr marL="285750" indent="-285750">
+              <a:buFont typeface="Arial" panose="020B0604020202020204" pitchFamily="34" charset="0"/>
+              <a:buChar char="•"/>
+            </a:pPr>
+            <a:r>
+              <a:rPr lang="fr-FR" sz="1600" b="1" dirty="0"/>
+              <a:t>Utiliser des instruments de mesure pertinents</a:t>
+            </a:r>
+            <a:r>
+              <a:rPr lang="fr-FR" sz="1600" dirty="0"/>
+              <a:t> et les </a:t>
+            </a:r>
+            <a:r>
+              <a:rPr lang="fr-FR" sz="1600" b="1" dirty="0"/>
+              <a:t>câbler</a:t>
+            </a:r>
+            <a:r>
+              <a:rPr lang="fr-FR" sz="1600" dirty="0"/>
+              <a:t> correctement</a:t>
+            </a:r>
+          </a:p>
+          <a:p>
+            <a:pPr marL="285750" indent="-285750">
+              <a:buFont typeface="Arial" panose="020B0604020202020204" pitchFamily="34" charset="0"/>
+              <a:buChar char="•"/>
+            </a:pPr>
+            <a:r>
+              <a:rPr lang="fr-FR" sz="1600" b="1" dirty="0"/>
+              <a:t>Paramétrer correctement les appareils de mesure</a:t>
+            </a:r>
+            <a:r>
+              <a:rPr lang="fr-FR" sz="1600" dirty="0"/>
+              <a:t> en prenant en considération les </a:t>
+            </a:r>
+            <a:r>
+              <a:rPr lang="fr-FR" sz="1600" b="1" dirty="0"/>
+              <a:t>limites des composants</a:t>
+            </a:r>
+            <a:r>
+              <a:rPr lang="fr-FR" sz="1600" dirty="0"/>
+              <a:t> à analyser</a:t>
+            </a:r>
+          </a:p>
+          <a:p>
+            <a:endParaRPr lang="fr-FR" sz="1600" dirty="0"/>
+          </a:p>
+          <a:p>
+            <a:r>
+              <a:rPr lang="fr-FR" sz="1600" dirty="0">
+                <a:highlight>
+                  <a:srgbClr val="00FFFF"/>
+                </a:highlight>
+              </a:rPr>
+              <a:t>ASPECT </a:t>
+            </a:r>
+            <a:r>
+              <a:rPr lang="fr-FR" sz="1600" b="1" dirty="0">
+                <a:highlight>
+                  <a:srgbClr val="00FFFF"/>
+                </a:highlight>
+              </a:rPr>
+              <a:t>INGENIEUR.E PHYSICIEN.NE</a:t>
+            </a:r>
+            <a:endParaRPr lang="fr-FR" sz="1600" dirty="0">
+              <a:highlight>
+                <a:srgbClr val="00FFFF"/>
+              </a:highlight>
+            </a:endParaRPr>
+          </a:p>
+          <a:p>
+            <a:pPr marL="285750" indent="-285750">
+              <a:buFont typeface="Arial" panose="020B0604020202020204" pitchFamily="34" charset="0"/>
+              <a:buChar char="•"/>
+            </a:pPr>
+            <a:r>
+              <a:rPr lang="fr-FR" sz="1600" b="1" dirty="0"/>
+              <a:t>Produire des résultats pertinents</a:t>
+            </a:r>
+            <a:r>
+              <a:rPr lang="fr-FR" sz="1600" dirty="0"/>
+              <a:t> à partir des données expérimentales</a:t>
+            </a:r>
+          </a:p>
+          <a:p>
+            <a:pPr marL="285750" indent="-285750">
+              <a:buFont typeface="Arial" panose="020B0604020202020204" pitchFamily="34" charset="0"/>
+              <a:buChar char="•"/>
+            </a:pPr>
+            <a:r>
+              <a:rPr lang="fr-FR" sz="1600" b="1" dirty="0"/>
+              <a:t>Générer un ensemble de signaux de test</a:t>
+            </a:r>
+            <a:r>
+              <a:rPr lang="fr-FR" sz="1600" dirty="0"/>
+              <a:t> pour valider le bon fonctionnement</a:t>
+            </a:r>
+          </a:p>
+          <a:p>
+            <a:pPr marL="285750" indent="-285750">
+              <a:buFont typeface="Arial" panose="020B0604020202020204" pitchFamily="34" charset="0"/>
+              <a:buChar char="•"/>
+            </a:pPr>
+            <a:r>
+              <a:rPr lang="fr-FR" sz="1600" b="1" dirty="0"/>
+              <a:t>Analyser les résultats d’une modélisation physique simple</a:t>
+            </a:r>
+            <a:r>
+              <a:rPr lang="fr-FR" sz="1600" dirty="0"/>
+              <a:t> et </a:t>
+            </a:r>
+            <a:r>
+              <a:rPr lang="fr-FR" sz="1600" b="1" dirty="0"/>
+              <a:t>valider le modèle utilisé</a:t>
+            </a:r>
+            <a:endParaRPr lang="fr-FR" sz="1600" dirty="0"/>
+          </a:p>
+        </p:txBody>
+      </p:sp>
+      <p:sp>
+        <p:nvSpPr>
+          <p:cNvPr id="12" name="CustomShape 3">
+            <a:extLst>
+              <a:ext uri="{FF2B5EF4-FFF2-40B4-BE49-F238E27FC236}">
+                <a16:creationId xmlns:a16="http://schemas.microsoft.com/office/drawing/2014/main" id="{BF074FB9-F19E-C0E7-05D8-FE2086332654}"/>
+              </a:ext>
+            </a:extLst>
+          </p:cNvPr>
+          <p:cNvSpPr/>
+          <p:nvPr/>
+        </p:nvSpPr>
+        <p:spPr>
+          <a:xfrm>
+            <a:off x="6401130" y="2440601"/>
+            <a:ext cx="4685465" cy="492443"/>
+          </a:xfrm>
+          <a:prstGeom prst="rect">
+            <a:avLst/>
+          </a:prstGeom>
+          <a:solidFill>
+            <a:srgbClr val="00B0F0"/>
+          </a:solidFill>
+          <a:ln w="0">
+            <a:noFill/>
+          </a:ln>
+        </p:spPr>
+        <p:style>
+          <a:lnRef idx="0">
+            <a:scrgbClr r="0" g="0" b="0"/>
+          </a:lnRef>
+          <a:fillRef idx="0">
+            <a:scrgbClr r="0" g="0" b="0"/>
+          </a:fillRef>
+          <a:effectRef idx="0">
+            <a:scrgbClr r="0" g="0" b="0"/>
+          </a:effectRef>
+          <a:fontRef idx="minor"/>
+        </p:style>
+        <p:txBody>
+          <a:bodyPr wrap="square" tIns="91440" bIns="91440">
+            <a:spAutoFit/>
+          </a:bodyPr>
+          <a:lstStyle/>
+          <a:p>
+            <a:pPr algn="ctr">
+              <a:lnSpc>
+                <a:spcPct val="100000"/>
+              </a:lnSpc>
+              <a:tabLst>
+                <a:tab pos="0" algn="l"/>
+              </a:tabLst>
+            </a:pPr>
+            <a:r>
+              <a:rPr lang="fr-FR" sz="2000" b="1" strike="noStrike" spc="-1" dirty="0">
+                <a:solidFill>
+                  <a:schemeClr val="bg1"/>
+                </a:solidFill>
+                <a:latin typeface="Trebuchet MS"/>
+                <a:ea typeface="Trebuchet MS"/>
+              </a:rPr>
+              <a:t>(A) Caractérisation d’un dipôle</a:t>
+            </a:r>
+            <a:endParaRPr lang="fr-FR" sz="2000" b="0" strike="noStrike" spc="-1" dirty="0">
+              <a:solidFill>
+                <a:schemeClr val="bg1"/>
+              </a:solidFill>
+              <a:latin typeface="Arial"/>
+            </a:endParaRPr>
+          </a:p>
+        </p:txBody>
+      </p:sp>
+      <p:sp>
+        <p:nvSpPr>
+          <p:cNvPr id="11" name="CustomShape 3">
+            <a:extLst>
+              <a:ext uri="{FF2B5EF4-FFF2-40B4-BE49-F238E27FC236}">
+                <a16:creationId xmlns:a16="http://schemas.microsoft.com/office/drawing/2014/main" id="{0280F09E-AE25-3277-6827-3356680CBD03}"/>
+              </a:ext>
+            </a:extLst>
+          </p:cNvPr>
+          <p:cNvSpPr/>
+          <p:nvPr/>
+        </p:nvSpPr>
+        <p:spPr>
+          <a:xfrm>
+            <a:off x="3458299" y="5631264"/>
+            <a:ext cx="2466686" cy="369332"/>
+          </a:xfrm>
+          <a:prstGeom prst="rect">
+            <a:avLst/>
+          </a:prstGeom>
+          <a:solidFill>
+            <a:schemeClr val="accent6"/>
+          </a:solidFill>
+          <a:ln w="0">
+            <a:noFill/>
+          </a:ln>
+        </p:spPr>
+        <p:style>
+          <a:lnRef idx="0">
+            <a:scrgbClr r="0" g="0" b="0"/>
+          </a:lnRef>
+          <a:fillRef idx="0">
+            <a:scrgbClr r="0" g="0" b="0"/>
+          </a:fillRef>
+          <a:effectRef idx="0">
+            <a:scrgbClr r="0" g="0" b="0"/>
+          </a:effectRef>
+          <a:fontRef idx="minor"/>
+        </p:style>
+        <p:txBody>
+          <a:bodyPr wrap="square" tIns="91440" bIns="91440">
+            <a:spAutoFit/>
+          </a:bodyPr>
+          <a:lstStyle/>
+          <a:p>
+            <a:pPr algn="ctr">
+              <a:lnSpc>
+                <a:spcPct val="100000"/>
+              </a:lnSpc>
+              <a:tabLst>
+                <a:tab pos="0" algn="l"/>
+              </a:tabLst>
+            </a:pPr>
+            <a:r>
+              <a:rPr lang="fr-FR" sz="1200" b="1" strike="noStrike" spc="-1" dirty="0">
+                <a:solidFill>
+                  <a:schemeClr val="bg1"/>
+                </a:solidFill>
+                <a:latin typeface="Trebuchet MS"/>
+                <a:ea typeface="Trebuchet MS"/>
+              </a:rPr>
+              <a:t>(0) Mise en forme / Filtrage</a:t>
+            </a:r>
+            <a:endParaRPr lang="fr-FR" sz="1200" b="0" strike="noStrike" spc="-1" dirty="0">
+              <a:solidFill>
+                <a:schemeClr val="bg1"/>
+              </a:solidFill>
+              <a:latin typeface="Arial"/>
+            </a:endParaRPr>
+          </a:p>
+        </p:txBody>
+      </p:sp>
+    </p:spTree>
+    <p:extLst>
+      <p:ext uri="{BB962C8B-B14F-4D97-AF65-F5344CB8AC3E}">
+        <p14:creationId xmlns:p14="http://schemas.microsoft.com/office/powerpoint/2010/main" val="4192165477"/>
+      </p:ext>
+    </p:extLst>
+  </p:cSld>
+  <p:clrMapOvr>
+    <a:masterClrMapping/>
+  </p:clrMapOvr>
+</p:sld>
+</file>
+
+<file path=ppt/slides/slide14.xml><?xml version="1.0" encoding="utf-8"?>
+<p:sld xmlns:a="http://schemas.openxmlformats.org/drawingml/2006/main" xmlns:r="http://schemas.openxmlformats.org/officeDocument/2006/relationships" xmlns:p="http://schemas.openxmlformats.org/presentationml/2006/main">
+  <p:cSld>
+    <p:spTree>
+      <p:nvGrpSpPr>
+        <p:cNvPr id="1" name=""/>
+        <p:cNvGrpSpPr/>
+        <p:nvPr/>
+      </p:nvGrpSpPr>
+      <p:grpSpPr>
+        <a:xfrm>
+          <a:off x="0" y="0"/>
+          <a:ext cx="0" cy="0"/>
+          <a:chOff x="0" y="0"/>
+          <a:chExt cx="0" cy="0"/>
+        </a:xfrm>
+      </p:grpSpPr>
+      <p:sp>
+        <p:nvSpPr>
+          <p:cNvPr id="2" name="Titre 1">
+            <a:extLst>
+              <a:ext uri="{FF2B5EF4-FFF2-40B4-BE49-F238E27FC236}">
+                <a16:creationId xmlns:a16="http://schemas.microsoft.com/office/drawing/2014/main" id="{90162AE8-C1B0-5C56-8313-DEE494F38273}"/>
+              </a:ext>
+            </a:extLst>
+          </p:cNvPr>
+          <p:cNvSpPr>
+            <a:spLocks noGrp="1"/>
+          </p:cNvSpPr>
+          <p:nvPr>
+            <p:ph type="title"/>
+          </p:nvPr>
+        </p:nvSpPr>
+        <p:spPr/>
+        <p:txBody>
+          <a:bodyPr/>
+          <a:lstStyle/>
+          <a:p>
+            <a:r>
+              <a:rPr lang="fr-FR" dirty="0" err="1"/>
+              <a:t>CéTI</a:t>
+            </a:r>
+            <a:r>
+              <a:rPr lang="fr-FR" dirty="0"/>
+              <a:t> / TP / Evaluations</a:t>
+            </a:r>
+          </a:p>
+        </p:txBody>
+      </p:sp>
+      <p:pic>
+        <p:nvPicPr>
+          <p:cNvPr id="5" name="Image 4" descr="Une image contenant texte&#10;&#10;Description générée automatiquement">
+            <a:extLst>
+              <a:ext uri="{FF2B5EF4-FFF2-40B4-BE49-F238E27FC236}">
+                <a16:creationId xmlns:a16="http://schemas.microsoft.com/office/drawing/2014/main" id="{204ADC40-1D61-539F-22ED-6B21D67FBDE6}"/>
+              </a:ext>
+            </a:extLst>
+          </p:cNvPr>
+          <p:cNvPicPr>
+            <a:picLocks noChangeAspect="1"/>
+          </p:cNvPicPr>
+          <p:nvPr/>
+        </p:nvPicPr>
+        <p:blipFill>
+          <a:blip r:embed="rId2" cstate="print">
+            <a:extLst>
+              <a:ext uri="{28A0092B-C50C-407E-A947-70E740481C1C}">
+                <a14:useLocalDpi xmlns:a14="http://schemas.microsoft.com/office/drawing/2010/main" val="0"/>
+              </a:ext>
+            </a:extLst>
+          </a:blip>
+          <a:stretch>
+            <a:fillRect/>
+          </a:stretch>
+        </p:blipFill>
+        <p:spPr>
+          <a:xfrm>
+            <a:off x="202922" y="5934456"/>
+            <a:ext cx="1825291" cy="749808"/>
+          </a:xfrm>
+          <a:prstGeom prst="rect">
+            <a:avLst/>
+          </a:prstGeom>
+        </p:spPr>
+      </p:pic>
+      <p:sp>
+        <p:nvSpPr>
+          <p:cNvPr id="8" name="ZoneTexte 7">
+            <a:extLst>
+              <a:ext uri="{FF2B5EF4-FFF2-40B4-BE49-F238E27FC236}">
+                <a16:creationId xmlns:a16="http://schemas.microsoft.com/office/drawing/2014/main" id="{14CCE582-9B9D-0764-83CC-13654B460E43}"/>
+              </a:ext>
+            </a:extLst>
+          </p:cNvPr>
+          <p:cNvSpPr txBox="1"/>
+          <p:nvPr/>
+        </p:nvSpPr>
+        <p:spPr>
+          <a:xfrm>
+            <a:off x="6554552" y="2416554"/>
+            <a:ext cx="4529185" cy="4278094"/>
+          </a:xfrm>
+          <a:prstGeom prst="rect">
+            <a:avLst/>
+          </a:prstGeom>
+          <a:noFill/>
+        </p:spPr>
+        <p:txBody>
+          <a:bodyPr wrap="square">
+            <a:spAutoFit/>
+          </a:bodyPr>
+          <a:lstStyle/>
+          <a:p>
+            <a:r>
+              <a:rPr lang="fr-FR" sz="1600" dirty="0">
+                <a:highlight>
+                  <a:srgbClr val="00FFFF"/>
+                </a:highlight>
+              </a:rPr>
+              <a:t>ASPECT </a:t>
+            </a:r>
+            <a:r>
+              <a:rPr lang="fr-FR" sz="1600" b="1" dirty="0">
+                <a:highlight>
+                  <a:srgbClr val="00FFFF"/>
+                </a:highlight>
+              </a:rPr>
+              <a:t>PROTOCOLE</a:t>
+            </a:r>
+          </a:p>
+          <a:p>
+            <a:endParaRPr lang="fr-FR" sz="1600" b="1" dirty="0">
+              <a:highlight>
+                <a:srgbClr val="00FFFF"/>
+              </a:highlight>
+            </a:endParaRPr>
+          </a:p>
+          <a:p>
+            <a:pPr marL="285750" indent="-285750">
+              <a:buFont typeface="Arial" panose="020B0604020202020204" pitchFamily="34" charset="0"/>
+              <a:buChar char="•"/>
+            </a:pPr>
+            <a:r>
+              <a:rPr lang="fr-FR" sz="1600" dirty="0"/>
+              <a:t>Identifier le </a:t>
+            </a:r>
+            <a:r>
+              <a:rPr lang="fr-FR" sz="1600" b="1" dirty="0"/>
+              <a:t>comportement global </a:t>
+            </a:r>
+            <a:r>
+              <a:rPr lang="fr-FR" sz="1600" dirty="0"/>
+              <a:t>du système </a:t>
+            </a:r>
+            <a:r>
+              <a:rPr lang="fr-FR" sz="1400" dirty="0"/>
+              <a:t>(passe-bas, passe-haut, passe-bande)</a:t>
+            </a:r>
+            <a:endParaRPr lang="fr-FR" sz="1600" dirty="0"/>
+          </a:p>
+          <a:p>
+            <a:pPr marL="285750" indent="-285750">
+              <a:buFont typeface="Arial" panose="020B0604020202020204" pitchFamily="34" charset="0"/>
+              <a:buChar char="•"/>
+            </a:pPr>
+            <a:r>
+              <a:rPr lang="fr-FR" sz="1600" dirty="0"/>
+              <a:t>Mesurer la </a:t>
+            </a:r>
+            <a:r>
+              <a:rPr lang="fr-FR" sz="1600" b="1" dirty="0"/>
+              <a:t>bande-passante</a:t>
+            </a:r>
+            <a:r>
+              <a:rPr lang="fr-FR" sz="1600" dirty="0"/>
+              <a:t> du système</a:t>
+            </a:r>
+          </a:p>
+          <a:p>
+            <a:pPr marL="285750" indent="-285750">
+              <a:buFont typeface="Arial" panose="020B0604020202020204" pitchFamily="34" charset="0"/>
+              <a:buChar char="•"/>
+            </a:pPr>
+            <a:r>
+              <a:rPr lang="fr-FR" sz="1600" dirty="0"/>
+              <a:t>Mesurer le </a:t>
+            </a:r>
+            <a:r>
+              <a:rPr lang="fr-FR" sz="1600" b="1" dirty="0"/>
+              <a:t>gain</a:t>
+            </a:r>
+            <a:r>
+              <a:rPr lang="fr-FR" sz="1600" dirty="0"/>
+              <a:t> du système</a:t>
+            </a:r>
+          </a:p>
+          <a:p>
+            <a:pPr marL="285750" indent="-285750">
+              <a:buFont typeface="Arial" panose="020B0604020202020204" pitchFamily="34" charset="0"/>
+              <a:buChar char="•"/>
+            </a:pPr>
+            <a:r>
+              <a:rPr lang="fr-FR" sz="1600" dirty="0"/>
+              <a:t>Déterminer l’</a:t>
+            </a:r>
+            <a:r>
+              <a:rPr lang="fr-FR" sz="1600" b="1" dirty="0"/>
+              <a:t>ordre du système</a:t>
+            </a:r>
+          </a:p>
+          <a:p>
+            <a:pPr>
+              <a:buFont typeface="Arial" panose="020B0604020202020204" pitchFamily="34" charset="0"/>
+              <a:buChar char="•"/>
+            </a:pPr>
+            <a:endParaRPr lang="fr-FR" sz="1600" dirty="0"/>
+          </a:p>
+          <a:p>
+            <a:r>
+              <a:rPr lang="fr-FR" sz="1600" dirty="0">
+                <a:highlight>
+                  <a:srgbClr val="00FFFF"/>
+                </a:highlight>
+              </a:rPr>
+              <a:t>ASPECT </a:t>
+            </a:r>
+            <a:r>
+              <a:rPr lang="fr-FR" sz="1600" b="1" dirty="0">
+                <a:highlight>
+                  <a:srgbClr val="00FFFF"/>
+                </a:highlight>
+              </a:rPr>
+              <a:t>INGENIEUR.E PHYSICIEN.NE</a:t>
+            </a:r>
+          </a:p>
+          <a:p>
+            <a:endParaRPr lang="fr-FR" sz="1600" dirty="0">
+              <a:highlight>
+                <a:srgbClr val="00FFFF"/>
+              </a:highlight>
+            </a:endParaRPr>
+          </a:p>
+          <a:p>
+            <a:pPr marL="285750" indent="-285750">
+              <a:buFont typeface="Arial" panose="020B0604020202020204" pitchFamily="34" charset="0"/>
+              <a:buChar char="•"/>
+            </a:pPr>
+            <a:r>
+              <a:rPr lang="fr-FR" sz="1600" b="1" dirty="0"/>
+              <a:t>Produire des résultats pertinents</a:t>
+            </a:r>
+            <a:r>
+              <a:rPr lang="fr-FR" sz="1600" dirty="0"/>
+              <a:t> à partir des données expérimentales</a:t>
+            </a:r>
+          </a:p>
+          <a:p>
+            <a:pPr marL="285750" indent="-285750">
+              <a:buFont typeface="Arial" panose="020B0604020202020204" pitchFamily="34" charset="0"/>
+              <a:buChar char="•"/>
+            </a:pPr>
+            <a:r>
+              <a:rPr lang="fr-FR" sz="1600" b="1" dirty="0"/>
+              <a:t>Générer un ensemble de signaux de test</a:t>
+            </a:r>
+            <a:r>
+              <a:rPr lang="fr-FR" sz="1600" dirty="0"/>
+              <a:t> pour valider le bon fonctionnement</a:t>
+            </a:r>
+          </a:p>
+          <a:p>
+            <a:pPr marL="285750" indent="-285750">
+              <a:buFont typeface="Arial" panose="020B0604020202020204" pitchFamily="34" charset="0"/>
+              <a:buChar char="•"/>
+            </a:pPr>
+            <a:r>
+              <a:rPr lang="fr-FR" sz="1600" b="1" dirty="0"/>
+              <a:t>Analyser les résultats d’une modélisation physique simple</a:t>
+            </a:r>
+            <a:r>
+              <a:rPr lang="fr-FR" sz="1600" dirty="0"/>
+              <a:t> et </a:t>
+            </a:r>
+            <a:r>
+              <a:rPr lang="fr-FR" sz="1600" b="1" dirty="0"/>
+              <a:t>valider le modèle utilisé</a:t>
+            </a:r>
+            <a:endParaRPr lang="fr-FR" sz="1600" dirty="0"/>
+          </a:p>
+        </p:txBody>
+      </p:sp>
+      <p:sp>
+        <p:nvSpPr>
+          <p:cNvPr id="11" name="CustomShape 3">
+            <a:extLst>
+              <a:ext uri="{FF2B5EF4-FFF2-40B4-BE49-F238E27FC236}">
+                <a16:creationId xmlns:a16="http://schemas.microsoft.com/office/drawing/2014/main" id="{80A9CDA6-B258-C949-657E-13F3BD54C580}"/>
+              </a:ext>
+            </a:extLst>
+          </p:cNvPr>
+          <p:cNvSpPr/>
+          <p:nvPr/>
+        </p:nvSpPr>
+        <p:spPr>
+          <a:xfrm>
+            <a:off x="1115567" y="2440602"/>
+            <a:ext cx="4685465" cy="492443"/>
+          </a:xfrm>
+          <a:prstGeom prst="rect">
+            <a:avLst/>
+          </a:prstGeom>
+          <a:solidFill>
+            <a:srgbClr val="00B0F0"/>
+          </a:solidFill>
+          <a:ln w="0">
+            <a:noFill/>
+          </a:ln>
+        </p:spPr>
+        <p:style>
+          <a:lnRef idx="0">
+            <a:scrgbClr r="0" g="0" b="0"/>
+          </a:lnRef>
+          <a:fillRef idx="0">
+            <a:scrgbClr r="0" g="0" b="0"/>
+          </a:fillRef>
+          <a:effectRef idx="0">
+            <a:scrgbClr r="0" g="0" b="0"/>
+          </a:effectRef>
+          <a:fontRef idx="minor"/>
+        </p:style>
+        <p:txBody>
+          <a:bodyPr wrap="square" tIns="91440" bIns="91440">
+            <a:spAutoFit/>
+          </a:bodyPr>
+          <a:lstStyle/>
+          <a:p>
+            <a:pPr algn="ctr">
+              <a:lnSpc>
+                <a:spcPct val="100000"/>
+              </a:lnSpc>
+              <a:tabLst>
+                <a:tab pos="0" algn="l"/>
+              </a:tabLst>
+            </a:pPr>
+            <a:r>
+              <a:rPr lang="fr-FR" sz="2000" b="1" strike="noStrike" spc="-1" dirty="0">
+                <a:solidFill>
+                  <a:schemeClr val="bg1"/>
+                </a:solidFill>
+                <a:latin typeface="Trebuchet MS"/>
+                <a:ea typeface="Trebuchet MS"/>
+              </a:rPr>
+              <a:t>(B) Etude fréquentielle d’un système </a:t>
+            </a:r>
+            <a:endParaRPr lang="fr-FR" sz="2000" b="0" strike="noStrike" spc="-1" dirty="0">
+              <a:solidFill>
+                <a:schemeClr val="bg1"/>
+              </a:solidFill>
+              <a:latin typeface="Arial"/>
+            </a:endParaRPr>
+          </a:p>
+        </p:txBody>
+      </p:sp>
+      <p:sp>
+        <p:nvSpPr>
+          <p:cNvPr id="13" name="ZoneTexte 12">
+            <a:extLst>
+              <a:ext uri="{FF2B5EF4-FFF2-40B4-BE49-F238E27FC236}">
+                <a16:creationId xmlns:a16="http://schemas.microsoft.com/office/drawing/2014/main" id="{E92A1B81-3646-4206-FAD0-F1E1E3655173}"/>
+              </a:ext>
+            </a:extLst>
+          </p:cNvPr>
+          <p:cNvSpPr txBox="1"/>
+          <p:nvPr/>
+        </p:nvSpPr>
+        <p:spPr>
+          <a:xfrm>
+            <a:off x="1115567" y="3168720"/>
+            <a:ext cx="4529185" cy="2308324"/>
+          </a:xfrm>
+          <a:prstGeom prst="rect">
+            <a:avLst/>
+          </a:prstGeom>
+          <a:noFill/>
+        </p:spPr>
+        <p:txBody>
+          <a:bodyPr wrap="square">
+            <a:spAutoFit/>
+          </a:bodyPr>
+          <a:lstStyle/>
+          <a:p>
+            <a:r>
+              <a:rPr lang="fr-FR" sz="1600" dirty="0">
+                <a:highlight>
+                  <a:srgbClr val="00FFFF"/>
+                </a:highlight>
+              </a:rPr>
+              <a:t>ASPECT </a:t>
+            </a:r>
+            <a:r>
+              <a:rPr lang="fr-FR" sz="1600" b="1" dirty="0">
+                <a:highlight>
+                  <a:srgbClr val="00FFFF"/>
+                </a:highlight>
+              </a:rPr>
+              <a:t>INSTRUMENTATION</a:t>
+            </a:r>
+          </a:p>
+          <a:p>
+            <a:endParaRPr lang="fr-FR" sz="1600" dirty="0"/>
+          </a:p>
+          <a:p>
+            <a:pPr marL="285750" indent="-285750">
+              <a:buFont typeface="Arial" panose="020B0604020202020204" pitchFamily="34" charset="0"/>
+              <a:buChar char="•"/>
+            </a:pPr>
+            <a:r>
+              <a:rPr lang="fr-FR" sz="1600" b="1" dirty="0"/>
+              <a:t>Utiliser des instruments de mesure pertinents</a:t>
+            </a:r>
+            <a:r>
+              <a:rPr lang="fr-FR" sz="1600" dirty="0"/>
+              <a:t> et les </a:t>
+            </a:r>
+            <a:r>
+              <a:rPr lang="fr-FR" sz="1600" b="1" dirty="0"/>
+              <a:t>câbler</a:t>
+            </a:r>
+            <a:r>
+              <a:rPr lang="fr-FR" sz="1600" dirty="0"/>
+              <a:t> correctement</a:t>
+            </a:r>
+          </a:p>
+          <a:p>
+            <a:pPr marL="285750" indent="-285750">
+              <a:buFont typeface="Arial" panose="020B0604020202020204" pitchFamily="34" charset="0"/>
+              <a:buChar char="•"/>
+            </a:pPr>
+            <a:r>
+              <a:rPr lang="fr-FR" sz="1600" b="1" dirty="0"/>
+              <a:t>Paramétrer correctement les appareils de mesure</a:t>
+            </a:r>
+            <a:r>
+              <a:rPr lang="fr-FR" sz="1600" dirty="0"/>
+              <a:t> en prenant en considération les </a:t>
+            </a:r>
+            <a:r>
+              <a:rPr lang="fr-FR" sz="1600" b="1" dirty="0"/>
+              <a:t>limites des composants</a:t>
+            </a:r>
+            <a:r>
+              <a:rPr lang="fr-FR" sz="1600" dirty="0"/>
+              <a:t> à analyser</a:t>
+            </a:r>
+          </a:p>
+          <a:p>
+            <a:pPr marL="285750" indent="-285750">
+              <a:buFont typeface="Arial" panose="020B0604020202020204" pitchFamily="34" charset="0"/>
+              <a:buChar char="•"/>
+            </a:pPr>
+            <a:r>
+              <a:rPr lang="fr-FR" sz="1600" dirty="0"/>
+              <a:t>Valider le fonctionnement linéaire du système</a:t>
+            </a:r>
+          </a:p>
+        </p:txBody>
+      </p:sp>
+    </p:spTree>
+    <p:extLst>
+      <p:ext uri="{BB962C8B-B14F-4D97-AF65-F5344CB8AC3E}">
+        <p14:creationId xmlns:p14="http://schemas.microsoft.com/office/powerpoint/2010/main" val="6443434"/>
+      </p:ext>
+    </p:extLst>
+  </p:cSld>
+  <p:clrMapOvr>
+    <a:masterClrMapping/>
+  </p:clrMapOvr>
+</p:sld>
+</file>
+
+<file path=ppt/slides/slide15.xml><?xml version="1.0" encoding="utf-8"?>
+<p:sld xmlns:a="http://schemas.openxmlformats.org/drawingml/2006/main" xmlns:r="http://schemas.openxmlformats.org/officeDocument/2006/relationships" xmlns:p="http://schemas.openxmlformats.org/presentationml/2006/main">
+  <p:cSld>
+    <p:spTree>
+      <p:nvGrpSpPr>
+        <p:cNvPr id="1" name=""/>
+        <p:cNvGrpSpPr/>
+        <p:nvPr/>
+      </p:nvGrpSpPr>
+      <p:grpSpPr>
+        <a:xfrm>
+          <a:off x="0" y="0"/>
+          <a:ext cx="0" cy="0"/>
+          <a:chOff x="0" y="0"/>
+          <a:chExt cx="0" cy="0"/>
+        </a:xfrm>
+      </p:grpSpPr>
+      <p:sp>
+        <p:nvSpPr>
+          <p:cNvPr id="2" name="Titre 1">
+            <a:extLst>
+              <a:ext uri="{FF2B5EF4-FFF2-40B4-BE49-F238E27FC236}">
+                <a16:creationId xmlns:a16="http://schemas.microsoft.com/office/drawing/2014/main" id="{90162AE8-C1B0-5C56-8313-DEE494F38273}"/>
+              </a:ext>
+            </a:extLst>
+          </p:cNvPr>
+          <p:cNvSpPr>
+            <a:spLocks noGrp="1"/>
+          </p:cNvSpPr>
+          <p:nvPr>
+            <p:ph type="title"/>
+          </p:nvPr>
+        </p:nvSpPr>
+        <p:spPr/>
+        <p:txBody>
+          <a:bodyPr/>
+          <a:lstStyle/>
+          <a:p>
+            <a:r>
+              <a:rPr lang="fr-FR" dirty="0" err="1"/>
+              <a:t>CéTI</a:t>
+            </a:r>
+            <a:r>
+              <a:rPr lang="fr-FR" dirty="0"/>
+              <a:t> / TP / Evaluations</a:t>
+            </a:r>
+          </a:p>
+        </p:txBody>
+      </p:sp>
+      <p:pic>
+        <p:nvPicPr>
+          <p:cNvPr id="5" name="Image 4" descr="Une image contenant texte&#10;&#10;Description générée automatiquement">
+            <a:extLst>
+              <a:ext uri="{FF2B5EF4-FFF2-40B4-BE49-F238E27FC236}">
+                <a16:creationId xmlns:a16="http://schemas.microsoft.com/office/drawing/2014/main" id="{204ADC40-1D61-539F-22ED-6B21D67FBDE6}"/>
+              </a:ext>
+            </a:extLst>
+          </p:cNvPr>
+          <p:cNvPicPr>
+            <a:picLocks noChangeAspect="1"/>
+          </p:cNvPicPr>
+          <p:nvPr/>
+        </p:nvPicPr>
+        <p:blipFill>
+          <a:blip r:embed="rId2" cstate="print">
+            <a:extLst>
+              <a:ext uri="{28A0092B-C50C-407E-A947-70E740481C1C}">
+                <a14:useLocalDpi xmlns:a14="http://schemas.microsoft.com/office/drawing/2010/main" val="0"/>
+              </a:ext>
+            </a:extLst>
+          </a:blip>
+          <a:stretch>
+            <a:fillRect/>
+          </a:stretch>
+        </p:blipFill>
+        <p:spPr>
+          <a:xfrm>
+            <a:off x="202922" y="5934456"/>
+            <a:ext cx="1825291" cy="749808"/>
+          </a:xfrm>
+          <a:prstGeom prst="rect">
+            <a:avLst/>
+          </a:prstGeom>
+        </p:spPr>
+      </p:pic>
+      <p:sp>
+        <p:nvSpPr>
+          <p:cNvPr id="3" name="CustomShape 3">
+            <a:extLst>
+              <a:ext uri="{FF2B5EF4-FFF2-40B4-BE49-F238E27FC236}">
+                <a16:creationId xmlns:a16="http://schemas.microsoft.com/office/drawing/2014/main" id="{3A2757AF-7204-5C84-F3F3-C24EF7A3A399}"/>
+              </a:ext>
+            </a:extLst>
+          </p:cNvPr>
+          <p:cNvSpPr/>
+          <p:nvPr/>
+        </p:nvSpPr>
+        <p:spPr>
+          <a:xfrm>
+            <a:off x="1115567" y="2440602"/>
+            <a:ext cx="4685465" cy="492443"/>
+          </a:xfrm>
+          <a:prstGeom prst="rect">
+            <a:avLst/>
+          </a:prstGeom>
+          <a:solidFill>
+            <a:srgbClr val="00B0F0"/>
+          </a:solidFill>
+          <a:ln w="0">
+            <a:noFill/>
+          </a:ln>
+        </p:spPr>
+        <p:style>
+          <a:lnRef idx="0">
+            <a:scrgbClr r="0" g="0" b="0"/>
+          </a:lnRef>
+          <a:fillRef idx="0">
+            <a:scrgbClr r="0" g="0" b="0"/>
+          </a:fillRef>
+          <a:effectRef idx="0">
+            <a:scrgbClr r="0" g="0" b="0"/>
+          </a:effectRef>
+          <a:fontRef idx="minor"/>
+        </p:style>
+        <p:txBody>
+          <a:bodyPr wrap="square" tIns="91440" bIns="91440">
+            <a:spAutoFit/>
+          </a:bodyPr>
+          <a:lstStyle/>
+          <a:p>
+            <a:pPr algn="ctr">
+              <a:lnSpc>
+                <a:spcPct val="100000"/>
+              </a:lnSpc>
+              <a:tabLst>
+                <a:tab pos="0" algn="l"/>
+              </a:tabLst>
+            </a:pPr>
+            <a:r>
+              <a:rPr lang="fr-FR" sz="2000" b="1" strike="noStrike" spc="-1" dirty="0">
+                <a:solidFill>
+                  <a:schemeClr val="bg1"/>
+                </a:solidFill>
+                <a:latin typeface="Trebuchet MS"/>
+                <a:ea typeface="Trebuchet MS"/>
+              </a:rPr>
+              <a:t>Evaluations</a:t>
+            </a:r>
+            <a:endParaRPr lang="fr-FR" sz="2000" b="0" strike="noStrike" spc="-1" dirty="0">
+              <a:solidFill>
+                <a:schemeClr val="bg1"/>
+              </a:solidFill>
+              <a:latin typeface="Arial"/>
+            </a:endParaRPr>
+          </a:p>
+        </p:txBody>
+      </p:sp>
+      <p:sp>
+        <p:nvSpPr>
+          <p:cNvPr id="4" name="Espace réservé du contenu 2">
+            <a:extLst>
+              <a:ext uri="{FF2B5EF4-FFF2-40B4-BE49-F238E27FC236}">
+                <a16:creationId xmlns:a16="http://schemas.microsoft.com/office/drawing/2014/main" id="{7DB7DACE-1CDC-F9B9-9553-754869EC293A}"/>
+              </a:ext>
+            </a:extLst>
+          </p:cNvPr>
+          <p:cNvSpPr>
+            <a:spLocks noGrp="1"/>
+          </p:cNvSpPr>
+          <p:nvPr>
+            <p:ph sz="half" idx="1"/>
+          </p:nvPr>
+        </p:nvSpPr>
+        <p:spPr>
+          <a:xfrm>
+            <a:off x="1108263" y="3050362"/>
+            <a:ext cx="4685466" cy="3694176"/>
+          </a:xfrm>
+        </p:spPr>
+        <p:txBody>
+          <a:bodyPr>
+            <a:normAutofit/>
+          </a:bodyPr>
+          <a:lstStyle/>
+          <a:p>
+            <a:r>
+              <a:rPr lang="fr-FR" sz="2000" b="1" dirty="0"/>
+              <a:t>Synthèses </a:t>
+            </a:r>
+            <a:r>
+              <a:rPr lang="fr-FR" sz="2000" dirty="0"/>
+              <a:t>(50 %)</a:t>
+            </a:r>
+          </a:p>
+          <a:p>
+            <a:pPr lvl="1"/>
+            <a:r>
+              <a:rPr lang="fr-FR" sz="1800" dirty="0"/>
+              <a:t>Thème 1 : évaluée mais non notée</a:t>
+            </a:r>
+          </a:p>
+          <a:p>
+            <a:pPr lvl="1"/>
+            <a:r>
+              <a:rPr lang="fr-FR" sz="1800" dirty="0"/>
+              <a:t>Thème 2 : évaluée et notée (50%)</a:t>
+            </a:r>
+          </a:p>
+          <a:p>
             <a:endParaRPr lang="fr-FR" sz="2000" b="1" dirty="0"/>
           </a:p>
           <a:p>
@@ -8548,7 +10058,7 @@
 </p:sld>
 </file>
 
-<file path=ppt/slides/slide14.xml><?xml version="1.0" encoding="utf-8"?>
+<file path=ppt/slides/slide16.xml><?xml version="1.0" encoding="utf-8"?>
 <p:sld xmlns:a="http://schemas.openxmlformats.org/drawingml/2006/main" xmlns:r="http://schemas.openxmlformats.org/officeDocument/2006/relationships" xmlns:p="http://schemas.openxmlformats.org/presentationml/2006/main">
   <p:cSld>
     <p:spTree>
@@ -8887,13 +10397,20 @@
         </p:nvSpPr>
         <p:spPr/>
         <p:txBody>
-          <a:bodyPr/>
+          <a:bodyPr>
+            <a:normAutofit/>
+          </a:bodyPr>
           <a:lstStyle/>
           <a:p>
             <a:r>
               <a:rPr lang="fr-FR" dirty="0"/>
-              <a:t>Objectifs pédagogiques du module</a:t>
-            </a:r>
+              <a:t>Objectifs pédagogiques / </a:t>
+            </a:r>
+            <a:r>
+              <a:rPr lang="fr-FR" sz="2800" dirty="0"/>
+              <a:t>Traitement Information</a:t>
+            </a:r>
+            <a:endParaRPr lang="fr-FR" dirty="0"/>
           </a:p>
         </p:txBody>
       </p:sp>
@@ -8915,55 +10432,124 @@
         </p:nvSpPr>
         <p:spPr>
           <a:xfrm>
-            <a:off x="1115567" y="2478024"/>
-            <a:ext cx="5334393" cy="3694176"/>
+            <a:off x="1115566" y="2478024"/>
+            <a:ext cx="6414123" cy="3694176"/>
           </a:xfrm>
         </p:spPr>
         <p:txBody>
           <a:bodyPr>
-            <a:normAutofit lnSpcReduction="10000"/>
+            <a:noAutofit/>
           </a:bodyPr>
           <a:lstStyle/>
           <a:p>
+            <a:pPr marL="0" indent="0">
+              <a:buNone/>
+            </a:pPr>
+            <a:r>
+              <a:rPr lang="fr-FR" sz="1200" dirty="0"/>
+              <a:t>A travers cette </a:t>
+            </a:r>
+            <a:r>
+              <a:rPr lang="fr-FR" sz="1200" b="1" dirty="0"/>
+              <a:t>unité d’enseignement</a:t>
+            </a:r>
+            <a:r>
+              <a:rPr lang="fr-FR" sz="1200" dirty="0"/>
+              <a:t>, les apprenant.es seront capables :</a:t>
+            </a:r>
+          </a:p>
+          <a:p>
+            <a:endParaRPr lang="fr-FR" sz="1200" dirty="0"/>
+          </a:p>
+          <a:p>
             <a:pPr lvl="1"/>
             <a:r>
-              <a:rPr lang="fr-FR" sz="2800" b="1" dirty="0"/>
-              <a:t>Analyser</a:t>
-            </a:r>
-            <a:r>
-              <a:rPr lang="fr-FR" sz="2800" dirty="0"/>
-              <a:t>, </a:t>
-            </a:r>
-            <a:r>
-              <a:rPr lang="fr-FR" sz="2800" b="1" dirty="0"/>
+              <a:rPr lang="fr-FR" sz="1800" dirty="0"/>
+              <a:t>de </a:t>
+            </a:r>
+            <a:r>
+              <a:rPr lang="fr-FR" sz="1800" b="1" dirty="0"/>
+              <a:t>distinguer les différents types de signaux</a:t>
+            </a:r>
+            <a:r>
+              <a:rPr lang="fr-FR" sz="1800" dirty="0"/>
+              <a:t> qui peuvent coexister et se superposer </a:t>
+            </a:r>
+          </a:p>
+          <a:p>
+            <a:pPr lvl="1"/>
+            <a:r>
+              <a:rPr lang="fr-FR" sz="1800" dirty="0"/>
+              <a:t>de </a:t>
+            </a:r>
+            <a:r>
+              <a:rPr lang="fr-FR" sz="1800" b="1" dirty="0"/>
+              <a:t>proposer des outils de caractérisation</a:t>
+            </a:r>
+            <a:r>
+              <a:rPr lang="fr-FR" sz="1800" dirty="0"/>
+              <a:t> de ces différents signaux</a:t>
+            </a:r>
+          </a:p>
+          <a:p>
+            <a:pPr lvl="1"/>
+            <a:r>
+              <a:rPr lang="fr-FR" sz="1800" dirty="0"/>
+              <a:t>de </a:t>
+            </a:r>
+            <a:r>
+              <a:rPr lang="fr-FR" sz="1800" b="1" dirty="0"/>
+              <a:t>réaliser une application de traitement de données </a:t>
+            </a:r>
+            <a:r>
+              <a:rPr lang="fr-FR" sz="1800" dirty="0"/>
+              <a:t>informatiques simple</a:t>
+            </a:r>
+          </a:p>
+          <a:p>
+            <a:pPr lvl="1"/>
+            <a:r>
+              <a:rPr lang="fr-FR" sz="1800" dirty="0"/>
+              <a:t>d’</a:t>
+            </a:r>
+            <a:r>
+              <a:rPr lang="fr-FR" sz="1800" b="1" dirty="0"/>
+              <a:t>analyser</a:t>
+            </a:r>
+            <a:r>
+              <a:rPr lang="fr-FR" sz="1800" dirty="0"/>
+              <a:t>, de </a:t>
+            </a:r>
+            <a:r>
+              <a:rPr lang="fr-FR" sz="1800" b="1" dirty="0"/>
               <a:t>concevoir</a:t>
             </a:r>
             <a:r>
-              <a:rPr lang="fr-FR" sz="2800" dirty="0"/>
-              <a:t> et </a:t>
-            </a:r>
-            <a:r>
-              <a:rPr lang="fr-FR" sz="2800" b="1" dirty="0"/>
+              <a:rPr lang="fr-FR" sz="1800" dirty="0"/>
+              <a:t> et de </a:t>
+            </a:r>
+            <a:r>
+              <a:rPr lang="fr-FR" sz="1800" b="1" dirty="0"/>
               <a:t>réaliser</a:t>
             </a:r>
             <a:r>
-              <a:rPr lang="fr-FR" sz="2800" dirty="0"/>
+              <a:rPr lang="fr-FR" sz="1800" dirty="0"/>
               <a:t> des </a:t>
             </a:r>
             <a:r>
-              <a:rPr lang="fr-FR" sz="2800" b="1" dirty="0"/>
+              <a:rPr lang="fr-FR" sz="1800" b="1" dirty="0"/>
               <a:t>circuits électroniques</a:t>
             </a:r>
             <a:r>
-              <a:rPr lang="fr-FR" sz="2800" dirty="0"/>
+              <a:rPr lang="fr-FR" sz="1800" dirty="0"/>
               <a:t> pour la </a:t>
             </a:r>
             <a:r>
-              <a:rPr lang="fr-FR" sz="2800" b="1" dirty="0"/>
+              <a:rPr lang="fr-FR" sz="1800" b="1" dirty="0"/>
               <a:t>mise en forme </a:t>
             </a:r>
             <a:r>
-              <a:rPr lang="fr-FR" sz="2800" dirty="0"/>
+              <a:rPr lang="fr-FR" sz="1800" dirty="0"/>
               <a:t>de ces signaux dans le respect d’un cahier des charges et en lien avec la conversion électrons-photons</a:t>
             </a:r>
           </a:p>
@@ -8971,10 +10557,10 @@
       </p:sp>
       <p:sp>
         <p:nvSpPr>
-          <p:cNvPr id="3" name="CustomShape 3">
-            <a:extLst>
-              <a:ext uri="{FF2B5EF4-FFF2-40B4-BE49-F238E27FC236}">
-                <a16:creationId xmlns:a16="http://schemas.microsoft.com/office/drawing/2014/main" id="{691FD8A8-20F3-DB95-98D4-A4F009EE3CA5}"/>
+          <p:cNvPr id="7" name="CustomShape 3">
+            <a:extLst>
+              <a:ext uri="{FF2B5EF4-FFF2-40B4-BE49-F238E27FC236}">
+                <a16:creationId xmlns:a16="http://schemas.microsoft.com/office/drawing/2014/main" id="{4C5A234C-C7E6-A992-E13C-02BDE9947CB1}"/>
               </a:ext>
             </a:extLst>
           </p:cNvPr>
@@ -8990,8 +10576,9 @@
             <a:avLst/>
           </a:prstGeom>
           <a:solidFill>
-            <a:schemeClr val="bg1">
-              <a:lumMod val="85000"/>
+            <a:schemeClr val="tx1">
+              <a:lumMod val="65000"/>
+              <a:lumOff val="35000"/>
             </a:schemeClr>
           </a:solidFill>
           <a:ln w="0">
@@ -9045,10 +10632,10 @@
       </p:sp>
       <p:sp>
         <p:nvSpPr>
-          <p:cNvPr id="4" name="CustomShape 3">
-            <a:extLst>
-              <a:ext uri="{FF2B5EF4-FFF2-40B4-BE49-F238E27FC236}">
-                <a16:creationId xmlns:a16="http://schemas.microsoft.com/office/drawing/2014/main" id="{1878C4A7-4377-BD4C-E2FE-7716910E7C64}"/>
+          <p:cNvPr id="10" name="CustomShape 3">
+            <a:extLst>
+              <a:ext uri="{FF2B5EF4-FFF2-40B4-BE49-F238E27FC236}">
+                <a16:creationId xmlns:a16="http://schemas.microsoft.com/office/drawing/2014/main" id="{4C5A234C-C7E6-A992-E13C-02BDE9947CB1}"/>
               </a:ext>
             </a:extLst>
           </p:cNvPr>
@@ -9064,8 +10651,9 @@
             <a:avLst/>
           </a:prstGeom>
           <a:solidFill>
-            <a:schemeClr val="bg1">
-              <a:lumMod val="85000"/>
+            <a:schemeClr val="tx1">
+              <a:lumMod val="65000"/>
+              <a:lumOff val="35000"/>
             </a:schemeClr>
           </a:solidFill>
           <a:ln w="0">
@@ -9178,10 +10766,10 @@
       </p:sp>
       <p:sp>
         <p:nvSpPr>
-          <p:cNvPr id="5" name="CustomShape 3">
-            <a:extLst>
-              <a:ext uri="{FF2B5EF4-FFF2-40B4-BE49-F238E27FC236}">
-                <a16:creationId xmlns:a16="http://schemas.microsoft.com/office/drawing/2014/main" id="{225242AA-ED08-32F9-475B-9F95841C009A}"/>
+          <p:cNvPr id="11" name="CustomShape 3">
+            <a:extLst>
+              <a:ext uri="{FF2B5EF4-FFF2-40B4-BE49-F238E27FC236}">
+                <a16:creationId xmlns:a16="http://schemas.microsoft.com/office/drawing/2014/main" id="{4C5A234C-C7E6-A992-E13C-02BDE9947CB1}"/>
               </a:ext>
             </a:extLst>
           </p:cNvPr>
@@ -9279,10 +10867,10 @@
       </p:sp>
       <p:sp>
         <p:nvSpPr>
-          <p:cNvPr id="10" name="CustomShape 3">
-            <a:extLst>
-              <a:ext uri="{FF2B5EF4-FFF2-40B4-BE49-F238E27FC236}">
-                <a16:creationId xmlns:a16="http://schemas.microsoft.com/office/drawing/2014/main" id="{739F4E9A-0E6F-BC6E-AE9B-457A6B4C3896}"/>
+          <p:cNvPr id="12" name="CustomShape 3">
+            <a:extLst>
+              <a:ext uri="{FF2B5EF4-FFF2-40B4-BE49-F238E27FC236}">
+                <a16:creationId xmlns:a16="http://schemas.microsoft.com/office/drawing/2014/main" id="{4C5A234C-C7E6-A992-E13C-02BDE9947CB1}"/>
               </a:ext>
             </a:extLst>
           </p:cNvPr>
@@ -9365,7 +10953,7 @@
     </p:spTree>
     <p:extLst>
       <p:ext uri="{BB962C8B-B14F-4D97-AF65-F5344CB8AC3E}">
-        <p14:creationId xmlns:p14="http://schemas.microsoft.com/office/powerpoint/2010/main" val="2890703577"/>
+        <p14:creationId xmlns:p14="http://schemas.microsoft.com/office/powerpoint/2010/main" val="2538272171"/>
       </p:ext>
     </p:extLst>
   </p:cSld>
@@ -9376,300 +10964,6 @@
 </file>
 
 <file path=ppt/slides/slide3.xml><?xml version="1.0" encoding="utf-8"?>
-<p:sld xmlns:a="http://schemas.openxmlformats.org/drawingml/2006/main" xmlns:r="http://schemas.openxmlformats.org/officeDocument/2006/relationships" xmlns:p="http://schemas.openxmlformats.org/presentationml/2006/main">
-  <p:cSld>
-    <p:spTree>
-      <p:nvGrpSpPr>
-        <p:cNvPr id="1" name=""/>
-        <p:cNvGrpSpPr/>
-        <p:nvPr/>
-      </p:nvGrpSpPr>
-      <p:grpSpPr>
-        <a:xfrm>
-          <a:off x="0" y="0"/>
-          <a:ext cx="0" cy="0"/>
-          <a:chOff x="0" y="0"/>
-          <a:chExt cx="0" cy="0"/>
-        </a:xfrm>
-      </p:grpSpPr>
-      <p:sp>
-        <p:nvSpPr>
-          <p:cNvPr id="2" name="Titre 1">
-            <a:extLst>
-              <a:ext uri="{FF2B5EF4-FFF2-40B4-BE49-F238E27FC236}">
-                <a16:creationId xmlns:a16="http://schemas.microsoft.com/office/drawing/2014/main" id="{90162AE8-C1B0-5C56-8313-DEE494F38273}"/>
-              </a:ext>
-            </a:extLst>
-          </p:cNvPr>
-          <p:cNvSpPr>
-            <a:spLocks noGrp="1"/>
-          </p:cNvSpPr>
-          <p:nvPr>
-            <p:ph type="title"/>
-          </p:nvPr>
-        </p:nvSpPr>
-        <p:spPr/>
-        <p:txBody>
-          <a:bodyPr/>
-          <a:lstStyle/>
-          <a:p>
-            <a:r>
-              <a:rPr lang="fr-FR" dirty="0"/>
-              <a:t>Ressources </a:t>
-            </a:r>
-            <a:r>
-              <a:rPr lang="fr-FR" dirty="0" err="1"/>
-              <a:t>CeTI</a:t>
-            </a:r>
-            <a:endParaRPr lang="fr-FR" dirty="0"/>
-          </a:p>
-        </p:txBody>
-      </p:sp>
-      <p:pic>
-        <p:nvPicPr>
-          <p:cNvPr id="5" name="Image 4" descr="Une image contenant texte&#10;&#10;Description générée automatiquement">
-            <a:extLst>
-              <a:ext uri="{FF2B5EF4-FFF2-40B4-BE49-F238E27FC236}">
-                <a16:creationId xmlns:a16="http://schemas.microsoft.com/office/drawing/2014/main" id="{204ADC40-1D61-539F-22ED-6B21D67FBDE6}"/>
-              </a:ext>
-            </a:extLst>
-          </p:cNvPr>
-          <p:cNvPicPr>
-            <a:picLocks noChangeAspect="1"/>
-          </p:cNvPicPr>
-          <p:nvPr/>
-        </p:nvPicPr>
-        <p:blipFill>
-          <a:blip r:embed="rId2" cstate="print">
-            <a:extLst>
-              <a:ext uri="{28A0092B-C50C-407E-A947-70E740481C1C}">
-                <a14:useLocalDpi xmlns:a14="http://schemas.microsoft.com/office/drawing/2010/main" val="0"/>
-              </a:ext>
-            </a:extLst>
-          </a:blip>
-          <a:stretch>
-            <a:fillRect/>
-          </a:stretch>
-        </p:blipFill>
-        <p:spPr>
-          <a:xfrm>
-            <a:off x="202922" y="5934456"/>
-            <a:ext cx="1825291" cy="749808"/>
-          </a:xfrm>
-          <a:prstGeom prst="rect">
-            <a:avLst/>
-          </a:prstGeom>
-        </p:spPr>
-      </p:pic>
-      <p:sp>
-        <p:nvSpPr>
-          <p:cNvPr id="6" name="ZoneTexte 5">
-            <a:extLst>
-              <a:ext uri="{FF2B5EF4-FFF2-40B4-BE49-F238E27FC236}">
-                <a16:creationId xmlns:a16="http://schemas.microsoft.com/office/drawing/2014/main" id="{D2201FBD-6B84-07F4-9CD6-A4E1B2A89BCA}"/>
-              </a:ext>
-            </a:extLst>
-          </p:cNvPr>
-          <p:cNvSpPr txBox="1"/>
-          <p:nvPr/>
-        </p:nvSpPr>
-        <p:spPr>
-          <a:xfrm>
-            <a:off x="3606800" y="2045813"/>
-            <a:ext cx="8264177" cy="584775"/>
-          </a:xfrm>
-          <a:prstGeom prst="rect">
-            <a:avLst/>
-          </a:prstGeom>
-          <a:noFill/>
-        </p:spPr>
-        <p:txBody>
-          <a:bodyPr wrap="square">
-            <a:spAutoFit/>
-          </a:bodyPr>
-          <a:lstStyle/>
-          <a:p>
-            <a:pPr lvl="1"/>
-            <a:r>
-              <a:rPr lang="fr-FR" sz="3200" dirty="0">
-                <a:solidFill>
-                  <a:srgbClr val="0070C0"/>
-                </a:solidFill>
-                <a:latin typeface="Raleway ExtraBold" pitchFamily="2" charset="0"/>
-              </a:rPr>
-              <a:t>http://lense.institutoptique.fr/ceti/</a:t>
-            </a:r>
-            <a:endParaRPr lang="fr-FR" sz="3600" dirty="0">
-              <a:solidFill>
-                <a:srgbClr val="0070C0"/>
-              </a:solidFill>
-              <a:latin typeface="Raleway ExtraBold" pitchFamily="2" charset="0"/>
-            </a:endParaRPr>
-          </a:p>
-        </p:txBody>
-      </p:sp>
-      <p:pic>
-        <p:nvPicPr>
-          <p:cNvPr id="10" name="Image 9">
-            <a:extLst>
-              <a:ext uri="{FF2B5EF4-FFF2-40B4-BE49-F238E27FC236}">
-                <a16:creationId xmlns:a16="http://schemas.microsoft.com/office/drawing/2014/main" id="{C1D9D271-CC31-8966-F762-8EADBC9A7E5A}"/>
-              </a:ext>
-            </a:extLst>
-          </p:cNvPr>
-          <p:cNvPicPr>
-            <a:picLocks noChangeAspect="1"/>
-          </p:cNvPicPr>
-          <p:nvPr/>
-        </p:nvPicPr>
-        <p:blipFill>
-          <a:blip r:embed="rId3"/>
-          <a:stretch>
-            <a:fillRect/>
-          </a:stretch>
-        </p:blipFill>
-        <p:spPr>
-          <a:xfrm>
-            <a:off x="304278" y="3166219"/>
-            <a:ext cx="3447869" cy="2683606"/>
-          </a:xfrm>
-          <a:prstGeom prst="rect">
-            <a:avLst/>
-          </a:prstGeom>
-        </p:spPr>
-      </p:pic>
-      <p:pic>
-        <p:nvPicPr>
-          <p:cNvPr id="14" name="Image 13">
-            <a:extLst>
-              <a:ext uri="{FF2B5EF4-FFF2-40B4-BE49-F238E27FC236}">
-                <a16:creationId xmlns:a16="http://schemas.microsoft.com/office/drawing/2014/main" id="{4578BF14-D8F8-7C22-E073-91A23F35CC3A}"/>
-              </a:ext>
-            </a:extLst>
-          </p:cNvPr>
-          <p:cNvPicPr>
-            <a:picLocks noChangeAspect="1"/>
-          </p:cNvPicPr>
-          <p:nvPr/>
-        </p:nvPicPr>
-        <p:blipFill>
-          <a:blip r:embed="rId4"/>
-          <a:stretch>
-            <a:fillRect/>
-          </a:stretch>
-        </p:blipFill>
-        <p:spPr>
-          <a:xfrm>
-            <a:off x="4566208" y="3357403"/>
-            <a:ext cx="7092338" cy="3326861"/>
-          </a:xfrm>
-          <a:prstGeom prst="rect">
-            <a:avLst/>
-          </a:prstGeom>
-        </p:spPr>
-      </p:pic>
-      <p:cxnSp>
-        <p:nvCxnSpPr>
-          <p:cNvPr id="20" name="Connecteur droit 19">
-            <a:extLst>
-              <a:ext uri="{FF2B5EF4-FFF2-40B4-BE49-F238E27FC236}">
-                <a16:creationId xmlns:a16="http://schemas.microsoft.com/office/drawing/2014/main" id="{8AB94FE9-14A9-632C-E868-DB24C4C34FEE}"/>
-              </a:ext>
-            </a:extLst>
-          </p:cNvPr>
-          <p:cNvCxnSpPr>
-            <a:cxnSpLocks/>
-          </p:cNvCxnSpPr>
-          <p:nvPr/>
-        </p:nvCxnSpPr>
-        <p:spPr>
-          <a:xfrm flipV="1">
-            <a:off x="3830320" y="3429000"/>
-            <a:ext cx="837488" cy="726440"/>
-          </a:xfrm>
-          <a:prstGeom prst="line">
-            <a:avLst/>
-          </a:prstGeom>
-          <a:ln w="12700">
-            <a:solidFill>
-              <a:schemeClr val="tx2"/>
-            </a:solidFill>
-            <a:prstDash val="sysDash"/>
-          </a:ln>
-        </p:spPr>
-        <p:style>
-          <a:lnRef idx="1">
-            <a:schemeClr val="accent1"/>
-          </a:lnRef>
-          <a:fillRef idx="0">
-            <a:schemeClr val="accent1"/>
-          </a:fillRef>
-          <a:effectRef idx="0">
-            <a:schemeClr val="accent1"/>
-          </a:effectRef>
-          <a:fontRef idx="minor">
-            <a:schemeClr val="tx1"/>
-          </a:fontRef>
-        </p:style>
-      </p:cxnSp>
-      <p:cxnSp>
-        <p:nvCxnSpPr>
-          <p:cNvPr id="24" name="Connecteur droit 23">
-            <a:extLst>
-              <a:ext uri="{FF2B5EF4-FFF2-40B4-BE49-F238E27FC236}">
-                <a16:creationId xmlns:a16="http://schemas.microsoft.com/office/drawing/2014/main" id="{44474BA8-269B-3EC1-3AAB-9E3C7DD78ED5}"/>
-              </a:ext>
-            </a:extLst>
-          </p:cNvPr>
-          <p:cNvCxnSpPr>
-            <a:cxnSpLocks/>
-          </p:cNvCxnSpPr>
-          <p:nvPr/>
-        </p:nvCxnSpPr>
-        <p:spPr>
-          <a:xfrm>
-            <a:off x="3779520" y="4734560"/>
-            <a:ext cx="708515" cy="1838960"/>
-          </a:xfrm>
-          <a:prstGeom prst="line">
-            <a:avLst/>
-          </a:prstGeom>
-          <a:ln w="12700">
-            <a:solidFill>
-              <a:schemeClr val="tx2"/>
-            </a:solidFill>
-            <a:prstDash val="sysDash"/>
-          </a:ln>
-        </p:spPr>
-        <p:style>
-          <a:lnRef idx="1">
-            <a:schemeClr val="accent1"/>
-          </a:lnRef>
-          <a:fillRef idx="0">
-            <a:schemeClr val="accent1"/>
-          </a:fillRef>
-          <a:effectRef idx="0">
-            <a:schemeClr val="accent1"/>
-          </a:effectRef>
-          <a:fontRef idx="minor">
-            <a:schemeClr val="tx1"/>
-          </a:fontRef>
-        </p:style>
-      </p:cxnSp>
-    </p:spTree>
-    <p:extLst>
-      <p:ext uri="{BB962C8B-B14F-4D97-AF65-F5344CB8AC3E}">
-        <p14:creationId xmlns:p14="http://schemas.microsoft.com/office/powerpoint/2010/main" val="634089020"/>
-      </p:ext>
-    </p:extLst>
-  </p:cSld>
-  <p:clrMapOvr>
-    <a:masterClrMapping/>
-  </p:clrMapOvr>
-</p:sld>
-</file>
-
-<file path=ppt/slides/slide4.xml><?xml version="1.0" encoding="utf-8"?>
 <p:sld xmlns:a="http://schemas.openxmlformats.org/drawingml/2006/main" xmlns:r="http://schemas.openxmlformats.org/officeDocument/2006/relationships" xmlns:p="http://schemas.openxmlformats.org/presentationml/2006/main">
   <p:cSld>
     <p:bg>
@@ -9893,16 +11187,10 @@
           <a:lstStyle/>
           <a:p>
             <a:r>
-              <a:rPr lang="fr-FR" sz="4800" dirty="0" err="1">
-                <a:latin typeface="Bahnschrift SemiBold" panose="020B0502040204020203" pitchFamily="34" charset="0"/>
-              </a:rPr>
-              <a:t>CeTI</a:t>
-            </a:r>
-            <a:r>
               <a:rPr lang="fr-FR" sz="4800" dirty="0">
                 <a:latin typeface="Bahnschrift SemiBold" panose="020B0502040204020203" pitchFamily="34" charset="0"/>
               </a:rPr>
-              <a:t> / TP</a:t>
+              <a:t>Electronique</a:t>
             </a:r>
           </a:p>
         </p:txBody>
@@ -10185,12 +11473,535 @@
     </p:spTree>
     <p:extLst>
       <p:ext uri="{BB962C8B-B14F-4D97-AF65-F5344CB8AC3E}">
-        <p14:creationId xmlns:p14="http://schemas.microsoft.com/office/powerpoint/2010/main" val="3375882831"/>
+        <p14:creationId xmlns:p14="http://schemas.microsoft.com/office/powerpoint/2010/main" val="3650122370"/>
       </p:ext>
     </p:extLst>
   </p:cSld>
   <p:clrMapOvr>
     <a:overrideClrMapping bg1="dk1" tx1="lt1" bg2="dk2" tx2="lt2" accent1="accent1" accent2="accent2" accent3="accent3" accent4="accent4" accent5="accent5" accent6="accent6" hlink="hlink" folHlink="folHlink"/>
+  </p:clrMapOvr>
+</p:sld>
+</file>
+
+<file path=ppt/slides/slide4.xml><?xml version="1.0" encoding="utf-8"?>
+<p:sld xmlns:a="http://schemas.openxmlformats.org/drawingml/2006/main" xmlns:r="http://schemas.openxmlformats.org/officeDocument/2006/relationships" xmlns:p="http://schemas.openxmlformats.org/presentationml/2006/main">
+  <p:cSld>
+    <p:spTree>
+      <p:nvGrpSpPr>
+        <p:cNvPr id="1" name=""/>
+        <p:cNvGrpSpPr/>
+        <p:nvPr/>
+      </p:nvGrpSpPr>
+      <p:grpSpPr>
+        <a:xfrm>
+          <a:off x="0" y="0"/>
+          <a:ext cx="0" cy="0"/>
+          <a:chOff x="0" y="0"/>
+          <a:chExt cx="0" cy="0"/>
+        </a:xfrm>
+      </p:grpSpPr>
+      <p:sp>
+        <p:nvSpPr>
+          <p:cNvPr id="2" name="Titre 1">
+            <a:extLst>
+              <a:ext uri="{FF2B5EF4-FFF2-40B4-BE49-F238E27FC236}">
+                <a16:creationId xmlns:a16="http://schemas.microsoft.com/office/drawing/2014/main" id="{693DE99D-D7A2-89F5-4CDD-A4230BF00E5E}"/>
+              </a:ext>
+            </a:extLst>
+          </p:cNvPr>
+          <p:cNvSpPr>
+            <a:spLocks noGrp="1"/>
+          </p:cNvSpPr>
+          <p:nvPr>
+            <p:ph type="title"/>
+          </p:nvPr>
+        </p:nvSpPr>
+        <p:spPr/>
+        <p:txBody>
+          <a:bodyPr/>
+          <a:lstStyle/>
+          <a:p>
+            <a:r>
+              <a:rPr lang="fr-FR" dirty="0"/>
+              <a:t>Objectifs pédagogiques du module</a:t>
+            </a:r>
+          </a:p>
+        </p:txBody>
+      </p:sp>
+      <p:sp>
+        <p:nvSpPr>
+          <p:cNvPr id="6" name="Espace réservé du contenu 2">
+            <a:extLst>
+              <a:ext uri="{FF2B5EF4-FFF2-40B4-BE49-F238E27FC236}">
+                <a16:creationId xmlns:a16="http://schemas.microsoft.com/office/drawing/2014/main" id="{1523F83B-B807-6C1C-1823-AF4B66F5CCA5}"/>
+              </a:ext>
+            </a:extLst>
+          </p:cNvPr>
+          <p:cNvSpPr>
+            <a:spLocks noGrp="1"/>
+          </p:cNvSpPr>
+          <p:nvPr>
+            <p:ph sz="half" idx="1"/>
+          </p:nvPr>
+        </p:nvSpPr>
+        <p:spPr>
+          <a:xfrm>
+            <a:off x="1115567" y="2478024"/>
+            <a:ext cx="5334393" cy="3694176"/>
+          </a:xfrm>
+        </p:spPr>
+        <p:txBody>
+          <a:bodyPr>
+            <a:normAutofit lnSpcReduction="10000"/>
+          </a:bodyPr>
+          <a:lstStyle/>
+          <a:p>
+            <a:pPr lvl="1"/>
+            <a:r>
+              <a:rPr lang="fr-FR" sz="2800" b="1" dirty="0"/>
+              <a:t>Analyser</a:t>
+            </a:r>
+            <a:r>
+              <a:rPr lang="fr-FR" sz="2800" dirty="0"/>
+              <a:t>, </a:t>
+            </a:r>
+            <a:r>
+              <a:rPr lang="fr-FR" sz="2800" b="1" dirty="0"/>
+              <a:t>concevoir</a:t>
+            </a:r>
+            <a:r>
+              <a:rPr lang="fr-FR" sz="2800" dirty="0"/>
+              <a:t> et </a:t>
+            </a:r>
+            <a:r>
+              <a:rPr lang="fr-FR" sz="2800" b="1" dirty="0"/>
+              <a:t>réaliser</a:t>
+            </a:r>
+            <a:r>
+              <a:rPr lang="fr-FR" sz="2800" dirty="0"/>
+              <a:t> des </a:t>
+            </a:r>
+            <a:r>
+              <a:rPr lang="fr-FR" sz="2800" b="1" dirty="0"/>
+              <a:t>circuits électroniques</a:t>
+            </a:r>
+            <a:r>
+              <a:rPr lang="fr-FR" sz="2800" dirty="0"/>
+              <a:t> pour la </a:t>
+            </a:r>
+            <a:r>
+              <a:rPr lang="fr-FR" sz="2800" b="1" dirty="0"/>
+              <a:t>mise en forme </a:t>
+            </a:r>
+            <a:r>
+              <a:rPr lang="fr-FR" sz="2800" dirty="0"/>
+              <a:t>de ces signaux dans le respect d’un cahier des charges et en lien avec la conversion électrons-photons</a:t>
+            </a:r>
+          </a:p>
+        </p:txBody>
+      </p:sp>
+      <p:sp>
+        <p:nvSpPr>
+          <p:cNvPr id="3" name="CustomShape 3">
+            <a:extLst>
+              <a:ext uri="{FF2B5EF4-FFF2-40B4-BE49-F238E27FC236}">
+                <a16:creationId xmlns:a16="http://schemas.microsoft.com/office/drawing/2014/main" id="{691FD8A8-20F3-DB95-98D4-A4F009EE3CA5}"/>
+              </a:ext>
+            </a:extLst>
+          </p:cNvPr>
+          <p:cNvSpPr/>
+          <p:nvPr/>
+        </p:nvSpPr>
+        <p:spPr>
+          <a:xfrm>
+            <a:off x="8037689" y="3060957"/>
+            <a:ext cx="3348569" cy="492443"/>
+          </a:xfrm>
+          <a:prstGeom prst="rect">
+            <a:avLst/>
+          </a:prstGeom>
+          <a:solidFill>
+            <a:schemeClr val="bg1">
+              <a:lumMod val="85000"/>
+            </a:schemeClr>
+          </a:solidFill>
+          <a:ln w="0">
+            <a:noFill/>
+          </a:ln>
+        </p:spPr>
+        <p:style>
+          <a:lnRef idx="0">
+            <a:scrgbClr r="0" g="0" b="0"/>
+          </a:lnRef>
+          <a:fillRef idx="0">
+            <a:scrgbClr r="0" g="0" b="0"/>
+          </a:fillRef>
+          <a:effectRef idx="0">
+            <a:scrgbClr r="0" g="0" b="0"/>
+          </a:effectRef>
+          <a:fontRef idx="minor"/>
+        </p:style>
+        <p:txBody>
+          <a:bodyPr wrap="square" tIns="91440" bIns="91440">
+            <a:spAutoFit/>
+          </a:bodyPr>
+          <a:lstStyle/>
+          <a:p>
+            <a:pPr algn="ctr">
+              <a:lnSpc>
+                <a:spcPct val="100000"/>
+              </a:lnSpc>
+              <a:tabLst>
+                <a:tab pos="0" algn="l"/>
+              </a:tabLst>
+            </a:pPr>
+            <a:r>
+              <a:rPr lang="fr-FR" sz="2000" b="1" strike="noStrike" spc="-1" dirty="0">
+                <a:solidFill>
+                  <a:schemeClr val="bg1"/>
+                </a:solidFill>
+                <a:latin typeface="Trebuchet MS"/>
+                <a:ea typeface="Trebuchet MS"/>
+              </a:rPr>
+              <a:t>Maths et Signal</a:t>
+            </a:r>
+            <a:endParaRPr lang="fr-FR" sz="2000" b="0" strike="noStrike" spc="-1" dirty="0">
+              <a:solidFill>
+                <a:schemeClr val="bg1"/>
+              </a:solidFill>
+              <a:latin typeface="Arial"/>
+            </a:endParaRPr>
+          </a:p>
+        </p:txBody>
+      </p:sp>
+      <p:sp>
+        <p:nvSpPr>
+          <p:cNvPr id="4" name="CustomShape 3">
+            <a:extLst>
+              <a:ext uri="{FF2B5EF4-FFF2-40B4-BE49-F238E27FC236}">
+                <a16:creationId xmlns:a16="http://schemas.microsoft.com/office/drawing/2014/main" id="{1878C4A7-4377-BD4C-E2FE-7716910E7C64}"/>
+              </a:ext>
+            </a:extLst>
+          </p:cNvPr>
+          <p:cNvSpPr/>
+          <p:nvPr/>
+        </p:nvSpPr>
+        <p:spPr>
+          <a:xfrm>
+            <a:off x="8037689" y="3705800"/>
+            <a:ext cx="3348569" cy="677108"/>
+          </a:xfrm>
+          <a:prstGeom prst="rect">
+            <a:avLst/>
+          </a:prstGeom>
+          <a:solidFill>
+            <a:schemeClr val="bg1">
+              <a:lumMod val="85000"/>
+            </a:schemeClr>
+          </a:solidFill>
+          <a:ln w="0">
+            <a:noFill/>
+          </a:ln>
+        </p:spPr>
+        <p:style>
+          <a:lnRef idx="0">
+            <a:scrgbClr r="0" g="0" b="0"/>
+          </a:lnRef>
+          <a:fillRef idx="0">
+            <a:scrgbClr r="0" g="0" b="0"/>
+          </a:fillRef>
+          <a:effectRef idx="0">
+            <a:scrgbClr r="0" g="0" b="0"/>
+          </a:effectRef>
+          <a:fontRef idx="minor"/>
+        </p:style>
+        <p:txBody>
+          <a:bodyPr wrap="square" tIns="91440" bIns="91440">
+            <a:spAutoFit/>
+          </a:bodyPr>
+          <a:lstStyle/>
+          <a:p>
+            <a:pPr algn="ctr">
+              <a:lnSpc>
+                <a:spcPct val="100000"/>
+              </a:lnSpc>
+              <a:tabLst>
+                <a:tab pos="0" algn="l"/>
+              </a:tabLst>
+            </a:pPr>
+            <a:r>
+              <a:rPr lang="fr-FR" sz="2000" b="1" strike="noStrike" spc="-1" dirty="0">
+                <a:solidFill>
+                  <a:schemeClr val="bg1"/>
+                </a:solidFill>
+                <a:latin typeface="Trebuchet MS"/>
+                <a:ea typeface="Trebuchet MS"/>
+              </a:rPr>
+              <a:t>ONIP</a:t>
+            </a:r>
+            <a:br>
+              <a:rPr lang="fr-FR" sz="2000" b="1" strike="noStrike" spc="-1" dirty="0">
+                <a:solidFill>
+                  <a:schemeClr val="bg1"/>
+                </a:solidFill>
+                <a:latin typeface="Trebuchet MS"/>
+                <a:ea typeface="Trebuchet MS"/>
+              </a:rPr>
+            </a:br>
+            <a:r>
+              <a:rPr lang="fr-FR" sz="1200" b="1" strike="noStrike" spc="-1" dirty="0">
+                <a:solidFill>
+                  <a:schemeClr val="bg1"/>
+                </a:solidFill>
+                <a:latin typeface="Trebuchet MS"/>
+                <a:ea typeface="Trebuchet MS"/>
+              </a:rPr>
+              <a:t>Outils </a:t>
+            </a:r>
+            <a:r>
+              <a:rPr lang="fr-FR" sz="1200" b="1" strike="noStrike" spc="-1" dirty="0" err="1">
+                <a:solidFill>
+                  <a:schemeClr val="bg1"/>
+                </a:solidFill>
+                <a:latin typeface="Trebuchet MS"/>
+                <a:ea typeface="Trebuchet MS"/>
+              </a:rPr>
+              <a:t>Num</a:t>
+            </a:r>
+            <a:r>
+              <a:rPr lang="fr-FR" sz="1200" b="1" strike="noStrike" spc="-1" dirty="0">
+                <a:solidFill>
+                  <a:schemeClr val="bg1"/>
+                </a:solidFill>
+                <a:latin typeface="Trebuchet MS"/>
+                <a:ea typeface="Trebuchet MS"/>
+              </a:rPr>
+              <a:t>. pour l’</a:t>
+            </a:r>
+            <a:r>
+              <a:rPr lang="fr-FR" sz="1200" b="1" strike="noStrike" spc="-1" dirty="0" err="1">
+                <a:solidFill>
+                  <a:schemeClr val="bg1"/>
+                </a:solidFill>
+                <a:latin typeface="Trebuchet MS"/>
+                <a:ea typeface="Trebuchet MS"/>
+              </a:rPr>
+              <a:t>Ingénieur.e</a:t>
+            </a:r>
+            <a:r>
+              <a:rPr lang="fr-FR" sz="1200" b="1" strike="noStrike" spc="-1" dirty="0">
+                <a:solidFill>
+                  <a:schemeClr val="bg1"/>
+                </a:solidFill>
+                <a:latin typeface="Trebuchet MS"/>
+                <a:ea typeface="Trebuchet MS"/>
+              </a:rPr>
+              <a:t> en Phys.</a:t>
+            </a:r>
+            <a:endParaRPr lang="fr-FR" sz="1200" b="0" strike="noStrike" spc="-1" dirty="0">
+              <a:solidFill>
+                <a:schemeClr val="bg1"/>
+              </a:solidFill>
+              <a:latin typeface="Arial"/>
+            </a:endParaRPr>
+          </a:p>
+        </p:txBody>
+      </p:sp>
+      <p:sp>
+        <p:nvSpPr>
+          <p:cNvPr id="5" name="CustomShape 3">
+            <a:extLst>
+              <a:ext uri="{FF2B5EF4-FFF2-40B4-BE49-F238E27FC236}">
+                <a16:creationId xmlns:a16="http://schemas.microsoft.com/office/drawing/2014/main" id="{225242AA-ED08-32F9-475B-9F95841C009A}"/>
+              </a:ext>
+            </a:extLst>
+          </p:cNvPr>
+          <p:cNvSpPr/>
+          <p:nvPr/>
+        </p:nvSpPr>
+        <p:spPr>
+          <a:xfrm>
+            <a:off x="8037688" y="4498238"/>
+            <a:ext cx="3348569" cy="677108"/>
+          </a:xfrm>
+          <a:prstGeom prst="rect">
+            <a:avLst/>
+          </a:prstGeom>
+          <a:solidFill>
+            <a:schemeClr val="tx1">
+              <a:lumMod val="65000"/>
+              <a:lumOff val="35000"/>
+            </a:schemeClr>
+          </a:solidFill>
+          <a:ln w="0">
+            <a:noFill/>
+          </a:ln>
+        </p:spPr>
+        <p:style>
+          <a:lnRef idx="0">
+            <a:scrgbClr r="0" g="0" b="0"/>
+          </a:lnRef>
+          <a:fillRef idx="0">
+            <a:scrgbClr r="0" g="0" b="0"/>
+          </a:fillRef>
+          <a:effectRef idx="0">
+            <a:scrgbClr r="0" g="0" b="0"/>
+          </a:effectRef>
+          <a:fontRef idx="minor"/>
+        </p:style>
+        <p:txBody>
+          <a:bodyPr wrap="square" tIns="91440" bIns="91440">
+            <a:spAutoFit/>
+          </a:bodyPr>
+          <a:lstStyle/>
+          <a:p>
+            <a:pPr algn="ctr">
+              <a:lnSpc>
+                <a:spcPct val="100000"/>
+              </a:lnSpc>
+              <a:tabLst>
+                <a:tab pos="0" algn="l"/>
+              </a:tabLst>
+            </a:pPr>
+            <a:r>
+              <a:rPr lang="fr-FR" sz="2000" b="1" strike="noStrike" spc="-1" dirty="0" err="1">
+                <a:solidFill>
+                  <a:schemeClr val="bg1"/>
+                </a:solidFill>
+                <a:latin typeface="Trebuchet MS"/>
+                <a:ea typeface="Trebuchet MS"/>
+              </a:rPr>
+              <a:t>CéTI</a:t>
+            </a:r>
+            <a:endParaRPr lang="fr-FR" sz="2000" b="1" strike="noStrike" spc="-1" dirty="0">
+              <a:solidFill>
+                <a:schemeClr val="bg1"/>
+              </a:solidFill>
+              <a:latin typeface="Trebuchet MS"/>
+              <a:ea typeface="Trebuchet MS"/>
+            </a:endParaRPr>
+          </a:p>
+          <a:p>
+            <a:pPr algn="ctr">
+              <a:lnSpc>
+                <a:spcPct val="100000"/>
+              </a:lnSpc>
+              <a:tabLst>
+                <a:tab pos="0" algn="l"/>
+              </a:tabLst>
+            </a:pPr>
+            <a:r>
+              <a:rPr lang="fr-FR" sz="1200" b="1" spc="-1" dirty="0">
+                <a:solidFill>
+                  <a:schemeClr val="bg1"/>
+                </a:solidFill>
+                <a:latin typeface="Trebuchet MS"/>
+              </a:rPr>
+              <a:t>Conception Electronique</a:t>
+            </a:r>
+            <a:endParaRPr lang="fr-FR" sz="1200" b="0" strike="noStrike" spc="-1" dirty="0">
+              <a:solidFill>
+                <a:schemeClr val="bg1"/>
+              </a:solidFill>
+              <a:latin typeface="Arial"/>
+            </a:endParaRPr>
+          </a:p>
+        </p:txBody>
+      </p:sp>
+      <p:sp>
+        <p:nvSpPr>
+          <p:cNvPr id="10" name="CustomShape 3">
+            <a:extLst>
+              <a:ext uri="{FF2B5EF4-FFF2-40B4-BE49-F238E27FC236}">
+                <a16:creationId xmlns:a16="http://schemas.microsoft.com/office/drawing/2014/main" id="{739F4E9A-0E6F-BC6E-AE9B-457A6B4C3896}"/>
+              </a:ext>
+            </a:extLst>
+          </p:cNvPr>
+          <p:cNvSpPr/>
+          <p:nvPr/>
+        </p:nvSpPr>
+        <p:spPr>
+          <a:xfrm>
+            <a:off x="8037689" y="5302346"/>
+            <a:ext cx="3348569" cy="492443"/>
+          </a:xfrm>
+          <a:prstGeom prst="rect">
+            <a:avLst/>
+          </a:prstGeom>
+          <a:solidFill>
+            <a:schemeClr val="tx1">
+              <a:lumMod val="65000"/>
+              <a:lumOff val="35000"/>
+            </a:schemeClr>
+          </a:solidFill>
+          <a:ln w="0">
+            <a:noFill/>
+          </a:ln>
+        </p:spPr>
+        <p:style>
+          <a:lnRef idx="0">
+            <a:scrgbClr r="0" g="0" b="0"/>
+          </a:lnRef>
+          <a:fillRef idx="0">
+            <a:scrgbClr r="0" g="0" b="0"/>
+          </a:fillRef>
+          <a:effectRef idx="0">
+            <a:scrgbClr r="0" g="0" b="0"/>
+          </a:effectRef>
+          <a:fontRef idx="minor"/>
+        </p:style>
+        <p:txBody>
+          <a:bodyPr wrap="square" tIns="91440" bIns="91440">
+            <a:spAutoFit/>
+          </a:bodyPr>
+          <a:lstStyle/>
+          <a:p>
+            <a:pPr algn="ctr">
+              <a:lnSpc>
+                <a:spcPct val="100000"/>
+              </a:lnSpc>
+              <a:tabLst>
+                <a:tab pos="0" algn="l"/>
+              </a:tabLst>
+            </a:pPr>
+            <a:r>
+              <a:rPr lang="fr-FR" sz="2000" b="1" strike="noStrike" spc="-1" dirty="0">
+                <a:solidFill>
+                  <a:schemeClr val="bg1"/>
+                </a:solidFill>
+                <a:latin typeface="Trebuchet MS"/>
+                <a:ea typeface="Trebuchet MS"/>
+              </a:rPr>
+              <a:t>TP </a:t>
+            </a:r>
+            <a:r>
+              <a:rPr lang="fr-FR" sz="2000" b="1" strike="noStrike" spc="-1" dirty="0" err="1">
+                <a:solidFill>
+                  <a:schemeClr val="bg1"/>
+                </a:solidFill>
+                <a:latin typeface="Trebuchet MS"/>
+                <a:ea typeface="Trebuchet MS"/>
+              </a:rPr>
+              <a:t>CéTI</a:t>
+            </a:r>
+            <a:endParaRPr lang="fr-FR" sz="1200" b="0" strike="noStrike" spc="-1" dirty="0">
+              <a:solidFill>
+                <a:schemeClr val="bg1"/>
+              </a:solidFill>
+              <a:latin typeface="Arial"/>
+            </a:endParaRPr>
+          </a:p>
+        </p:txBody>
+      </p:sp>
+    </p:spTree>
+    <p:extLst>
+      <p:ext uri="{BB962C8B-B14F-4D97-AF65-F5344CB8AC3E}">
+        <p14:creationId xmlns:p14="http://schemas.microsoft.com/office/powerpoint/2010/main" val="2890703577"/>
+      </p:ext>
+    </p:extLst>
+  </p:cSld>
+  <p:clrMapOvr>
+    <a:masterClrMapping/>
   </p:clrMapOvr>
 </p:sld>
 </file>
@@ -10234,13 +12045,14 @@
           <a:lstStyle/>
           <a:p>
             <a:r>
+              <a:rPr lang="fr-FR" dirty="0"/>
+              <a:t>Ressources </a:t>
+            </a:r>
+            <a:r>
               <a:rPr lang="fr-FR" dirty="0" err="1"/>
-              <a:t>CéTI</a:t>
-            </a:r>
-            <a:r>
-              <a:rPr lang="fr-FR" dirty="0"/>
-              <a:t> / TP / Déroulement</a:t>
-            </a:r>
+              <a:t>CeTI</a:t>
+            </a:r>
+            <a:endParaRPr lang="fr-FR" dirty="0"/>
           </a:p>
         </p:txBody>
       </p:sp>
@@ -10282,828 +12094,203 @@
       </p:pic>
       <p:sp>
         <p:nvSpPr>
-          <p:cNvPr id="18" name="CustomShape 3">
-            <a:extLst>
-              <a:ext uri="{FF2B5EF4-FFF2-40B4-BE49-F238E27FC236}">
-                <a16:creationId xmlns:a16="http://schemas.microsoft.com/office/drawing/2014/main" id="{67756887-8D7D-16CA-99A7-DCA51C63AE43}"/>
-              </a:ext>
-            </a:extLst>
-          </p:cNvPr>
-          <p:cNvSpPr/>
+          <p:cNvPr id="6" name="ZoneTexte 5">
+            <a:extLst>
+              <a:ext uri="{FF2B5EF4-FFF2-40B4-BE49-F238E27FC236}">
+                <a16:creationId xmlns:a16="http://schemas.microsoft.com/office/drawing/2014/main" id="{D2201FBD-6B84-07F4-9CD6-A4E1B2A89BCA}"/>
+              </a:ext>
+            </a:extLst>
+          </p:cNvPr>
+          <p:cNvSpPr txBox="1"/>
           <p:nvPr/>
         </p:nvSpPr>
         <p:spPr>
           <a:xfrm>
-            <a:off x="6390968" y="2440602"/>
-            <a:ext cx="4685465" cy="492443"/>
+            <a:off x="3606800" y="2045813"/>
+            <a:ext cx="8264177" cy="584775"/>
           </a:xfrm>
           <a:prstGeom prst="rect">
             <a:avLst/>
           </a:prstGeom>
-          <a:solidFill>
-            <a:schemeClr val="tx1">
-              <a:lumMod val="65000"/>
-              <a:lumOff val="35000"/>
-            </a:schemeClr>
-          </a:solidFill>
-          <a:ln w="0">
-            <a:noFill/>
-          </a:ln>
-        </p:spPr>
-        <p:style>
-          <a:lnRef idx="0">
-            <a:scrgbClr r="0" g="0" b="0"/>
-          </a:lnRef>
-          <a:fillRef idx="0">
-            <a:scrgbClr r="0" g="0" b="0"/>
-          </a:fillRef>
-          <a:effectRef idx="0">
-            <a:scrgbClr r="0" g="0" b="0"/>
-          </a:effectRef>
-          <a:fontRef idx="minor"/>
-        </p:style>
-        <p:txBody>
-          <a:bodyPr wrap="square" tIns="91440" bIns="91440">
+          <a:noFill/>
+        </p:spPr>
+        <p:txBody>
+          <a:bodyPr wrap="square">
             <a:spAutoFit/>
           </a:bodyPr>
           <a:lstStyle/>
           <a:p>
-            <a:pPr algn="ctr">
-              <a:lnSpc>
-                <a:spcPct val="100000"/>
-              </a:lnSpc>
-              <a:tabLst>
-                <a:tab pos="0" algn="l"/>
-              </a:tabLst>
-            </a:pPr>
-            <a:r>
-              <a:rPr lang="fr-FR" sz="2000" b="1" strike="noStrike" spc="-1" dirty="0">
+            <a:pPr lvl="1"/>
+            <a:r>
+              <a:rPr lang="fr-FR" sz="3200" dirty="0">
                 <a:solidFill>
-                  <a:schemeClr val="bg1"/>
+                  <a:srgbClr val="0070C0"/>
                 </a:solidFill>
-                <a:latin typeface="Trebuchet MS"/>
-                <a:ea typeface="Trebuchet MS"/>
+                <a:latin typeface="Raleway ExtraBold" pitchFamily="2" charset="0"/>
               </a:rPr>
-              <a:t>3 blocs de 2 séances de TP</a:t>
-            </a:r>
-            <a:endParaRPr lang="fr-FR" sz="2000" b="0" strike="noStrike" spc="-1" dirty="0">
+              <a:t>http://lense.institutoptique.fr/ceti/</a:t>
+            </a:r>
+            <a:endParaRPr lang="fr-FR" sz="3600" dirty="0">
               <a:solidFill>
-                <a:schemeClr val="bg1"/>
+                <a:srgbClr val="0070C0"/>
               </a:solidFill>
-              <a:latin typeface="Arial"/>
+              <a:latin typeface="Raleway ExtraBold" pitchFamily="2" charset="0"/>
             </a:endParaRPr>
           </a:p>
         </p:txBody>
       </p:sp>
-      <p:sp>
-        <p:nvSpPr>
-          <p:cNvPr id="19" name="CustomShape 3">
-            <a:extLst>
-              <a:ext uri="{FF2B5EF4-FFF2-40B4-BE49-F238E27FC236}">
-                <a16:creationId xmlns:a16="http://schemas.microsoft.com/office/drawing/2014/main" id="{0A1DB7D8-E96B-C55E-F704-22C897EDE261}"/>
-              </a:ext>
-            </a:extLst>
-          </p:cNvPr>
-          <p:cNvSpPr/>
+      <p:pic>
+        <p:nvPicPr>
+          <p:cNvPr id="10" name="Image 9">
+            <a:extLst>
+              <a:ext uri="{FF2B5EF4-FFF2-40B4-BE49-F238E27FC236}">
+                <a16:creationId xmlns:a16="http://schemas.microsoft.com/office/drawing/2014/main" id="{C1D9D271-CC31-8966-F762-8EADBC9A7E5A}"/>
+              </a:ext>
+            </a:extLst>
+          </p:cNvPr>
+          <p:cNvPicPr>
+            <a:picLocks noChangeAspect="1"/>
+          </p:cNvPicPr>
           <p:nvPr/>
-        </p:nvSpPr>
-        <p:spPr>
-          <a:xfrm>
-            <a:off x="6388201" y="3152988"/>
-            <a:ext cx="4122483" cy="461665"/>
+        </p:nvPicPr>
+        <p:blipFill>
+          <a:blip r:embed="rId3"/>
+          <a:stretch>
+            <a:fillRect/>
+          </a:stretch>
+        </p:blipFill>
+        <p:spPr>
+          <a:xfrm>
+            <a:off x="304278" y="3166219"/>
+            <a:ext cx="3447869" cy="2683606"/>
           </a:xfrm>
           <a:prstGeom prst="rect">
             <a:avLst/>
           </a:prstGeom>
-          <a:solidFill>
-            <a:schemeClr val="accent6"/>
-          </a:solidFill>
-          <a:ln w="0">
-            <a:noFill/>
-          </a:ln>
-        </p:spPr>
-        <p:style>
-          <a:lnRef idx="0">
-            <a:scrgbClr r="0" g="0" b="0"/>
-          </a:lnRef>
-          <a:fillRef idx="0">
-            <a:scrgbClr r="0" g="0" b="0"/>
-          </a:fillRef>
-          <a:effectRef idx="0">
-            <a:scrgbClr r="0" g="0" b="0"/>
-          </a:effectRef>
-          <a:fontRef idx="minor"/>
-        </p:style>
-        <p:txBody>
-          <a:bodyPr wrap="square" tIns="91440" bIns="91440">
-            <a:spAutoFit/>
-          </a:bodyPr>
-          <a:lstStyle/>
-          <a:p>
-            <a:pPr algn="ctr">
-              <a:lnSpc>
-                <a:spcPct val="100000"/>
-              </a:lnSpc>
-              <a:tabLst>
-                <a:tab pos="0" algn="l"/>
-              </a:tabLst>
-            </a:pPr>
-            <a:r>
-              <a:rPr lang="fr-FR" b="1" strike="noStrike" spc="-1" dirty="0">
-                <a:solidFill>
-                  <a:schemeClr val="bg1"/>
-                </a:solidFill>
-                <a:latin typeface="Trebuchet MS"/>
-                <a:ea typeface="Trebuchet MS"/>
-              </a:rPr>
-              <a:t>(0) Mise en forme / Filtrage</a:t>
-            </a:r>
-            <a:endParaRPr lang="fr-FR" b="0" strike="noStrike" spc="-1" dirty="0">
-              <a:solidFill>
-                <a:schemeClr val="bg1"/>
-              </a:solidFill>
-              <a:latin typeface="Arial"/>
-            </a:endParaRPr>
-          </a:p>
-        </p:txBody>
-      </p:sp>
-      <p:sp>
-        <p:nvSpPr>
-          <p:cNvPr id="7" name="CustomShape 3">
-            <a:extLst>
-              <a:ext uri="{FF2B5EF4-FFF2-40B4-BE49-F238E27FC236}">
-                <a16:creationId xmlns:a16="http://schemas.microsoft.com/office/drawing/2014/main" id="{D72796BA-C4FB-0B68-53DE-1739E281DCE7}"/>
-              </a:ext>
-            </a:extLst>
-          </p:cNvPr>
-          <p:cNvSpPr/>
+        </p:spPr>
+      </p:pic>
+      <p:pic>
+        <p:nvPicPr>
+          <p:cNvPr id="14" name="Image 13">
+            <a:extLst>
+              <a:ext uri="{FF2B5EF4-FFF2-40B4-BE49-F238E27FC236}">
+                <a16:creationId xmlns:a16="http://schemas.microsoft.com/office/drawing/2014/main" id="{4578BF14-D8F8-7C22-E073-91A23F35CC3A}"/>
+              </a:ext>
+            </a:extLst>
+          </p:cNvPr>
+          <p:cNvPicPr>
+            <a:picLocks noChangeAspect="1"/>
+          </p:cNvPicPr>
           <p:nvPr/>
-        </p:nvSpPr>
-        <p:spPr>
-          <a:xfrm>
-            <a:off x="1115567" y="2440602"/>
-            <a:ext cx="4685465" cy="492443"/>
+        </p:nvPicPr>
+        <p:blipFill>
+          <a:blip r:embed="rId4"/>
+          <a:stretch>
+            <a:fillRect/>
+          </a:stretch>
+        </p:blipFill>
+        <p:spPr>
+          <a:xfrm>
+            <a:off x="4566208" y="3357403"/>
+            <a:ext cx="7092338" cy="3326861"/>
           </a:xfrm>
           <a:prstGeom prst="rect">
             <a:avLst/>
           </a:prstGeom>
-          <a:solidFill>
-            <a:srgbClr val="00B0F0"/>
-          </a:solidFill>
-          <a:ln w="0">
-            <a:noFill/>
+        </p:spPr>
+      </p:pic>
+      <p:cxnSp>
+        <p:nvCxnSpPr>
+          <p:cNvPr id="20" name="Connecteur droit 19">
+            <a:extLst>
+              <a:ext uri="{FF2B5EF4-FFF2-40B4-BE49-F238E27FC236}">
+                <a16:creationId xmlns:a16="http://schemas.microsoft.com/office/drawing/2014/main" id="{8AB94FE9-14A9-632C-E868-DB24C4C34FEE}"/>
+              </a:ext>
+            </a:extLst>
+          </p:cNvPr>
+          <p:cNvCxnSpPr>
+            <a:cxnSpLocks/>
+          </p:cNvCxnSpPr>
+          <p:nvPr/>
+        </p:nvCxnSpPr>
+        <p:spPr>
+          <a:xfrm flipV="1">
+            <a:off x="3830320" y="3429000"/>
+            <a:ext cx="837488" cy="726440"/>
+          </a:xfrm>
+          <a:prstGeom prst="line">
+            <a:avLst/>
+          </a:prstGeom>
+          <a:ln w="12700">
+            <a:solidFill>
+              <a:schemeClr val="tx2"/>
+            </a:solidFill>
+            <a:prstDash val="sysDash"/>
           </a:ln>
         </p:spPr>
         <p:style>
-          <a:lnRef idx="0">
-            <a:scrgbClr r="0" g="0" b="0"/>
+          <a:lnRef idx="1">
+            <a:schemeClr val="accent1"/>
           </a:lnRef>
           <a:fillRef idx="0">
-            <a:scrgbClr r="0" g="0" b="0"/>
+            <a:schemeClr val="accent1"/>
           </a:fillRef>
           <a:effectRef idx="0">
-            <a:scrgbClr r="0" g="0" b="0"/>
+            <a:schemeClr val="accent1"/>
           </a:effectRef>
-          <a:fontRef idx="minor"/>
+          <a:fontRef idx="minor">
+            <a:schemeClr val="tx1"/>
+          </a:fontRef>
         </p:style>
-        <p:txBody>
-          <a:bodyPr wrap="square" tIns="91440" bIns="91440">
-            <a:spAutoFit/>
-          </a:bodyPr>
-          <a:lstStyle/>
-          <a:p>
-            <a:pPr algn="ctr">
-              <a:lnSpc>
-                <a:spcPct val="100000"/>
-              </a:lnSpc>
-              <a:tabLst>
-                <a:tab pos="0" algn="l"/>
-              </a:tabLst>
-            </a:pPr>
-            <a:r>
-              <a:rPr lang="fr-FR" sz="2000" b="1" strike="noStrike" spc="-1" dirty="0">
-                <a:solidFill>
-                  <a:schemeClr val="bg1"/>
-                </a:solidFill>
-                <a:latin typeface="Trebuchet MS"/>
-                <a:ea typeface="Trebuchet MS"/>
-              </a:rPr>
-              <a:t>Déroulement</a:t>
-            </a:r>
-            <a:endParaRPr lang="fr-FR" sz="2000" b="0" strike="noStrike" spc="-1" dirty="0">
-              <a:solidFill>
-                <a:schemeClr val="bg1"/>
-              </a:solidFill>
-              <a:latin typeface="Arial"/>
-            </a:endParaRPr>
-          </a:p>
-        </p:txBody>
-      </p:sp>
-      <p:sp>
-        <p:nvSpPr>
-          <p:cNvPr id="8" name="Espace réservé du contenu 2">
-            <a:extLst>
-              <a:ext uri="{FF2B5EF4-FFF2-40B4-BE49-F238E27FC236}">
-                <a16:creationId xmlns:a16="http://schemas.microsoft.com/office/drawing/2014/main" id="{AFB50BFF-D75E-AF18-215D-57F48FD8A0AF}"/>
-              </a:ext>
-            </a:extLst>
-          </p:cNvPr>
-          <p:cNvSpPr>
-            <a:spLocks noGrp="1"/>
-          </p:cNvSpPr>
-          <p:nvPr>
-            <p:ph sz="half" idx="1"/>
-          </p:nvPr>
-        </p:nvSpPr>
-        <p:spPr>
-          <a:xfrm>
-            <a:off x="1108263" y="3050362"/>
-            <a:ext cx="4685466" cy="3694176"/>
-          </a:xfrm>
-        </p:spPr>
-        <p:txBody>
-          <a:bodyPr>
-            <a:normAutofit/>
-          </a:bodyPr>
-          <a:lstStyle/>
-          <a:p>
-            <a:r>
-              <a:rPr lang="fr-FR" sz="2000" b="1" dirty="0"/>
-              <a:t>Séances</a:t>
-            </a:r>
-          </a:p>
-          <a:p>
-            <a:pPr lvl="1"/>
-            <a:r>
-              <a:rPr lang="fr-FR" sz="1800" dirty="0"/>
-              <a:t>Durée : </a:t>
-            </a:r>
-            <a:r>
-              <a:rPr lang="fr-FR" sz="1800" b="1" dirty="0"/>
-              <a:t>4h30</a:t>
-            </a:r>
-            <a:r>
-              <a:rPr lang="fr-FR" sz="1800" dirty="0"/>
-              <a:t> – </a:t>
-            </a:r>
-            <a:r>
-              <a:rPr lang="fr-FR" sz="1800" b="1" dirty="0"/>
-              <a:t>Début à 8h30 !!</a:t>
-            </a:r>
-          </a:p>
-          <a:p>
-            <a:pPr lvl="1"/>
-            <a:r>
-              <a:rPr lang="fr-FR" sz="1800" dirty="0"/>
-              <a:t>Nombre : </a:t>
-            </a:r>
-            <a:r>
-              <a:rPr lang="fr-FR" sz="1800" b="1" dirty="0"/>
-              <a:t>6 séances</a:t>
-            </a:r>
-          </a:p>
-          <a:p>
-            <a:r>
-              <a:rPr lang="fr-FR" sz="2000" b="1" dirty="0"/>
-              <a:t>3 thèmes</a:t>
-            </a:r>
-          </a:p>
-          <a:p>
-            <a:pPr lvl="1"/>
-            <a:r>
-              <a:rPr lang="fr-FR" sz="1800" dirty="0"/>
-              <a:t>Durée : </a:t>
-            </a:r>
-            <a:r>
-              <a:rPr lang="fr-FR" sz="1800" b="1" dirty="0"/>
-              <a:t>2 séances</a:t>
-            </a:r>
-          </a:p>
-        </p:txBody>
-      </p:sp>
-      <p:sp>
-        <p:nvSpPr>
-          <p:cNvPr id="3" name="CustomShape 3">
-            <a:extLst>
-              <a:ext uri="{FF2B5EF4-FFF2-40B4-BE49-F238E27FC236}">
-                <a16:creationId xmlns:a16="http://schemas.microsoft.com/office/drawing/2014/main" id="{74D6245D-F675-2A6E-AEBB-D8555A8F1EB9}"/>
-              </a:ext>
-            </a:extLst>
-          </p:cNvPr>
-          <p:cNvSpPr/>
+      </p:cxnSp>
+      <p:cxnSp>
+        <p:nvCxnSpPr>
+          <p:cNvPr id="24" name="Connecteur droit 23">
+            <a:extLst>
+              <a:ext uri="{FF2B5EF4-FFF2-40B4-BE49-F238E27FC236}">
+                <a16:creationId xmlns:a16="http://schemas.microsoft.com/office/drawing/2014/main" id="{44474BA8-269B-3EC1-3AAB-9E3C7DD78ED5}"/>
+              </a:ext>
+            </a:extLst>
+          </p:cNvPr>
+          <p:cNvCxnSpPr>
+            <a:cxnSpLocks/>
+          </p:cNvCxnSpPr>
           <p:nvPr/>
-        </p:nvSpPr>
-        <p:spPr>
-          <a:xfrm>
-            <a:off x="7637136" y="4055814"/>
-            <a:ext cx="2880851" cy="461665"/>
-          </a:xfrm>
-          <a:prstGeom prst="rect">
+        </p:nvCxnSpPr>
+        <p:spPr>
+          <a:xfrm>
+            <a:off x="3779520" y="4734560"/>
+            <a:ext cx="708515" cy="1838960"/>
+          </a:xfrm>
+          <a:prstGeom prst="line">
             <a:avLst/>
           </a:prstGeom>
-          <a:solidFill>
-            <a:srgbClr val="00B0F0"/>
-          </a:solidFill>
-          <a:ln w="0">
-            <a:noFill/>
+          <a:ln w="12700">
+            <a:solidFill>
+              <a:schemeClr val="tx2"/>
+            </a:solidFill>
+            <a:prstDash val="sysDash"/>
           </a:ln>
         </p:spPr>
         <p:style>
-          <a:lnRef idx="0">
-            <a:scrgbClr r="0" g="0" b="0"/>
+          <a:lnRef idx="1">
+            <a:schemeClr val="accent1"/>
           </a:lnRef>
           <a:fillRef idx="0">
-            <a:scrgbClr r="0" g="0" b="0"/>
+            <a:schemeClr val="accent1"/>
           </a:fillRef>
           <a:effectRef idx="0">
-            <a:scrgbClr r="0" g="0" b="0"/>
+            <a:schemeClr val="accent1"/>
           </a:effectRef>
-          <a:fontRef idx="minor"/>
+          <a:fontRef idx="minor">
+            <a:schemeClr val="tx1"/>
+          </a:fontRef>
         </p:style>
-        <p:txBody>
-          <a:bodyPr wrap="square" tIns="91440" bIns="91440">
-            <a:spAutoFit/>
-          </a:bodyPr>
-          <a:lstStyle/>
-          <a:p>
-            <a:pPr algn="ctr">
-              <a:lnSpc>
-                <a:spcPct val="100000"/>
-              </a:lnSpc>
-              <a:tabLst>
-                <a:tab pos="0" algn="l"/>
-              </a:tabLst>
-            </a:pPr>
-            <a:r>
-              <a:rPr lang="fr-FR" b="1" strike="noStrike" spc="-1" dirty="0">
-                <a:solidFill>
-                  <a:schemeClr val="bg1"/>
-                </a:solidFill>
-                <a:latin typeface="Trebuchet MS"/>
-                <a:ea typeface="Trebuchet MS"/>
-              </a:rPr>
-              <a:t>(1) Numérique</a:t>
-            </a:r>
-            <a:endParaRPr lang="fr-FR" b="0" strike="noStrike" spc="-1" dirty="0">
-              <a:solidFill>
-                <a:schemeClr val="bg1"/>
-              </a:solidFill>
-              <a:latin typeface="Arial"/>
-            </a:endParaRPr>
-          </a:p>
-        </p:txBody>
-      </p:sp>
-      <p:sp>
-        <p:nvSpPr>
-          <p:cNvPr id="4" name="CustomShape 3">
-            <a:extLst>
-              <a:ext uri="{FF2B5EF4-FFF2-40B4-BE49-F238E27FC236}">
-                <a16:creationId xmlns:a16="http://schemas.microsoft.com/office/drawing/2014/main" id="{7F18A793-FE58-11B3-873B-B916FE79BC86}"/>
-              </a:ext>
-            </a:extLst>
-          </p:cNvPr>
-          <p:cNvSpPr/>
-          <p:nvPr/>
-        </p:nvSpPr>
-        <p:spPr>
-          <a:xfrm>
-            <a:off x="6398273" y="4958644"/>
-            <a:ext cx="4112410" cy="461665"/>
-          </a:xfrm>
-          <a:prstGeom prst="rect">
-            <a:avLst/>
-          </a:prstGeom>
-          <a:solidFill>
-            <a:schemeClr val="accent1"/>
-          </a:solidFill>
-          <a:ln w="0">
-            <a:noFill/>
-          </a:ln>
-        </p:spPr>
-        <p:style>
-          <a:lnRef idx="0">
-            <a:scrgbClr r="0" g="0" b="0"/>
-          </a:lnRef>
-          <a:fillRef idx="0">
-            <a:scrgbClr r="0" g="0" b="0"/>
-          </a:fillRef>
-          <a:effectRef idx="0">
-            <a:scrgbClr r="0" g="0" b="0"/>
-          </a:effectRef>
-          <a:fontRef idx="minor"/>
-        </p:style>
-        <p:txBody>
-          <a:bodyPr wrap="square" tIns="91440" bIns="91440">
-            <a:spAutoFit/>
-          </a:bodyPr>
-          <a:lstStyle/>
-          <a:p>
-            <a:pPr algn="ctr">
-              <a:lnSpc>
-                <a:spcPct val="100000"/>
-              </a:lnSpc>
-              <a:tabLst>
-                <a:tab pos="0" algn="l"/>
-              </a:tabLst>
-            </a:pPr>
-            <a:r>
-              <a:rPr lang="fr-FR" b="1" strike="noStrike" spc="-1" dirty="0">
-                <a:solidFill>
-                  <a:schemeClr val="bg1"/>
-                </a:solidFill>
-                <a:latin typeface="Trebuchet MS"/>
-                <a:ea typeface="Trebuchet MS"/>
-              </a:rPr>
-              <a:t>(2) </a:t>
-            </a:r>
-            <a:r>
-              <a:rPr lang="fr-FR" b="1" strike="noStrike" spc="-1" dirty="0" err="1">
-                <a:solidFill>
-                  <a:schemeClr val="bg1"/>
-                </a:solidFill>
-                <a:latin typeface="Trebuchet MS"/>
-                <a:ea typeface="Trebuchet MS"/>
-              </a:rPr>
-              <a:t>Photodétection</a:t>
-            </a:r>
-            <a:endParaRPr lang="fr-FR" b="0" strike="noStrike" spc="-1" dirty="0">
-              <a:solidFill>
-                <a:schemeClr val="bg1"/>
-              </a:solidFill>
-              <a:latin typeface="Arial"/>
-            </a:endParaRPr>
-          </a:p>
-        </p:txBody>
-      </p:sp>
-      <p:sp>
-        <p:nvSpPr>
-          <p:cNvPr id="9" name="CustomShape 3">
-            <a:extLst>
-              <a:ext uri="{FF2B5EF4-FFF2-40B4-BE49-F238E27FC236}">
-                <a16:creationId xmlns:a16="http://schemas.microsoft.com/office/drawing/2014/main" id="{7FC0F449-8AAE-65B7-649B-326D93C64A5E}"/>
-              </a:ext>
-            </a:extLst>
-          </p:cNvPr>
-          <p:cNvSpPr/>
-          <p:nvPr/>
-        </p:nvSpPr>
-        <p:spPr>
-          <a:xfrm>
-            <a:off x="6405577" y="4055812"/>
-            <a:ext cx="1058133" cy="461665"/>
-          </a:xfrm>
-          <a:prstGeom prst="rect">
-            <a:avLst/>
-          </a:prstGeom>
-          <a:solidFill>
-            <a:srgbClr val="7030A0"/>
-          </a:solidFill>
-          <a:ln w="0">
-            <a:noFill/>
-          </a:ln>
-        </p:spPr>
-        <p:style>
-          <a:lnRef idx="0">
-            <a:scrgbClr r="0" g="0" b="0"/>
-          </a:lnRef>
-          <a:fillRef idx="0">
-            <a:scrgbClr r="0" g="0" b="0"/>
-          </a:fillRef>
-          <a:effectRef idx="0">
-            <a:scrgbClr r="0" g="0" b="0"/>
-          </a:effectRef>
-          <a:fontRef idx="minor"/>
-        </p:style>
-        <p:txBody>
-          <a:bodyPr wrap="square" tIns="91440" bIns="91440">
-            <a:spAutoFit/>
-          </a:bodyPr>
-          <a:lstStyle/>
-          <a:p>
-            <a:pPr algn="ctr">
-              <a:lnSpc>
-                <a:spcPct val="100000"/>
-              </a:lnSpc>
-              <a:tabLst>
-                <a:tab pos="0" algn="l"/>
-              </a:tabLst>
-            </a:pPr>
-            <a:r>
-              <a:rPr lang="fr-FR" b="1" strike="noStrike" spc="-1" dirty="0">
-                <a:solidFill>
-                  <a:schemeClr val="bg1"/>
-                </a:solidFill>
-                <a:latin typeface="Trebuchet MS"/>
-                <a:ea typeface="Trebuchet MS"/>
-              </a:rPr>
-              <a:t>EVAL</a:t>
-            </a:r>
-            <a:endParaRPr lang="fr-FR" b="0" strike="noStrike" spc="-1" dirty="0">
-              <a:solidFill>
-                <a:schemeClr val="bg1"/>
-              </a:solidFill>
-              <a:latin typeface="Arial"/>
-            </a:endParaRPr>
-          </a:p>
-        </p:txBody>
-      </p:sp>
-      <p:sp>
-        <p:nvSpPr>
-          <p:cNvPr id="10" name="CustomShape 3">
-            <a:extLst>
-              <a:ext uri="{FF2B5EF4-FFF2-40B4-BE49-F238E27FC236}">
-                <a16:creationId xmlns:a16="http://schemas.microsoft.com/office/drawing/2014/main" id="{D80D3870-B253-4F6B-7AA7-F667BFAC9781}"/>
-              </a:ext>
-            </a:extLst>
-          </p:cNvPr>
-          <p:cNvSpPr/>
-          <p:nvPr/>
-        </p:nvSpPr>
-        <p:spPr>
-          <a:xfrm>
-            <a:off x="10722472" y="3152987"/>
-            <a:ext cx="353961" cy="461665"/>
-          </a:xfrm>
-          <a:prstGeom prst="rect">
-            <a:avLst/>
-          </a:prstGeom>
-          <a:solidFill>
-            <a:schemeClr val="accent6"/>
-          </a:solidFill>
-          <a:ln w="0">
-            <a:noFill/>
-          </a:ln>
-        </p:spPr>
-        <p:style>
-          <a:lnRef idx="0">
-            <a:scrgbClr r="0" g="0" b="0"/>
-          </a:lnRef>
-          <a:fillRef idx="0">
-            <a:scrgbClr r="0" g="0" b="0"/>
-          </a:fillRef>
-          <a:effectRef idx="0">
-            <a:scrgbClr r="0" g="0" b="0"/>
-          </a:effectRef>
-          <a:fontRef idx="minor"/>
-        </p:style>
-        <p:txBody>
-          <a:bodyPr wrap="square" tIns="91440" bIns="91440">
-            <a:spAutoFit/>
-          </a:bodyPr>
-          <a:lstStyle/>
-          <a:p>
-            <a:pPr algn="ctr">
-              <a:lnSpc>
-                <a:spcPct val="100000"/>
-              </a:lnSpc>
-              <a:tabLst>
-                <a:tab pos="0" algn="l"/>
-              </a:tabLst>
-            </a:pPr>
-            <a:r>
-              <a:rPr lang="fr-FR" b="1" strike="noStrike" spc="-1" dirty="0">
-                <a:solidFill>
-                  <a:schemeClr val="bg1"/>
-                </a:solidFill>
-                <a:latin typeface="Trebuchet MS"/>
-                <a:ea typeface="Trebuchet MS"/>
-              </a:rPr>
-              <a:t>2</a:t>
-            </a:r>
-            <a:endParaRPr lang="fr-FR" b="0" strike="noStrike" spc="-1" dirty="0">
-              <a:solidFill>
-                <a:schemeClr val="bg1"/>
-              </a:solidFill>
-              <a:latin typeface="Arial"/>
-            </a:endParaRPr>
-          </a:p>
-        </p:txBody>
-      </p:sp>
-      <p:sp>
-        <p:nvSpPr>
-          <p:cNvPr id="12" name="CustomShape 3">
-            <a:extLst>
-              <a:ext uri="{FF2B5EF4-FFF2-40B4-BE49-F238E27FC236}">
-                <a16:creationId xmlns:a16="http://schemas.microsoft.com/office/drawing/2014/main" id="{3DAC146E-1AD3-73AC-6A02-4FE0A89D3218}"/>
-              </a:ext>
-            </a:extLst>
-          </p:cNvPr>
-          <p:cNvSpPr/>
-          <p:nvPr/>
-        </p:nvSpPr>
-        <p:spPr>
-          <a:xfrm>
-            <a:off x="10729775" y="4055813"/>
-            <a:ext cx="353962" cy="461665"/>
-          </a:xfrm>
-          <a:prstGeom prst="rect">
-            <a:avLst/>
-          </a:prstGeom>
-          <a:solidFill>
-            <a:srgbClr val="00B0F0"/>
-          </a:solidFill>
-          <a:ln w="0">
-            <a:noFill/>
-          </a:ln>
-        </p:spPr>
-        <p:style>
-          <a:lnRef idx="0">
-            <a:scrgbClr r="0" g="0" b="0"/>
-          </a:lnRef>
-          <a:fillRef idx="0">
-            <a:scrgbClr r="0" g="0" b="0"/>
-          </a:fillRef>
-          <a:effectRef idx="0">
-            <a:scrgbClr r="0" g="0" b="0"/>
-          </a:effectRef>
-          <a:fontRef idx="minor"/>
-        </p:style>
-        <p:txBody>
-          <a:bodyPr wrap="square" tIns="91440" bIns="91440">
-            <a:spAutoFit/>
-          </a:bodyPr>
-          <a:lstStyle/>
-          <a:p>
-            <a:pPr algn="ctr">
-              <a:lnSpc>
-                <a:spcPct val="100000"/>
-              </a:lnSpc>
-              <a:tabLst>
-                <a:tab pos="0" algn="l"/>
-              </a:tabLst>
-            </a:pPr>
-            <a:r>
-              <a:rPr lang="fr-FR" b="1" spc="-1" dirty="0">
-                <a:solidFill>
-                  <a:schemeClr val="bg1"/>
-                </a:solidFill>
-                <a:latin typeface="Trebuchet MS"/>
-              </a:rPr>
-              <a:t>2</a:t>
-            </a:r>
-            <a:endParaRPr lang="fr-FR" b="0" strike="noStrike" spc="-1" dirty="0">
-              <a:solidFill>
-                <a:schemeClr val="bg1"/>
-              </a:solidFill>
-              <a:latin typeface="Arial"/>
-            </a:endParaRPr>
-          </a:p>
-        </p:txBody>
-      </p:sp>
-      <p:sp>
-        <p:nvSpPr>
-          <p:cNvPr id="13" name="CustomShape 3">
-            <a:extLst>
-              <a:ext uri="{FF2B5EF4-FFF2-40B4-BE49-F238E27FC236}">
-                <a16:creationId xmlns:a16="http://schemas.microsoft.com/office/drawing/2014/main" id="{D801BB16-2F6F-AEA9-B601-77478B6B70F0}"/>
-              </a:ext>
-            </a:extLst>
-          </p:cNvPr>
-          <p:cNvSpPr/>
-          <p:nvPr/>
-        </p:nvSpPr>
-        <p:spPr>
-          <a:xfrm>
-            <a:off x="10729775" y="4947063"/>
-            <a:ext cx="353962" cy="461665"/>
-          </a:xfrm>
-          <a:prstGeom prst="rect">
-            <a:avLst/>
-          </a:prstGeom>
-          <a:solidFill>
-            <a:schemeClr val="accent1"/>
-          </a:solidFill>
-          <a:ln w="0">
-            <a:noFill/>
-          </a:ln>
-        </p:spPr>
-        <p:style>
-          <a:lnRef idx="0">
-            <a:scrgbClr r="0" g="0" b="0"/>
-          </a:lnRef>
-          <a:fillRef idx="0">
-            <a:scrgbClr r="0" g="0" b="0"/>
-          </a:fillRef>
-          <a:effectRef idx="0">
-            <a:scrgbClr r="0" g="0" b="0"/>
-          </a:effectRef>
-          <a:fontRef idx="minor"/>
-        </p:style>
-        <p:txBody>
-          <a:bodyPr wrap="square" tIns="91440" bIns="91440">
-            <a:spAutoFit/>
-          </a:bodyPr>
-          <a:lstStyle/>
-          <a:p>
-            <a:pPr algn="ctr">
-              <a:lnSpc>
-                <a:spcPct val="100000"/>
-              </a:lnSpc>
-              <a:tabLst>
-                <a:tab pos="0" algn="l"/>
-              </a:tabLst>
-            </a:pPr>
-            <a:r>
-              <a:rPr lang="fr-FR" b="1" strike="noStrike" spc="-1" dirty="0">
-                <a:solidFill>
-                  <a:schemeClr val="bg1"/>
-                </a:solidFill>
-                <a:latin typeface="Trebuchet MS"/>
-                <a:ea typeface="Trebuchet MS"/>
-              </a:rPr>
-              <a:t>2</a:t>
-            </a:r>
-          </a:p>
-        </p:txBody>
-      </p:sp>
-      <p:sp>
-        <p:nvSpPr>
-          <p:cNvPr id="14" name="ZoneTexte 13">
-            <a:extLst>
-              <a:ext uri="{FF2B5EF4-FFF2-40B4-BE49-F238E27FC236}">
-                <a16:creationId xmlns:a16="http://schemas.microsoft.com/office/drawing/2014/main" id="{5B658430-7FEA-CA67-4A18-ACA2416B731A}"/>
-              </a:ext>
-            </a:extLst>
-          </p:cNvPr>
-          <p:cNvSpPr txBox="1"/>
-          <p:nvPr/>
-        </p:nvSpPr>
-        <p:spPr>
-          <a:xfrm>
-            <a:off x="9114503" y="4583531"/>
-            <a:ext cx="1969234" cy="307777"/>
-          </a:xfrm>
-          <a:prstGeom prst="rect">
-            <a:avLst/>
-          </a:prstGeom>
-          <a:solidFill>
-            <a:srgbClr val="0070C0"/>
-          </a:solidFill>
-        </p:spPr>
-        <p:txBody>
-          <a:bodyPr wrap="square" rtlCol="0">
-            <a:spAutoFit/>
-          </a:bodyPr>
-          <a:lstStyle/>
-          <a:p>
-            <a:pPr algn="ctr"/>
-            <a:r>
-              <a:rPr lang="fr-FR" sz="1400" dirty="0">
-                <a:solidFill>
-                  <a:schemeClr val="bg1"/>
-                </a:solidFill>
-              </a:rPr>
-              <a:t>Synthèse Thème 1</a:t>
-            </a:r>
-          </a:p>
-        </p:txBody>
-      </p:sp>
-      <p:sp>
-        <p:nvSpPr>
-          <p:cNvPr id="15" name="ZoneTexte 14">
-            <a:extLst>
-              <a:ext uri="{FF2B5EF4-FFF2-40B4-BE49-F238E27FC236}">
-                <a16:creationId xmlns:a16="http://schemas.microsoft.com/office/drawing/2014/main" id="{70BF3FB5-18DD-94FF-B30D-0C9616625FEF}"/>
-              </a:ext>
-            </a:extLst>
-          </p:cNvPr>
-          <p:cNvSpPr txBox="1"/>
-          <p:nvPr/>
-        </p:nvSpPr>
-        <p:spPr>
-          <a:xfrm>
-            <a:off x="9114503" y="5476064"/>
-            <a:ext cx="1969234" cy="307777"/>
-          </a:xfrm>
-          <a:prstGeom prst="rect">
-            <a:avLst/>
-          </a:prstGeom>
-          <a:solidFill>
-            <a:srgbClr val="0070C0"/>
-          </a:solidFill>
-        </p:spPr>
-        <p:txBody>
-          <a:bodyPr wrap="square" rtlCol="0">
-            <a:spAutoFit/>
-          </a:bodyPr>
-          <a:lstStyle/>
-          <a:p>
-            <a:pPr algn="ctr"/>
-            <a:r>
-              <a:rPr lang="fr-FR" sz="1400" dirty="0">
-                <a:solidFill>
-                  <a:schemeClr val="bg1"/>
-                </a:solidFill>
-              </a:rPr>
-              <a:t>Synthèse Thème 2</a:t>
-            </a:r>
-          </a:p>
-        </p:txBody>
-      </p:sp>
+      </p:cxnSp>
     </p:spTree>
     <p:extLst>
       <p:ext uri="{BB962C8B-B14F-4D97-AF65-F5344CB8AC3E}">
-        <p14:creationId xmlns:p14="http://schemas.microsoft.com/office/powerpoint/2010/main" val="1427447957"/>
+        <p14:creationId xmlns:p14="http://schemas.microsoft.com/office/powerpoint/2010/main" val="634089020"/>
       </p:ext>
     </p:extLst>
   </p:cSld>
@@ -11116,6 +12303,14 @@
 <file path=ppt/slides/slide6.xml><?xml version="1.0" encoding="utf-8"?>
 <p:sld xmlns:a="http://schemas.openxmlformats.org/drawingml/2006/main" xmlns:r="http://schemas.openxmlformats.org/officeDocument/2006/relationships" xmlns:p="http://schemas.openxmlformats.org/presentationml/2006/main">
   <p:cSld>
+    <p:bg>
+      <p:bgPr>
+        <a:solidFill>
+          <a:schemeClr val="bg1"/>
+        </a:solidFill>
+        <a:effectLst/>
+      </p:bgPr>
+    </p:bg>
     <p:spTree>
       <p:nvGrpSpPr>
         <p:cNvPr id="1" name=""/>
@@ -11130,12 +12325,182 @@
           <a:chExt cx="0" cy="0"/>
         </a:xfrm>
       </p:grpSpPr>
+      <p:sp useBgFill="1">
+        <p:nvSpPr>
+          <p:cNvPr id="9" name="Rectangle 8">
+            <a:extLst>
+              <a:ext uri="{FF2B5EF4-FFF2-40B4-BE49-F238E27FC236}">
+                <a16:creationId xmlns:a16="http://schemas.microsoft.com/office/drawing/2014/main" id="{526E0BFB-CDF1-4990-8C11-AC849311E0A8}"/>
+              </a:ext>
+              <a:ext uri="{C183D7F6-B498-43B3-948B-1728B52AA6E4}">
+                <adec:decorative xmlns:adec="http://schemas.microsoft.com/office/drawing/2017/decorative" val="1"/>
+              </a:ext>
+            </a:extLst>
+          </p:cNvPr>
+          <p:cNvSpPr>
+            <a:spLocks noGrp="1" noRot="1" noChangeAspect="1" noMove="1" noResize="1" noEditPoints="1" noAdjustHandles="1" noChangeArrowheads="1" noChangeShapeType="1" noTextEdit="1"/>
+          </p:cNvSpPr>
+          <p:nvPr>
+            <p:extLst>
+              <p:ext uri="{386F3935-93C4-4BCD-93E2-E3B085C9AB24}">
+                <p16:designElem xmlns:p16="http://schemas.microsoft.com/office/powerpoint/2015/main" val="1"/>
+              </p:ext>
+            </p:extLst>
+          </p:nvPr>
+        </p:nvSpPr>
+        <p:spPr>
+          <a:xfrm>
+            <a:off x="0" y="0"/>
+            <a:ext cx="12192000" cy="6858000"/>
+          </a:xfrm>
+          <a:prstGeom prst="rect">
+            <a:avLst/>
+          </a:prstGeom>
+          <a:ln>
+            <a:noFill/>
+          </a:ln>
+        </p:spPr>
+        <p:style>
+          <a:lnRef idx="2">
+            <a:schemeClr val="accent1">
+              <a:shade val="50000"/>
+            </a:schemeClr>
+          </a:lnRef>
+          <a:fillRef idx="1">
+            <a:schemeClr val="accent1"/>
+          </a:fillRef>
+          <a:effectRef idx="0">
+            <a:schemeClr val="accent1"/>
+          </a:effectRef>
+          <a:fontRef idx="minor">
+            <a:schemeClr val="lt1"/>
+          </a:fontRef>
+        </p:style>
+        <p:txBody>
+          <a:bodyPr rtlCol="0" anchor="ctr"/>
+          <a:lstStyle/>
+          <a:p>
+            <a:pPr algn="ctr"/>
+            <a:endParaRPr lang="en-US"/>
+          </a:p>
+        </p:txBody>
+      </p:sp>
+      <p:pic>
+        <p:nvPicPr>
+          <p:cNvPr id="4" name="Picture 3">
+            <a:extLst>
+              <a:ext uri="{FF2B5EF4-FFF2-40B4-BE49-F238E27FC236}">
+                <a16:creationId xmlns:a16="http://schemas.microsoft.com/office/drawing/2014/main" id="{4C72F330-992B-B125-739B-F8303ED3A097}"/>
+              </a:ext>
+            </a:extLst>
+          </p:cNvPr>
+          <p:cNvPicPr>
+            <a:picLocks noChangeAspect="1"/>
+          </p:cNvPicPr>
+          <p:nvPr/>
+        </p:nvPicPr>
+        <p:blipFill rotWithShape="1">
+          <a:blip r:embed="rId2"/>
+          <a:srcRect t="11669" r="-1" b="426"/>
+          <a:stretch/>
+        </p:blipFill>
+        <p:spPr>
+          <a:xfrm>
+            <a:off x="-2" y="10"/>
+            <a:ext cx="8668512" cy="6857990"/>
+          </a:xfrm>
+          <a:prstGeom prst="rect">
+            <a:avLst/>
+          </a:prstGeom>
+        </p:spPr>
+      </p:pic>
+      <p:sp>
+        <p:nvSpPr>
+          <p:cNvPr id="11" name="Rectangle 10">
+            <a:extLst>
+              <a:ext uri="{FF2B5EF4-FFF2-40B4-BE49-F238E27FC236}">
+                <a16:creationId xmlns:a16="http://schemas.microsoft.com/office/drawing/2014/main" id="{6069A1F8-9BEB-4786-9694-FC48B2D75D21}"/>
+              </a:ext>
+              <a:ext uri="{C183D7F6-B498-43B3-948B-1728B52AA6E4}">
+                <adec:decorative xmlns:adec="http://schemas.microsoft.com/office/drawing/2017/decorative" val="1"/>
+              </a:ext>
+            </a:extLst>
+          </p:cNvPr>
+          <p:cNvSpPr>
+            <a:spLocks noGrp="1" noRot="1" noChangeAspect="1" noMove="1" noResize="1" noEditPoints="1" noAdjustHandles="1" noChangeArrowheads="1" noChangeShapeType="1" noTextEdit="1"/>
+          </p:cNvSpPr>
+          <p:nvPr>
+            <p:extLst>
+              <p:ext uri="{386F3935-93C4-4BCD-93E2-E3B085C9AB24}">
+                <p16:designElem xmlns:p16="http://schemas.microsoft.com/office/powerpoint/2015/main" val="1"/>
+              </p:ext>
+            </p:extLst>
+          </p:nvPr>
+        </p:nvSpPr>
+        <p:spPr>
+          <a:xfrm flipH="1">
+            <a:off x="2788244" y="0"/>
+            <a:ext cx="9403756" cy="6858000"/>
+          </a:xfrm>
+          <a:prstGeom prst="rect">
+            <a:avLst/>
+          </a:prstGeom>
+          <a:gradFill>
+            <a:gsLst>
+              <a:gs pos="58000">
+                <a:schemeClr val="bg1"/>
+              </a:gs>
+              <a:gs pos="30000">
+                <a:schemeClr val="bg1">
+                  <a:alpha val="64000"/>
+                </a:schemeClr>
+              </a:gs>
+              <a:gs pos="0">
+                <a:schemeClr val="bg1">
+                  <a:alpha val="0"/>
+                </a:schemeClr>
+              </a:gs>
+              <a:gs pos="100000">
+                <a:schemeClr val="bg1"/>
+              </a:gs>
+            </a:gsLst>
+            <a:lin ang="10800000" scaled="0"/>
+          </a:gradFill>
+          <a:ln>
+            <a:noFill/>
+          </a:ln>
+        </p:spPr>
+        <p:style>
+          <a:lnRef idx="2">
+            <a:schemeClr val="accent1">
+              <a:shade val="50000"/>
+            </a:schemeClr>
+          </a:lnRef>
+          <a:fillRef idx="1">
+            <a:schemeClr val="accent1"/>
+          </a:fillRef>
+          <a:effectRef idx="0">
+            <a:schemeClr val="accent1"/>
+          </a:effectRef>
+          <a:fontRef idx="minor">
+            <a:schemeClr val="lt1"/>
+          </a:fontRef>
+        </p:style>
+        <p:txBody>
+          <a:bodyPr rtlCol="0" anchor="ctr"/>
+          <a:lstStyle/>
+          <a:p>
+            <a:pPr algn="ctr"/>
+            <a:endParaRPr lang="en-US" dirty="0"/>
+          </a:p>
+        </p:txBody>
+      </p:sp>
       <p:sp>
         <p:nvSpPr>
           <p:cNvPr id="2" name="Titre 1">
             <a:extLst>
               <a:ext uri="{FF2B5EF4-FFF2-40B4-BE49-F238E27FC236}">
-                <a16:creationId xmlns:a16="http://schemas.microsoft.com/office/drawing/2014/main" id="{90162AE8-C1B0-5C56-8313-DEE494F38273}"/>
+                <a16:creationId xmlns:a16="http://schemas.microsoft.com/office/drawing/2014/main" id="{CF8D1EB8-F6E7-EB54-1CC8-28472070B9FC}"/>
               </a:ext>
             </a:extLst>
           </p:cNvPr>
@@ -11143,31 +12508,281 @@
             <a:spLocks noGrp="1"/>
           </p:cNvSpPr>
           <p:nvPr>
-            <p:ph type="title"/>
+            <p:ph type="ctrTitle"/>
           </p:nvPr>
         </p:nvSpPr>
-        <p:spPr/>
-        <p:txBody>
-          <a:bodyPr/>
-          <a:lstStyle/>
-          <a:p>
-            <a:r>
-              <a:rPr lang="fr-FR" dirty="0" err="1"/>
-              <a:t>CéTI</a:t>
-            </a:r>
-            <a:r>
-              <a:rPr lang="fr-FR" dirty="0"/>
-              <a:t> / TP / Déroulement</a:t>
-            </a:r>
+        <p:spPr>
+          <a:xfrm>
+            <a:off x="7848600" y="1122363"/>
+            <a:ext cx="4023360" cy="3204134"/>
+          </a:xfrm>
+        </p:spPr>
+        <p:txBody>
+          <a:bodyPr anchor="b">
+            <a:normAutofit/>
+          </a:bodyPr>
+          <a:lstStyle/>
+          <a:p>
+            <a:r>
+              <a:rPr lang="fr-FR" sz="4800" dirty="0" err="1">
+                <a:latin typeface="Bahnschrift SemiBold" panose="020B0502040204020203" pitchFamily="34" charset="0"/>
+              </a:rPr>
+              <a:t>CeTI</a:t>
+            </a:r>
+            <a:r>
+              <a:rPr lang="fr-FR" sz="4800" dirty="0">
+                <a:latin typeface="Bahnschrift SemiBold" panose="020B0502040204020203" pitchFamily="34" charset="0"/>
+              </a:rPr>
+              <a:t> / TP</a:t>
+            </a:r>
+          </a:p>
+        </p:txBody>
+      </p:sp>
+      <p:sp>
+        <p:nvSpPr>
+          <p:cNvPr id="3" name="Sous-titre 2">
+            <a:extLst>
+              <a:ext uri="{FF2B5EF4-FFF2-40B4-BE49-F238E27FC236}">
+                <a16:creationId xmlns:a16="http://schemas.microsoft.com/office/drawing/2014/main" id="{BDFEFAEF-AB6A-BE8F-01E7-845FB609FA07}"/>
+              </a:ext>
+            </a:extLst>
+          </p:cNvPr>
+          <p:cNvSpPr>
+            <a:spLocks noGrp="1"/>
+          </p:cNvSpPr>
+          <p:nvPr>
+            <p:ph type="subTitle" idx="1"/>
+          </p:nvPr>
+        </p:nvSpPr>
+        <p:spPr>
+          <a:xfrm>
+            <a:off x="7848600" y="4872922"/>
+            <a:ext cx="4023360" cy="1208141"/>
+          </a:xfrm>
+        </p:spPr>
+        <p:txBody>
+          <a:bodyPr>
+            <a:normAutofit/>
+          </a:bodyPr>
+          <a:lstStyle/>
+          <a:p>
+            <a:r>
+              <a:rPr lang="fr-FR" sz="2000" dirty="0" err="1">
+                <a:latin typeface="Bahnschrift Light" panose="020B0502040204020203" pitchFamily="34" charset="0"/>
+              </a:rPr>
+              <a:t>CeTI</a:t>
+            </a:r>
+            <a:r>
+              <a:rPr lang="fr-FR" sz="2000" dirty="0">
+                <a:latin typeface="Bahnschrift Light" panose="020B0502040204020203" pitchFamily="34" charset="0"/>
+              </a:rPr>
+              <a:t> / Semestre 5 / </a:t>
+            </a:r>
+            <a:br>
+              <a:rPr lang="fr-FR" sz="2000" dirty="0">
+                <a:latin typeface="Bahnschrift Light" panose="020B0502040204020203" pitchFamily="34" charset="0"/>
+              </a:rPr>
+            </a:br>
+            <a:r>
+              <a:rPr lang="fr-FR" sz="2000" dirty="0">
+                <a:latin typeface="Bahnschrift Light" panose="020B0502040204020203" pitchFamily="34" charset="0"/>
+              </a:rPr>
+              <a:t>Institut d’Optique / B0_0</a:t>
+            </a:r>
+          </a:p>
+        </p:txBody>
+      </p:sp>
+      <p:sp>
+        <p:nvSpPr>
+          <p:cNvPr id="32" name="Rectangle 12">
+            <a:extLst>
+              <a:ext uri="{FF2B5EF4-FFF2-40B4-BE49-F238E27FC236}">
+                <a16:creationId xmlns:a16="http://schemas.microsoft.com/office/drawing/2014/main" id="{AF2F604E-43BE-4DC3-B983-E071523364F8}"/>
+              </a:ext>
+              <a:ext uri="{C183D7F6-B498-43B3-948B-1728B52AA6E4}">
+                <adec:decorative xmlns:adec="http://schemas.microsoft.com/office/drawing/2017/decorative" val="1"/>
+              </a:ext>
+            </a:extLst>
+          </p:cNvPr>
+          <p:cNvSpPr>
+            <a:spLocks noGrp="1" noRot="1" noChangeAspect="1" noMove="1" noResize="1" noEditPoints="1" noAdjustHandles="1" noChangeArrowheads="1" noChangeShapeType="1" noTextEdit="1"/>
+          </p:cNvSpPr>
+          <p:nvPr>
+            <p:extLst>
+              <p:ext uri="{386F3935-93C4-4BCD-93E2-E3B085C9AB24}">
+                <p16:designElem xmlns:p16="http://schemas.microsoft.com/office/powerpoint/2015/main" val="1"/>
+              </p:ext>
+            </p:extLst>
+          </p:nvPr>
+        </p:nvSpPr>
+        <p:spPr>
+          <a:xfrm rot="5400000">
+            <a:off x="8130540" y="346791"/>
+            <a:ext cx="146304" cy="704088"/>
+          </a:xfrm>
+          <a:prstGeom prst="rect">
+            <a:avLst/>
+          </a:prstGeom>
+          <a:solidFill>
+            <a:schemeClr val="accent1"/>
+          </a:solidFill>
+          <a:ln>
+            <a:noFill/>
+          </a:ln>
+        </p:spPr>
+        <p:style>
+          <a:lnRef idx="2">
+            <a:schemeClr val="accent1">
+              <a:shade val="50000"/>
+            </a:schemeClr>
+          </a:lnRef>
+          <a:fillRef idx="1">
+            <a:schemeClr val="accent1"/>
+          </a:fillRef>
+          <a:effectRef idx="0">
+            <a:schemeClr val="accent1"/>
+          </a:effectRef>
+          <a:fontRef idx="minor">
+            <a:schemeClr val="lt1"/>
+          </a:fontRef>
+        </p:style>
+        <p:txBody>
+          <a:bodyPr rtlCol="0" anchor="ctr"/>
+          <a:lstStyle/>
+          <a:p>
+            <a:pPr marL="0" marR="0" lvl="0" indent="0" algn="ctr" defTabSz="914400" rtl="0" eaLnBrk="1" fontAlgn="auto" latinLnBrk="0" hangingPunct="1">
+              <a:lnSpc>
+                <a:spcPct val="100000"/>
+              </a:lnSpc>
+              <a:spcBef>
+                <a:spcPts val="0"/>
+              </a:spcBef>
+              <a:spcAft>
+                <a:spcPts val="0"/>
+              </a:spcAft>
+              <a:buClrTx/>
+              <a:buSzTx/>
+              <a:buFontTx/>
+              <a:buNone/>
+              <a:tabLst/>
+              <a:defRPr/>
+            </a:pPr>
+            <a:endParaRPr kumimoji="0" lang="en-US" sz="1800" b="0" i="0" u="none" strike="noStrike" kern="1200" cap="none" spc="0" normalizeH="0" baseline="0" noProof="0">
+              <a:ln>
+                <a:noFill/>
+              </a:ln>
+              <a:solidFill>
+                <a:prstClr val="white"/>
+              </a:solidFill>
+              <a:effectLst/>
+              <a:uLnTx/>
+              <a:uFillTx/>
+              <a:latin typeface="Calibri" panose="020F0502020204030204"/>
+              <a:ea typeface="+mn-ea"/>
+              <a:cs typeface="+mn-cs"/>
+            </a:endParaRPr>
+          </a:p>
+        </p:txBody>
+      </p:sp>
+      <p:sp>
+        <p:nvSpPr>
+          <p:cNvPr id="33" name="Rectangle 14">
+            <a:extLst>
+              <a:ext uri="{FF2B5EF4-FFF2-40B4-BE49-F238E27FC236}">
+                <a16:creationId xmlns:a16="http://schemas.microsoft.com/office/drawing/2014/main" id="{08C9B587-E65E-4B52-B37C-ABEBB6E87928}"/>
+              </a:ext>
+              <a:ext uri="{C183D7F6-B498-43B3-948B-1728B52AA6E4}">
+                <adec:decorative xmlns:adec="http://schemas.microsoft.com/office/drawing/2017/decorative" val="1"/>
+              </a:ext>
+            </a:extLst>
+          </p:cNvPr>
+          <p:cNvSpPr>
+            <a:spLocks noGrp="1" noRot="1" noChangeAspect="1" noMove="1" noResize="1" noEditPoints="1" noAdjustHandles="1" noChangeArrowheads="1" noChangeShapeType="1" noTextEdit="1"/>
+          </p:cNvSpPr>
+          <p:nvPr>
+            <p:extLst>
+              <p:ext uri="{386F3935-93C4-4BCD-93E2-E3B085C9AB24}">
+                <p16:designElem xmlns:p16="http://schemas.microsoft.com/office/powerpoint/2015/main" val="1"/>
+              </p:ext>
+            </p:extLst>
+          </p:nvPr>
+        </p:nvSpPr>
+        <p:spPr>
+          <a:xfrm>
+            <a:off x="7851648" y="4546920"/>
+            <a:ext cx="4023360" cy="18288"/>
+          </a:xfrm>
+          <a:prstGeom prst="rect">
+            <a:avLst/>
+          </a:prstGeom>
+          <a:solidFill>
+            <a:schemeClr val="tx1"/>
+          </a:solidFill>
+          <a:ln w="3175">
+            <a:noFill/>
+          </a:ln>
+          <a:effectLst/>
+        </p:spPr>
+        <p:style>
+          <a:lnRef idx="2">
+            <a:schemeClr val="accent1">
+              <a:shade val="50000"/>
+            </a:schemeClr>
+          </a:lnRef>
+          <a:fillRef idx="1">
+            <a:schemeClr val="accent1"/>
+          </a:fillRef>
+          <a:effectRef idx="0">
+            <a:schemeClr val="accent1"/>
+          </a:effectRef>
+          <a:fontRef idx="minor">
+            <a:schemeClr val="lt1"/>
+          </a:fontRef>
+        </p:style>
+        <p:txBody>
+          <a:bodyPr rtlCol="0" anchor="ctr"/>
+          <a:lstStyle/>
+          <a:p>
+            <a:pPr marL="0" marR="0" lvl="0" indent="0" algn="ctr" defTabSz="914400" rtl="0" eaLnBrk="1" fontAlgn="auto" latinLnBrk="0" hangingPunct="1">
+              <a:lnSpc>
+                <a:spcPct val="100000"/>
+              </a:lnSpc>
+              <a:spcBef>
+                <a:spcPts val="0"/>
+              </a:spcBef>
+              <a:spcAft>
+                <a:spcPts val="0"/>
+              </a:spcAft>
+              <a:buClrTx/>
+              <a:buSzTx/>
+              <a:buFontTx/>
+              <a:buNone/>
+              <a:tabLst/>
+              <a:defRPr/>
+            </a:pPr>
+            <a:endParaRPr kumimoji="0" lang="en-US" sz="1800" b="0" i="0" u="none" strike="noStrike" kern="1200" cap="none" spc="0" normalizeH="0" baseline="0" noProof="0">
+              <a:ln>
+                <a:noFill/>
+              </a:ln>
+              <a:solidFill>
+                <a:prstClr val="white"/>
+              </a:solidFill>
+              <a:effectLst/>
+              <a:uLnTx/>
+              <a:uFillTx/>
+              <a:latin typeface="Calibri" panose="020F0502020204030204"/>
+              <a:ea typeface="+mn-ea"/>
+              <a:cs typeface="+mn-cs"/>
+            </a:endParaRPr>
           </a:p>
         </p:txBody>
       </p:sp>
       <p:pic>
         <p:nvPicPr>
-          <p:cNvPr id="5" name="Image 4" descr="Une image contenant texte&#10;&#10;Description générée automatiquement">
-            <a:extLst>
-              <a:ext uri="{FF2B5EF4-FFF2-40B4-BE49-F238E27FC236}">
-                <a16:creationId xmlns:a16="http://schemas.microsoft.com/office/drawing/2014/main" id="{204ADC40-1D61-539F-22ED-6B21D67FBDE6}"/>
+          <p:cNvPr id="6" name="Image 5" descr="Une image contenant texte&#10;&#10;Description générée automatiquement">
+            <a:extLst>
+              <a:ext uri="{FF2B5EF4-FFF2-40B4-BE49-F238E27FC236}">
+                <a16:creationId xmlns:a16="http://schemas.microsoft.com/office/drawing/2014/main" id="{3D75D9F9-6192-EA6A-A7C9-F09C6FC342AD}"/>
               </a:ext>
             </a:extLst>
           </p:cNvPr>
@@ -11177,7 +12792,7 @@
           <p:nvPr/>
         </p:nvPicPr>
         <p:blipFill>
-          <a:blip r:embed="rId2" cstate="print">
+          <a:blip r:embed="rId3">
             <a:extLst>
               <a:ext uri="{28A0092B-C50C-407E-A947-70E740481C1C}">
                 <a14:useLocalDpi xmlns:a14="http://schemas.microsoft.com/office/drawing/2010/main" val="0"/>
@@ -11190,189 +12805,23 @@
         </p:blipFill>
         <p:spPr>
           <a:xfrm>
-            <a:off x="202922" y="5934456"/>
-            <a:ext cx="1825291" cy="749808"/>
+            <a:off x="168033" y="195172"/>
+            <a:ext cx="2452178" cy="1007326"/>
           </a:xfrm>
           <a:prstGeom prst="rect">
             <a:avLst/>
           </a:prstGeom>
         </p:spPr>
       </p:pic>
-      <p:pic>
-        <p:nvPicPr>
-          <p:cNvPr id="6" name="Image 5">
-            <a:extLst>
-              <a:ext uri="{FF2B5EF4-FFF2-40B4-BE49-F238E27FC236}">
-                <a16:creationId xmlns:a16="http://schemas.microsoft.com/office/drawing/2014/main" id="{C785231C-CAA7-29BE-C29B-8254BE697AE1}"/>
-              </a:ext>
-            </a:extLst>
-          </p:cNvPr>
-          <p:cNvPicPr>
-            <a:picLocks noChangeAspect="1"/>
-          </p:cNvPicPr>
-          <p:nvPr/>
-        </p:nvPicPr>
-        <p:blipFill>
-          <a:blip r:embed="rId3"/>
-          <a:stretch>
-            <a:fillRect/>
-          </a:stretch>
-        </p:blipFill>
-        <p:spPr>
-          <a:xfrm>
-            <a:off x="6096000" y="2440602"/>
-            <a:ext cx="5639540" cy="3520434"/>
-          </a:xfrm>
-          <a:prstGeom prst="rect">
-            <a:avLst/>
-          </a:prstGeom>
-        </p:spPr>
-      </p:pic>
-      <p:sp>
-        <p:nvSpPr>
-          <p:cNvPr id="3" name="CustomShape 3">
-            <a:extLst>
-              <a:ext uri="{FF2B5EF4-FFF2-40B4-BE49-F238E27FC236}">
-                <a16:creationId xmlns:a16="http://schemas.microsoft.com/office/drawing/2014/main" id="{D0B66582-DD89-E125-987B-BF9482C13816}"/>
-              </a:ext>
-            </a:extLst>
-          </p:cNvPr>
-          <p:cNvSpPr/>
-          <p:nvPr/>
-        </p:nvSpPr>
-        <p:spPr>
-          <a:xfrm>
-            <a:off x="1115567" y="2440602"/>
-            <a:ext cx="4685465" cy="492443"/>
-          </a:xfrm>
-          <a:prstGeom prst="rect">
-            <a:avLst/>
-          </a:prstGeom>
-          <a:solidFill>
-            <a:srgbClr val="00B0F0"/>
-          </a:solidFill>
-          <a:ln w="0">
-            <a:noFill/>
-          </a:ln>
-        </p:spPr>
-        <p:style>
-          <a:lnRef idx="0">
-            <a:scrgbClr r="0" g="0" b="0"/>
-          </a:lnRef>
-          <a:fillRef idx="0">
-            <a:scrgbClr r="0" g="0" b="0"/>
-          </a:fillRef>
-          <a:effectRef idx="0">
-            <a:scrgbClr r="0" g="0" b="0"/>
-          </a:effectRef>
-          <a:fontRef idx="minor"/>
-        </p:style>
-        <p:txBody>
-          <a:bodyPr wrap="square" tIns="91440" bIns="91440">
-            <a:spAutoFit/>
-          </a:bodyPr>
-          <a:lstStyle/>
-          <a:p>
-            <a:pPr algn="ctr">
-              <a:lnSpc>
-                <a:spcPct val="100000"/>
-              </a:lnSpc>
-              <a:tabLst>
-                <a:tab pos="0" algn="l"/>
-              </a:tabLst>
-            </a:pPr>
-            <a:r>
-              <a:rPr lang="fr-FR" sz="2000" b="1" strike="noStrike" spc="-1" dirty="0">
-                <a:solidFill>
-                  <a:schemeClr val="bg1"/>
-                </a:solidFill>
-                <a:latin typeface="Trebuchet MS"/>
-                <a:ea typeface="Trebuchet MS"/>
-              </a:rPr>
-              <a:t>Déroulement</a:t>
-            </a:r>
-            <a:endParaRPr lang="fr-FR" sz="2000" b="0" strike="noStrike" spc="-1" dirty="0">
-              <a:solidFill>
-                <a:schemeClr val="bg1"/>
-              </a:solidFill>
-              <a:latin typeface="Arial"/>
-            </a:endParaRPr>
-          </a:p>
-        </p:txBody>
-      </p:sp>
-      <p:sp>
-        <p:nvSpPr>
-          <p:cNvPr id="4" name="Espace réservé du contenu 2">
-            <a:extLst>
-              <a:ext uri="{FF2B5EF4-FFF2-40B4-BE49-F238E27FC236}">
-                <a16:creationId xmlns:a16="http://schemas.microsoft.com/office/drawing/2014/main" id="{1F8D6EF3-7C57-CB24-A956-E894E5DB98E8}"/>
-              </a:ext>
-            </a:extLst>
-          </p:cNvPr>
-          <p:cNvSpPr>
-            <a:spLocks noGrp="1"/>
-          </p:cNvSpPr>
-          <p:nvPr>
-            <p:ph sz="half" idx="1"/>
-          </p:nvPr>
-        </p:nvSpPr>
-        <p:spPr>
-          <a:xfrm>
-            <a:off x="1108263" y="3050362"/>
-            <a:ext cx="4685466" cy="3694176"/>
-          </a:xfrm>
-        </p:spPr>
-        <p:txBody>
-          <a:bodyPr>
-            <a:normAutofit/>
-          </a:bodyPr>
-          <a:lstStyle/>
-          <a:p>
-            <a:r>
-              <a:rPr lang="fr-FR" sz="2000" b="1" dirty="0"/>
-              <a:t>Durant la séance</a:t>
-            </a:r>
-          </a:p>
-          <a:p>
-            <a:pPr lvl="1"/>
-            <a:r>
-              <a:rPr lang="fr-FR" sz="1800" b="1" dirty="0"/>
-              <a:t>En binôme</a:t>
-            </a:r>
-          </a:p>
-          <a:p>
-            <a:pPr lvl="1"/>
-            <a:r>
-              <a:rPr lang="fr-FR" sz="1800" dirty="0"/>
-              <a:t>Prise de </a:t>
-            </a:r>
-            <a:r>
-              <a:rPr lang="fr-FR" sz="1800" b="1" dirty="0"/>
-              <a:t>notes numériques </a:t>
-            </a:r>
-            <a:r>
-              <a:rPr lang="fr-FR" sz="1800" dirty="0"/>
-              <a:t>(outils partagés : Drive, Notion…)</a:t>
-            </a:r>
-          </a:p>
-          <a:p>
-            <a:pPr lvl="1"/>
-            <a:r>
-              <a:rPr lang="fr-FR" sz="1800" dirty="0"/>
-              <a:t>Sujet sous forme de mission</a:t>
-            </a:r>
-          </a:p>
-        </p:txBody>
-      </p:sp>
     </p:spTree>
     <p:extLst>
       <p:ext uri="{BB962C8B-B14F-4D97-AF65-F5344CB8AC3E}">
-        <p14:creationId xmlns:p14="http://schemas.microsoft.com/office/powerpoint/2010/main" val="2027090039"/>
+        <p14:creationId xmlns:p14="http://schemas.microsoft.com/office/powerpoint/2010/main" val="3375882831"/>
       </p:ext>
     </p:extLst>
   </p:cSld>
   <p:clrMapOvr>
-    <a:masterClrMapping/>
+    <a:overrideClrMapping bg1="dk1" tx1="lt1" bg2="dk2" tx2="lt2" accent1="accent1" accent2="accent2" accent3="accent3" accent4="accent4" accent5="accent5" accent6="accent6" hlink="hlink" folHlink="folHlink"/>
   </p:clrMapOvr>
 </p:sld>
 </file>
@@ -11396,266 +12845,6 @@
       </p:grpSpPr>
       <p:sp>
         <p:nvSpPr>
-          <p:cNvPr id="11" name="ZoneTexte 10">
-            <a:extLst>
-              <a:ext uri="{FF2B5EF4-FFF2-40B4-BE49-F238E27FC236}">
-                <a16:creationId xmlns:a16="http://schemas.microsoft.com/office/drawing/2014/main" id="{E27666BA-22B6-E4C4-2959-6BC3211A97E5}"/>
-              </a:ext>
-            </a:extLst>
-          </p:cNvPr>
-          <p:cNvSpPr txBox="1"/>
-          <p:nvPr/>
-        </p:nvSpPr>
-        <p:spPr>
-          <a:xfrm>
-            <a:off x="6096000" y="2159949"/>
-            <a:ext cx="5599078" cy="4247317"/>
-          </a:xfrm>
-          <a:prstGeom prst="rect">
-            <a:avLst/>
-          </a:prstGeom>
-          <a:noFill/>
-        </p:spPr>
-        <p:txBody>
-          <a:bodyPr wrap="square">
-            <a:spAutoFit/>
-          </a:bodyPr>
-          <a:lstStyle/>
-          <a:p>
-            <a:pPr algn="just" fontAlgn="base"/>
-            <a:r>
-              <a:rPr lang="fr-FR" b="0" i="0" dirty="0">
-                <a:solidFill>
-                  <a:srgbClr val="666666"/>
-                </a:solidFill>
-                <a:effectLst/>
-                <a:latin typeface="Lato" panose="020F0502020204030203" pitchFamily="34" charset="0"/>
-              </a:rPr>
-              <a:t>	</a:t>
-            </a:r>
-            <a:r>
-              <a:rPr lang="fr-FR" b="0" i="0" dirty="0" err="1">
-                <a:solidFill>
-                  <a:srgbClr val="666666"/>
-                </a:solidFill>
-                <a:effectLst/>
-                <a:latin typeface="Lato" panose="020F0502020204030203" pitchFamily="34" charset="0"/>
-              </a:rPr>
-              <a:t>Un.e</a:t>
-            </a:r>
-            <a:r>
-              <a:rPr lang="fr-FR" b="0" i="0" dirty="0">
-                <a:solidFill>
-                  <a:srgbClr val="666666"/>
-                </a:solidFill>
-                <a:effectLst/>
-                <a:latin typeface="Lato" panose="020F0502020204030203" pitchFamily="34" charset="0"/>
-              </a:rPr>
-              <a:t> artiste souhaite développer une </a:t>
-            </a:r>
-            <a:r>
-              <a:rPr lang="fr-FR" b="1" i="0" dirty="0">
-                <a:solidFill>
-                  <a:srgbClr val="666666"/>
-                </a:solidFill>
-                <a:effectLst/>
-                <a:latin typeface="inherit"/>
-              </a:rPr>
-              <a:t>œuvre dont l’éclairage</a:t>
-            </a:r>
-            <a:r>
-              <a:rPr lang="fr-FR" b="0" i="0" dirty="0">
-                <a:solidFill>
-                  <a:srgbClr val="666666"/>
-                </a:solidFill>
-                <a:effectLst/>
-                <a:latin typeface="Lato" panose="020F0502020204030203" pitchFamily="34" charset="0"/>
-              </a:rPr>
-              <a:t>, à LED, </a:t>
-            </a:r>
-            <a:r>
-              <a:rPr lang="fr-FR" b="1" i="0" dirty="0">
-                <a:solidFill>
-                  <a:srgbClr val="666666"/>
-                </a:solidFill>
-                <a:effectLst/>
-                <a:latin typeface="inherit"/>
-              </a:rPr>
-              <a:t>varie en fonction du volume sonore ambiant</a:t>
-            </a:r>
-            <a:r>
-              <a:rPr lang="fr-FR" b="0" i="0" dirty="0">
-                <a:solidFill>
-                  <a:srgbClr val="666666"/>
-                </a:solidFill>
-                <a:effectLst/>
-                <a:latin typeface="Lato" panose="020F0502020204030203" pitchFamily="34" charset="0"/>
-              </a:rPr>
-              <a:t> (principalement le son produit par les voix des visiteurs).</a:t>
-            </a:r>
-          </a:p>
-          <a:p>
-            <a:pPr algn="just" fontAlgn="base"/>
-            <a:r>
-              <a:rPr lang="fr-FR" b="0" i="0" dirty="0">
-                <a:solidFill>
-                  <a:srgbClr val="666666"/>
-                </a:solidFill>
-                <a:effectLst/>
-                <a:latin typeface="Lato" panose="020F0502020204030203" pitchFamily="34" charset="0"/>
-              </a:rPr>
-              <a:t>	</a:t>
-            </a:r>
-            <a:r>
-              <a:rPr lang="fr-FR" b="0" i="0" dirty="0" err="1">
-                <a:solidFill>
-                  <a:srgbClr val="666666"/>
-                </a:solidFill>
-                <a:effectLst/>
-                <a:latin typeface="Lato" panose="020F0502020204030203" pitchFamily="34" charset="0"/>
-              </a:rPr>
-              <a:t>Il.elle</a:t>
-            </a:r>
-            <a:r>
-              <a:rPr lang="fr-FR" b="0" i="0" dirty="0">
-                <a:solidFill>
-                  <a:srgbClr val="666666"/>
-                </a:solidFill>
-                <a:effectLst/>
-                <a:latin typeface="Lato" panose="020F0502020204030203" pitchFamily="34" charset="0"/>
-              </a:rPr>
-              <a:t> a pour cela l’intention de réaliser un premier prototype basé sur une </a:t>
-            </a:r>
-            <a:r>
-              <a:rPr lang="fr-FR" b="1" i="0" dirty="0">
-                <a:solidFill>
-                  <a:srgbClr val="666666"/>
-                </a:solidFill>
-                <a:effectLst/>
-                <a:latin typeface="inherit"/>
-              </a:rPr>
-              <a:t>carte Nucléo</a:t>
-            </a:r>
-            <a:r>
-              <a:rPr lang="fr-FR" b="0" i="0" dirty="0">
-                <a:solidFill>
-                  <a:srgbClr val="666666"/>
-                </a:solidFill>
-                <a:effectLst/>
-                <a:latin typeface="Lato" panose="020F0502020204030203" pitchFamily="34" charset="0"/>
-              </a:rPr>
-              <a:t>, </a:t>
-            </a:r>
-            <a:r>
-              <a:rPr lang="fr-FR" b="1" i="0" dirty="0">
-                <a:solidFill>
-                  <a:srgbClr val="666666"/>
-                </a:solidFill>
-                <a:effectLst/>
-                <a:latin typeface="inherit"/>
-              </a:rPr>
-              <a:t>quelques </a:t>
-            </a:r>
-            <a:r>
-              <a:rPr lang="fr-FR" b="1" i="0" dirty="0" err="1">
-                <a:solidFill>
-                  <a:srgbClr val="666666"/>
-                </a:solidFill>
-                <a:effectLst/>
-                <a:latin typeface="inherit"/>
-              </a:rPr>
-              <a:t>LEDs</a:t>
-            </a:r>
-            <a:r>
-              <a:rPr lang="fr-FR" b="0" i="0" dirty="0">
-                <a:solidFill>
-                  <a:srgbClr val="666666"/>
-                </a:solidFill>
-                <a:effectLst/>
-                <a:latin typeface="Lato" panose="020F0502020204030203" pitchFamily="34" charset="0"/>
-              </a:rPr>
-              <a:t> de type </a:t>
-            </a:r>
-            <a:r>
-              <a:rPr lang="fr-FR" b="0" i="0" u="none" strike="noStrike" dirty="0" err="1">
-                <a:solidFill>
-                  <a:srgbClr val="FF960A"/>
-                </a:solidFill>
-                <a:effectLst/>
-                <a:latin typeface="inherit"/>
-                <a:hlinkClick r:id="rId2"/>
-              </a:rPr>
-              <a:t>Kingbright</a:t>
-            </a:r>
-            <a:r>
-              <a:rPr lang="fr-FR" b="0" i="0" u="none" strike="noStrike" dirty="0">
-                <a:solidFill>
-                  <a:srgbClr val="FF960A"/>
-                </a:solidFill>
-                <a:effectLst/>
-                <a:latin typeface="inherit"/>
-                <a:hlinkClick r:id="rId2"/>
-              </a:rPr>
-              <a:t> L-53ND</a:t>
-            </a:r>
-            <a:r>
-              <a:rPr lang="fr-FR" b="0" i="0" dirty="0">
-                <a:solidFill>
-                  <a:srgbClr val="666666"/>
-                </a:solidFill>
-                <a:effectLst/>
-                <a:latin typeface="Lato" panose="020F0502020204030203" pitchFamily="34" charset="0"/>
-              </a:rPr>
-              <a:t> . Il a également déjà récupéré un </a:t>
-            </a:r>
-            <a:r>
-              <a:rPr lang="fr-FR" b="1" i="0" dirty="0">
-                <a:solidFill>
-                  <a:srgbClr val="666666"/>
-                </a:solidFill>
-                <a:effectLst/>
-                <a:latin typeface="inherit"/>
-              </a:rPr>
-              <a:t>micro </a:t>
-            </a:r>
-            <a:r>
-              <a:rPr lang="fr-FR" b="1" i="0" dirty="0" err="1">
-                <a:solidFill>
-                  <a:srgbClr val="666666"/>
-                </a:solidFill>
-                <a:effectLst/>
-                <a:latin typeface="inherit"/>
-              </a:rPr>
-              <a:t>pré-amplifié</a:t>
-            </a:r>
-            <a:r>
-              <a:rPr lang="fr-FR" b="0" i="0" dirty="0">
-                <a:solidFill>
-                  <a:srgbClr val="666666"/>
-                </a:solidFill>
-                <a:effectLst/>
-                <a:latin typeface="Lato" panose="020F0502020204030203" pitchFamily="34" charset="0"/>
-              </a:rPr>
-              <a:t> lui fournissant un signal analogique dont la tension est comprise entre 0 et 10V (pour rappel, la voix a des fréquences comprises entre 200 et 3000 Hz).</a:t>
-            </a:r>
-          </a:p>
-          <a:p>
-            <a:pPr algn="just" fontAlgn="base"/>
-            <a:r>
-              <a:rPr lang="fr-FR" b="0" i="0" dirty="0">
-                <a:solidFill>
-                  <a:srgbClr val="666666"/>
-                </a:solidFill>
-                <a:effectLst/>
-                <a:latin typeface="Lato" panose="020F0502020204030203" pitchFamily="34" charset="0"/>
-              </a:rPr>
-              <a:t>	En tant qu’expert-conseil en électronique, indiquez-lui la marche à suivre pour réaliser ce prototype dans le cadre d’une application embarquée. </a:t>
-            </a:r>
-          </a:p>
-        </p:txBody>
-      </p:sp>
-      <p:sp>
-        <p:nvSpPr>
           <p:cNvPr id="2" name="Titre 1">
             <a:extLst>
               <a:ext uri="{FF2B5EF4-FFF2-40B4-BE49-F238E27FC236}">
@@ -11701,7 +12890,7 @@
           <p:nvPr/>
         </p:nvPicPr>
         <p:blipFill>
-          <a:blip r:embed="rId3" cstate="print">
+          <a:blip r:embed="rId2" cstate="print">
             <a:extLst>
               <a:ext uri="{28A0092B-C50C-407E-A947-70E740481C1C}">
                 <a14:useLocalDpi xmlns:a14="http://schemas.microsoft.com/office/drawing/2010/main" val="0"/>
@@ -11724,10 +12913,10 @@
       </p:pic>
       <p:sp>
         <p:nvSpPr>
-          <p:cNvPr id="3" name="CustomShape 3">
-            <a:extLst>
-              <a:ext uri="{FF2B5EF4-FFF2-40B4-BE49-F238E27FC236}">
-                <a16:creationId xmlns:a16="http://schemas.microsoft.com/office/drawing/2014/main" id="{D0B66582-DD89-E125-987B-BF9482C13816}"/>
+          <p:cNvPr id="18" name="CustomShape 3">
+            <a:extLst>
+              <a:ext uri="{FF2B5EF4-FFF2-40B4-BE49-F238E27FC236}">
+                <a16:creationId xmlns:a16="http://schemas.microsoft.com/office/drawing/2014/main" id="{67756887-8D7D-16CA-99A7-DCA51C63AE43}"/>
               </a:ext>
             </a:extLst>
           </p:cNvPr>
@@ -11736,14 +12925,17 @@
         </p:nvSpPr>
         <p:spPr>
           <a:xfrm>
-            <a:off x="1115567" y="2440602"/>
+            <a:off x="6390968" y="2440602"/>
             <a:ext cx="4685465" cy="492443"/>
           </a:xfrm>
           <a:prstGeom prst="rect">
             <a:avLst/>
           </a:prstGeom>
           <a:solidFill>
-            <a:srgbClr val="00B0F0"/>
+            <a:schemeClr val="tx1">
+              <a:lumMod val="65000"/>
+              <a:lumOff val="35000"/>
+            </a:schemeClr>
           </a:solidFill>
           <a:ln w="0">
             <a:noFill/>
@@ -11783,7 +12975,7 @@
                 <a:latin typeface="Trebuchet MS"/>
                 <a:ea typeface="Trebuchet MS"/>
               </a:rPr>
-              <a:t>Déroulement</a:t>
+              <a:t>3 blocs de 2 séances de TP</a:t>
             </a:r>
             <a:endParaRPr lang="fr-FR" sz="2000" b="0" strike="noStrike" spc="-1" dirty="0">
               <a:solidFill>
@@ -11796,10 +12988,154 @@
       </p:sp>
       <p:sp>
         <p:nvSpPr>
-          <p:cNvPr id="4" name="Espace réservé du contenu 2">
-            <a:extLst>
-              <a:ext uri="{FF2B5EF4-FFF2-40B4-BE49-F238E27FC236}">
-                <a16:creationId xmlns:a16="http://schemas.microsoft.com/office/drawing/2014/main" id="{1F8D6EF3-7C57-CB24-A956-E894E5DB98E8}"/>
+          <p:cNvPr id="19" name="CustomShape 3">
+            <a:extLst>
+              <a:ext uri="{FF2B5EF4-FFF2-40B4-BE49-F238E27FC236}">
+                <a16:creationId xmlns:a16="http://schemas.microsoft.com/office/drawing/2014/main" id="{0A1DB7D8-E96B-C55E-F704-22C897EDE261}"/>
+              </a:ext>
+            </a:extLst>
+          </p:cNvPr>
+          <p:cNvSpPr/>
+          <p:nvPr/>
+        </p:nvSpPr>
+        <p:spPr>
+          <a:xfrm>
+            <a:off x="6388201" y="3152988"/>
+            <a:ext cx="4122483" cy="461665"/>
+          </a:xfrm>
+          <a:prstGeom prst="rect">
+            <a:avLst/>
+          </a:prstGeom>
+          <a:solidFill>
+            <a:schemeClr val="accent6"/>
+          </a:solidFill>
+          <a:ln w="0">
+            <a:noFill/>
+          </a:ln>
+        </p:spPr>
+        <p:style>
+          <a:lnRef idx="0">
+            <a:scrgbClr r="0" g="0" b="0"/>
+          </a:lnRef>
+          <a:fillRef idx="0">
+            <a:scrgbClr r="0" g="0" b="0"/>
+          </a:fillRef>
+          <a:effectRef idx="0">
+            <a:scrgbClr r="0" g="0" b="0"/>
+          </a:effectRef>
+          <a:fontRef idx="minor"/>
+        </p:style>
+        <p:txBody>
+          <a:bodyPr wrap="square" tIns="91440" bIns="91440">
+            <a:spAutoFit/>
+          </a:bodyPr>
+          <a:lstStyle/>
+          <a:p>
+            <a:pPr algn="ctr">
+              <a:lnSpc>
+                <a:spcPct val="100000"/>
+              </a:lnSpc>
+              <a:tabLst>
+                <a:tab pos="0" algn="l"/>
+              </a:tabLst>
+            </a:pPr>
+            <a:r>
+              <a:rPr lang="fr-FR" b="1" strike="noStrike" spc="-1" dirty="0">
+                <a:solidFill>
+                  <a:schemeClr val="bg1"/>
+                </a:solidFill>
+                <a:latin typeface="Trebuchet MS"/>
+                <a:ea typeface="Trebuchet MS"/>
+              </a:rPr>
+              <a:t>(0) Mise en forme / Filtrage</a:t>
+            </a:r>
+            <a:endParaRPr lang="fr-FR" b="0" strike="noStrike" spc="-1" dirty="0">
+              <a:solidFill>
+                <a:schemeClr val="bg1"/>
+              </a:solidFill>
+              <a:latin typeface="Arial"/>
+            </a:endParaRPr>
+          </a:p>
+        </p:txBody>
+      </p:sp>
+      <p:sp>
+        <p:nvSpPr>
+          <p:cNvPr id="7" name="CustomShape 3">
+            <a:extLst>
+              <a:ext uri="{FF2B5EF4-FFF2-40B4-BE49-F238E27FC236}">
+                <a16:creationId xmlns:a16="http://schemas.microsoft.com/office/drawing/2014/main" id="{D72796BA-C4FB-0B68-53DE-1739E281DCE7}"/>
+              </a:ext>
+            </a:extLst>
+          </p:cNvPr>
+          <p:cNvSpPr/>
+          <p:nvPr/>
+        </p:nvSpPr>
+        <p:spPr>
+          <a:xfrm>
+            <a:off x="1115567" y="2440602"/>
+            <a:ext cx="4685465" cy="492443"/>
+          </a:xfrm>
+          <a:prstGeom prst="rect">
+            <a:avLst/>
+          </a:prstGeom>
+          <a:solidFill>
+            <a:srgbClr val="00B0F0"/>
+          </a:solidFill>
+          <a:ln w="0">
+            <a:noFill/>
+          </a:ln>
+        </p:spPr>
+        <p:style>
+          <a:lnRef idx="0">
+            <a:scrgbClr r="0" g="0" b="0"/>
+          </a:lnRef>
+          <a:fillRef idx="0">
+            <a:scrgbClr r="0" g="0" b="0"/>
+          </a:fillRef>
+          <a:effectRef idx="0">
+            <a:scrgbClr r="0" g="0" b="0"/>
+          </a:effectRef>
+          <a:fontRef idx="minor"/>
+        </p:style>
+        <p:txBody>
+          <a:bodyPr wrap="square" tIns="91440" bIns="91440">
+            <a:spAutoFit/>
+          </a:bodyPr>
+          <a:lstStyle/>
+          <a:p>
+            <a:pPr algn="ctr">
+              <a:lnSpc>
+                <a:spcPct val="100000"/>
+              </a:lnSpc>
+              <a:tabLst>
+                <a:tab pos="0" algn="l"/>
+              </a:tabLst>
+            </a:pPr>
+            <a:r>
+              <a:rPr lang="fr-FR" sz="2000" b="1" strike="noStrike" spc="-1" dirty="0">
+                <a:solidFill>
+                  <a:schemeClr val="bg1"/>
+                </a:solidFill>
+                <a:latin typeface="Trebuchet MS"/>
+                <a:ea typeface="Trebuchet MS"/>
+              </a:rPr>
+              <a:t>Déroulement</a:t>
+            </a:r>
+            <a:endParaRPr lang="fr-FR" sz="2000" b="0" strike="noStrike" spc="-1" dirty="0">
+              <a:solidFill>
+                <a:schemeClr val="bg1"/>
+              </a:solidFill>
+              <a:latin typeface="Arial"/>
+            </a:endParaRPr>
+          </a:p>
+        </p:txBody>
+      </p:sp>
+      <p:sp>
+        <p:nvSpPr>
+          <p:cNvPr id="8" name="Espace réservé du contenu 2">
+            <a:extLst>
+              <a:ext uri="{FF2B5EF4-FFF2-40B4-BE49-F238E27FC236}">
+                <a16:creationId xmlns:a16="http://schemas.microsoft.com/office/drawing/2014/main" id="{AFB50BFF-D75E-AF18-215D-57F48FD8A0AF}"/>
               </a:ext>
             </a:extLst>
           </p:cNvPr>
@@ -11824,74 +13160,64 @@
           <a:p>
             <a:r>
               <a:rPr lang="fr-FR" sz="2000" b="1" dirty="0"/>
-              <a:t>Durant la séance</a:t>
+              <a:t>Séances</a:t>
             </a:r>
           </a:p>
           <a:p>
             <a:pPr lvl="1"/>
             <a:r>
+              <a:rPr lang="fr-FR" sz="1800" dirty="0"/>
+              <a:t>Durée : </a:t>
+            </a:r>
+            <a:r>
               <a:rPr lang="fr-FR" sz="1800" b="1" dirty="0"/>
-              <a:t>En binôme</a:t>
+              <a:t>4h30</a:t>
+            </a:r>
+            <a:r>
+              <a:rPr lang="fr-FR" sz="1800" dirty="0"/>
+              <a:t> – </a:t>
+            </a:r>
+            <a:r>
+              <a:rPr lang="fr-FR" sz="1800" b="1" dirty="0"/>
+              <a:t>Début à 8h30 !!</a:t>
             </a:r>
           </a:p>
           <a:p>
             <a:pPr lvl="1"/>
             <a:r>
               <a:rPr lang="fr-FR" sz="1800" dirty="0"/>
-              <a:t>Prise de </a:t>
+              <a:t>Nombre : </a:t>
             </a:r>
             <a:r>
               <a:rPr lang="fr-FR" sz="1800" b="1" dirty="0"/>
-              <a:t>notes numériques </a:t>
-            </a:r>
+              <a:t>6 séances</a:t>
+            </a:r>
+          </a:p>
+          <a:p>
+            <a:r>
+              <a:rPr lang="fr-FR" sz="2000" b="1" dirty="0"/>
+              <a:t>3 thèmes</a:t>
+            </a:r>
+          </a:p>
+          <a:p>
+            <a:pPr lvl="1"/>
             <a:r>
               <a:rPr lang="fr-FR" sz="1800" dirty="0"/>
-              <a:t>(outils partagés : Drive, Notion…)</a:t>
-            </a:r>
-          </a:p>
-          <a:p>
-            <a:pPr lvl="1"/>
-            <a:r>
-              <a:rPr lang="fr-FR" sz="1800" dirty="0"/>
-              <a:t>Sujet sous forme de mission</a:t>
-            </a:r>
-          </a:p>
-          <a:p>
-            <a:r>
-              <a:rPr lang="fr-FR" sz="2200" b="1" dirty="0"/>
-              <a:t>En fin de thème </a:t>
-            </a:r>
-            <a:r>
-              <a:rPr lang="fr-FR" sz="1600" dirty="0"/>
-              <a:t>(thèmes 1 et 2)</a:t>
-            </a:r>
-          </a:p>
-          <a:p>
-            <a:pPr lvl="1"/>
-            <a:r>
-              <a:rPr lang="fr-FR" sz="1800" dirty="0"/>
-              <a:t>Synthèse </a:t>
-            </a:r>
-            <a:r>
-              <a:rPr lang="fr-FR" sz="1400" dirty="0"/>
-              <a:t>(≠ compte-rendu)</a:t>
-            </a:r>
-          </a:p>
-          <a:p>
-            <a:pPr lvl="1"/>
-            <a:r>
-              <a:rPr lang="fr-FR" sz="1800" dirty="0"/>
-              <a:t>Carte conceptuelle</a:t>
-            </a:r>
-          </a:p>
-        </p:txBody>
-      </p:sp>
-      <p:sp>
-        <p:nvSpPr>
-          <p:cNvPr id="7" name="Rectangle 6">
-            <a:extLst>
-              <a:ext uri="{FF2B5EF4-FFF2-40B4-BE49-F238E27FC236}">
-                <a16:creationId xmlns:a16="http://schemas.microsoft.com/office/drawing/2014/main" id="{A50DE225-8170-C71A-7E0E-DCE92B8C8ED0}"/>
+              <a:t>Durée : </a:t>
+            </a:r>
+            <a:r>
+              <a:rPr lang="fr-FR" sz="1800" b="1" dirty="0"/>
+              <a:t>2 séances</a:t>
+            </a:r>
+          </a:p>
+        </p:txBody>
+      </p:sp>
+      <p:sp>
+        <p:nvSpPr>
+          <p:cNvPr id="3" name="CustomShape 3">
+            <a:extLst>
+              <a:ext uri="{FF2B5EF4-FFF2-40B4-BE49-F238E27FC236}">
+                <a16:creationId xmlns:a16="http://schemas.microsoft.com/office/drawing/2014/main" id="{74D6245D-F675-2A6E-AEBB-D8555A8F1EB9}"/>
               </a:ext>
             </a:extLst>
           </p:cNvPr>
@@ -11900,57 +13226,507 @@
         </p:nvSpPr>
         <p:spPr>
           <a:xfrm>
-            <a:off x="2658219" y="6163842"/>
-            <a:ext cx="3142813" cy="538417"/>
+            <a:off x="7637136" y="4055814"/>
+            <a:ext cx="2880851" cy="461665"/>
           </a:xfrm>
           <a:prstGeom prst="rect">
             <a:avLst/>
           </a:prstGeom>
           <a:solidFill>
-            <a:srgbClr val="002060"/>
+            <a:srgbClr val="00B0F0"/>
           </a:solidFill>
-          <a:ln>
-            <a:solidFill>
-              <a:schemeClr val="bg1"/>
-            </a:solidFill>
+          <a:ln w="0">
+            <a:noFill/>
           </a:ln>
         </p:spPr>
         <p:style>
-          <a:lnRef idx="2">
-            <a:schemeClr val="accent1">
-              <a:shade val="15000"/>
-            </a:schemeClr>
+          <a:lnRef idx="0">
+            <a:scrgbClr r="0" g="0" b="0"/>
           </a:lnRef>
-          <a:fillRef idx="1">
-            <a:schemeClr val="accent1"/>
+          <a:fillRef idx="0">
+            <a:scrgbClr r="0" g="0" b="0"/>
           </a:fillRef>
           <a:effectRef idx="0">
+            <a:scrgbClr r="0" g="0" b="0"/>
+          </a:effectRef>
+          <a:fontRef idx="minor"/>
+        </p:style>
+        <p:txBody>
+          <a:bodyPr wrap="square" tIns="91440" bIns="91440">
+            <a:spAutoFit/>
+          </a:bodyPr>
+          <a:lstStyle/>
+          <a:p>
+            <a:pPr algn="ctr">
+              <a:lnSpc>
+                <a:spcPct val="100000"/>
+              </a:lnSpc>
+              <a:tabLst>
+                <a:tab pos="0" algn="l"/>
+              </a:tabLst>
+            </a:pPr>
+            <a:r>
+              <a:rPr lang="fr-FR" b="1" strike="noStrike" spc="-1" dirty="0">
+                <a:solidFill>
+                  <a:schemeClr val="bg1"/>
+                </a:solidFill>
+                <a:latin typeface="Trebuchet MS"/>
+                <a:ea typeface="Trebuchet MS"/>
+              </a:rPr>
+              <a:t>(1) Numérique</a:t>
+            </a:r>
+            <a:endParaRPr lang="fr-FR" b="0" strike="noStrike" spc="-1" dirty="0">
+              <a:solidFill>
+                <a:schemeClr val="bg1"/>
+              </a:solidFill>
+              <a:latin typeface="Arial"/>
+            </a:endParaRPr>
+          </a:p>
+        </p:txBody>
+      </p:sp>
+      <p:sp>
+        <p:nvSpPr>
+          <p:cNvPr id="4" name="CustomShape 3">
+            <a:extLst>
+              <a:ext uri="{FF2B5EF4-FFF2-40B4-BE49-F238E27FC236}">
+                <a16:creationId xmlns:a16="http://schemas.microsoft.com/office/drawing/2014/main" id="{7F18A793-FE58-11B3-873B-B916FE79BC86}"/>
+              </a:ext>
+            </a:extLst>
+          </p:cNvPr>
+          <p:cNvSpPr/>
+          <p:nvPr/>
+        </p:nvSpPr>
+        <p:spPr>
+          <a:xfrm>
+            <a:off x="6398273" y="4958644"/>
+            <a:ext cx="4112410" cy="461665"/>
+          </a:xfrm>
+          <a:prstGeom prst="rect">
+            <a:avLst/>
+          </a:prstGeom>
+          <a:solidFill>
             <a:schemeClr val="accent1"/>
+          </a:solidFill>
+          <a:ln w="0">
+            <a:noFill/>
+          </a:ln>
+        </p:spPr>
+        <p:style>
+          <a:lnRef idx="0">
+            <a:scrgbClr r="0" g="0" b="0"/>
+          </a:lnRef>
+          <a:fillRef idx="0">
+            <a:scrgbClr r="0" g="0" b="0"/>
+          </a:fillRef>
+          <a:effectRef idx="0">
+            <a:scrgbClr r="0" g="0" b="0"/>
           </a:effectRef>
-          <a:fontRef idx="minor">
-            <a:schemeClr val="lt1"/>
-          </a:fontRef>
+          <a:fontRef idx="minor"/>
         </p:style>
         <p:txBody>
-          <a:bodyPr rtlCol="0" anchor="ctr"/>
+          <a:bodyPr wrap="square" tIns="91440" bIns="91440">
+            <a:spAutoFit/>
+          </a:bodyPr>
+          <a:lstStyle/>
+          <a:p>
+            <a:pPr algn="ctr">
+              <a:lnSpc>
+                <a:spcPct val="100000"/>
+              </a:lnSpc>
+              <a:tabLst>
+                <a:tab pos="0" algn="l"/>
+              </a:tabLst>
+            </a:pPr>
+            <a:r>
+              <a:rPr lang="fr-FR" b="1" strike="noStrike" spc="-1" dirty="0">
+                <a:solidFill>
+                  <a:schemeClr val="bg1"/>
+                </a:solidFill>
+                <a:latin typeface="Trebuchet MS"/>
+                <a:ea typeface="Trebuchet MS"/>
+              </a:rPr>
+              <a:t>(2) </a:t>
+            </a:r>
+            <a:r>
+              <a:rPr lang="fr-FR" b="1" strike="noStrike" spc="-1" dirty="0" err="1">
+                <a:solidFill>
+                  <a:schemeClr val="bg1"/>
+                </a:solidFill>
+                <a:latin typeface="Trebuchet MS"/>
+                <a:ea typeface="Trebuchet MS"/>
+              </a:rPr>
+              <a:t>Photodétection</a:t>
+            </a:r>
+            <a:endParaRPr lang="fr-FR" b="0" strike="noStrike" spc="-1" dirty="0">
+              <a:solidFill>
+                <a:schemeClr val="bg1"/>
+              </a:solidFill>
+              <a:latin typeface="Arial"/>
+            </a:endParaRPr>
+          </a:p>
+        </p:txBody>
+      </p:sp>
+      <p:sp>
+        <p:nvSpPr>
+          <p:cNvPr id="9" name="CustomShape 3">
+            <a:extLst>
+              <a:ext uri="{FF2B5EF4-FFF2-40B4-BE49-F238E27FC236}">
+                <a16:creationId xmlns:a16="http://schemas.microsoft.com/office/drawing/2014/main" id="{7FC0F449-8AAE-65B7-649B-326D93C64A5E}"/>
+              </a:ext>
+            </a:extLst>
+          </p:cNvPr>
+          <p:cNvSpPr/>
+          <p:nvPr/>
+        </p:nvSpPr>
+        <p:spPr>
+          <a:xfrm>
+            <a:off x="6405577" y="4055812"/>
+            <a:ext cx="1058133" cy="461665"/>
+          </a:xfrm>
+          <a:prstGeom prst="rect">
+            <a:avLst/>
+          </a:prstGeom>
+          <a:solidFill>
+            <a:srgbClr val="7030A0"/>
+          </a:solidFill>
+          <a:ln w="0">
+            <a:noFill/>
+          </a:ln>
+        </p:spPr>
+        <p:style>
+          <a:lnRef idx="0">
+            <a:scrgbClr r="0" g="0" b="0"/>
+          </a:lnRef>
+          <a:fillRef idx="0">
+            <a:scrgbClr r="0" g="0" b="0"/>
+          </a:fillRef>
+          <a:effectRef idx="0">
+            <a:scrgbClr r="0" g="0" b="0"/>
+          </a:effectRef>
+          <a:fontRef idx="minor"/>
+        </p:style>
+        <p:txBody>
+          <a:bodyPr wrap="square" tIns="91440" bIns="91440">
+            <a:spAutoFit/>
+          </a:bodyPr>
+          <a:lstStyle/>
+          <a:p>
+            <a:pPr algn="ctr">
+              <a:lnSpc>
+                <a:spcPct val="100000"/>
+              </a:lnSpc>
+              <a:tabLst>
+                <a:tab pos="0" algn="l"/>
+              </a:tabLst>
+            </a:pPr>
+            <a:r>
+              <a:rPr lang="fr-FR" b="1" strike="noStrike" spc="-1" dirty="0">
+                <a:solidFill>
+                  <a:schemeClr val="bg1"/>
+                </a:solidFill>
+                <a:latin typeface="Trebuchet MS"/>
+                <a:ea typeface="Trebuchet MS"/>
+              </a:rPr>
+              <a:t>EVAL</a:t>
+            </a:r>
+            <a:endParaRPr lang="fr-FR" b="0" strike="noStrike" spc="-1" dirty="0">
+              <a:solidFill>
+                <a:schemeClr val="bg1"/>
+              </a:solidFill>
+              <a:latin typeface="Arial"/>
+            </a:endParaRPr>
+          </a:p>
+        </p:txBody>
+      </p:sp>
+      <p:sp>
+        <p:nvSpPr>
+          <p:cNvPr id="10" name="CustomShape 3">
+            <a:extLst>
+              <a:ext uri="{FF2B5EF4-FFF2-40B4-BE49-F238E27FC236}">
+                <a16:creationId xmlns:a16="http://schemas.microsoft.com/office/drawing/2014/main" id="{D80D3870-B253-4F6B-7AA7-F667BFAC9781}"/>
+              </a:ext>
+            </a:extLst>
+          </p:cNvPr>
+          <p:cNvSpPr/>
+          <p:nvPr/>
+        </p:nvSpPr>
+        <p:spPr>
+          <a:xfrm>
+            <a:off x="10722472" y="3152987"/>
+            <a:ext cx="353961" cy="461665"/>
+          </a:xfrm>
+          <a:prstGeom prst="rect">
+            <a:avLst/>
+          </a:prstGeom>
+          <a:solidFill>
+            <a:schemeClr val="accent6"/>
+          </a:solidFill>
+          <a:ln w="0">
+            <a:noFill/>
+          </a:ln>
+        </p:spPr>
+        <p:style>
+          <a:lnRef idx="0">
+            <a:scrgbClr r="0" g="0" b="0"/>
+          </a:lnRef>
+          <a:fillRef idx="0">
+            <a:scrgbClr r="0" g="0" b="0"/>
+          </a:fillRef>
+          <a:effectRef idx="0">
+            <a:scrgbClr r="0" g="0" b="0"/>
+          </a:effectRef>
+          <a:fontRef idx="minor"/>
+        </p:style>
+        <p:txBody>
+          <a:bodyPr wrap="square" tIns="91440" bIns="91440">
+            <a:spAutoFit/>
+          </a:bodyPr>
+          <a:lstStyle/>
+          <a:p>
+            <a:pPr algn="ctr">
+              <a:lnSpc>
+                <a:spcPct val="100000"/>
+              </a:lnSpc>
+              <a:tabLst>
+                <a:tab pos="0" algn="l"/>
+              </a:tabLst>
+            </a:pPr>
+            <a:r>
+              <a:rPr lang="fr-FR" b="1" strike="noStrike" spc="-1" dirty="0">
+                <a:solidFill>
+                  <a:schemeClr val="bg1"/>
+                </a:solidFill>
+                <a:latin typeface="Trebuchet MS"/>
+                <a:ea typeface="Trebuchet MS"/>
+              </a:rPr>
+              <a:t>2</a:t>
+            </a:r>
+            <a:endParaRPr lang="fr-FR" b="0" strike="noStrike" spc="-1" dirty="0">
+              <a:solidFill>
+                <a:schemeClr val="bg1"/>
+              </a:solidFill>
+              <a:latin typeface="Arial"/>
+            </a:endParaRPr>
+          </a:p>
+        </p:txBody>
+      </p:sp>
+      <p:sp>
+        <p:nvSpPr>
+          <p:cNvPr id="12" name="CustomShape 3">
+            <a:extLst>
+              <a:ext uri="{FF2B5EF4-FFF2-40B4-BE49-F238E27FC236}">
+                <a16:creationId xmlns:a16="http://schemas.microsoft.com/office/drawing/2014/main" id="{3DAC146E-1AD3-73AC-6A02-4FE0A89D3218}"/>
+              </a:ext>
+            </a:extLst>
+          </p:cNvPr>
+          <p:cNvSpPr/>
+          <p:nvPr/>
+        </p:nvSpPr>
+        <p:spPr>
+          <a:xfrm>
+            <a:off x="10729775" y="4055813"/>
+            <a:ext cx="353962" cy="461665"/>
+          </a:xfrm>
+          <a:prstGeom prst="rect">
+            <a:avLst/>
+          </a:prstGeom>
+          <a:solidFill>
+            <a:srgbClr val="00B0F0"/>
+          </a:solidFill>
+          <a:ln w="0">
+            <a:noFill/>
+          </a:ln>
+        </p:spPr>
+        <p:style>
+          <a:lnRef idx="0">
+            <a:scrgbClr r="0" g="0" b="0"/>
+          </a:lnRef>
+          <a:fillRef idx="0">
+            <a:scrgbClr r="0" g="0" b="0"/>
+          </a:fillRef>
+          <a:effectRef idx="0">
+            <a:scrgbClr r="0" g="0" b="0"/>
+          </a:effectRef>
+          <a:fontRef idx="minor"/>
+        </p:style>
+        <p:txBody>
+          <a:bodyPr wrap="square" tIns="91440" bIns="91440">
+            <a:spAutoFit/>
+          </a:bodyPr>
+          <a:lstStyle/>
+          <a:p>
+            <a:pPr algn="ctr">
+              <a:lnSpc>
+                <a:spcPct val="100000"/>
+              </a:lnSpc>
+              <a:tabLst>
+                <a:tab pos="0" algn="l"/>
+              </a:tabLst>
+            </a:pPr>
+            <a:r>
+              <a:rPr lang="fr-FR" b="1" spc="-1" dirty="0">
+                <a:solidFill>
+                  <a:schemeClr val="bg1"/>
+                </a:solidFill>
+                <a:latin typeface="Trebuchet MS"/>
+              </a:rPr>
+              <a:t>2</a:t>
+            </a:r>
+            <a:endParaRPr lang="fr-FR" b="0" strike="noStrike" spc="-1" dirty="0">
+              <a:solidFill>
+                <a:schemeClr val="bg1"/>
+              </a:solidFill>
+              <a:latin typeface="Arial"/>
+            </a:endParaRPr>
+          </a:p>
+        </p:txBody>
+      </p:sp>
+      <p:sp>
+        <p:nvSpPr>
+          <p:cNvPr id="13" name="CustomShape 3">
+            <a:extLst>
+              <a:ext uri="{FF2B5EF4-FFF2-40B4-BE49-F238E27FC236}">
+                <a16:creationId xmlns:a16="http://schemas.microsoft.com/office/drawing/2014/main" id="{D801BB16-2F6F-AEA9-B601-77478B6B70F0}"/>
+              </a:ext>
+            </a:extLst>
+          </p:cNvPr>
+          <p:cNvSpPr/>
+          <p:nvPr/>
+        </p:nvSpPr>
+        <p:spPr>
+          <a:xfrm>
+            <a:off x="10729775" y="4947063"/>
+            <a:ext cx="353962" cy="461665"/>
+          </a:xfrm>
+          <a:prstGeom prst="rect">
+            <a:avLst/>
+          </a:prstGeom>
+          <a:solidFill>
+            <a:schemeClr val="accent1"/>
+          </a:solidFill>
+          <a:ln w="0">
+            <a:noFill/>
+          </a:ln>
+        </p:spPr>
+        <p:style>
+          <a:lnRef idx="0">
+            <a:scrgbClr r="0" g="0" b="0"/>
+          </a:lnRef>
+          <a:fillRef idx="0">
+            <a:scrgbClr r="0" g="0" b="0"/>
+          </a:fillRef>
+          <a:effectRef idx="0">
+            <a:scrgbClr r="0" g="0" b="0"/>
+          </a:effectRef>
+          <a:fontRef idx="minor"/>
+        </p:style>
+        <p:txBody>
+          <a:bodyPr wrap="square" tIns="91440" bIns="91440">
+            <a:spAutoFit/>
+          </a:bodyPr>
+          <a:lstStyle/>
+          <a:p>
+            <a:pPr algn="ctr">
+              <a:lnSpc>
+                <a:spcPct val="100000"/>
+              </a:lnSpc>
+              <a:tabLst>
+                <a:tab pos="0" algn="l"/>
+              </a:tabLst>
+            </a:pPr>
+            <a:r>
+              <a:rPr lang="fr-FR" b="1" strike="noStrike" spc="-1" dirty="0">
+                <a:solidFill>
+                  <a:schemeClr val="bg1"/>
+                </a:solidFill>
+                <a:latin typeface="Trebuchet MS"/>
+                <a:ea typeface="Trebuchet MS"/>
+              </a:rPr>
+              <a:t>2</a:t>
+            </a:r>
+          </a:p>
+        </p:txBody>
+      </p:sp>
+      <p:sp>
+        <p:nvSpPr>
+          <p:cNvPr id="14" name="ZoneTexte 13">
+            <a:extLst>
+              <a:ext uri="{FF2B5EF4-FFF2-40B4-BE49-F238E27FC236}">
+                <a16:creationId xmlns:a16="http://schemas.microsoft.com/office/drawing/2014/main" id="{5B658430-7FEA-CA67-4A18-ACA2416B731A}"/>
+              </a:ext>
+            </a:extLst>
+          </p:cNvPr>
+          <p:cNvSpPr txBox="1"/>
+          <p:nvPr/>
+        </p:nvSpPr>
+        <p:spPr>
+          <a:xfrm>
+            <a:off x="9114503" y="4583531"/>
+            <a:ext cx="1969234" cy="307777"/>
+          </a:xfrm>
+          <a:prstGeom prst="rect">
+            <a:avLst/>
+          </a:prstGeom>
+          <a:solidFill>
+            <a:srgbClr val="0070C0"/>
+          </a:solidFill>
+        </p:spPr>
+        <p:txBody>
+          <a:bodyPr wrap="square" rtlCol="0">
+            <a:spAutoFit/>
+          </a:bodyPr>
           <a:lstStyle/>
           <a:p>
             <a:pPr algn="ctr"/>
             <a:r>
-              <a:rPr lang="fr-FR" sz="1400" b="1" dirty="0"/>
-              <a:t>Dépôt sur </a:t>
-            </a:r>
-            <a:r>
-              <a:rPr lang="fr-FR" sz="1400" b="1" dirty="0" err="1"/>
-              <a:t>eCampus</a:t>
-            </a:r>
-            <a:endParaRPr lang="fr-FR" sz="1400" b="1" dirty="0"/>
-          </a:p>
+              <a:rPr lang="fr-FR" sz="1400" dirty="0">
+                <a:solidFill>
+                  <a:schemeClr val="bg1"/>
+                </a:solidFill>
+              </a:rPr>
+              <a:t>Synthèse Thème 1</a:t>
+            </a:r>
+          </a:p>
+        </p:txBody>
+      </p:sp>
+      <p:sp>
+        <p:nvSpPr>
+          <p:cNvPr id="15" name="ZoneTexte 14">
+            <a:extLst>
+              <a:ext uri="{FF2B5EF4-FFF2-40B4-BE49-F238E27FC236}">
+                <a16:creationId xmlns:a16="http://schemas.microsoft.com/office/drawing/2014/main" id="{70BF3FB5-18DD-94FF-B30D-0C9616625FEF}"/>
+              </a:ext>
+            </a:extLst>
+          </p:cNvPr>
+          <p:cNvSpPr txBox="1"/>
+          <p:nvPr/>
+        </p:nvSpPr>
+        <p:spPr>
+          <a:xfrm>
+            <a:off x="9114503" y="5476064"/>
+            <a:ext cx="1969234" cy="307777"/>
+          </a:xfrm>
+          <a:prstGeom prst="rect">
+            <a:avLst/>
+          </a:prstGeom>
+          <a:solidFill>
+            <a:srgbClr val="0070C0"/>
+          </a:solidFill>
+        </p:spPr>
+        <p:txBody>
+          <a:bodyPr wrap="square" rtlCol="0">
+            <a:spAutoFit/>
+          </a:bodyPr>
+          <a:lstStyle/>
           <a:p>
             <a:pPr algn="ctr"/>
             <a:r>
-              <a:rPr lang="fr-FR" sz="1400" dirty="0"/>
-              <a:t>1 semaine après la dernière séance</a:t>
+              <a:rPr lang="fr-FR" sz="1400" dirty="0">
+                <a:solidFill>
+                  <a:schemeClr val="bg1"/>
+                </a:solidFill>
+              </a:rPr>
+              <a:t>Synthèse Thème 2</a:t>
             </a:r>
           </a:p>
         </p:txBody>
@@ -11958,7 +13734,7 @@
     </p:spTree>
     <p:extLst>
       <p:ext uri="{BB962C8B-B14F-4D97-AF65-F5344CB8AC3E}">
-        <p14:creationId xmlns:p14="http://schemas.microsoft.com/office/powerpoint/2010/main" val="1780351021"/>
+        <p14:creationId xmlns:p14="http://schemas.microsoft.com/office/powerpoint/2010/main" val="1427447957"/>
       </p:ext>
     </p:extLst>
   </p:cSld>
@@ -12012,7 +13788,7 @@
             </a:r>
             <a:r>
               <a:rPr lang="fr-FR" dirty="0"/>
-              <a:t> / TP / Ressources</a:t>
+              <a:t> / TP / Déroulement</a:t>
             </a:r>
           </a:p>
         </p:txBody>
@@ -12053,12 +13829,42 @@
           </a:prstGeom>
         </p:spPr>
       </p:pic>
-      <p:sp>
-        <p:nvSpPr>
-          <p:cNvPr id="18" name="CustomShape 3">
-            <a:extLst>
-              <a:ext uri="{FF2B5EF4-FFF2-40B4-BE49-F238E27FC236}">
-                <a16:creationId xmlns:a16="http://schemas.microsoft.com/office/drawing/2014/main" id="{67756887-8D7D-16CA-99A7-DCA51C63AE43}"/>
+      <p:pic>
+        <p:nvPicPr>
+          <p:cNvPr id="6" name="Image 5">
+            <a:extLst>
+              <a:ext uri="{FF2B5EF4-FFF2-40B4-BE49-F238E27FC236}">
+                <a16:creationId xmlns:a16="http://schemas.microsoft.com/office/drawing/2014/main" id="{C785231C-CAA7-29BE-C29B-8254BE697AE1}"/>
+              </a:ext>
+            </a:extLst>
+          </p:cNvPr>
+          <p:cNvPicPr>
+            <a:picLocks noChangeAspect="1"/>
+          </p:cNvPicPr>
+          <p:nvPr/>
+        </p:nvPicPr>
+        <p:blipFill>
+          <a:blip r:embed="rId3"/>
+          <a:stretch>
+            <a:fillRect/>
+          </a:stretch>
+        </p:blipFill>
+        <p:spPr>
+          <a:xfrm>
+            <a:off x="6096000" y="2440602"/>
+            <a:ext cx="5639540" cy="3520434"/>
+          </a:xfrm>
+          <a:prstGeom prst="rect">
+            <a:avLst/>
+          </a:prstGeom>
+        </p:spPr>
+      </p:pic>
+      <p:sp>
+        <p:nvSpPr>
+          <p:cNvPr id="3" name="CustomShape 3">
+            <a:extLst>
+              <a:ext uri="{FF2B5EF4-FFF2-40B4-BE49-F238E27FC236}">
+                <a16:creationId xmlns:a16="http://schemas.microsoft.com/office/drawing/2014/main" id="{D0B66582-DD89-E125-987B-BF9482C13816}"/>
               </a:ext>
             </a:extLst>
           </p:cNvPr>
@@ -12067,17 +13873,14 @@
         </p:nvSpPr>
         <p:spPr>
           <a:xfrm>
-            <a:off x="6390968" y="2440602"/>
+            <a:off x="1115567" y="2440602"/>
             <a:ext cx="4685465" cy="492443"/>
           </a:xfrm>
           <a:prstGeom prst="rect">
             <a:avLst/>
           </a:prstGeom>
           <a:solidFill>
-            <a:schemeClr val="tx1">
-              <a:lumMod val="65000"/>
-              <a:lumOff val="35000"/>
-            </a:schemeClr>
+            <a:srgbClr val="00B0F0"/>
           </a:solidFill>
           <a:ln w="0">
             <a:noFill/>
@@ -12117,7 +13920,7 @@
                 <a:latin typeface="Trebuchet MS"/>
                 <a:ea typeface="Trebuchet MS"/>
               </a:rPr>
-              <a:t>3 blocs de 2 séances de TP</a:t>
+              <a:t>Déroulement</a:t>
             </a:r>
             <a:endParaRPr lang="fr-FR" sz="2000" b="0" strike="noStrike" spc="-1" dirty="0">
               <a:solidFill>
@@ -12130,82 +13933,10 @@
       </p:sp>
       <p:sp>
         <p:nvSpPr>
-          <p:cNvPr id="3" name="CustomShape 3">
-            <a:extLst>
-              <a:ext uri="{FF2B5EF4-FFF2-40B4-BE49-F238E27FC236}">
-                <a16:creationId xmlns:a16="http://schemas.microsoft.com/office/drawing/2014/main" id="{F665BF59-136D-0754-7EE3-F83C4DBD1D54}"/>
-              </a:ext>
-            </a:extLst>
-          </p:cNvPr>
-          <p:cNvSpPr/>
-          <p:nvPr/>
-        </p:nvSpPr>
-        <p:spPr>
-          <a:xfrm>
-            <a:off x="1115567" y="2440602"/>
-            <a:ext cx="4685465" cy="492443"/>
-          </a:xfrm>
-          <a:prstGeom prst="rect">
-            <a:avLst/>
-          </a:prstGeom>
-          <a:solidFill>
-            <a:srgbClr val="00B0F0"/>
-          </a:solidFill>
-          <a:ln w="0">
-            <a:noFill/>
-          </a:ln>
-        </p:spPr>
-        <p:style>
-          <a:lnRef idx="0">
-            <a:scrgbClr r="0" g="0" b="0"/>
-          </a:lnRef>
-          <a:fillRef idx="0">
-            <a:scrgbClr r="0" g="0" b="0"/>
-          </a:fillRef>
-          <a:effectRef idx="0">
-            <a:scrgbClr r="0" g="0" b="0"/>
-          </a:effectRef>
-          <a:fontRef idx="minor"/>
-        </p:style>
-        <p:txBody>
-          <a:bodyPr wrap="square" tIns="91440" bIns="91440">
-            <a:spAutoFit/>
-          </a:bodyPr>
-          <a:lstStyle/>
-          <a:p>
-            <a:pPr algn="ctr">
-              <a:lnSpc>
-                <a:spcPct val="100000"/>
-              </a:lnSpc>
-              <a:tabLst>
-                <a:tab pos="0" algn="l"/>
-              </a:tabLst>
-            </a:pPr>
-            <a:r>
-              <a:rPr lang="fr-FR" sz="2000" b="1" strike="noStrike" spc="-1" dirty="0">
-                <a:solidFill>
-                  <a:schemeClr val="bg1"/>
-                </a:solidFill>
-                <a:latin typeface="Trebuchet MS"/>
-                <a:ea typeface="Trebuchet MS"/>
-              </a:rPr>
-              <a:t>Ressources</a:t>
-            </a:r>
-            <a:endParaRPr lang="fr-FR" sz="2000" b="0" strike="noStrike" spc="-1" dirty="0">
-              <a:solidFill>
-                <a:schemeClr val="bg1"/>
-              </a:solidFill>
-              <a:latin typeface="Arial"/>
-            </a:endParaRPr>
-          </a:p>
-        </p:txBody>
-      </p:sp>
-      <p:sp>
-        <p:nvSpPr>
           <p:cNvPr id="4" name="Espace réservé du contenu 2">
             <a:extLst>
               <a:ext uri="{FF2B5EF4-FFF2-40B4-BE49-F238E27FC236}">
-                <a16:creationId xmlns:a16="http://schemas.microsoft.com/office/drawing/2014/main" id="{EDF779BE-63E6-9F6B-6ECB-3FED2571DCDE}"/>
+                <a16:creationId xmlns:a16="http://schemas.microsoft.com/office/drawing/2014/main" id="{1F8D6EF3-7C57-CB24-A956-E894E5DB98E8}"/>
               </a:ext>
             </a:extLst>
           </p:cNvPr>
@@ -12230,663 +13961,36 @@
           <a:p>
             <a:r>
               <a:rPr lang="fr-FR" sz="2000" b="1" dirty="0"/>
-              <a:t>Site du </a:t>
-            </a:r>
-            <a:r>
-              <a:rPr lang="fr-FR" sz="2000" b="1" dirty="0" err="1"/>
-              <a:t>LEnsE</a:t>
-            </a:r>
-            <a:endParaRPr lang="fr-FR" sz="2000" b="1" dirty="0"/>
+              <a:t>Durant la séance</a:t>
+            </a:r>
           </a:p>
           <a:p>
             <a:pPr lvl="1"/>
             <a:r>
+              <a:rPr lang="fr-FR" sz="1800" b="1" dirty="0"/>
+              <a:t>En binôme</a:t>
+            </a:r>
+          </a:p>
+          <a:p>
+            <a:pPr lvl="1"/>
+            <a:r>
               <a:rPr lang="fr-FR" sz="1800" dirty="0"/>
-              <a:t>Sujets : lense.institutoptique.fr/</a:t>
-            </a:r>
-            <a:r>
-              <a:rPr lang="fr-FR" sz="1800" dirty="0" err="1"/>
-              <a:t>ceti</a:t>
+              <a:t>Prise de </a:t>
+            </a:r>
+            <a:r>
+              <a:rPr lang="fr-FR" sz="1800" b="1" dirty="0"/>
+              <a:t>notes numériques </a:t>
             </a:r>
             <a:r>
               <a:rPr lang="fr-FR" sz="1800" dirty="0"/>
-              <a:t>/</a:t>
-            </a:r>
-            <a:endParaRPr lang="fr-FR" sz="2000" b="1" dirty="0"/>
-          </a:p>
-          <a:p>
-            <a:r>
-              <a:rPr lang="fr-FR" sz="2000" b="1" dirty="0"/>
-              <a:t>Ressources des constructeurs</a:t>
-            </a:r>
-          </a:p>
-          <a:p>
-            <a:r>
-              <a:rPr lang="fr-FR" sz="2000" b="1" dirty="0"/>
-              <a:t>Sites de composants</a:t>
+              <a:t>(outils partagés : Drive, Notion…)</a:t>
             </a:r>
           </a:p>
           <a:p>
             <a:pPr lvl="1"/>
             <a:r>
-              <a:rPr lang="fr-FR" sz="1400" dirty="0" err="1"/>
-              <a:t>Radiospares</a:t>
-            </a:r>
-            <a:r>
-              <a:rPr lang="fr-FR" sz="1400" dirty="0"/>
-              <a:t>  RS</a:t>
-            </a:r>
-          </a:p>
-          <a:p>
-            <a:pPr lvl="1"/>
-            <a:r>
-              <a:rPr lang="fr-FR" sz="1400" dirty="0"/>
-              <a:t>Conrad</a:t>
-            </a:r>
-          </a:p>
-          <a:p>
-            <a:pPr lvl="1"/>
-            <a:r>
-              <a:rPr lang="fr-FR" sz="1400" dirty="0" err="1"/>
-              <a:t>Farnell</a:t>
-            </a:r>
-            <a:endParaRPr lang="fr-FR" sz="1400" dirty="0"/>
-          </a:p>
-        </p:txBody>
-      </p:sp>
-      <p:sp>
-        <p:nvSpPr>
-          <p:cNvPr id="7" name="CustomShape 3">
-            <a:extLst>
-              <a:ext uri="{FF2B5EF4-FFF2-40B4-BE49-F238E27FC236}">
-                <a16:creationId xmlns:a16="http://schemas.microsoft.com/office/drawing/2014/main" id="{FAA12336-33C4-8BF9-6F56-F22DC523B434}"/>
-              </a:ext>
-            </a:extLst>
-          </p:cNvPr>
-          <p:cNvSpPr/>
-          <p:nvPr/>
-        </p:nvSpPr>
-        <p:spPr>
-          <a:xfrm>
-            <a:off x="6388201" y="3152988"/>
-            <a:ext cx="4122483" cy="461665"/>
-          </a:xfrm>
-          <a:prstGeom prst="rect">
-            <a:avLst/>
-          </a:prstGeom>
-          <a:solidFill>
-            <a:schemeClr val="accent6"/>
-          </a:solidFill>
-          <a:ln w="0">
-            <a:noFill/>
-          </a:ln>
-        </p:spPr>
-        <p:style>
-          <a:lnRef idx="0">
-            <a:scrgbClr r="0" g="0" b="0"/>
-          </a:lnRef>
-          <a:fillRef idx="0">
-            <a:scrgbClr r="0" g="0" b="0"/>
-          </a:fillRef>
-          <a:effectRef idx="0">
-            <a:scrgbClr r="0" g="0" b="0"/>
-          </a:effectRef>
-          <a:fontRef idx="minor"/>
-        </p:style>
-        <p:txBody>
-          <a:bodyPr wrap="square" tIns="91440" bIns="91440">
-            <a:spAutoFit/>
-          </a:bodyPr>
-          <a:lstStyle/>
-          <a:p>
-            <a:pPr algn="ctr">
-              <a:lnSpc>
-                <a:spcPct val="100000"/>
-              </a:lnSpc>
-              <a:tabLst>
-                <a:tab pos="0" algn="l"/>
-              </a:tabLst>
-            </a:pPr>
-            <a:r>
-              <a:rPr lang="fr-FR" b="1" strike="noStrike" spc="-1" dirty="0">
-                <a:solidFill>
-                  <a:schemeClr val="bg1"/>
-                </a:solidFill>
-                <a:latin typeface="Trebuchet MS"/>
-                <a:ea typeface="Trebuchet MS"/>
-              </a:rPr>
-              <a:t>(0) Mise en forme / Filtrage</a:t>
-            </a:r>
-            <a:endParaRPr lang="fr-FR" b="0" strike="noStrike" spc="-1" dirty="0">
-              <a:solidFill>
-                <a:schemeClr val="bg1"/>
-              </a:solidFill>
-              <a:latin typeface="Arial"/>
-            </a:endParaRPr>
-          </a:p>
-        </p:txBody>
-      </p:sp>
-      <p:sp>
-        <p:nvSpPr>
-          <p:cNvPr id="8" name="CustomShape 3">
-            <a:extLst>
-              <a:ext uri="{FF2B5EF4-FFF2-40B4-BE49-F238E27FC236}">
-                <a16:creationId xmlns:a16="http://schemas.microsoft.com/office/drawing/2014/main" id="{CC746637-A5C0-E84F-582D-ABD37AFAAEBB}"/>
-              </a:ext>
-            </a:extLst>
-          </p:cNvPr>
-          <p:cNvSpPr/>
-          <p:nvPr/>
-        </p:nvSpPr>
-        <p:spPr>
-          <a:xfrm>
-            <a:off x="7637136" y="4055814"/>
-            <a:ext cx="2880851" cy="461665"/>
-          </a:xfrm>
-          <a:prstGeom prst="rect">
-            <a:avLst/>
-          </a:prstGeom>
-          <a:solidFill>
-            <a:srgbClr val="00B0F0"/>
-          </a:solidFill>
-          <a:ln w="0">
-            <a:noFill/>
-          </a:ln>
-        </p:spPr>
-        <p:style>
-          <a:lnRef idx="0">
-            <a:scrgbClr r="0" g="0" b="0"/>
-          </a:lnRef>
-          <a:fillRef idx="0">
-            <a:scrgbClr r="0" g="0" b="0"/>
-          </a:fillRef>
-          <a:effectRef idx="0">
-            <a:scrgbClr r="0" g="0" b="0"/>
-          </a:effectRef>
-          <a:fontRef idx="minor"/>
-        </p:style>
-        <p:txBody>
-          <a:bodyPr wrap="square" tIns="91440" bIns="91440">
-            <a:spAutoFit/>
-          </a:bodyPr>
-          <a:lstStyle/>
-          <a:p>
-            <a:pPr algn="ctr">
-              <a:lnSpc>
-                <a:spcPct val="100000"/>
-              </a:lnSpc>
-              <a:tabLst>
-                <a:tab pos="0" algn="l"/>
-              </a:tabLst>
-            </a:pPr>
-            <a:r>
-              <a:rPr lang="fr-FR" b="1" strike="noStrike" spc="-1" dirty="0">
-                <a:solidFill>
-                  <a:schemeClr val="bg1"/>
-                </a:solidFill>
-                <a:latin typeface="Trebuchet MS"/>
-                <a:ea typeface="Trebuchet MS"/>
-              </a:rPr>
-              <a:t>(1) Numérique</a:t>
-            </a:r>
-            <a:endParaRPr lang="fr-FR" b="0" strike="noStrike" spc="-1" dirty="0">
-              <a:solidFill>
-                <a:schemeClr val="bg1"/>
-              </a:solidFill>
-              <a:latin typeface="Arial"/>
-            </a:endParaRPr>
-          </a:p>
-        </p:txBody>
-      </p:sp>
-      <p:sp>
-        <p:nvSpPr>
-          <p:cNvPr id="9" name="CustomShape 3">
-            <a:extLst>
-              <a:ext uri="{FF2B5EF4-FFF2-40B4-BE49-F238E27FC236}">
-                <a16:creationId xmlns:a16="http://schemas.microsoft.com/office/drawing/2014/main" id="{CF0AB962-9DE7-E1D9-4490-202562E9E914}"/>
-              </a:ext>
-            </a:extLst>
-          </p:cNvPr>
-          <p:cNvSpPr/>
-          <p:nvPr/>
-        </p:nvSpPr>
-        <p:spPr>
-          <a:xfrm>
-            <a:off x="6398273" y="4958644"/>
-            <a:ext cx="4112410" cy="461665"/>
-          </a:xfrm>
-          <a:prstGeom prst="rect">
-            <a:avLst/>
-          </a:prstGeom>
-          <a:solidFill>
-            <a:schemeClr val="accent1"/>
-          </a:solidFill>
-          <a:ln w="0">
-            <a:noFill/>
-          </a:ln>
-        </p:spPr>
-        <p:style>
-          <a:lnRef idx="0">
-            <a:scrgbClr r="0" g="0" b="0"/>
-          </a:lnRef>
-          <a:fillRef idx="0">
-            <a:scrgbClr r="0" g="0" b="0"/>
-          </a:fillRef>
-          <a:effectRef idx="0">
-            <a:scrgbClr r="0" g="0" b="0"/>
-          </a:effectRef>
-          <a:fontRef idx="minor"/>
-        </p:style>
-        <p:txBody>
-          <a:bodyPr wrap="square" tIns="91440" bIns="91440">
-            <a:spAutoFit/>
-          </a:bodyPr>
-          <a:lstStyle/>
-          <a:p>
-            <a:pPr algn="ctr">
-              <a:lnSpc>
-                <a:spcPct val="100000"/>
-              </a:lnSpc>
-              <a:tabLst>
-                <a:tab pos="0" algn="l"/>
-              </a:tabLst>
-            </a:pPr>
-            <a:r>
-              <a:rPr lang="fr-FR" b="1" strike="noStrike" spc="-1" dirty="0">
-                <a:solidFill>
-                  <a:schemeClr val="bg1"/>
-                </a:solidFill>
-                <a:latin typeface="Trebuchet MS"/>
-                <a:ea typeface="Trebuchet MS"/>
-              </a:rPr>
-              <a:t>(2) </a:t>
-            </a:r>
-            <a:r>
-              <a:rPr lang="fr-FR" b="1" strike="noStrike" spc="-1" dirty="0" err="1">
-                <a:solidFill>
-                  <a:schemeClr val="bg1"/>
-                </a:solidFill>
-                <a:latin typeface="Trebuchet MS"/>
-                <a:ea typeface="Trebuchet MS"/>
-              </a:rPr>
-              <a:t>Photodétection</a:t>
-            </a:r>
-            <a:endParaRPr lang="fr-FR" b="0" strike="noStrike" spc="-1" dirty="0">
-              <a:solidFill>
-                <a:schemeClr val="bg1"/>
-              </a:solidFill>
-              <a:latin typeface="Arial"/>
-            </a:endParaRPr>
-          </a:p>
-        </p:txBody>
-      </p:sp>
-      <p:sp>
-        <p:nvSpPr>
-          <p:cNvPr id="10" name="CustomShape 3">
-            <a:extLst>
-              <a:ext uri="{FF2B5EF4-FFF2-40B4-BE49-F238E27FC236}">
-                <a16:creationId xmlns:a16="http://schemas.microsoft.com/office/drawing/2014/main" id="{A61C3286-2A0C-70A6-2DDF-F1F775C29179}"/>
-              </a:ext>
-            </a:extLst>
-          </p:cNvPr>
-          <p:cNvSpPr/>
-          <p:nvPr/>
-        </p:nvSpPr>
-        <p:spPr>
-          <a:xfrm>
-            <a:off x="6405577" y="4055812"/>
-            <a:ext cx="1058133" cy="461665"/>
-          </a:xfrm>
-          <a:prstGeom prst="rect">
-            <a:avLst/>
-          </a:prstGeom>
-          <a:solidFill>
-            <a:srgbClr val="7030A0">
-              <a:alpha val="41000"/>
-            </a:srgbClr>
-          </a:solidFill>
-          <a:ln w="0">
-            <a:noFill/>
-          </a:ln>
-        </p:spPr>
-        <p:style>
-          <a:lnRef idx="0">
-            <a:scrgbClr r="0" g="0" b="0"/>
-          </a:lnRef>
-          <a:fillRef idx="0">
-            <a:scrgbClr r="0" g="0" b="0"/>
-          </a:fillRef>
-          <a:effectRef idx="0">
-            <a:scrgbClr r="0" g="0" b="0"/>
-          </a:effectRef>
-          <a:fontRef idx="minor"/>
-        </p:style>
-        <p:txBody>
-          <a:bodyPr wrap="square" tIns="91440" bIns="91440">
-            <a:spAutoFit/>
-          </a:bodyPr>
-          <a:lstStyle/>
-          <a:p>
-            <a:pPr algn="ctr">
-              <a:lnSpc>
-                <a:spcPct val="100000"/>
-              </a:lnSpc>
-              <a:tabLst>
-                <a:tab pos="0" algn="l"/>
-              </a:tabLst>
-            </a:pPr>
-            <a:r>
-              <a:rPr lang="fr-FR" b="1" strike="noStrike" spc="-1" dirty="0">
-                <a:solidFill>
-                  <a:schemeClr val="bg1"/>
-                </a:solidFill>
-                <a:latin typeface="Trebuchet MS"/>
-                <a:ea typeface="Trebuchet MS"/>
-              </a:rPr>
-              <a:t>EVAL</a:t>
-            </a:r>
-            <a:endParaRPr lang="fr-FR" b="0" strike="noStrike" spc="-1" dirty="0">
-              <a:solidFill>
-                <a:schemeClr val="bg1"/>
-              </a:solidFill>
-              <a:latin typeface="Arial"/>
-            </a:endParaRPr>
-          </a:p>
-        </p:txBody>
-      </p:sp>
-      <p:sp>
-        <p:nvSpPr>
-          <p:cNvPr id="11" name="CustomShape 3">
-            <a:extLst>
-              <a:ext uri="{FF2B5EF4-FFF2-40B4-BE49-F238E27FC236}">
-                <a16:creationId xmlns:a16="http://schemas.microsoft.com/office/drawing/2014/main" id="{2FDE2B16-2548-C1E6-0E9B-7820D7684A21}"/>
-              </a:ext>
-            </a:extLst>
-          </p:cNvPr>
-          <p:cNvSpPr/>
-          <p:nvPr/>
-        </p:nvSpPr>
-        <p:spPr>
-          <a:xfrm>
-            <a:off x="10722472" y="3152987"/>
-            <a:ext cx="353961" cy="461665"/>
-          </a:xfrm>
-          <a:prstGeom prst="rect">
-            <a:avLst/>
-          </a:prstGeom>
-          <a:solidFill>
-            <a:schemeClr val="accent6"/>
-          </a:solidFill>
-          <a:ln w="0">
-            <a:noFill/>
-          </a:ln>
-        </p:spPr>
-        <p:style>
-          <a:lnRef idx="0">
-            <a:scrgbClr r="0" g="0" b="0"/>
-          </a:lnRef>
-          <a:fillRef idx="0">
-            <a:scrgbClr r="0" g="0" b="0"/>
-          </a:fillRef>
-          <a:effectRef idx="0">
-            <a:scrgbClr r="0" g="0" b="0"/>
-          </a:effectRef>
-          <a:fontRef idx="minor"/>
-        </p:style>
-        <p:txBody>
-          <a:bodyPr wrap="square" tIns="91440" bIns="91440">
-            <a:spAutoFit/>
-          </a:bodyPr>
-          <a:lstStyle/>
-          <a:p>
-            <a:pPr algn="ctr">
-              <a:lnSpc>
-                <a:spcPct val="100000"/>
-              </a:lnSpc>
-              <a:tabLst>
-                <a:tab pos="0" algn="l"/>
-              </a:tabLst>
-            </a:pPr>
-            <a:r>
-              <a:rPr lang="fr-FR" b="1" strike="noStrike" spc="-1" dirty="0">
-                <a:solidFill>
-                  <a:schemeClr val="bg1"/>
-                </a:solidFill>
-                <a:latin typeface="Trebuchet MS"/>
-                <a:ea typeface="Trebuchet MS"/>
-              </a:rPr>
-              <a:t>2</a:t>
-            </a:r>
-            <a:endParaRPr lang="fr-FR" b="0" strike="noStrike" spc="-1" dirty="0">
-              <a:solidFill>
-                <a:schemeClr val="bg1"/>
-              </a:solidFill>
-              <a:latin typeface="Arial"/>
-            </a:endParaRPr>
-          </a:p>
-        </p:txBody>
-      </p:sp>
-      <p:sp>
-        <p:nvSpPr>
-          <p:cNvPr id="12" name="CustomShape 3">
-            <a:extLst>
-              <a:ext uri="{FF2B5EF4-FFF2-40B4-BE49-F238E27FC236}">
-                <a16:creationId xmlns:a16="http://schemas.microsoft.com/office/drawing/2014/main" id="{3863AC09-D5AC-7D53-2A15-D0E5EC7B1BC1}"/>
-              </a:ext>
-            </a:extLst>
-          </p:cNvPr>
-          <p:cNvSpPr/>
-          <p:nvPr/>
-        </p:nvSpPr>
-        <p:spPr>
-          <a:xfrm>
-            <a:off x="10729775" y="4055813"/>
-            <a:ext cx="353962" cy="461665"/>
-          </a:xfrm>
-          <a:prstGeom prst="rect">
-            <a:avLst/>
-          </a:prstGeom>
-          <a:solidFill>
-            <a:srgbClr val="00B0F0"/>
-          </a:solidFill>
-          <a:ln w="0">
-            <a:noFill/>
-          </a:ln>
-        </p:spPr>
-        <p:style>
-          <a:lnRef idx="0">
-            <a:scrgbClr r="0" g="0" b="0"/>
-          </a:lnRef>
-          <a:fillRef idx="0">
-            <a:scrgbClr r="0" g="0" b="0"/>
-          </a:fillRef>
-          <a:effectRef idx="0">
-            <a:scrgbClr r="0" g="0" b="0"/>
-          </a:effectRef>
-          <a:fontRef idx="minor"/>
-        </p:style>
-        <p:txBody>
-          <a:bodyPr wrap="square" tIns="91440" bIns="91440">
-            <a:spAutoFit/>
-          </a:bodyPr>
-          <a:lstStyle/>
-          <a:p>
-            <a:pPr algn="ctr">
-              <a:lnSpc>
-                <a:spcPct val="100000"/>
-              </a:lnSpc>
-              <a:tabLst>
-                <a:tab pos="0" algn="l"/>
-              </a:tabLst>
-            </a:pPr>
-            <a:r>
-              <a:rPr lang="fr-FR" b="1" spc="-1" dirty="0">
-                <a:solidFill>
-                  <a:schemeClr val="bg1"/>
-                </a:solidFill>
-                <a:latin typeface="Trebuchet MS"/>
-              </a:rPr>
-              <a:t>2</a:t>
-            </a:r>
-            <a:endParaRPr lang="fr-FR" b="0" strike="noStrike" spc="-1" dirty="0">
-              <a:solidFill>
-                <a:schemeClr val="bg1"/>
-              </a:solidFill>
-              <a:latin typeface="Arial"/>
-            </a:endParaRPr>
-          </a:p>
-        </p:txBody>
-      </p:sp>
-      <p:sp>
-        <p:nvSpPr>
-          <p:cNvPr id="13" name="CustomShape 3">
-            <a:extLst>
-              <a:ext uri="{FF2B5EF4-FFF2-40B4-BE49-F238E27FC236}">
-                <a16:creationId xmlns:a16="http://schemas.microsoft.com/office/drawing/2014/main" id="{D7F9B555-1C2E-D962-B9D0-B8A2FA3DD1A3}"/>
-              </a:ext>
-            </a:extLst>
-          </p:cNvPr>
-          <p:cNvSpPr/>
-          <p:nvPr/>
-        </p:nvSpPr>
-        <p:spPr>
-          <a:xfrm>
-            <a:off x="10729775" y="4947063"/>
-            <a:ext cx="353962" cy="461665"/>
-          </a:xfrm>
-          <a:prstGeom prst="rect">
-            <a:avLst/>
-          </a:prstGeom>
-          <a:solidFill>
-            <a:schemeClr val="accent1"/>
-          </a:solidFill>
-          <a:ln w="0">
-            <a:noFill/>
-          </a:ln>
-        </p:spPr>
-        <p:style>
-          <a:lnRef idx="0">
-            <a:scrgbClr r="0" g="0" b="0"/>
-          </a:lnRef>
-          <a:fillRef idx="0">
-            <a:scrgbClr r="0" g="0" b="0"/>
-          </a:fillRef>
-          <a:effectRef idx="0">
-            <a:scrgbClr r="0" g="0" b="0"/>
-          </a:effectRef>
-          <a:fontRef idx="minor"/>
-        </p:style>
-        <p:txBody>
-          <a:bodyPr wrap="square" tIns="91440" bIns="91440">
-            <a:spAutoFit/>
-          </a:bodyPr>
-          <a:lstStyle/>
-          <a:p>
-            <a:pPr algn="ctr">
-              <a:lnSpc>
-                <a:spcPct val="100000"/>
-              </a:lnSpc>
-              <a:tabLst>
-                <a:tab pos="0" algn="l"/>
-              </a:tabLst>
-            </a:pPr>
-            <a:r>
-              <a:rPr lang="fr-FR" b="1" strike="noStrike" spc="-1" dirty="0">
-                <a:solidFill>
-                  <a:schemeClr val="bg1"/>
-                </a:solidFill>
-                <a:latin typeface="Trebuchet MS"/>
-                <a:ea typeface="Trebuchet MS"/>
-              </a:rPr>
-              <a:t>2</a:t>
-            </a:r>
-          </a:p>
-        </p:txBody>
-      </p:sp>
-      <p:sp>
-        <p:nvSpPr>
-          <p:cNvPr id="14" name="ZoneTexte 13">
-            <a:extLst>
-              <a:ext uri="{FF2B5EF4-FFF2-40B4-BE49-F238E27FC236}">
-                <a16:creationId xmlns:a16="http://schemas.microsoft.com/office/drawing/2014/main" id="{612FD6F0-4BC0-183E-81D5-6FB02D3E1172}"/>
-              </a:ext>
-            </a:extLst>
-          </p:cNvPr>
-          <p:cNvSpPr txBox="1"/>
-          <p:nvPr/>
-        </p:nvSpPr>
-        <p:spPr>
-          <a:xfrm>
-            <a:off x="9114503" y="4583531"/>
-            <a:ext cx="1969234" cy="307777"/>
-          </a:xfrm>
-          <a:prstGeom prst="rect">
-            <a:avLst/>
-          </a:prstGeom>
-          <a:solidFill>
-            <a:srgbClr val="0070C0">
-              <a:alpha val="41000"/>
-            </a:srgbClr>
-          </a:solidFill>
-        </p:spPr>
-        <p:txBody>
-          <a:bodyPr wrap="square" rtlCol="0">
-            <a:spAutoFit/>
-          </a:bodyPr>
-          <a:lstStyle/>
-          <a:p>
-            <a:pPr algn="ctr"/>
-            <a:r>
-              <a:rPr lang="fr-FR" sz="1400" dirty="0">
-                <a:solidFill>
-                  <a:schemeClr val="bg1"/>
-                </a:solidFill>
-              </a:rPr>
-              <a:t>Synthèse Thème 1</a:t>
-            </a:r>
-          </a:p>
-        </p:txBody>
-      </p:sp>
-      <p:sp>
-        <p:nvSpPr>
-          <p:cNvPr id="15" name="ZoneTexte 14">
-            <a:extLst>
-              <a:ext uri="{FF2B5EF4-FFF2-40B4-BE49-F238E27FC236}">
-                <a16:creationId xmlns:a16="http://schemas.microsoft.com/office/drawing/2014/main" id="{0F18C07D-9D15-7265-F478-18A6FC2479CE}"/>
-              </a:ext>
-            </a:extLst>
-          </p:cNvPr>
-          <p:cNvSpPr txBox="1"/>
-          <p:nvPr/>
-        </p:nvSpPr>
-        <p:spPr>
-          <a:xfrm>
-            <a:off x="9114503" y="5476064"/>
-            <a:ext cx="1969234" cy="307777"/>
-          </a:xfrm>
-          <a:prstGeom prst="rect">
-            <a:avLst/>
-          </a:prstGeom>
-          <a:solidFill>
-            <a:srgbClr val="0070C0">
-              <a:alpha val="41000"/>
-            </a:srgbClr>
-          </a:solidFill>
-        </p:spPr>
-        <p:txBody>
-          <a:bodyPr wrap="square" rtlCol="0">
-            <a:spAutoFit/>
-          </a:bodyPr>
-          <a:lstStyle/>
-          <a:p>
-            <a:pPr algn="ctr"/>
-            <a:r>
-              <a:rPr lang="fr-FR" sz="1400" dirty="0">
-                <a:solidFill>
-                  <a:schemeClr val="bg1"/>
-                </a:solidFill>
-              </a:rPr>
-              <a:t>Synthèse Thème 2</a:t>
+              <a:rPr lang="fr-FR" sz="1800" dirty="0"/>
+              <a:t>Sujet sous forme de mission</a:t>
             </a:r>
           </a:p>
         </p:txBody>
@@ -12894,7 +13998,7 @@
     </p:spTree>
     <p:extLst>
       <p:ext uri="{BB962C8B-B14F-4D97-AF65-F5344CB8AC3E}">
-        <p14:creationId xmlns:p14="http://schemas.microsoft.com/office/powerpoint/2010/main" val="2095487722"/>
+        <p14:creationId xmlns:p14="http://schemas.microsoft.com/office/powerpoint/2010/main" val="2027090039"/>
       </p:ext>
     </p:extLst>
   </p:cSld>
@@ -12923,10 +14027,338 @@
       </p:grpSpPr>
       <p:sp>
         <p:nvSpPr>
-          <p:cNvPr id="8" name="CustomShape 3">
-            <a:extLst>
-              <a:ext uri="{FF2B5EF4-FFF2-40B4-BE49-F238E27FC236}">
-                <a16:creationId xmlns:a16="http://schemas.microsoft.com/office/drawing/2014/main" id="{55DDE97B-923A-BC23-890F-95DFE68EEB05}"/>
+          <p:cNvPr id="11" name="ZoneTexte 10">
+            <a:extLst>
+              <a:ext uri="{FF2B5EF4-FFF2-40B4-BE49-F238E27FC236}">
+                <a16:creationId xmlns:a16="http://schemas.microsoft.com/office/drawing/2014/main" id="{E27666BA-22B6-E4C4-2959-6BC3211A97E5}"/>
+              </a:ext>
+            </a:extLst>
+          </p:cNvPr>
+          <p:cNvSpPr txBox="1"/>
+          <p:nvPr/>
+        </p:nvSpPr>
+        <p:spPr>
+          <a:xfrm>
+            <a:off x="6096000" y="2159949"/>
+            <a:ext cx="5599078" cy="4247317"/>
+          </a:xfrm>
+          <a:prstGeom prst="rect">
+            <a:avLst/>
+          </a:prstGeom>
+          <a:noFill/>
+        </p:spPr>
+        <p:txBody>
+          <a:bodyPr wrap="square">
+            <a:spAutoFit/>
+          </a:bodyPr>
+          <a:lstStyle/>
+          <a:p>
+            <a:pPr algn="just" fontAlgn="base"/>
+            <a:r>
+              <a:rPr lang="fr-FR" b="0" i="0" dirty="0">
+                <a:solidFill>
+                  <a:srgbClr val="666666"/>
+                </a:solidFill>
+                <a:effectLst/>
+                <a:latin typeface="Lato" panose="020F0502020204030203" pitchFamily="34" charset="0"/>
+              </a:rPr>
+              <a:t>	</a:t>
+            </a:r>
+            <a:r>
+              <a:rPr lang="fr-FR" b="0" i="0" dirty="0" err="1">
+                <a:solidFill>
+                  <a:srgbClr val="666666"/>
+                </a:solidFill>
+                <a:effectLst/>
+                <a:latin typeface="Lato" panose="020F0502020204030203" pitchFamily="34" charset="0"/>
+              </a:rPr>
+              <a:t>Un.e</a:t>
+            </a:r>
+            <a:r>
+              <a:rPr lang="fr-FR" b="0" i="0" dirty="0">
+                <a:solidFill>
+                  <a:srgbClr val="666666"/>
+                </a:solidFill>
+                <a:effectLst/>
+                <a:latin typeface="Lato" panose="020F0502020204030203" pitchFamily="34" charset="0"/>
+              </a:rPr>
+              <a:t> artiste souhaite développer une </a:t>
+            </a:r>
+            <a:r>
+              <a:rPr lang="fr-FR" b="1" i="0" dirty="0">
+                <a:solidFill>
+                  <a:srgbClr val="666666"/>
+                </a:solidFill>
+                <a:effectLst/>
+                <a:latin typeface="inherit"/>
+              </a:rPr>
+              <a:t>œuvre dont l’éclairage</a:t>
+            </a:r>
+            <a:r>
+              <a:rPr lang="fr-FR" b="0" i="0" dirty="0">
+                <a:solidFill>
+                  <a:srgbClr val="666666"/>
+                </a:solidFill>
+                <a:effectLst/>
+                <a:latin typeface="Lato" panose="020F0502020204030203" pitchFamily="34" charset="0"/>
+              </a:rPr>
+              <a:t>, à LED, </a:t>
+            </a:r>
+            <a:r>
+              <a:rPr lang="fr-FR" b="1" i="0" dirty="0">
+                <a:solidFill>
+                  <a:srgbClr val="666666"/>
+                </a:solidFill>
+                <a:effectLst/>
+                <a:latin typeface="inherit"/>
+              </a:rPr>
+              <a:t>varie en fonction du volume sonore ambiant</a:t>
+            </a:r>
+            <a:r>
+              <a:rPr lang="fr-FR" b="0" i="0" dirty="0">
+                <a:solidFill>
+                  <a:srgbClr val="666666"/>
+                </a:solidFill>
+                <a:effectLst/>
+                <a:latin typeface="Lato" panose="020F0502020204030203" pitchFamily="34" charset="0"/>
+              </a:rPr>
+              <a:t> (principalement le son produit par les voix des visiteurs).</a:t>
+            </a:r>
+          </a:p>
+          <a:p>
+            <a:pPr algn="just" fontAlgn="base"/>
+            <a:r>
+              <a:rPr lang="fr-FR" b="0" i="0" dirty="0">
+                <a:solidFill>
+                  <a:srgbClr val="666666"/>
+                </a:solidFill>
+                <a:effectLst/>
+                <a:latin typeface="Lato" panose="020F0502020204030203" pitchFamily="34" charset="0"/>
+              </a:rPr>
+              <a:t>	</a:t>
+            </a:r>
+            <a:r>
+              <a:rPr lang="fr-FR" b="0" i="0" dirty="0" err="1">
+                <a:solidFill>
+                  <a:srgbClr val="666666"/>
+                </a:solidFill>
+                <a:effectLst/>
+                <a:latin typeface="Lato" panose="020F0502020204030203" pitchFamily="34" charset="0"/>
+              </a:rPr>
+              <a:t>Il.elle</a:t>
+            </a:r>
+            <a:r>
+              <a:rPr lang="fr-FR" b="0" i="0" dirty="0">
+                <a:solidFill>
+                  <a:srgbClr val="666666"/>
+                </a:solidFill>
+                <a:effectLst/>
+                <a:latin typeface="Lato" panose="020F0502020204030203" pitchFamily="34" charset="0"/>
+              </a:rPr>
+              <a:t> a pour cela l’intention de réaliser un premier prototype basé sur une </a:t>
+            </a:r>
+            <a:r>
+              <a:rPr lang="fr-FR" b="1" i="0" dirty="0">
+                <a:solidFill>
+                  <a:srgbClr val="666666"/>
+                </a:solidFill>
+                <a:effectLst/>
+                <a:latin typeface="inherit"/>
+              </a:rPr>
+              <a:t>carte Nucléo</a:t>
+            </a:r>
+            <a:r>
+              <a:rPr lang="fr-FR" b="0" i="0" dirty="0">
+                <a:solidFill>
+                  <a:srgbClr val="666666"/>
+                </a:solidFill>
+                <a:effectLst/>
+                <a:latin typeface="Lato" panose="020F0502020204030203" pitchFamily="34" charset="0"/>
+              </a:rPr>
+              <a:t>, </a:t>
+            </a:r>
+            <a:r>
+              <a:rPr lang="fr-FR" b="1" i="0" dirty="0">
+                <a:solidFill>
+                  <a:srgbClr val="666666"/>
+                </a:solidFill>
+                <a:effectLst/>
+                <a:latin typeface="inherit"/>
+              </a:rPr>
+              <a:t>quelques </a:t>
+            </a:r>
+            <a:r>
+              <a:rPr lang="fr-FR" b="1" i="0" dirty="0" err="1">
+                <a:solidFill>
+                  <a:srgbClr val="666666"/>
+                </a:solidFill>
+                <a:effectLst/>
+                <a:latin typeface="inherit"/>
+              </a:rPr>
+              <a:t>LEDs</a:t>
+            </a:r>
+            <a:r>
+              <a:rPr lang="fr-FR" b="0" i="0" dirty="0">
+                <a:solidFill>
+                  <a:srgbClr val="666666"/>
+                </a:solidFill>
+                <a:effectLst/>
+                <a:latin typeface="Lato" panose="020F0502020204030203" pitchFamily="34" charset="0"/>
+              </a:rPr>
+              <a:t> de type </a:t>
+            </a:r>
+            <a:r>
+              <a:rPr lang="fr-FR" b="0" i="0" u="none" strike="noStrike" dirty="0" err="1">
+                <a:solidFill>
+                  <a:srgbClr val="FF960A"/>
+                </a:solidFill>
+                <a:effectLst/>
+                <a:latin typeface="inherit"/>
+                <a:hlinkClick r:id="rId2"/>
+              </a:rPr>
+              <a:t>Kingbright</a:t>
+            </a:r>
+            <a:r>
+              <a:rPr lang="fr-FR" b="0" i="0" u="none" strike="noStrike" dirty="0">
+                <a:solidFill>
+                  <a:srgbClr val="FF960A"/>
+                </a:solidFill>
+                <a:effectLst/>
+                <a:latin typeface="inherit"/>
+                <a:hlinkClick r:id="rId2"/>
+              </a:rPr>
+              <a:t> L-53ND</a:t>
+            </a:r>
+            <a:r>
+              <a:rPr lang="fr-FR" b="0" i="0" dirty="0">
+                <a:solidFill>
+                  <a:srgbClr val="666666"/>
+                </a:solidFill>
+                <a:effectLst/>
+                <a:latin typeface="Lato" panose="020F0502020204030203" pitchFamily="34" charset="0"/>
+              </a:rPr>
+              <a:t> . Il a également déjà récupéré un </a:t>
+            </a:r>
+            <a:r>
+              <a:rPr lang="fr-FR" b="1" i="0" dirty="0">
+                <a:solidFill>
+                  <a:srgbClr val="666666"/>
+                </a:solidFill>
+                <a:effectLst/>
+                <a:latin typeface="inherit"/>
+              </a:rPr>
+              <a:t>micro </a:t>
+            </a:r>
+            <a:r>
+              <a:rPr lang="fr-FR" b="1" i="0" dirty="0" err="1">
+                <a:solidFill>
+                  <a:srgbClr val="666666"/>
+                </a:solidFill>
+                <a:effectLst/>
+                <a:latin typeface="inherit"/>
+              </a:rPr>
+              <a:t>pré-amplifié</a:t>
+            </a:r>
+            <a:r>
+              <a:rPr lang="fr-FR" b="0" i="0" dirty="0">
+                <a:solidFill>
+                  <a:srgbClr val="666666"/>
+                </a:solidFill>
+                <a:effectLst/>
+                <a:latin typeface="Lato" panose="020F0502020204030203" pitchFamily="34" charset="0"/>
+              </a:rPr>
+              <a:t> lui fournissant un signal analogique dont la tension est comprise entre 0 et 10V (pour rappel, la voix a des fréquences comprises entre 200 et 3000 Hz).</a:t>
+            </a:r>
+          </a:p>
+          <a:p>
+            <a:pPr algn="just" fontAlgn="base"/>
+            <a:r>
+              <a:rPr lang="fr-FR" b="0" i="0" dirty="0">
+                <a:solidFill>
+                  <a:srgbClr val="666666"/>
+                </a:solidFill>
+                <a:effectLst/>
+                <a:latin typeface="Lato" panose="020F0502020204030203" pitchFamily="34" charset="0"/>
+              </a:rPr>
+              <a:t>	En tant qu’expert-conseil en électronique, indiquez-lui la marche à suivre pour réaliser ce prototype dans le cadre d’une application embarquée. </a:t>
+            </a:r>
+          </a:p>
+        </p:txBody>
+      </p:sp>
+      <p:sp>
+        <p:nvSpPr>
+          <p:cNvPr id="2" name="Titre 1">
+            <a:extLst>
+              <a:ext uri="{FF2B5EF4-FFF2-40B4-BE49-F238E27FC236}">
+                <a16:creationId xmlns:a16="http://schemas.microsoft.com/office/drawing/2014/main" id="{90162AE8-C1B0-5C56-8313-DEE494F38273}"/>
+              </a:ext>
+            </a:extLst>
+          </p:cNvPr>
+          <p:cNvSpPr>
+            <a:spLocks noGrp="1"/>
+          </p:cNvSpPr>
+          <p:nvPr>
+            <p:ph type="title"/>
+          </p:nvPr>
+        </p:nvSpPr>
+        <p:spPr/>
+        <p:txBody>
+          <a:bodyPr/>
+          <a:lstStyle/>
+          <a:p>
+            <a:r>
+              <a:rPr lang="fr-FR" dirty="0" err="1"/>
+              <a:t>CéTI</a:t>
+            </a:r>
+            <a:r>
+              <a:rPr lang="fr-FR" dirty="0"/>
+              <a:t> / TP / Déroulement</a:t>
+            </a:r>
+          </a:p>
+        </p:txBody>
+      </p:sp>
+      <p:pic>
+        <p:nvPicPr>
+          <p:cNvPr id="5" name="Image 4" descr="Une image contenant texte&#10;&#10;Description générée automatiquement">
+            <a:extLst>
+              <a:ext uri="{FF2B5EF4-FFF2-40B4-BE49-F238E27FC236}">
+                <a16:creationId xmlns:a16="http://schemas.microsoft.com/office/drawing/2014/main" id="{204ADC40-1D61-539F-22ED-6B21D67FBDE6}"/>
+              </a:ext>
+            </a:extLst>
+          </p:cNvPr>
+          <p:cNvPicPr>
+            <a:picLocks noChangeAspect="1"/>
+          </p:cNvPicPr>
+          <p:nvPr/>
+        </p:nvPicPr>
+        <p:blipFill>
+          <a:blip r:embed="rId3" cstate="print">
+            <a:extLst>
+              <a:ext uri="{28A0092B-C50C-407E-A947-70E740481C1C}">
+                <a14:useLocalDpi xmlns:a14="http://schemas.microsoft.com/office/drawing/2010/main" val="0"/>
+              </a:ext>
+            </a:extLst>
+          </a:blip>
+          <a:stretch>
+            <a:fillRect/>
+          </a:stretch>
+        </p:blipFill>
+        <p:spPr>
+          <a:xfrm>
+            <a:off x="202922" y="5934456"/>
+            <a:ext cx="1825291" cy="749808"/>
+          </a:xfrm>
+          <a:prstGeom prst="rect">
+            <a:avLst/>
+          </a:prstGeom>
+        </p:spPr>
+      </p:pic>
+      <p:sp>
+        <p:nvSpPr>
+          <p:cNvPr id="3" name="CustomShape 3">
+            <a:extLst>
+              <a:ext uri="{FF2B5EF4-FFF2-40B4-BE49-F238E27FC236}">
+                <a16:creationId xmlns:a16="http://schemas.microsoft.com/office/drawing/2014/main" id="{D0B66582-DD89-E125-987B-BF9482C13816}"/>
               </a:ext>
             </a:extLst>
           </p:cNvPr>
@@ -12935,8 +14367,8 @@
         </p:nvSpPr>
         <p:spPr>
           <a:xfrm>
-            <a:off x="3785605" y="5749790"/>
-            <a:ext cx="1887607" cy="369332"/>
+            <a:off x="1115567" y="2440602"/>
+            <a:ext cx="4685465" cy="492443"/>
           </a:xfrm>
           <a:prstGeom prst="rect">
             <a:avLst/>
@@ -12975,228 +14407,6 @@
               </a:tabLst>
             </a:pPr>
             <a:r>
-              <a:rPr lang="fr-FR" sz="1200" b="1" strike="noStrike" spc="-1" dirty="0">
-                <a:solidFill>
-                  <a:schemeClr val="bg1"/>
-                </a:solidFill>
-                <a:latin typeface="Trebuchet MS"/>
-                <a:ea typeface="Trebuchet MS"/>
-              </a:rPr>
-              <a:t>(1) Numérique</a:t>
-            </a:r>
-            <a:endParaRPr lang="fr-FR" sz="1200" b="0" strike="noStrike" spc="-1" dirty="0">
-              <a:solidFill>
-                <a:schemeClr val="bg1"/>
-              </a:solidFill>
-              <a:latin typeface="Arial"/>
-            </a:endParaRPr>
-          </a:p>
-        </p:txBody>
-      </p:sp>
-      <p:sp>
-        <p:nvSpPr>
-          <p:cNvPr id="2" name="Titre 1">
-            <a:extLst>
-              <a:ext uri="{FF2B5EF4-FFF2-40B4-BE49-F238E27FC236}">
-                <a16:creationId xmlns:a16="http://schemas.microsoft.com/office/drawing/2014/main" id="{90162AE8-C1B0-5C56-8313-DEE494F38273}"/>
-              </a:ext>
-            </a:extLst>
-          </p:cNvPr>
-          <p:cNvSpPr>
-            <a:spLocks noGrp="1"/>
-          </p:cNvSpPr>
-          <p:nvPr>
-            <p:ph type="title"/>
-          </p:nvPr>
-        </p:nvSpPr>
-        <p:spPr/>
-        <p:txBody>
-          <a:bodyPr/>
-          <a:lstStyle/>
-          <a:p>
-            <a:r>
-              <a:rPr lang="fr-FR" dirty="0" err="1"/>
-              <a:t>CéTI</a:t>
-            </a:r>
-            <a:r>
-              <a:rPr lang="fr-FR" dirty="0"/>
-              <a:t> / TP / Evaluations</a:t>
-            </a:r>
-          </a:p>
-        </p:txBody>
-      </p:sp>
-      <p:pic>
-        <p:nvPicPr>
-          <p:cNvPr id="5" name="Image 4" descr="Une image contenant texte&#10;&#10;Description générée automatiquement">
-            <a:extLst>
-              <a:ext uri="{FF2B5EF4-FFF2-40B4-BE49-F238E27FC236}">
-                <a16:creationId xmlns:a16="http://schemas.microsoft.com/office/drawing/2014/main" id="{204ADC40-1D61-539F-22ED-6B21D67FBDE6}"/>
-              </a:ext>
-            </a:extLst>
-          </p:cNvPr>
-          <p:cNvPicPr>
-            <a:picLocks noChangeAspect="1"/>
-          </p:cNvPicPr>
-          <p:nvPr/>
-        </p:nvPicPr>
-        <p:blipFill>
-          <a:blip r:embed="rId2" cstate="print">
-            <a:extLst>
-              <a:ext uri="{28A0092B-C50C-407E-A947-70E740481C1C}">
-                <a14:useLocalDpi xmlns:a14="http://schemas.microsoft.com/office/drawing/2010/main" val="0"/>
-              </a:ext>
-            </a:extLst>
-          </a:blip>
-          <a:stretch>
-            <a:fillRect/>
-          </a:stretch>
-        </p:blipFill>
-        <p:spPr>
-          <a:xfrm>
-            <a:off x="202922" y="5934456"/>
-            <a:ext cx="1825291" cy="749808"/>
-          </a:xfrm>
-          <a:prstGeom prst="rect">
-            <a:avLst/>
-          </a:prstGeom>
-        </p:spPr>
-      </p:pic>
-      <p:sp>
-        <p:nvSpPr>
-          <p:cNvPr id="21" name="CustomShape 3">
-            <a:extLst>
-              <a:ext uri="{FF2B5EF4-FFF2-40B4-BE49-F238E27FC236}">
-                <a16:creationId xmlns:a16="http://schemas.microsoft.com/office/drawing/2014/main" id="{C4F009B7-348E-6E4E-D3E6-A48A8134EA26}"/>
-              </a:ext>
-            </a:extLst>
-          </p:cNvPr>
-          <p:cNvSpPr/>
-          <p:nvPr/>
-        </p:nvSpPr>
-        <p:spPr>
-          <a:xfrm>
-            <a:off x="3785605" y="6210644"/>
-            <a:ext cx="1887607" cy="369332"/>
-          </a:xfrm>
-          <a:prstGeom prst="rect">
-            <a:avLst/>
-          </a:prstGeom>
-          <a:solidFill>
-            <a:schemeClr val="accent1"/>
-          </a:solidFill>
-          <a:ln w="0">
-            <a:noFill/>
-          </a:ln>
-        </p:spPr>
-        <p:style>
-          <a:lnRef idx="0">
-            <a:scrgbClr r="0" g="0" b="0"/>
-          </a:lnRef>
-          <a:fillRef idx="0">
-            <a:scrgbClr r="0" g="0" b="0"/>
-          </a:fillRef>
-          <a:effectRef idx="0">
-            <a:scrgbClr r="0" g="0" b="0"/>
-          </a:effectRef>
-          <a:fontRef idx="minor"/>
-        </p:style>
-        <p:txBody>
-          <a:bodyPr wrap="square" tIns="91440" bIns="91440">
-            <a:spAutoFit/>
-          </a:bodyPr>
-          <a:lstStyle/>
-          <a:p>
-            <a:pPr algn="ctr">
-              <a:lnSpc>
-                <a:spcPct val="100000"/>
-              </a:lnSpc>
-              <a:tabLst>
-                <a:tab pos="0" algn="l"/>
-              </a:tabLst>
-            </a:pPr>
-            <a:r>
-              <a:rPr lang="fr-FR" sz="1200" b="1" strike="noStrike" spc="-1" dirty="0">
-                <a:solidFill>
-                  <a:schemeClr val="bg1"/>
-                </a:solidFill>
-                <a:latin typeface="Trebuchet MS"/>
-                <a:ea typeface="Trebuchet MS"/>
-              </a:rPr>
-              <a:t>(2) </a:t>
-            </a:r>
-            <a:r>
-              <a:rPr lang="fr-FR" sz="1200" b="1" strike="noStrike" spc="-1" dirty="0" err="1">
-                <a:solidFill>
-                  <a:schemeClr val="bg1"/>
-                </a:solidFill>
-                <a:latin typeface="Trebuchet MS"/>
-                <a:ea typeface="Trebuchet MS"/>
-              </a:rPr>
-              <a:t>Photodétection</a:t>
-            </a:r>
-            <a:endParaRPr lang="fr-FR" sz="1200" b="0" strike="noStrike" spc="-1" dirty="0">
-              <a:solidFill>
-                <a:schemeClr val="bg1"/>
-              </a:solidFill>
-              <a:latin typeface="Arial"/>
-            </a:endParaRPr>
-          </a:p>
-        </p:txBody>
-      </p:sp>
-      <p:sp>
-        <p:nvSpPr>
-          <p:cNvPr id="3" name="CustomShape 3">
-            <a:extLst>
-              <a:ext uri="{FF2B5EF4-FFF2-40B4-BE49-F238E27FC236}">
-                <a16:creationId xmlns:a16="http://schemas.microsoft.com/office/drawing/2014/main" id="{3A2757AF-7204-5C84-F3F3-C24EF7A3A399}"/>
-              </a:ext>
-            </a:extLst>
-          </p:cNvPr>
-          <p:cNvSpPr/>
-          <p:nvPr/>
-        </p:nvSpPr>
-        <p:spPr>
-          <a:xfrm>
-            <a:off x="1115567" y="2440602"/>
-            <a:ext cx="4685465" cy="492443"/>
-          </a:xfrm>
-          <a:prstGeom prst="rect">
-            <a:avLst/>
-          </a:prstGeom>
-          <a:solidFill>
-            <a:srgbClr val="00B0F0"/>
-          </a:solidFill>
-          <a:ln w="0">
-            <a:noFill/>
-          </a:ln>
-        </p:spPr>
-        <p:style>
-          <a:lnRef idx="0">
-            <a:scrgbClr r="0" g="0" b="0"/>
-          </a:lnRef>
-          <a:fillRef idx="0">
-            <a:scrgbClr r="0" g="0" b="0"/>
-          </a:fillRef>
-          <a:effectRef idx="0">
-            <a:scrgbClr r="0" g="0" b="0"/>
-          </a:effectRef>
-          <a:fontRef idx="minor"/>
-        </p:style>
-        <p:txBody>
-          <a:bodyPr wrap="square" tIns="91440" bIns="91440">
-            <a:spAutoFit/>
-          </a:bodyPr>
-          <a:lstStyle/>
-          <a:p>
-            <a:pPr algn="ctr">
-              <a:lnSpc>
-                <a:spcPct val="100000"/>
-              </a:lnSpc>
-              <a:tabLst>
-                <a:tab pos="0" algn="l"/>
-              </a:tabLst>
-            </a:pPr>
-            <a:r>
               <a:rPr lang="fr-FR" sz="2000" b="1" strike="noStrike" spc="-1" dirty="0">
                 <a:solidFill>
                   <a:schemeClr val="bg1"/>
@@ -13204,7 +14414,7 @@
                 <a:latin typeface="Trebuchet MS"/>
                 <a:ea typeface="Trebuchet MS"/>
               </a:rPr>
-              <a:t>Evaluations</a:t>
+              <a:t>Déroulement</a:t>
             </a:r>
             <a:endParaRPr lang="fr-FR" sz="2000" b="0" strike="noStrike" spc="-1" dirty="0">
               <a:solidFill>
@@ -13220,7 +14430,7 @@
           <p:cNvPr id="4" name="Espace réservé du contenu 2">
             <a:extLst>
               <a:ext uri="{FF2B5EF4-FFF2-40B4-BE49-F238E27FC236}">
-                <a16:creationId xmlns:a16="http://schemas.microsoft.com/office/drawing/2014/main" id="{7DB7DACE-1CDC-F9B9-9553-754869EC293A}"/>
+                <a16:creationId xmlns:a16="http://schemas.microsoft.com/office/drawing/2014/main" id="{1F8D6EF3-7C57-CB24-A956-E894E5DB98E8}"/>
               </a:ext>
             </a:extLst>
           </p:cNvPr>
@@ -13245,38 +14455,74 @@
           <a:p>
             <a:r>
               <a:rPr lang="fr-FR" sz="2000" b="1" dirty="0"/>
-              <a:t>Synthèses </a:t>
-            </a:r>
-            <a:r>
-              <a:rPr lang="fr-FR" sz="2000" dirty="0"/>
-              <a:t>(50 %)</a:t>
+              <a:t>Durant la séance</a:t>
             </a:r>
           </a:p>
           <a:p>
             <a:pPr lvl="1"/>
             <a:r>
+              <a:rPr lang="fr-FR" sz="1800" b="1" dirty="0"/>
+              <a:t>En binôme</a:t>
+            </a:r>
+          </a:p>
+          <a:p>
+            <a:pPr lvl="1"/>
+            <a:r>
               <a:rPr lang="fr-FR" sz="1800" dirty="0"/>
-              <a:t>Thème 1 : évaluée mais non notée</a:t>
+              <a:t>Prise de </a:t>
+            </a:r>
+            <a:r>
+              <a:rPr lang="fr-FR" sz="1800" b="1" dirty="0"/>
+              <a:t>notes numériques </a:t>
+            </a:r>
+            <a:r>
+              <a:rPr lang="fr-FR" sz="1800" dirty="0"/>
+              <a:t>(outils partagés : Drive, Notion…)</a:t>
             </a:r>
           </a:p>
           <a:p>
             <a:pPr lvl="1"/>
             <a:r>
               <a:rPr lang="fr-FR" sz="1800" dirty="0"/>
-              <a:t>Thème 2 : évaluée et notée (50%)</a:t>
-            </a:r>
-          </a:p>
-          <a:p>
-            <a:endParaRPr lang="fr-FR" sz="1800" dirty="0"/>
-          </a:p>
-        </p:txBody>
-      </p:sp>
-      <p:sp>
-        <p:nvSpPr>
-          <p:cNvPr id="9" name="CustomShape 3">
-            <a:extLst>
-              <a:ext uri="{FF2B5EF4-FFF2-40B4-BE49-F238E27FC236}">
-                <a16:creationId xmlns:a16="http://schemas.microsoft.com/office/drawing/2014/main" id="{4BDDD5A9-51DE-277E-D8B4-6E62D0688F1C}"/>
+              <a:t>Sujet sous forme de mission</a:t>
+            </a:r>
+          </a:p>
+          <a:p>
+            <a:r>
+              <a:rPr lang="fr-FR" sz="2200" b="1" dirty="0"/>
+              <a:t>En fin de thème </a:t>
+            </a:r>
+            <a:r>
+              <a:rPr lang="fr-FR" sz="1600" dirty="0"/>
+              <a:t>(thèmes 1 et 2)</a:t>
+            </a:r>
+          </a:p>
+          <a:p>
+            <a:pPr lvl="1"/>
+            <a:r>
+              <a:rPr lang="fr-FR" sz="1800" dirty="0"/>
+              <a:t>Synthèse </a:t>
+            </a:r>
+            <a:r>
+              <a:rPr lang="fr-FR" sz="1400" dirty="0"/>
+              <a:t>(≠ compte-rendu)</a:t>
+            </a:r>
+          </a:p>
+          <a:p>
+            <a:pPr lvl="1"/>
+            <a:r>
+              <a:rPr lang="fr-FR" sz="1800" dirty="0"/>
+              <a:t>Carte conceptuelle</a:t>
+            </a:r>
+          </a:p>
+        </p:txBody>
+      </p:sp>
+      <p:sp>
+        <p:nvSpPr>
+          <p:cNvPr id="7" name="Rectangle 6">
+            <a:extLst>
+              <a:ext uri="{FF2B5EF4-FFF2-40B4-BE49-F238E27FC236}">
+                <a16:creationId xmlns:a16="http://schemas.microsoft.com/office/drawing/2014/main" id="{A50DE225-8170-C71A-7E0E-DCE92B8C8ED0}"/>
               </a:ext>
             </a:extLst>
           </p:cNvPr>
@@ -13285,102 +14531,57 @@
         </p:nvSpPr>
         <p:spPr>
           <a:xfrm>
-            <a:off x="6401130" y="2440601"/>
-            <a:ext cx="4685465" cy="492443"/>
+            <a:off x="2658219" y="6163842"/>
+            <a:ext cx="3142813" cy="538417"/>
           </a:xfrm>
           <a:prstGeom prst="rect">
             <a:avLst/>
           </a:prstGeom>
           <a:solidFill>
-            <a:srgbClr val="00B0F0"/>
+            <a:srgbClr val="002060"/>
           </a:solidFill>
-          <a:ln w="0">
-            <a:noFill/>
+          <a:ln>
+            <a:solidFill>
+              <a:schemeClr val="bg1"/>
+            </a:solidFill>
           </a:ln>
         </p:spPr>
         <p:style>
-          <a:lnRef idx="0">
-            <a:scrgbClr r="0" g="0" b="0"/>
+          <a:lnRef idx="2">
+            <a:schemeClr val="accent1">
+              <a:shade val="15000"/>
+            </a:schemeClr>
           </a:lnRef>
-          <a:fillRef idx="0">
-            <a:scrgbClr r="0" g="0" b="0"/>
+          <a:fillRef idx="1">
+            <a:schemeClr val="accent1"/>
           </a:fillRef>
           <a:effectRef idx="0">
-            <a:scrgbClr r="0" g="0" b="0"/>
+            <a:schemeClr val="accent1"/>
           </a:effectRef>
-          <a:fontRef idx="minor"/>
+          <a:fontRef idx="minor">
+            <a:schemeClr val="lt1"/>
+          </a:fontRef>
         </p:style>
         <p:txBody>
-          <a:bodyPr wrap="square" tIns="91440" bIns="91440">
-            <a:spAutoFit/>
-          </a:bodyPr>
-          <a:lstStyle/>
-          <a:p>
-            <a:pPr algn="ctr">
-              <a:lnSpc>
-                <a:spcPct val="100000"/>
-              </a:lnSpc>
-              <a:tabLst>
-                <a:tab pos="0" algn="l"/>
-              </a:tabLst>
-            </a:pPr>
-            <a:r>
-              <a:rPr lang="fr-FR" sz="2000" b="1" strike="noStrike" spc="-1" dirty="0">
-                <a:solidFill>
-                  <a:schemeClr val="bg1"/>
-                </a:solidFill>
-                <a:latin typeface="Trebuchet MS"/>
-                <a:ea typeface="Trebuchet MS"/>
-              </a:rPr>
-              <a:t>Synthèse et carte conceptuelle</a:t>
-            </a:r>
-            <a:endParaRPr lang="fr-FR" sz="2000" b="0" strike="noStrike" spc="-1" dirty="0">
-              <a:solidFill>
-                <a:schemeClr val="bg1"/>
-              </a:solidFill>
-              <a:latin typeface="Arial"/>
-            </a:endParaRPr>
-          </a:p>
-        </p:txBody>
-      </p:sp>
-      <p:sp>
-        <p:nvSpPr>
-          <p:cNvPr id="7" name="ZoneTexte 6">
-            <a:extLst>
-              <a:ext uri="{FF2B5EF4-FFF2-40B4-BE49-F238E27FC236}">
-                <a16:creationId xmlns:a16="http://schemas.microsoft.com/office/drawing/2014/main" id="{E2EFA9F7-0DD9-6F34-21B7-9DFF0D1C0131}"/>
-              </a:ext>
-            </a:extLst>
-          </p:cNvPr>
-          <p:cNvSpPr txBox="1"/>
-          <p:nvPr/>
-        </p:nvSpPr>
-        <p:spPr>
-          <a:xfrm>
-            <a:off x="6519042" y="3324792"/>
-            <a:ext cx="4564695" cy="1200329"/>
-          </a:xfrm>
-          <a:prstGeom prst="rect">
-            <a:avLst/>
-          </a:prstGeom>
-          <a:noFill/>
-        </p:spPr>
-        <p:txBody>
-          <a:bodyPr wrap="square">
-            <a:spAutoFit/>
-          </a:bodyPr>
-          <a:lstStyle/>
-          <a:p>
-            <a:pPr algn="just" fontAlgn="base"/>
-            <a:r>
-              <a:rPr lang="fr-FR" b="0" i="0" dirty="0">
-                <a:solidFill>
-                  <a:srgbClr val="666666"/>
-                </a:solidFill>
-                <a:effectLst/>
-                <a:latin typeface="Lato" panose="020F0502020204030203" pitchFamily="34" charset="0"/>
-              </a:rPr>
-              <a:t>	En tant qu’expert-conseil en électronique, indiquez-lui la marche à suivre pour réaliser ce prototype dans le cadre d’une application embarquée. </a:t>
+          <a:bodyPr rtlCol="0" anchor="ctr"/>
+          <a:lstStyle/>
+          <a:p>
+            <a:pPr algn="ctr"/>
+            <a:r>
+              <a:rPr lang="fr-FR" sz="1400" b="1" dirty="0"/>
+              <a:t>Dépôt sur </a:t>
+            </a:r>
+            <a:r>
+              <a:rPr lang="fr-FR" sz="1400" b="1" dirty="0" err="1"/>
+              <a:t>eCampus</a:t>
+            </a:r>
+            <a:endParaRPr lang="fr-FR" sz="1400" b="1" dirty="0"/>
+          </a:p>
+          <a:p>
+            <a:pPr algn="ctr"/>
+            <a:r>
+              <a:rPr lang="fr-FR" sz="1400" dirty="0"/>
+              <a:t>1 semaine après la dernière séance</a:t>
             </a:r>
           </a:p>
         </p:txBody>
@@ -13388,7 +14589,7 @@
     </p:spTree>
     <p:extLst>
       <p:ext uri="{BB962C8B-B14F-4D97-AF65-F5344CB8AC3E}">
-        <p14:creationId xmlns:p14="http://schemas.microsoft.com/office/powerpoint/2010/main" val="3094483282"/>
+        <p14:creationId xmlns:p14="http://schemas.microsoft.com/office/powerpoint/2010/main" val="1780351021"/>
       </p:ext>
     </p:extLst>
   </p:cSld>
